--- a/Training_Diagrams.pptx
+++ b/Training_Diagrams.pptx
@@ -7,6 +7,9 @@
   <p:sldIdLst>
     <p:sldId id="256" r:id="rId2"/>
     <p:sldId id="257" r:id="rId3"/>
+    <p:sldId id="258" r:id="rId4"/>
+    <p:sldId id="259" r:id="rId5"/>
+    <p:sldId id="260" r:id="rId6"/>
   </p:sldIdLst>
   <p:sldSz cx="12192000" cy="6858000"/>
   <p:notesSz cx="6858000" cy="9144000"/>
@@ -105,6 +108,11 @@
       </a:defRPr>
     </a:lvl9pPr>
   </p:defaultTextStyle>
+  <p:extLst>
+    <p:ext uri="{EFAFB233-063F-42B5-8137-9DF3F51BA10A}">
+      <p15:sldGuideLst xmlns:p15="http://schemas.microsoft.com/office/powerpoint/2012/main"/>
+    </p:ext>
+  </p:extLst>
 </p:presentation>
 </file>
 
@@ -346,7 +354,7 @@
           <a:p>
             <a:fld id="{ED291B17-9318-49DB-B28B-6E5994AE9581}" type="datetime1">
               <a:rPr lang="en-US" smtClean="0"/>
-              <a:t>2/11/21</a:t>
+              <a:t>2/12/21</a:t>
             </a:fld>
             <a:endParaRPr lang="en-US" dirty="0"/>
           </a:p>
@@ -549,7 +557,7 @@
           <a:p>
             <a:fld id="{2CED4963-E985-44C4-B8C4-FDD613B7C2F8}" type="datetime1">
               <a:rPr lang="en-US" smtClean="0"/>
-              <a:t>2/11/21</a:t>
+              <a:t>2/12/21</a:t>
             </a:fld>
             <a:endParaRPr lang="en-US" dirty="0"/>
           </a:p>
@@ -911,7 +919,7 @@
           <a:p>
             <a:fld id="{ED291B17-9318-49DB-B28B-6E5994AE9581}" type="datetime1">
               <a:rPr lang="en-US" smtClean="0"/>
-              <a:t>2/11/21</a:t>
+              <a:t>2/12/21</a:t>
             </a:fld>
             <a:endParaRPr lang="en-US" dirty="0"/>
           </a:p>
@@ -1109,7 +1117,7 @@
           <a:p>
             <a:fld id="{78DD82B9-B8EE-4375-B6FF-88FA6ABB15D9}" type="datetime1">
               <a:rPr lang="en-US" smtClean="0"/>
-              <a:t>2/11/21</a:t>
+              <a:t>2/12/21</a:t>
             </a:fld>
             <a:endParaRPr lang="en-US" dirty="0"/>
           </a:p>
@@ -1421,7 +1429,7 @@
           <a:p>
             <a:fld id="{B2497495-0637-405E-AE64-5CC7506D51F5}" type="datetime1">
               <a:rPr lang="en-US" smtClean="0"/>
-              <a:t>2/11/21</a:t>
+              <a:t>2/12/21</a:t>
             </a:fld>
             <a:endParaRPr lang="en-US" dirty="0"/>
           </a:p>
@@ -1674,7 +1682,7 @@
           <a:p>
             <a:fld id="{7BFFD690-9426-415D-8B65-26881E07B2D4}" type="datetime1">
               <a:rPr lang="en-US" smtClean="0"/>
-              <a:t>2/11/21</a:t>
+              <a:t>2/12/21</a:t>
             </a:fld>
             <a:endParaRPr lang="en-US" dirty="0"/>
           </a:p>
@@ -2096,7 +2104,7 @@
           <a:p>
             <a:fld id="{04C4989A-474C-40DE-95B9-011C28B71673}" type="datetime1">
               <a:rPr lang="en-US" smtClean="0"/>
-              <a:t>2/11/21</a:t>
+              <a:t>2/12/21</a:t>
             </a:fld>
             <a:endParaRPr lang="en-US" dirty="0"/>
           </a:p>
@@ -2219,7 +2227,7 @@
           <a:p>
             <a:fld id="{5DB4ED54-5B5E-4A04-93D3-5772E3CE3818}" type="datetime1">
               <a:rPr lang="en-US" smtClean="0"/>
-              <a:t>2/11/21</a:t>
+              <a:t>2/12/21</a:t>
             </a:fld>
             <a:endParaRPr lang="en-US" dirty="0"/>
           </a:p>
@@ -2314,7 +2322,7 @@
           <a:p>
             <a:fld id="{4EDE50D6-574B-40AF-946F-D52A04ADE379}" type="datetime1">
               <a:rPr lang="en-US" smtClean="0"/>
-              <a:t>2/11/21</a:t>
+              <a:t>2/12/21</a:t>
             </a:fld>
             <a:endParaRPr lang="en-US" dirty="0"/>
           </a:p>
@@ -2691,7 +2699,7 @@
           <a:p>
             <a:fld id="{D82884F1-FFEA-405F-9602-3DCA865EDA4E}" type="datetime1">
               <a:rPr lang="en-US" smtClean="0"/>
-              <a:t>2/11/21</a:t>
+              <a:t>2/12/21</a:t>
             </a:fld>
             <a:endParaRPr lang="en-US" dirty="0"/>
           </a:p>
@@ -2984,7 +2992,7 @@
           <a:p>
             <a:fld id="{7E18DB4A-8810-4A10-AD5C-D5E2C667F5B3}" type="datetime1">
               <a:rPr lang="en-US" smtClean="0"/>
-              <a:t>2/11/21</a:t>
+              <a:t>2/12/21</a:t>
             </a:fld>
             <a:endParaRPr lang="en-US" dirty="0"/>
           </a:p>
@@ -3199,7 +3207,7 @@
           <a:p>
             <a:fld id="{ED291B17-9318-49DB-B28B-6E5994AE9581}" type="datetime1">
               <a:rPr lang="en-US" smtClean="0"/>
-              <a:t>2/11/21</a:t>
+              <a:t>2/12/21</a:t>
             </a:fld>
             <a:endParaRPr lang="en-US" dirty="0"/>
           </a:p>
@@ -4635,6 +4643,1477 @@
 </p:sld>
 </file>
 
+<file path=ppt/slides/slide3.xml><?xml version="1.0" encoding="utf-8"?>
+<p:sld xmlns:a="http://schemas.openxmlformats.org/drawingml/2006/main" xmlns:r="http://schemas.openxmlformats.org/officeDocument/2006/relationships" xmlns:p="http://schemas.openxmlformats.org/presentationml/2006/main">
+  <p:cSld>
+    <p:spTree>
+      <p:nvGrpSpPr>
+        <p:cNvPr id="1" name=""/>
+        <p:cNvGrpSpPr/>
+        <p:nvPr/>
+      </p:nvGrpSpPr>
+      <p:grpSpPr>
+        <a:xfrm>
+          <a:off x="0" y="0"/>
+          <a:ext cx="0" cy="0"/>
+          <a:chOff x="0" y="0"/>
+          <a:chExt cx="0" cy="0"/>
+        </a:xfrm>
+      </p:grpSpPr>
+      <p:sp>
+        <p:nvSpPr>
+          <p:cNvPr id="2" name="TextBox 1">
+            <a:extLst>
+              <a:ext uri="{FF2B5EF4-FFF2-40B4-BE49-F238E27FC236}">
+                <a16:creationId xmlns:a16="http://schemas.microsoft.com/office/drawing/2014/main" id="{104AA617-504F-634D-8DAD-6810E41A88ED}"/>
+              </a:ext>
+            </a:extLst>
+          </p:cNvPr>
+          <p:cNvSpPr txBox="1"/>
+          <p:nvPr/>
+        </p:nvSpPr>
+        <p:spPr>
+          <a:xfrm>
+            <a:off x="1114697" y="775063"/>
+            <a:ext cx="9962606" cy="369332"/>
+          </a:xfrm>
+          <a:prstGeom prst="rect">
+            <a:avLst/>
+          </a:prstGeom>
+          <a:noFill/>
+        </p:spPr>
+        <p:txBody>
+          <a:bodyPr wrap="square" rtlCol="0">
+            <a:spAutoFit/>
+          </a:bodyPr>
+          <a:lstStyle/>
+          <a:p>
+            <a:pPr algn="ctr"/>
+            <a:r>
+              <a:rPr lang="en-US" dirty="0"/>
+              <a:t>Common Code Sharing for Front-End Apps</a:t>
+            </a:r>
+          </a:p>
+        </p:txBody>
+      </p:sp>
+      <p:sp>
+        <p:nvSpPr>
+          <p:cNvPr id="3" name="Rectangle 2">
+            <a:extLst>
+              <a:ext uri="{FF2B5EF4-FFF2-40B4-BE49-F238E27FC236}">
+                <a16:creationId xmlns:a16="http://schemas.microsoft.com/office/drawing/2014/main" id="{ABD701DF-7714-2B4B-9F3E-BBFFDE3C0F4D}"/>
+              </a:ext>
+            </a:extLst>
+          </p:cNvPr>
+          <p:cNvSpPr/>
+          <p:nvPr/>
+        </p:nvSpPr>
+        <p:spPr>
+          <a:xfrm>
+            <a:off x="304800" y="4519749"/>
+            <a:ext cx="11634651" cy="2046514"/>
+          </a:xfrm>
+          <a:prstGeom prst="rect">
+            <a:avLst/>
+          </a:prstGeom>
+        </p:spPr>
+        <p:style>
+          <a:lnRef idx="2">
+            <a:schemeClr val="accent6"/>
+          </a:lnRef>
+          <a:fillRef idx="1">
+            <a:schemeClr val="lt1"/>
+          </a:fillRef>
+          <a:effectRef idx="0">
+            <a:schemeClr val="accent6"/>
+          </a:effectRef>
+          <a:fontRef idx="minor">
+            <a:schemeClr val="dk1"/>
+          </a:fontRef>
+        </p:style>
+        <p:txBody>
+          <a:bodyPr rtlCol="0" anchor="ctr"/>
+          <a:lstStyle/>
+          <a:p>
+            <a:pPr algn="ctr"/>
+            <a:endParaRPr lang="en-US"/>
+          </a:p>
+        </p:txBody>
+      </p:sp>
+      <p:sp>
+        <p:nvSpPr>
+          <p:cNvPr id="4" name="TextBox 3">
+            <a:extLst>
+              <a:ext uri="{FF2B5EF4-FFF2-40B4-BE49-F238E27FC236}">
+                <a16:creationId xmlns:a16="http://schemas.microsoft.com/office/drawing/2014/main" id="{3646C229-94B9-134C-A00C-0DF1A88EDB50}"/>
+              </a:ext>
+            </a:extLst>
+          </p:cNvPr>
+          <p:cNvSpPr txBox="1"/>
+          <p:nvPr/>
+        </p:nvSpPr>
+        <p:spPr>
+          <a:xfrm>
+            <a:off x="4258491" y="4615543"/>
+            <a:ext cx="3413760" cy="374468"/>
+          </a:xfrm>
+          <a:prstGeom prst="rect">
+            <a:avLst/>
+          </a:prstGeom>
+          <a:noFill/>
+        </p:spPr>
+        <p:txBody>
+          <a:bodyPr wrap="square" rtlCol="0">
+            <a:spAutoFit/>
+          </a:bodyPr>
+          <a:lstStyle/>
+          <a:p>
+            <a:pPr algn="ctr"/>
+            <a:r>
+              <a:rPr lang="en-US" dirty="0"/>
+              <a:t>TypeScript Common Code Base</a:t>
+            </a:r>
+          </a:p>
+        </p:txBody>
+      </p:sp>
+      <p:sp>
+        <p:nvSpPr>
+          <p:cNvPr id="5" name="Rectangle 4">
+            <a:extLst>
+              <a:ext uri="{FF2B5EF4-FFF2-40B4-BE49-F238E27FC236}">
+                <a16:creationId xmlns:a16="http://schemas.microsoft.com/office/drawing/2014/main" id="{E4AB65A0-7B42-A044-8AA9-814F1F83A72E}"/>
+              </a:ext>
+            </a:extLst>
+          </p:cNvPr>
+          <p:cNvSpPr/>
+          <p:nvPr/>
+        </p:nvSpPr>
+        <p:spPr>
+          <a:xfrm>
+            <a:off x="478970" y="5242558"/>
+            <a:ext cx="2246811" cy="1166949"/>
+          </a:xfrm>
+          <a:prstGeom prst="rect">
+            <a:avLst/>
+          </a:prstGeom>
+        </p:spPr>
+        <p:style>
+          <a:lnRef idx="2">
+            <a:schemeClr val="accent1">
+              <a:shade val="50000"/>
+            </a:schemeClr>
+          </a:lnRef>
+          <a:fillRef idx="1">
+            <a:schemeClr val="accent1"/>
+          </a:fillRef>
+          <a:effectRef idx="0">
+            <a:schemeClr val="accent1"/>
+          </a:effectRef>
+          <a:fontRef idx="minor">
+            <a:schemeClr val="lt1"/>
+          </a:fontRef>
+        </p:style>
+        <p:txBody>
+          <a:bodyPr rtlCol="0" anchor="ctr"/>
+          <a:lstStyle/>
+          <a:p>
+            <a:pPr algn="ctr"/>
+            <a:r>
+              <a:rPr lang="en-US" dirty="0"/>
+              <a:t>String Manipulation </a:t>
+            </a:r>
+          </a:p>
+        </p:txBody>
+      </p:sp>
+      <p:sp>
+        <p:nvSpPr>
+          <p:cNvPr id="6" name="Rectangle 5">
+            <a:extLst>
+              <a:ext uri="{FF2B5EF4-FFF2-40B4-BE49-F238E27FC236}">
+                <a16:creationId xmlns:a16="http://schemas.microsoft.com/office/drawing/2014/main" id="{5937B49B-9F83-D44E-B37D-6E8F03C7B49A}"/>
+              </a:ext>
+            </a:extLst>
+          </p:cNvPr>
+          <p:cNvSpPr/>
+          <p:nvPr/>
+        </p:nvSpPr>
+        <p:spPr>
+          <a:xfrm>
+            <a:off x="2899951" y="5242558"/>
+            <a:ext cx="2246811" cy="1166949"/>
+          </a:xfrm>
+          <a:prstGeom prst="rect">
+            <a:avLst/>
+          </a:prstGeom>
+        </p:spPr>
+        <p:style>
+          <a:lnRef idx="2">
+            <a:schemeClr val="accent1">
+              <a:shade val="50000"/>
+            </a:schemeClr>
+          </a:lnRef>
+          <a:fillRef idx="1">
+            <a:schemeClr val="accent1"/>
+          </a:fillRef>
+          <a:effectRef idx="0">
+            <a:schemeClr val="accent1"/>
+          </a:effectRef>
+          <a:fontRef idx="minor">
+            <a:schemeClr val="lt1"/>
+          </a:fontRef>
+        </p:style>
+        <p:txBody>
+          <a:bodyPr rtlCol="0" anchor="ctr"/>
+          <a:lstStyle/>
+          <a:p>
+            <a:pPr algn="ctr"/>
+            <a:r>
+              <a:rPr lang="en-US" dirty="0"/>
+              <a:t>Array Utilities</a:t>
+            </a:r>
+          </a:p>
+        </p:txBody>
+      </p:sp>
+      <p:sp>
+        <p:nvSpPr>
+          <p:cNvPr id="7" name="Rectangle 6">
+            <a:extLst>
+              <a:ext uri="{FF2B5EF4-FFF2-40B4-BE49-F238E27FC236}">
+                <a16:creationId xmlns:a16="http://schemas.microsoft.com/office/drawing/2014/main" id="{37DB953F-EC07-9C42-9CF0-0E1845A06E9E}"/>
+              </a:ext>
+            </a:extLst>
+          </p:cNvPr>
+          <p:cNvSpPr/>
+          <p:nvPr/>
+        </p:nvSpPr>
+        <p:spPr>
+          <a:xfrm>
+            <a:off x="5373183" y="5242558"/>
+            <a:ext cx="2246811" cy="1166949"/>
+          </a:xfrm>
+          <a:prstGeom prst="rect">
+            <a:avLst/>
+          </a:prstGeom>
+        </p:spPr>
+        <p:style>
+          <a:lnRef idx="2">
+            <a:schemeClr val="accent1">
+              <a:shade val="50000"/>
+            </a:schemeClr>
+          </a:lnRef>
+          <a:fillRef idx="1">
+            <a:schemeClr val="accent1"/>
+          </a:fillRef>
+          <a:effectRef idx="0">
+            <a:schemeClr val="accent1"/>
+          </a:effectRef>
+          <a:fontRef idx="minor">
+            <a:schemeClr val="lt1"/>
+          </a:fontRef>
+        </p:style>
+        <p:txBody>
+          <a:bodyPr rtlCol="0" anchor="ctr"/>
+          <a:lstStyle/>
+          <a:p>
+            <a:pPr algn="ctr"/>
+            <a:r>
+              <a:rPr lang="en-US" dirty="0"/>
+              <a:t>Date/Time Operations</a:t>
+            </a:r>
+          </a:p>
+        </p:txBody>
+      </p:sp>
+      <p:sp>
+        <p:nvSpPr>
+          <p:cNvPr id="8" name="Rectangle 7">
+            <a:extLst>
+              <a:ext uri="{FF2B5EF4-FFF2-40B4-BE49-F238E27FC236}">
+                <a16:creationId xmlns:a16="http://schemas.microsoft.com/office/drawing/2014/main" id="{2978D53F-DE71-C24D-B821-F99A579331AD}"/>
+              </a:ext>
+            </a:extLst>
+          </p:cNvPr>
+          <p:cNvSpPr/>
+          <p:nvPr/>
+        </p:nvSpPr>
+        <p:spPr>
+          <a:xfrm>
+            <a:off x="7763690" y="5242557"/>
+            <a:ext cx="2246811" cy="1166949"/>
+          </a:xfrm>
+          <a:prstGeom prst="rect">
+            <a:avLst/>
+          </a:prstGeom>
+        </p:spPr>
+        <p:style>
+          <a:lnRef idx="2">
+            <a:schemeClr val="accent1">
+              <a:shade val="50000"/>
+            </a:schemeClr>
+          </a:lnRef>
+          <a:fillRef idx="1">
+            <a:schemeClr val="accent1"/>
+          </a:fillRef>
+          <a:effectRef idx="0">
+            <a:schemeClr val="accent1"/>
+          </a:effectRef>
+          <a:fontRef idx="minor">
+            <a:schemeClr val="lt1"/>
+          </a:fontRef>
+        </p:style>
+        <p:txBody>
+          <a:bodyPr rtlCol="0" anchor="ctr"/>
+          <a:lstStyle/>
+          <a:p>
+            <a:pPr algn="ctr"/>
+            <a:r>
+              <a:rPr lang="en-US" dirty="0"/>
+              <a:t>HTTP Calls</a:t>
+            </a:r>
+          </a:p>
+        </p:txBody>
+      </p:sp>
+      <p:sp>
+        <p:nvSpPr>
+          <p:cNvPr id="9" name="Rectangle 8">
+            <a:extLst>
+              <a:ext uri="{FF2B5EF4-FFF2-40B4-BE49-F238E27FC236}">
+                <a16:creationId xmlns:a16="http://schemas.microsoft.com/office/drawing/2014/main" id="{FFAF8C60-25D4-CE4A-B3A2-026479444603}"/>
+              </a:ext>
+            </a:extLst>
+          </p:cNvPr>
+          <p:cNvSpPr/>
+          <p:nvPr/>
+        </p:nvSpPr>
+        <p:spPr>
+          <a:xfrm>
+            <a:off x="10171608" y="5242557"/>
+            <a:ext cx="1628505" cy="1166949"/>
+          </a:xfrm>
+          <a:prstGeom prst="rect">
+            <a:avLst/>
+          </a:prstGeom>
+        </p:spPr>
+        <p:style>
+          <a:lnRef idx="2">
+            <a:schemeClr val="accent1">
+              <a:shade val="50000"/>
+            </a:schemeClr>
+          </a:lnRef>
+          <a:fillRef idx="1">
+            <a:schemeClr val="accent1"/>
+          </a:fillRef>
+          <a:effectRef idx="0">
+            <a:schemeClr val="accent1"/>
+          </a:effectRef>
+          <a:fontRef idx="minor">
+            <a:schemeClr val="lt1"/>
+          </a:fontRef>
+        </p:style>
+        <p:txBody>
+          <a:bodyPr rtlCol="0" anchor="ctr"/>
+          <a:lstStyle/>
+          <a:p>
+            <a:pPr algn="ctr"/>
+            <a:r>
+              <a:rPr lang="en-US" dirty="0"/>
+              <a:t>SVG / Charts</a:t>
+            </a:r>
+          </a:p>
+        </p:txBody>
+      </p:sp>
+      <p:sp>
+        <p:nvSpPr>
+          <p:cNvPr id="10" name="Rectangle 9">
+            <a:extLst>
+              <a:ext uri="{FF2B5EF4-FFF2-40B4-BE49-F238E27FC236}">
+                <a16:creationId xmlns:a16="http://schemas.microsoft.com/office/drawing/2014/main" id="{3AD39243-3F64-FC49-92EF-A2145979A49C}"/>
+              </a:ext>
+            </a:extLst>
+          </p:cNvPr>
+          <p:cNvSpPr/>
+          <p:nvPr/>
+        </p:nvSpPr>
+        <p:spPr>
+          <a:xfrm>
+            <a:off x="609600" y="1454331"/>
+            <a:ext cx="3466011" cy="2786743"/>
+          </a:xfrm>
+          <a:prstGeom prst="rect">
+            <a:avLst/>
+          </a:prstGeom>
+        </p:spPr>
+        <p:style>
+          <a:lnRef idx="2">
+            <a:schemeClr val="accent1">
+              <a:shade val="50000"/>
+            </a:schemeClr>
+          </a:lnRef>
+          <a:fillRef idx="1">
+            <a:schemeClr val="accent1"/>
+          </a:fillRef>
+          <a:effectRef idx="0">
+            <a:schemeClr val="accent1"/>
+          </a:effectRef>
+          <a:fontRef idx="minor">
+            <a:schemeClr val="lt1"/>
+          </a:fontRef>
+        </p:style>
+        <p:txBody>
+          <a:bodyPr rtlCol="0" anchor="ctr"/>
+          <a:lstStyle/>
+          <a:p>
+            <a:pPr algn="ctr"/>
+            <a:r>
+              <a:rPr lang="en-US" dirty="0"/>
+              <a:t>Angular App</a:t>
+            </a:r>
+          </a:p>
+        </p:txBody>
+      </p:sp>
+      <p:sp>
+        <p:nvSpPr>
+          <p:cNvPr id="11" name="Down Arrow 10">
+            <a:extLst>
+              <a:ext uri="{FF2B5EF4-FFF2-40B4-BE49-F238E27FC236}">
+                <a16:creationId xmlns:a16="http://schemas.microsoft.com/office/drawing/2014/main" id="{D002774C-BD9E-DD4F-8CAD-E9F26FDFEA9A}"/>
+              </a:ext>
+            </a:extLst>
+          </p:cNvPr>
+          <p:cNvSpPr/>
+          <p:nvPr/>
+        </p:nvSpPr>
+        <p:spPr>
+          <a:xfrm>
+            <a:off x="1184366" y="3944983"/>
+            <a:ext cx="269965" cy="574766"/>
+          </a:xfrm>
+          <a:prstGeom prst="downArrow">
+            <a:avLst/>
+          </a:prstGeom>
+          <a:solidFill>
+            <a:srgbClr val="FF0000"/>
+          </a:solidFill>
+        </p:spPr>
+        <p:style>
+          <a:lnRef idx="2">
+            <a:schemeClr val="accent1">
+              <a:shade val="50000"/>
+            </a:schemeClr>
+          </a:lnRef>
+          <a:fillRef idx="1">
+            <a:schemeClr val="accent1"/>
+          </a:fillRef>
+          <a:effectRef idx="0">
+            <a:schemeClr val="accent1"/>
+          </a:effectRef>
+          <a:fontRef idx="minor">
+            <a:schemeClr val="lt1"/>
+          </a:fontRef>
+        </p:style>
+        <p:txBody>
+          <a:bodyPr rtlCol="0" anchor="ctr"/>
+          <a:lstStyle/>
+          <a:p>
+            <a:pPr algn="ctr"/>
+            <a:endParaRPr lang="en-US"/>
+          </a:p>
+        </p:txBody>
+      </p:sp>
+      <p:sp>
+        <p:nvSpPr>
+          <p:cNvPr id="12" name="Down Arrow 11">
+            <a:extLst>
+              <a:ext uri="{FF2B5EF4-FFF2-40B4-BE49-F238E27FC236}">
+                <a16:creationId xmlns:a16="http://schemas.microsoft.com/office/drawing/2014/main" id="{695F7E7B-919B-6A41-8829-22C390CA97EB}"/>
+              </a:ext>
+            </a:extLst>
+          </p:cNvPr>
+          <p:cNvSpPr/>
+          <p:nvPr/>
+        </p:nvSpPr>
+        <p:spPr>
+          <a:xfrm rot="10800000">
+            <a:off x="2725781" y="3953691"/>
+            <a:ext cx="269965" cy="574766"/>
+          </a:xfrm>
+          <a:prstGeom prst="downArrow">
+            <a:avLst/>
+          </a:prstGeom>
+          <a:solidFill>
+            <a:srgbClr val="FF0000"/>
+          </a:solidFill>
+        </p:spPr>
+        <p:style>
+          <a:lnRef idx="2">
+            <a:schemeClr val="accent1">
+              <a:shade val="50000"/>
+            </a:schemeClr>
+          </a:lnRef>
+          <a:fillRef idx="1">
+            <a:schemeClr val="accent1"/>
+          </a:fillRef>
+          <a:effectRef idx="0">
+            <a:schemeClr val="accent1"/>
+          </a:effectRef>
+          <a:fontRef idx="minor">
+            <a:schemeClr val="lt1"/>
+          </a:fontRef>
+        </p:style>
+        <p:txBody>
+          <a:bodyPr rtlCol="0" anchor="ctr"/>
+          <a:lstStyle/>
+          <a:p>
+            <a:pPr algn="ctr"/>
+            <a:endParaRPr lang="en-US"/>
+          </a:p>
+        </p:txBody>
+      </p:sp>
+      <p:sp>
+        <p:nvSpPr>
+          <p:cNvPr id="13" name="Rectangle 12">
+            <a:extLst>
+              <a:ext uri="{FF2B5EF4-FFF2-40B4-BE49-F238E27FC236}">
+                <a16:creationId xmlns:a16="http://schemas.microsoft.com/office/drawing/2014/main" id="{BD7D36F1-41D5-2240-B320-C5F3AC9678DE}"/>
+              </a:ext>
+            </a:extLst>
+          </p:cNvPr>
+          <p:cNvSpPr/>
+          <p:nvPr/>
+        </p:nvSpPr>
+        <p:spPr>
+          <a:xfrm>
+            <a:off x="4362994" y="1454331"/>
+            <a:ext cx="3466011" cy="2786743"/>
+          </a:xfrm>
+          <a:prstGeom prst="rect">
+            <a:avLst/>
+          </a:prstGeom>
+        </p:spPr>
+        <p:style>
+          <a:lnRef idx="2">
+            <a:schemeClr val="accent1">
+              <a:shade val="50000"/>
+            </a:schemeClr>
+          </a:lnRef>
+          <a:fillRef idx="1">
+            <a:schemeClr val="accent1"/>
+          </a:fillRef>
+          <a:effectRef idx="0">
+            <a:schemeClr val="accent1"/>
+          </a:effectRef>
+          <a:fontRef idx="minor">
+            <a:schemeClr val="lt1"/>
+          </a:fontRef>
+        </p:style>
+        <p:txBody>
+          <a:bodyPr rtlCol="0" anchor="ctr"/>
+          <a:lstStyle/>
+          <a:p>
+            <a:pPr algn="ctr"/>
+            <a:r>
+              <a:rPr lang="en-US" dirty="0"/>
+              <a:t>React App</a:t>
+            </a:r>
+          </a:p>
+        </p:txBody>
+      </p:sp>
+      <p:sp>
+        <p:nvSpPr>
+          <p:cNvPr id="14" name="Down Arrow 13">
+            <a:extLst>
+              <a:ext uri="{FF2B5EF4-FFF2-40B4-BE49-F238E27FC236}">
+                <a16:creationId xmlns:a16="http://schemas.microsoft.com/office/drawing/2014/main" id="{6A7901C9-8F3B-8B40-B850-30623DCFE3C0}"/>
+              </a:ext>
+            </a:extLst>
+          </p:cNvPr>
+          <p:cNvSpPr/>
+          <p:nvPr/>
+        </p:nvSpPr>
+        <p:spPr>
+          <a:xfrm>
+            <a:off x="4937760" y="3944983"/>
+            <a:ext cx="269965" cy="574766"/>
+          </a:xfrm>
+          <a:prstGeom prst="downArrow">
+            <a:avLst/>
+          </a:prstGeom>
+          <a:solidFill>
+            <a:srgbClr val="FF0000"/>
+          </a:solidFill>
+        </p:spPr>
+        <p:style>
+          <a:lnRef idx="2">
+            <a:schemeClr val="accent1">
+              <a:shade val="50000"/>
+            </a:schemeClr>
+          </a:lnRef>
+          <a:fillRef idx="1">
+            <a:schemeClr val="accent1"/>
+          </a:fillRef>
+          <a:effectRef idx="0">
+            <a:schemeClr val="accent1"/>
+          </a:effectRef>
+          <a:fontRef idx="minor">
+            <a:schemeClr val="lt1"/>
+          </a:fontRef>
+        </p:style>
+        <p:txBody>
+          <a:bodyPr rtlCol="0" anchor="ctr"/>
+          <a:lstStyle/>
+          <a:p>
+            <a:pPr algn="ctr"/>
+            <a:endParaRPr lang="en-US"/>
+          </a:p>
+        </p:txBody>
+      </p:sp>
+      <p:sp>
+        <p:nvSpPr>
+          <p:cNvPr id="15" name="Down Arrow 14">
+            <a:extLst>
+              <a:ext uri="{FF2B5EF4-FFF2-40B4-BE49-F238E27FC236}">
+                <a16:creationId xmlns:a16="http://schemas.microsoft.com/office/drawing/2014/main" id="{6017E10A-0894-3843-984E-FF34050F688C}"/>
+              </a:ext>
+            </a:extLst>
+          </p:cNvPr>
+          <p:cNvSpPr/>
+          <p:nvPr/>
+        </p:nvSpPr>
+        <p:spPr>
+          <a:xfrm rot="10800000">
+            <a:off x="6479175" y="3953691"/>
+            <a:ext cx="269965" cy="574766"/>
+          </a:xfrm>
+          <a:prstGeom prst="downArrow">
+            <a:avLst/>
+          </a:prstGeom>
+          <a:solidFill>
+            <a:srgbClr val="FF0000"/>
+          </a:solidFill>
+        </p:spPr>
+        <p:style>
+          <a:lnRef idx="2">
+            <a:schemeClr val="accent1">
+              <a:shade val="50000"/>
+            </a:schemeClr>
+          </a:lnRef>
+          <a:fillRef idx="1">
+            <a:schemeClr val="accent1"/>
+          </a:fillRef>
+          <a:effectRef idx="0">
+            <a:schemeClr val="accent1"/>
+          </a:effectRef>
+          <a:fontRef idx="minor">
+            <a:schemeClr val="lt1"/>
+          </a:fontRef>
+        </p:style>
+        <p:txBody>
+          <a:bodyPr rtlCol="0" anchor="ctr"/>
+          <a:lstStyle/>
+          <a:p>
+            <a:pPr algn="ctr"/>
+            <a:endParaRPr lang="en-US"/>
+          </a:p>
+        </p:txBody>
+      </p:sp>
+      <p:sp>
+        <p:nvSpPr>
+          <p:cNvPr id="16" name="Rectangle 15">
+            <a:extLst>
+              <a:ext uri="{FF2B5EF4-FFF2-40B4-BE49-F238E27FC236}">
+                <a16:creationId xmlns:a16="http://schemas.microsoft.com/office/drawing/2014/main" id="{0A63C3B3-9049-9E4F-85B4-9D701261994F}"/>
+              </a:ext>
+            </a:extLst>
+          </p:cNvPr>
+          <p:cNvSpPr/>
+          <p:nvPr/>
+        </p:nvSpPr>
+        <p:spPr>
+          <a:xfrm>
+            <a:off x="8277495" y="1449977"/>
+            <a:ext cx="3466011" cy="2786743"/>
+          </a:xfrm>
+          <a:prstGeom prst="rect">
+            <a:avLst/>
+          </a:prstGeom>
+        </p:spPr>
+        <p:style>
+          <a:lnRef idx="2">
+            <a:schemeClr val="accent1">
+              <a:shade val="50000"/>
+            </a:schemeClr>
+          </a:lnRef>
+          <a:fillRef idx="1">
+            <a:schemeClr val="accent1"/>
+          </a:fillRef>
+          <a:effectRef idx="0">
+            <a:schemeClr val="accent1"/>
+          </a:effectRef>
+          <a:fontRef idx="minor">
+            <a:schemeClr val="lt1"/>
+          </a:fontRef>
+        </p:style>
+        <p:txBody>
+          <a:bodyPr rtlCol="0" anchor="ctr"/>
+          <a:lstStyle/>
+          <a:p>
+            <a:pPr algn="ctr"/>
+            <a:r>
+              <a:rPr lang="en-US" dirty="0" err="1"/>
+              <a:t>Vue.js</a:t>
+            </a:r>
+            <a:r>
+              <a:rPr lang="en-US" dirty="0"/>
+              <a:t> App</a:t>
+            </a:r>
+          </a:p>
+        </p:txBody>
+      </p:sp>
+      <p:sp>
+        <p:nvSpPr>
+          <p:cNvPr id="17" name="Down Arrow 16">
+            <a:extLst>
+              <a:ext uri="{FF2B5EF4-FFF2-40B4-BE49-F238E27FC236}">
+                <a16:creationId xmlns:a16="http://schemas.microsoft.com/office/drawing/2014/main" id="{39926F56-37BE-5B49-A98D-F1C1AC056BF9}"/>
+              </a:ext>
+            </a:extLst>
+          </p:cNvPr>
+          <p:cNvSpPr/>
+          <p:nvPr/>
+        </p:nvSpPr>
+        <p:spPr>
+          <a:xfrm>
+            <a:off x="8852261" y="3940629"/>
+            <a:ext cx="269965" cy="574766"/>
+          </a:xfrm>
+          <a:prstGeom prst="downArrow">
+            <a:avLst/>
+          </a:prstGeom>
+          <a:solidFill>
+            <a:srgbClr val="FF0000"/>
+          </a:solidFill>
+        </p:spPr>
+        <p:style>
+          <a:lnRef idx="2">
+            <a:schemeClr val="accent1">
+              <a:shade val="50000"/>
+            </a:schemeClr>
+          </a:lnRef>
+          <a:fillRef idx="1">
+            <a:schemeClr val="accent1"/>
+          </a:fillRef>
+          <a:effectRef idx="0">
+            <a:schemeClr val="accent1"/>
+          </a:effectRef>
+          <a:fontRef idx="minor">
+            <a:schemeClr val="lt1"/>
+          </a:fontRef>
+        </p:style>
+        <p:txBody>
+          <a:bodyPr rtlCol="0" anchor="ctr"/>
+          <a:lstStyle/>
+          <a:p>
+            <a:pPr algn="ctr"/>
+            <a:endParaRPr lang="en-US"/>
+          </a:p>
+        </p:txBody>
+      </p:sp>
+      <p:sp>
+        <p:nvSpPr>
+          <p:cNvPr id="18" name="Down Arrow 17">
+            <a:extLst>
+              <a:ext uri="{FF2B5EF4-FFF2-40B4-BE49-F238E27FC236}">
+                <a16:creationId xmlns:a16="http://schemas.microsoft.com/office/drawing/2014/main" id="{2EA69D39-B7BF-0248-B3FD-A656457CA250}"/>
+              </a:ext>
+            </a:extLst>
+          </p:cNvPr>
+          <p:cNvSpPr/>
+          <p:nvPr/>
+        </p:nvSpPr>
+        <p:spPr>
+          <a:xfrm rot="10800000">
+            <a:off x="10393676" y="3949337"/>
+            <a:ext cx="269965" cy="574766"/>
+          </a:xfrm>
+          <a:prstGeom prst="downArrow">
+            <a:avLst/>
+          </a:prstGeom>
+          <a:solidFill>
+            <a:srgbClr val="FF0000"/>
+          </a:solidFill>
+        </p:spPr>
+        <p:style>
+          <a:lnRef idx="2">
+            <a:schemeClr val="accent1">
+              <a:shade val="50000"/>
+            </a:schemeClr>
+          </a:lnRef>
+          <a:fillRef idx="1">
+            <a:schemeClr val="accent1"/>
+          </a:fillRef>
+          <a:effectRef idx="0">
+            <a:schemeClr val="accent1"/>
+          </a:effectRef>
+          <a:fontRef idx="minor">
+            <a:schemeClr val="lt1"/>
+          </a:fontRef>
+        </p:style>
+        <p:txBody>
+          <a:bodyPr rtlCol="0" anchor="ctr"/>
+          <a:lstStyle/>
+          <a:p>
+            <a:pPr algn="ctr"/>
+            <a:endParaRPr lang="en-US"/>
+          </a:p>
+        </p:txBody>
+      </p:sp>
+    </p:spTree>
+    <p:extLst>
+      <p:ext uri="{BB962C8B-B14F-4D97-AF65-F5344CB8AC3E}">
+        <p14:creationId xmlns:p14="http://schemas.microsoft.com/office/powerpoint/2010/main" val="364165931"/>
+      </p:ext>
+    </p:extLst>
+  </p:cSld>
+  <p:clrMapOvr>
+    <a:masterClrMapping/>
+  </p:clrMapOvr>
+</p:sld>
+</file>
+
+<file path=ppt/slides/slide4.xml><?xml version="1.0" encoding="utf-8"?>
+<p:sld xmlns:a="http://schemas.openxmlformats.org/drawingml/2006/main" xmlns:r="http://schemas.openxmlformats.org/officeDocument/2006/relationships" xmlns:p="http://schemas.openxmlformats.org/presentationml/2006/main">
+  <p:cSld>
+    <p:spTree>
+      <p:nvGrpSpPr>
+        <p:cNvPr id="1" name=""/>
+        <p:cNvGrpSpPr/>
+        <p:nvPr/>
+      </p:nvGrpSpPr>
+      <p:grpSpPr>
+        <a:xfrm>
+          <a:off x="0" y="0"/>
+          <a:ext cx="0" cy="0"/>
+          <a:chOff x="0" y="0"/>
+          <a:chExt cx="0" cy="0"/>
+        </a:xfrm>
+      </p:grpSpPr>
+      <p:pic>
+        <p:nvPicPr>
+          <p:cNvPr id="3" name="Picture 2" descr="A picture containing table&#10;&#10;Description automatically generated">
+            <a:extLst>
+              <a:ext uri="{FF2B5EF4-FFF2-40B4-BE49-F238E27FC236}">
+                <a16:creationId xmlns:a16="http://schemas.microsoft.com/office/drawing/2014/main" id="{18B5B34F-0F4B-614F-ADED-0CB6B8939152}"/>
+              </a:ext>
+            </a:extLst>
+          </p:cNvPr>
+          <p:cNvPicPr>
+            <a:picLocks noChangeAspect="1"/>
+          </p:cNvPicPr>
+          <p:nvPr/>
+        </p:nvPicPr>
+        <p:blipFill>
+          <a:blip r:embed="rId2"/>
+          <a:stretch>
+            <a:fillRect/>
+          </a:stretch>
+        </p:blipFill>
+        <p:spPr>
+          <a:xfrm>
+            <a:off x="190918" y="1056979"/>
+            <a:ext cx="6096001" cy="2739957"/>
+          </a:xfrm>
+          <a:prstGeom prst="rect">
+            <a:avLst/>
+          </a:prstGeom>
+        </p:spPr>
+      </p:pic>
+      <p:cxnSp>
+        <p:nvCxnSpPr>
+          <p:cNvPr id="5" name="Straight Arrow Connector 4">
+            <a:extLst>
+              <a:ext uri="{FF2B5EF4-FFF2-40B4-BE49-F238E27FC236}">
+                <a16:creationId xmlns:a16="http://schemas.microsoft.com/office/drawing/2014/main" id="{6462C5B9-1DE3-F246-BC77-983BD74DF4E6}"/>
+              </a:ext>
+            </a:extLst>
+          </p:cNvPr>
+          <p:cNvCxnSpPr/>
+          <p:nvPr/>
+        </p:nvCxnSpPr>
+        <p:spPr>
+          <a:xfrm flipV="1">
+            <a:off x="5686697" y="1056979"/>
+            <a:ext cx="1898469" cy="623775"/>
+          </a:xfrm>
+          <a:prstGeom prst="straightConnector1">
+            <a:avLst/>
+          </a:prstGeom>
+          <a:ln>
+            <a:tailEnd type="triangle"/>
+          </a:ln>
+        </p:spPr>
+        <p:style>
+          <a:lnRef idx="1">
+            <a:schemeClr val="accent1"/>
+          </a:lnRef>
+          <a:fillRef idx="0">
+            <a:schemeClr val="accent1"/>
+          </a:fillRef>
+          <a:effectRef idx="0">
+            <a:schemeClr val="accent1"/>
+          </a:effectRef>
+          <a:fontRef idx="minor">
+            <a:schemeClr val="tx1"/>
+          </a:fontRef>
+        </p:style>
+      </p:cxnSp>
+      <p:sp>
+        <p:nvSpPr>
+          <p:cNvPr id="6" name="TextBox 5">
+            <a:extLst>
+              <a:ext uri="{FF2B5EF4-FFF2-40B4-BE49-F238E27FC236}">
+                <a16:creationId xmlns:a16="http://schemas.microsoft.com/office/drawing/2014/main" id="{870306AC-B1CD-3544-8DB9-45C946A7B71E}"/>
+              </a:ext>
+            </a:extLst>
+          </p:cNvPr>
+          <p:cNvSpPr txBox="1"/>
+          <p:nvPr/>
+        </p:nvSpPr>
+        <p:spPr>
+          <a:xfrm>
+            <a:off x="7654834" y="731520"/>
+            <a:ext cx="3988526" cy="646331"/>
+          </a:xfrm>
+          <a:prstGeom prst="rect">
+            <a:avLst/>
+          </a:prstGeom>
+          <a:noFill/>
+        </p:spPr>
+        <p:txBody>
+          <a:bodyPr wrap="square" rtlCol="0">
+            <a:spAutoFit/>
+          </a:bodyPr>
+          <a:lstStyle/>
+          <a:p>
+            <a:r>
+              <a:rPr lang="en-US" dirty="0"/>
+              <a:t>Transpilation of Standard Angular Packages</a:t>
+            </a:r>
+          </a:p>
+        </p:txBody>
+      </p:sp>
+      <p:cxnSp>
+        <p:nvCxnSpPr>
+          <p:cNvPr id="8" name="Straight Arrow Connector 7">
+            <a:extLst>
+              <a:ext uri="{FF2B5EF4-FFF2-40B4-BE49-F238E27FC236}">
+                <a16:creationId xmlns:a16="http://schemas.microsoft.com/office/drawing/2014/main" id="{82C37B0D-7DC5-524A-A285-7B9AD6AB364D}"/>
+              </a:ext>
+            </a:extLst>
+          </p:cNvPr>
+          <p:cNvCxnSpPr/>
+          <p:nvPr/>
+        </p:nvCxnSpPr>
+        <p:spPr>
+          <a:xfrm>
+            <a:off x="5782491" y="1976846"/>
+            <a:ext cx="1802675" cy="0"/>
+          </a:xfrm>
+          <a:prstGeom prst="straightConnector1">
+            <a:avLst/>
+          </a:prstGeom>
+          <a:ln>
+            <a:tailEnd type="triangle"/>
+          </a:ln>
+        </p:spPr>
+        <p:style>
+          <a:lnRef idx="1">
+            <a:schemeClr val="accent1"/>
+          </a:lnRef>
+          <a:fillRef idx="0">
+            <a:schemeClr val="accent1"/>
+          </a:fillRef>
+          <a:effectRef idx="0">
+            <a:schemeClr val="accent1"/>
+          </a:effectRef>
+          <a:fontRef idx="minor">
+            <a:schemeClr val="tx1"/>
+          </a:fontRef>
+        </p:style>
+      </p:cxnSp>
+      <p:sp>
+        <p:nvSpPr>
+          <p:cNvPr id="9" name="TextBox 8">
+            <a:extLst>
+              <a:ext uri="{FF2B5EF4-FFF2-40B4-BE49-F238E27FC236}">
+                <a16:creationId xmlns:a16="http://schemas.microsoft.com/office/drawing/2014/main" id="{F6B0867E-B74B-674E-9104-927818516B05}"/>
+              </a:ext>
+            </a:extLst>
+          </p:cNvPr>
+          <p:cNvSpPr txBox="1"/>
+          <p:nvPr/>
+        </p:nvSpPr>
+        <p:spPr>
+          <a:xfrm>
+            <a:off x="7585166" y="1680754"/>
+            <a:ext cx="3875314" cy="369332"/>
+          </a:xfrm>
+          <a:prstGeom prst="rect">
+            <a:avLst/>
+          </a:prstGeom>
+          <a:noFill/>
+        </p:spPr>
+        <p:txBody>
+          <a:bodyPr wrap="square" rtlCol="0">
+            <a:spAutoFit/>
+          </a:bodyPr>
+          <a:lstStyle/>
+          <a:p>
+            <a:r>
+              <a:rPr lang="en-US" dirty="0"/>
+              <a:t>The Single CSS file for All CSS Classes</a:t>
+            </a:r>
+          </a:p>
+        </p:txBody>
+      </p:sp>
+      <p:cxnSp>
+        <p:nvCxnSpPr>
+          <p:cNvPr id="11" name="Straight Arrow Connector 10">
+            <a:extLst>
+              <a:ext uri="{FF2B5EF4-FFF2-40B4-BE49-F238E27FC236}">
+                <a16:creationId xmlns:a16="http://schemas.microsoft.com/office/drawing/2014/main" id="{5058126C-CA1D-BF42-A0A6-85CB2AB9BE4D}"/>
+              </a:ext>
+            </a:extLst>
+          </p:cNvPr>
+          <p:cNvCxnSpPr/>
+          <p:nvPr/>
+        </p:nvCxnSpPr>
+        <p:spPr>
+          <a:xfrm>
+            <a:off x="5686697" y="2327085"/>
+            <a:ext cx="1785257" cy="120024"/>
+          </a:xfrm>
+          <a:prstGeom prst="straightConnector1">
+            <a:avLst/>
+          </a:prstGeom>
+          <a:ln>
+            <a:tailEnd type="triangle"/>
+          </a:ln>
+        </p:spPr>
+        <p:style>
+          <a:lnRef idx="1">
+            <a:schemeClr val="accent1"/>
+          </a:lnRef>
+          <a:fillRef idx="0">
+            <a:schemeClr val="accent1"/>
+          </a:fillRef>
+          <a:effectRef idx="0">
+            <a:schemeClr val="accent1"/>
+          </a:effectRef>
+          <a:fontRef idx="minor">
+            <a:schemeClr val="tx1"/>
+          </a:fontRef>
+        </p:style>
+      </p:cxnSp>
+      <p:sp>
+        <p:nvSpPr>
+          <p:cNvPr id="12" name="TextBox 11">
+            <a:extLst>
+              <a:ext uri="{FF2B5EF4-FFF2-40B4-BE49-F238E27FC236}">
+                <a16:creationId xmlns:a16="http://schemas.microsoft.com/office/drawing/2014/main" id="{F9F75AF8-DD88-BF4E-91EE-3BC29B8658AC}"/>
+              </a:ext>
+            </a:extLst>
+          </p:cNvPr>
+          <p:cNvSpPr txBox="1"/>
+          <p:nvPr/>
+        </p:nvSpPr>
+        <p:spPr>
+          <a:xfrm>
+            <a:off x="7489372" y="2185851"/>
+            <a:ext cx="4084319" cy="646331"/>
+          </a:xfrm>
+          <a:prstGeom prst="rect">
+            <a:avLst/>
+          </a:prstGeom>
+          <a:noFill/>
+        </p:spPr>
+        <p:txBody>
+          <a:bodyPr wrap="square" rtlCol="0">
+            <a:spAutoFit/>
+          </a:bodyPr>
+          <a:lstStyle/>
+          <a:p>
+            <a:r>
+              <a:rPr lang="en-US" dirty="0"/>
+              <a:t>The file for Managing ES. For Browser so that the app is executed</a:t>
+            </a:r>
+          </a:p>
+        </p:txBody>
+      </p:sp>
+      <p:cxnSp>
+        <p:nvCxnSpPr>
+          <p:cNvPr id="14" name="Straight Arrow Connector 13">
+            <a:extLst>
+              <a:ext uri="{FF2B5EF4-FFF2-40B4-BE49-F238E27FC236}">
+                <a16:creationId xmlns:a16="http://schemas.microsoft.com/office/drawing/2014/main" id="{1237174F-599F-D745-B060-2CF623A9718C}"/>
+              </a:ext>
+            </a:extLst>
+          </p:cNvPr>
+          <p:cNvCxnSpPr/>
+          <p:nvPr/>
+        </p:nvCxnSpPr>
+        <p:spPr>
+          <a:xfrm>
+            <a:off x="5686697" y="2555183"/>
+            <a:ext cx="1785257" cy="873817"/>
+          </a:xfrm>
+          <a:prstGeom prst="straightConnector1">
+            <a:avLst/>
+          </a:prstGeom>
+          <a:ln>
+            <a:tailEnd type="triangle"/>
+          </a:ln>
+        </p:spPr>
+        <p:style>
+          <a:lnRef idx="1">
+            <a:schemeClr val="accent1"/>
+          </a:lnRef>
+          <a:fillRef idx="0">
+            <a:schemeClr val="accent1"/>
+          </a:fillRef>
+          <a:effectRef idx="0">
+            <a:schemeClr val="accent1"/>
+          </a:effectRef>
+          <a:fontRef idx="minor">
+            <a:schemeClr val="tx1"/>
+          </a:fontRef>
+        </p:style>
+      </p:cxnSp>
+      <p:sp>
+        <p:nvSpPr>
+          <p:cNvPr id="15" name="TextBox 14">
+            <a:extLst>
+              <a:ext uri="{FF2B5EF4-FFF2-40B4-BE49-F238E27FC236}">
+                <a16:creationId xmlns:a16="http://schemas.microsoft.com/office/drawing/2014/main" id="{F4B3E1A9-CF0E-6349-9A79-B807CD62BB74}"/>
+              </a:ext>
+            </a:extLst>
+          </p:cNvPr>
+          <p:cNvSpPr txBox="1"/>
+          <p:nvPr/>
+        </p:nvSpPr>
+        <p:spPr>
+          <a:xfrm>
+            <a:off x="7471954" y="3093440"/>
+            <a:ext cx="3988526" cy="646331"/>
+          </a:xfrm>
+          <a:prstGeom prst="rect">
+            <a:avLst/>
+          </a:prstGeom>
+          <a:noFill/>
+        </p:spPr>
+        <p:txBody>
+          <a:bodyPr wrap="square" rtlCol="0">
+            <a:spAutoFit/>
+          </a:bodyPr>
+          <a:lstStyle/>
+          <a:p>
+            <a:r>
+              <a:rPr lang="en-US" dirty="0"/>
+              <a:t>The Transpilation of the Source code written by the developer</a:t>
+            </a:r>
+          </a:p>
+        </p:txBody>
+      </p:sp>
+      <p:cxnSp>
+        <p:nvCxnSpPr>
+          <p:cNvPr id="17" name="Straight Arrow Connector 16">
+            <a:extLst>
+              <a:ext uri="{FF2B5EF4-FFF2-40B4-BE49-F238E27FC236}">
+                <a16:creationId xmlns:a16="http://schemas.microsoft.com/office/drawing/2014/main" id="{13C60B35-B692-2247-9C87-98BC10A50744}"/>
+              </a:ext>
+            </a:extLst>
+          </p:cNvPr>
+          <p:cNvCxnSpPr/>
+          <p:nvPr/>
+        </p:nvCxnSpPr>
+        <p:spPr>
+          <a:xfrm>
+            <a:off x="5686697" y="2967947"/>
+            <a:ext cx="1166949" cy="1913207"/>
+          </a:xfrm>
+          <a:prstGeom prst="straightConnector1">
+            <a:avLst/>
+          </a:prstGeom>
+          <a:ln>
+            <a:tailEnd type="triangle"/>
+          </a:ln>
+        </p:spPr>
+        <p:style>
+          <a:lnRef idx="1">
+            <a:schemeClr val="accent1"/>
+          </a:lnRef>
+          <a:fillRef idx="0">
+            <a:schemeClr val="accent1"/>
+          </a:fillRef>
+          <a:effectRef idx="0">
+            <a:schemeClr val="accent1"/>
+          </a:effectRef>
+          <a:fontRef idx="minor">
+            <a:schemeClr val="tx1"/>
+          </a:fontRef>
+        </p:style>
+      </p:cxnSp>
+      <p:sp>
+        <p:nvSpPr>
+          <p:cNvPr id="18" name="TextBox 17">
+            <a:extLst>
+              <a:ext uri="{FF2B5EF4-FFF2-40B4-BE49-F238E27FC236}">
+                <a16:creationId xmlns:a16="http://schemas.microsoft.com/office/drawing/2014/main" id="{DDAA83D3-8AA9-FD4E-BE00-56766234FF5B}"/>
+              </a:ext>
+            </a:extLst>
+          </p:cNvPr>
+          <p:cNvSpPr txBox="1"/>
+          <p:nvPr/>
+        </p:nvSpPr>
+        <p:spPr>
+          <a:xfrm>
+            <a:off x="6940731" y="4545874"/>
+            <a:ext cx="4841967" cy="646331"/>
+          </a:xfrm>
+          <a:prstGeom prst="rect">
+            <a:avLst/>
+          </a:prstGeom>
+          <a:noFill/>
+        </p:spPr>
+        <p:txBody>
+          <a:bodyPr wrap="square" rtlCol="0">
+            <a:spAutoFit/>
+          </a:bodyPr>
+          <a:lstStyle/>
+          <a:p>
+            <a:r>
+              <a:rPr lang="en-US" dirty="0"/>
+              <a:t>The </a:t>
+            </a:r>
+            <a:r>
+              <a:rPr lang="en-US" dirty="0" err="1"/>
+              <a:t>WebPack</a:t>
+            </a:r>
+            <a:r>
+              <a:rPr lang="en-US" dirty="0"/>
+              <a:t> loader instructions used by browser to execute the Angular app in browser</a:t>
+            </a:r>
+          </a:p>
+        </p:txBody>
+      </p:sp>
+      <p:sp>
+        <p:nvSpPr>
+          <p:cNvPr id="20" name="Rectangle 19">
+            <a:extLst>
+              <a:ext uri="{FF2B5EF4-FFF2-40B4-BE49-F238E27FC236}">
+                <a16:creationId xmlns:a16="http://schemas.microsoft.com/office/drawing/2014/main" id="{5107AF99-FF3E-3842-92B4-19E101D40E39}"/>
+              </a:ext>
+            </a:extLst>
+          </p:cNvPr>
+          <p:cNvSpPr/>
+          <p:nvPr/>
+        </p:nvSpPr>
+        <p:spPr>
+          <a:xfrm>
+            <a:off x="190918" y="4737463"/>
+            <a:ext cx="6201173" cy="1846217"/>
+          </a:xfrm>
+          <a:prstGeom prst="rect">
+            <a:avLst/>
+          </a:prstGeom>
+        </p:spPr>
+        <p:style>
+          <a:lnRef idx="2">
+            <a:schemeClr val="accent6"/>
+          </a:lnRef>
+          <a:fillRef idx="1">
+            <a:schemeClr val="lt1"/>
+          </a:fillRef>
+          <a:effectRef idx="0">
+            <a:schemeClr val="accent6"/>
+          </a:effectRef>
+          <a:fontRef idx="minor">
+            <a:schemeClr val="dk1"/>
+          </a:fontRef>
+        </p:style>
+        <p:txBody>
+          <a:bodyPr rtlCol="0" anchor="ctr"/>
+          <a:lstStyle/>
+          <a:p>
+            <a:pPr algn="ctr"/>
+            <a:r>
+              <a:rPr lang="en-US" dirty="0"/>
+              <a:t>Development Build </a:t>
+            </a:r>
+          </a:p>
+        </p:txBody>
+      </p:sp>
+    </p:spTree>
+    <p:extLst>
+      <p:ext uri="{BB962C8B-B14F-4D97-AF65-F5344CB8AC3E}">
+        <p14:creationId xmlns:p14="http://schemas.microsoft.com/office/powerpoint/2010/main" val="3542316837"/>
+      </p:ext>
+    </p:extLst>
+  </p:cSld>
+  <p:clrMapOvr>
+    <a:masterClrMapping/>
+  </p:clrMapOvr>
+</p:sld>
+</file>
+
+<file path=ppt/slides/slide5.xml><?xml version="1.0" encoding="utf-8"?>
+<p:sld xmlns:a="http://schemas.openxmlformats.org/drawingml/2006/main" xmlns:r="http://schemas.openxmlformats.org/officeDocument/2006/relationships" xmlns:p="http://schemas.openxmlformats.org/presentationml/2006/main">
+  <p:cSld>
+    <p:spTree>
+      <p:nvGrpSpPr>
+        <p:cNvPr id="1" name=""/>
+        <p:cNvGrpSpPr/>
+        <p:nvPr/>
+      </p:nvGrpSpPr>
+      <p:grpSpPr>
+        <a:xfrm>
+          <a:off x="0" y="0"/>
+          <a:ext cx="0" cy="0"/>
+          <a:chOff x="0" y="0"/>
+          <a:chExt cx="0" cy="0"/>
+        </a:xfrm>
+      </p:grpSpPr>
+      <p:pic>
+        <p:nvPicPr>
+          <p:cNvPr id="3" name="Picture 2" descr="Text&#10;&#10;Description automatically generated with low confidence">
+            <a:extLst>
+              <a:ext uri="{FF2B5EF4-FFF2-40B4-BE49-F238E27FC236}">
+                <a16:creationId xmlns:a16="http://schemas.microsoft.com/office/drawing/2014/main" id="{847FE92F-8E26-4F43-B6C8-181D4C255BB0}"/>
+              </a:ext>
+            </a:extLst>
+          </p:cNvPr>
+          <p:cNvPicPr>
+            <a:picLocks noChangeAspect="1"/>
+          </p:cNvPicPr>
+          <p:nvPr/>
+        </p:nvPicPr>
+        <p:blipFill>
+          <a:blip r:embed="rId2"/>
+          <a:stretch>
+            <a:fillRect/>
+          </a:stretch>
+        </p:blipFill>
+        <p:spPr>
+          <a:xfrm>
+            <a:off x="0" y="1525144"/>
+            <a:ext cx="7021003" cy="2192746"/>
+          </a:xfrm>
+          <a:prstGeom prst="rect">
+            <a:avLst/>
+          </a:prstGeom>
+        </p:spPr>
+      </p:pic>
+      <p:cxnSp>
+        <p:nvCxnSpPr>
+          <p:cNvPr id="5" name="Straight Arrow Connector 4">
+            <a:extLst>
+              <a:ext uri="{FF2B5EF4-FFF2-40B4-BE49-F238E27FC236}">
+                <a16:creationId xmlns:a16="http://schemas.microsoft.com/office/drawing/2014/main" id="{9F6EF23D-BEC5-334E-912E-EBD14F675B2F}"/>
+              </a:ext>
+            </a:extLst>
+          </p:cNvPr>
+          <p:cNvCxnSpPr/>
+          <p:nvPr/>
+        </p:nvCxnSpPr>
+        <p:spPr>
+          <a:xfrm flipV="1">
+            <a:off x="6471138" y="1525144"/>
+            <a:ext cx="1848897" cy="514671"/>
+          </a:xfrm>
+          <a:prstGeom prst="straightConnector1">
+            <a:avLst/>
+          </a:prstGeom>
+          <a:ln>
+            <a:tailEnd type="triangle"/>
+          </a:ln>
+        </p:spPr>
+        <p:style>
+          <a:lnRef idx="1">
+            <a:schemeClr val="accent1"/>
+          </a:lnRef>
+          <a:fillRef idx="0">
+            <a:schemeClr val="accent1"/>
+          </a:fillRef>
+          <a:effectRef idx="0">
+            <a:schemeClr val="accent1"/>
+          </a:effectRef>
+          <a:fontRef idx="minor">
+            <a:schemeClr val="tx1"/>
+          </a:fontRef>
+        </p:style>
+      </p:cxnSp>
+      <p:sp>
+        <p:nvSpPr>
+          <p:cNvPr id="6" name="TextBox 5">
+            <a:extLst>
+              <a:ext uri="{FF2B5EF4-FFF2-40B4-BE49-F238E27FC236}">
+                <a16:creationId xmlns:a16="http://schemas.microsoft.com/office/drawing/2014/main" id="{724711F8-90D6-734C-8B79-C58E17BFBFDE}"/>
+              </a:ext>
+            </a:extLst>
+          </p:cNvPr>
+          <p:cNvSpPr txBox="1"/>
+          <p:nvPr/>
+        </p:nvSpPr>
+        <p:spPr>
+          <a:xfrm>
+            <a:off x="8342811" y="1175657"/>
+            <a:ext cx="3492138" cy="1477328"/>
+          </a:xfrm>
+          <a:prstGeom prst="rect">
+            <a:avLst/>
+          </a:prstGeom>
+          <a:noFill/>
+        </p:spPr>
+        <p:txBody>
+          <a:bodyPr wrap="square" rtlCol="0">
+            <a:spAutoFit/>
+          </a:bodyPr>
+          <a:lstStyle/>
+          <a:p>
+            <a:r>
+              <a:rPr lang="en-US" dirty="0"/>
+              <a:t>Ng serve –prod will </a:t>
+            </a:r>
+            <a:r>
+              <a:rPr lang="en-US" dirty="0" err="1"/>
+              <a:t>transpile</a:t>
+            </a:r>
+            <a:r>
+              <a:rPr lang="en-US" dirty="0"/>
+              <a:t> all standard Angular Packages and merge them into </a:t>
+            </a:r>
+            <a:r>
+              <a:rPr lang="en-US" dirty="0" err="1"/>
+              <a:t>main.js</a:t>
+            </a:r>
+            <a:r>
+              <a:rPr lang="en-US" dirty="0"/>
+              <a:t> along with the developer written code (app code)</a:t>
+            </a:r>
+          </a:p>
+        </p:txBody>
+      </p:sp>
+    </p:spTree>
+    <p:extLst>
+      <p:ext uri="{BB962C8B-B14F-4D97-AF65-F5344CB8AC3E}">
+        <p14:creationId xmlns:p14="http://schemas.microsoft.com/office/powerpoint/2010/main" val="4278804899"/>
+      </p:ext>
+    </p:extLst>
+  </p:cSld>
+  <p:clrMapOvr>
+    <a:masterClrMapping/>
+  </p:clrMapOvr>
+</p:sld>
+</file>
+
 <file path=ppt/theme/theme1.xml><?xml version="1.0" encoding="utf-8"?>
 <a:theme xmlns:a="http://schemas.openxmlformats.org/drawingml/2006/main" name="DividendVTI">
   <a:themeElements>

--- a/Training_Diagrams.pptx
+++ b/Training_Diagrams.pptx
@@ -10,6 +10,10 @@
     <p:sldId id="258" r:id="rId4"/>
     <p:sldId id="259" r:id="rId5"/>
     <p:sldId id="260" r:id="rId6"/>
+    <p:sldId id="262" r:id="rId7"/>
+    <p:sldId id="261" r:id="rId8"/>
+    <p:sldId id="263" r:id="rId9"/>
+    <p:sldId id="264" r:id="rId10"/>
   </p:sldIdLst>
   <p:sldSz cx="12192000" cy="6858000"/>
   <p:notesSz cx="6858000" cy="9144000"/>
@@ -354,7 +358,7 @@
           <a:p>
             <a:fld id="{ED291B17-9318-49DB-B28B-6E5994AE9581}" type="datetime1">
               <a:rPr lang="en-US" smtClean="0"/>
-              <a:t>2/12/21</a:t>
+              <a:t>2/15/21</a:t>
             </a:fld>
             <a:endParaRPr lang="en-US" dirty="0"/>
           </a:p>
@@ -557,7 +561,7 @@
           <a:p>
             <a:fld id="{2CED4963-E985-44C4-B8C4-FDD613B7C2F8}" type="datetime1">
               <a:rPr lang="en-US" smtClean="0"/>
-              <a:t>2/12/21</a:t>
+              <a:t>2/15/21</a:t>
             </a:fld>
             <a:endParaRPr lang="en-US" dirty="0"/>
           </a:p>
@@ -919,7 +923,7 @@
           <a:p>
             <a:fld id="{ED291B17-9318-49DB-B28B-6E5994AE9581}" type="datetime1">
               <a:rPr lang="en-US" smtClean="0"/>
-              <a:t>2/12/21</a:t>
+              <a:t>2/15/21</a:t>
             </a:fld>
             <a:endParaRPr lang="en-US" dirty="0"/>
           </a:p>
@@ -1117,7 +1121,7 @@
           <a:p>
             <a:fld id="{78DD82B9-B8EE-4375-B6FF-88FA6ABB15D9}" type="datetime1">
               <a:rPr lang="en-US" smtClean="0"/>
-              <a:t>2/12/21</a:t>
+              <a:t>2/15/21</a:t>
             </a:fld>
             <a:endParaRPr lang="en-US" dirty="0"/>
           </a:p>
@@ -1429,7 +1433,7 @@
           <a:p>
             <a:fld id="{B2497495-0637-405E-AE64-5CC7506D51F5}" type="datetime1">
               <a:rPr lang="en-US" smtClean="0"/>
-              <a:t>2/12/21</a:t>
+              <a:t>2/15/21</a:t>
             </a:fld>
             <a:endParaRPr lang="en-US" dirty="0"/>
           </a:p>
@@ -1682,7 +1686,7 @@
           <a:p>
             <a:fld id="{7BFFD690-9426-415D-8B65-26881E07B2D4}" type="datetime1">
               <a:rPr lang="en-US" smtClean="0"/>
-              <a:t>2/12/21</a:t>
+              <a:t>2/15/21</a:t>
             </a:fld>
             <a:endParaRPr lang="en-US" dirty="0"/>
           </a:p>
@@ -2104,7 +2108,7 @@
           <a:p>
             <a:fld id="{04C4989A-474C-40DE-95B9-011C28B71673}" type="datetime1">
               <a:rPr lang="en-US" smtClean="0"/>
-              <a:t>2/12/21</a:t>
+              <a:t>2/15/21</a:t>
             </a:fld>
             <a:endParaRPr lang="en-US" dirty="0"/>
           </a:p>
@@ -2227,7 +2231,7 @@
           <a:p>
             <a:fld id="{5DB4ED54-5B5E-4A04-93D3-5772E3CE3818}" type="datetime1">
               <a:rPr lang="en-US" smtClean="0"/>
-              <a:t>2/12/21</a:t>
+              <a:t>2/15/21</a:t>
             </a:fld>
             <a:endParaRPr lang="en-US" dirty="0"/>
           </a:p>
@@ -2322,7 +2326,7 @@
           <a:p>
             <a:fld id="{4EDE50D6-574B-40AF-946F-D52A04ADE379}" type="datetime1">
               <a:rPr lang="en-US" smtClean="0"/>
-              <a:t>2/12/21</a:t>
+              <a:t>2/15/21</a:t>
             </a:fld>
             <a:endParaRPr lang="en-US" dirty="0"/>
           </a:p>
@@ -2699,7 +2703,7 @@
           <a:p>
             <a:fld id="{D82884F1-FFEA-405F-9602-3DCA865EDA4E}" type="datetime1">
               <a:rPr lang="en-US" smtClean="0"/>
-              <a:t>2/12/21</a:t>
+              <a:t>2/15/21</a:t>
             </a:fld>
             <a:endParaRPr lang="en-US" dirty="0"/>
           </a:p>
@@ -2992,7 +2996,7 @@
           <a:p>
             <a:fld id="{7E18DB4A-8810-4A10-AD5C-D5E2C667F5B3}" type="datetime1">
               <a:rPr lang="en-US" smtClean="0"/>
-              <a:t>2/12/21</a:t>
+              <a:t>2/15/21</a:t>
             </a:fld>
             <a:endParaRPr lang="en-US" dirty="0"/>
           </a:p>
@@ -3207,7 +3211,7 @@
           <a:p>
             <a:fld id="{ED291B17-9318-49DB-B28B-6E5994AE9581}" type="datetime1">
               <a:rPr lang="en-US" smtClean="0"/>
-              <a:t>2/12/21</a:t>
+              <a:t>2/15/21</a:t>
             </a:fld>
             <a:endParaRPr lang="en-US" dirty="0"/>
           </a:p>
@@ -6114,6 +6118,2354 @@
 </p:sld>
 </file>
 
+<file path=ppt/slides/slide6.xml><?xml version="1.0" encoding="utf-8"?>
+<p:sld xmlns:a="http://schemas.openxmlformats.org/drawingml/2006/main" xmlns:r="http://schemas.openxmlformats.org/officeDocument/2006/relationships" xmlns:p="http://schemas.openxmlformats.org/presentationml/2006/main">
+  <p:cSld>
+    <p:spTree>
+      <p:nvGrpSpPr>
+        <p:cNvPr id="1" name=""/>
+        <p:cNvGrpSpPr/>
+        <p:nvPr/>
+      </p:nvGrpSpPr>
+      <p:grpSpPr>
+        <a:xfrm>
+          <a:off x="0" y="0"/>
+          <a:ext cx="0" cy="0"/>
+          <a:chOff x="0" y="0"/>
+          <a:chExt cx="0" cy="0"/>
+        </a:xfrm>
+      </p:grpSpPr>
+      <p:sp>
+        <p:nvSpPr>
+          <p:cNvPr id="2" name="Oval 1">
+            <a:extLst>
+              <a:ext uri="{FF2B5EF4-FFF2-40B4-BE49-F238E27FC236}">
+                <a16:creationId xmlns:a16="http://schemas.microsoft.com/office/drawing/2014/main" id="{BA418BB6-AFD5-9F4D-A824-1D8FB4BB58CD}"/>
+              </a:ext>
+            </a:extLst>
+          </p:cNvPr>
+          <p:cNvSpPr/>
+          <p:nvPr/>
+        </p:nvSpPr>
+        <p:spPr>
+          <a:xfrm>
+            <a:off x="3796937" y="1461950"/>
+            <a:ext cx="3544389" cy="1593669"/>
+          </a:xfrm>
+          <a:prstGeom prst="ellipse">
+            <a:avLst/>
+          </a:prstGeom>
+        </p:spPr>
+        <p:style>
+          <a:lnRef idx="2">
+            <a:schemeClr val="accent1">
+              <a:shade val="50000"/>
+            </a:schemeClr>
+          </a:lnRef>
+          <a:fillRef idx="1">
+            <a:schemeClr val="accent1"/>
+          </a:fillRef>
+          <a:effectRef idx="0">
+            <a:schemeClr val="accent1"/>
+          </a:effectRef>
+          <a:fontRef idx="minor">
+            <a:schemeClr val="lt1"/>
+          </a:fontRef>
+        </p:style>
+        <p:txBody>
+          <a:bodyPr rtlCol="0" anchor="ctr"/>
+          <a:lstStyle/>
+          <a:p>
+            <a:pPr algn="ctr"/>
+            <a:r>
+              <a:rPr lang="en-US" dirty="0"/>
+              <a:t>Model</a:t>
+            </a:r>
+          </a:p>
+        </p:txBody>
+      </p:sp>
+      <p:sp>
+        <p:nvSpPr>
+          <p:cNvPr id="3" name="Oval 2">
+            <a:extLst>
+              <a:ext uri="{FF2B5EF4-FFF2-40B4-BE49-F238E27FC236}">
+                <a16:creationId xmlns:a16="http://schemas.microsoft.com/office/drawing/2014/main" id="{DB190E39-7609-B543-8E11-1903EAB08D9C}"/>
+              </a:ext>
+            </a:extLst>
+          </p:cNvPr>
+          <p:cNvSpPr/>
+          <p:nvPr/>
+        </p:nvSpPr>
+        <p:spPr>
+          <a:xfrm>
+            <a:off x="6574971" y="3429000"/>
+            <a:ext cx="3052355" cy="1593669"/>
+          </a:xfrm>
+          <a:prstGeom prst="ellipse">
+            <a:avLst/>
+          </a:prstGeom>
+        </p:spPr>
+        <p:style>
+          <a:lnRef idx="2">
+            <a:schemeClr val="accent1">
+              <a:shade val="50000"/>
+            </a:schemeClr>
+          </a:lnRef>
+          <a:fillRef idx="1">
+            <a:schemeClr val="accent1"/>
+          </a:fillRef>
+          <a:effectRef idx="0">
+            <a:schemeClr val="accent1"/>
+          </a:effectRef>
+          <a:fontRef idx="minor">
+            <a:schemeClr val="lt1"/>
+          </a:fontRef>
+        </p:style>
+        <p:txBody>
+          <a:bodyPr rtlCol="0" anchor="ctr"/>
+          <a:lstStyle/>
+          <a:p>
+            <a:pPr algn="ctr"/>
+            <a:r>
+              <a:rPr lang="en-US" dirty="0"/>
+              <a:t>Controller</a:t>
+            </a:r>
+          </a:p>
+        </p:txBody>
+      </p:sp>
+      <p:sp>
+        <p:nvSpPr>
+          <p:cNvPr id="4" name="Oval 3">
+            <a:extLst>
+              <a:ext uri="{FF2B5EF4-FFF2-40B4-BE49-F238E27FC236}">
+                <a16:creationId xmlns:a16="http://schemas.microsoft.com/office/drawing/2014/main" id="{AC53FB23-9057-204D-8E86-085241D86FA4}"/>
+              </a:ext>
+            </a:extLst>
+          </p:cNvPr>
+          <p:cNvSpPr/>
+          <p:nvPr/>
+        </p:nvSpPr>
+        <p:spPr>
+          <a:xfrm>
+            <a:off x="2094411" y="3226525"/>
+            <a:ext cx="2081349" cy="1593669"/>
+          </a:xfrm>
+          <a:prstGeom prst="ellipse">
+            <a:avLst/>
+          </a:prstGeom>
+        </p:spPr>
+        <p:style>
+          <a:lnRef idx="2">
+            <a:schemeClr val="accent1">
+              <a:shade val="50000"/>
+            </a:schemeClr>
+          </a:lnRef>
+          <a:fillRef idx="1">
+            <a:schemeClr val="accent1"/>
+          </a:fillRef>
+          <a:effectRef idx="0">
+            <a:schemeClr val="accent1"/>
+          </a:effectRef>
+          <a:fontRef idx="minor">
+            <a:schemeClr val="lt1"/>
+          </a:fontRef>
+        </p:style>
+        <p:txBody>
+          <a:bodyPr rtlCol="0" anchor="ctr"/>
+          <a:lstStyle/>
+          <a:p>
+            <a:pPr algn="ctr"/>
+            <a:r>
+              <a:rPr lang="en-US" dirty="0"/>
+              <a:t>View</a:t>
+            </a:r>
+          </a:p>
+        </p:txBody>
+      </p:sp>
+      <p:sp>
+        <p:nvSpPr>
+          <p:cNvPr id="5" name="Up Arrow 4">
+            <a:extLst>
+              <a:ext uri="{FF2B5EF4-FFF2-40B4-BE49-F238E27FC236}">
+                <a16:creationId xmlns:a16="http://schemas.microsoft.com/office/drawing/2014/main" id="{6262EF5D-0BCF-D944-9CEC-C1755865DAD4}"/>
+              </a:ext>
+            </a:extLst>
+          </p:cNvPr>
+          <p:cNvSpPr/>
+          <p:nvPr/>
+        </p:nvSpPr>
+        <p:spPr>
+          <a:xfrm>
+            <a:off x="7062651" y="2394856"/>
+            <a:ext cx="687977" cy="1062446"/>
+          </a:xfrm>
+          <a:prstGeom prst="upArrow">
+            <a:avLst/>
+          </a:prstGeom>
+        </p:spPr>
+        <p:style>
+          <a:lnRef idx="2">
+            <a:schemeClr val="accent1">
+              <a:shade val="50000"/>
+            </a:schemeClr>
+          </a:lnRef>
+          <a:fillRef idx="1">
+            <a:schemeClr val="accent1"/>
+          </a:fillRef>
+          <a:effectRef idx="0">
+            <a:schemeClr val="accent1"/>
+          </a:effectRef>
+          <a:fontRef idx="minor">
+            <a:schemeClr val="lt1"/>
+          </a:fontRef>
+        </p:style>
+        <p:txBody>
+          <a:bodyPr rtlCol="0" anchor="ctr"/>
+          <a:lstStyle/>
+          <a:p>
+            <a:pPr algn="ctr"/>
+            <a:endParaRPr lang="en-US"/>
+          </a:p>
+        </p:txBody>
+      </p:sp>
+      <p:sp>
+        <p:nvSpPr>
+          <p:cNvPr id="6" name="Left Arrow 5">
+            <a:extLst>
+              <a:ext uri="{FF2B5EF4-FFF2-40B4-BE49-F238E27FC236}">
+                <a16:creationId xmlns:a16="http://schemas.microsoft.com/office/drawing/2014/main" id="{48DD3E6A-51BC-9C47-A850-32FC1055B4C6}"/>
+              </a:ext>
+            </a:extLst>
+          </p:cNvPr>
+          <p:cNvSpPr/>
+          <p:nvPr/>
+        </p:nvSpPr>
+        <p:spPr>
+          <a:xfrm>
+            <a:off x="4175760" y="3770811"/>
+            <a:ext cx="2521131" cy="496389"/>
+          </a:xfrm>
+          <a:prstGeom prst="leftArrow">
+            <a:avLst/>
+          </a:prstGeom>
+        </p:spPr>
+        <p:style>
+          <a:lnRef idx="2">
+            <a:schemeClr val="accent1">
+              <a:shade val="50000"/>
+            </a:schemeClr>
+          </a:lnRef>
+          <a:fillRef idx="1">
+            <a:schemeClr val="accent1"/>
+          </a:fillRef>
+          <a:effectRef idx="0">
+            <a:schemeClr val="accent1"/>
+          </a:effectRef>
+          <a:fontRef idx="minor">
+            <a:schemeClr val="lt1"/>
+          </a:fontRef>
+        </p:style>
+        <p:txBody>
+          <a:bodyPr rtlCol="0" anchor="ctr"/>
+          <a:lstStyle/>
+          <a:p>
+            <a:pPr algn="ctr"/>
+            <a:endParaRPr lang="en-US"/>
+          </a:p>
+        </p:txBody>
+      </p:sp>
+      <p:sp>
+        <p:nvSpPr>
+          <p:cNvPr id="7" name="Up Arrow 6">
+            <a:extLst>
+              <a:ext uri="{FF2B5EF4-FFF2-40B4-BE49-F238E27FC236}">
+                <a16:creationId xmlns:a16="http://schemas.microsoft.com/office/drawing/2014/main" id="{A7C80FC8-7858-B842-92CB-F46B0368876E}"/>
+              </a:ext>
+            </a:extLst>
+          </p:cNvPr>
+          <p:cNvSpPr/>
+          <p:nvPr/>
+        </p:nvSpPr>
+        <p:spPr>
+          <a:xfrm>
+            <a:off x="3487783" y="2436222"/>
+            <a:ext cx="687977" cy="1062446"/>
+          </a:xfrm>
+          <a:prstGeom prst="upArrow">
+            <a:avLst/>
+          </a:prstGeom>
+        </p:spPr>
+        <p:style>
+          <a:lnRef idx="2">
+            <a:schemeClr val="accent1">
+              <a:shade val="50000"/>
+            </a:schemeClr>
+          </a:lnRef>
+          <a:fillRef idx="1">
+            <a:schemeClr val="accent1"/>
+          </a:fillRef>
+          <a:effectRef idx="0">
+            <a:schemeClr val="accent1"/>
+          </a:effectRef>
+          <a:fontRef idx="minor">
+            <a:schemeClr val="lt1"/>
+          </a:fontRef>
+        </p:style>
+        <p:txBody>
+          <a:bodyPr rtlCol="0" anchor="ctr"/>
+          <a:lstStyle/>
+          <a:p>
+            <a:pPr algn="ctr"/>
+            <a:endParaRPr lang="en-US"/>
+          </a:p>
+        </p:txBody>
+      </p:sp>
+    </p:spTree>
+    <p:extLst>
+      <p:ext uri="{BB962C8B-B14F-4D97-AF65-F5344CB8AC3E}">
+        <p14:creationId xmlns:p14="http://schemas.microsoft.com/office/powerpoint/2010/main" val="3806898112"/>
+      </p:ext>
+    </p:extLst>
+  </p:cSld>
+  <p:clrMapOvr>
+    <a:masterClrMapping/>
+  </p:clrMapOvr>
+</p:sld>
+</file>
+
+<file path=ppt/slides/slide7.xml><?xml version="1.0" encoding="utf-8"?>
+<p:sld xmlns:a="http://schemas.openxmlformats.org/drawingml/2006/main" xmlns:r="http://schemas.openxmlformats.org/officeDocument/2006/relationships" xmlns:p="http://schemas.openxmlformats.org/presentationml/2006/main">
+  <p:cSld>
+    <p:spTree>
+      <p:nvGrpSpPr>
+        <p:cNvPr id="1" name=""/>
+        <p:cNvGrpSpPr/>
+        <p:nvPr/>
+      </p:nvGrpSpPr>
+      <p:grpSpPr>
+        <a:xfrm>
+          <a:off x="0" y="0"/>
+          <a:ext cx="0" cy="0"/>
+          <a:chOff x="0" y="0"/>
+          <a:chExt cx="0" cy="0"/>
+        </a:xfrm>
+      </p:grpSpPr>
+      <p:sp>
+        <p:nvSpPr>
+          <p:cNvPr id="4" name="Rectangle 3">
+            <a:extLst>
+              <a:ext uri="{FF2B5EF4-FFF2-40B4-BE49-F238E27FC236}">
+                <a16:creationId xmlns:a16="http://schemas.microsoft.com/office/drawing/2014/main" id="{D63BEC92-BC98-3D42-A28E-1FBD866A0E33}"/>
+              </a:ext>
+            </a:extLst>
+          </p:cNvPr>
+          <p:cNvSpPr/>
+          <p:nvPr/>
+        </p:nvSpPr>
+        <p:spPr>
+          <a:xfrm>
+            <a:off x="4066903" y="966651"/>
+            <a:ext cx="3614057" cy="1184366"/>
+          </a:xfrm>
+          <a:prstGeom prst="rect">
+            <a:avLst/>
+          </a:prstGeom>
+        </p:spPr>
+        <p:style>
+          <a:lnRef idx="2">
+            <a:schemeClr val="accent1">
+              <a:shade val="50000"/>
+            </a:schemeClr>
+          </a:lnRef>
+          <a:fillRef idx="1">
+            <a:schemeClr val="accent1"/>
+          </a:fillRef>
+          <a:effectRef idx="0">
+            <a:schemeClr val="accent1"/>
+          </a:effectRef>
+          <a:fontRef idx="minor">
+            <a:schemeClr val="lt1"/>
+          </a:fontRef>
+        </p:style>
+        <p:txBody>
+          <a:bodyPr rtlCol="0" anchor="ctr"/>
+          <a:lstStyle/>
+          <a:p>
+            <a:pPr algn="ctr"/>
+            <a:r>
+              <a:rPr lang="en-US" dirty="0"/>
+              <a:t>Model (Entity Class with Validations)</a:t>
+            </a:r>
+          </a:p>
+          <a:p>
+            <a:pPr algn="ctr"/>
+            <a:r>
+              <a:rPr lang="en-US" dirty="0"/>
+              <a:t>Domain Layer</a:t>
+            </a:r>
+          </a:p>
+        </p:txBody>
+      </p:sp>
+      <p:sp>
+        <p:nvSpPr>
+          <p:cNvPr id="5" name="Rectangle 4">
+            <a:extLst>
+              <a:ext uri="{FF2B5EF4-FFF2-40B4-BE49-F238E27FC236}">
+                <a16:creationId xmlns:a16="http://schemas.microsoft.com/office/drawing/2014/main" id="{2F1F57B3-CEDE-4442-9A3A-16171737E888}"/>
+              </a:ext>
+            </a:extLst>
+          </p:cNvPr>
+          <p:cNvSpPr/>
+          <p:nvPr/>
+        </p:nvSpPr>
+        <p:spPr>
+          <a:xfrm>
+            <a:off x="7276012" y="3226526"/>
+            <a:ext cx="3614057" cy="1184366"/>
+          </a:xfrm>
+          <a:prstGeom prst="rect">
+            <a:avLst/>
+          </a:prstGeom>
+        </p:spPr>
+        <p:style>
+          <a:lnRef idx="2">
+            <a:schemeClr val="accent1">
+              <a:shade val="50000"/>
+            </a:schemeClr>
+          </a:lnRef>
+          <a:fillRef idx="1">
+            <a:schemeClr val="accent1"/>
+          </a:fillRef>
+          <a:effectRef idx="0">
+            <a:schemeClr val="accent1"/>
+          </a:effectRef>
+          <a:fontRef idx="minor">
+            <a:schemeClr val="lt1"/>
+          </a:fontRef>
+        </p:style>
+        <p:txBody>
+          <a:bodyPr rtlCol="0" anchor="ctr"/>
+          <a:lstStyle/>
+          <a:p>
+            <a:pPr algn="ctr"/>
+            <a:r>
+              <a:rPr lang="en-US" dirty="0"/>
+              <a:t>Controller</a:t>
+            </a:r>
+          </a:p>
+          <a:p>
+            <a:pPr algn="ctr"/>
+            <a:r>
+              <a:rPr lang="en-US" dirty="0"/>
+              <a:t>Actions for Request Processing</a:t>
+            </a:r>
+          </a:p>
+        </p:txBody>
+      </p:sp>
+      <p:sp>
+        <p:nvSpPr>
+          <p:cNvPr id="6" name="Rectangle 5">
+            <a:extLst>
+              <a:ext uri="{FF2B5EF4-FFF2-40B4-BE49-F238E27FC236}">
+                <a16:creationId xmlns:a16="http://schemas.microsoft.com/office/drawing/2014/main" id="{970ED015-528E-3446-B38B-6F6996C86CE7}"/>
+              </a:ext>
+            </a:extLst>
+          </p:cNvPr>
+          <p:cNvSpPr/>
+          <p:nvPr/>
+        </p:nvSpPr>
+        <p:spPr>
+          <a:xfrm>
+            <a:off x="1306287" y="3226526"/>
+            <a:ext cx="3614057" cy="1184366"/>
+          </a:xfrm>
+          <a:prstGeom prst="rect">
+            <a:avLst/>
+          </a:prstGeom>
+        </p:spPr>
+        <p:style>
+          <a:lnRef idx="2">
+            <a:schemeClr val="accent1">
+              <a:shade val="50000"/>
+            </a:schemeClr>
+          </a:lnRef>
+          <a:fillRef idx="1">
+            <a:schemeClr val="accent1"/>
+          </a:fillRef>
+          <a:effectRef idx="0">
+            <a:schemeClr val="accent1"/>
+          </a:effectRef>
+          <a:fontRef idx="minor">
+            <a:schemeClr val="lt1"/>
+          </a:fontRef>
+        </p:style>
+        <p:txBody>
+          <a:bodyPr rtlCol="0" anchor="ctr"/>
+          <a:lstStyle/>
+          <a:p>
+            <a:pPr algn="ctr"/>
+            <a:r>
+              <a:rPr lang="en-US" dirty="0"/>
+              <a:t>View</a:t>
+            </a:r>
+          </a:p>
+          <a:p>
+            <a:pPr algn="ctr"/>
+            <a:r>
+              <a:rPr lang="en-US" dirty="0"/>
+              <a:t>Presentation Layer for End-Users</a:t>
+            </a:r>
+          </a:p>
+        </p:txBody>
+      </p:sp>
+      <p:sp>
+        <p:nvSpPr>
+          <p:cNvPr id="7" name="Up Arrow 6">
+            <a:extLst>
+              <a:ext uri="{FF2B5EF4-FFF2-40B4-BE49-F238E27FC236}">
+                <a16:creationId xmlns:a16="http://schemas.microsoft.com/office/drawing/2014/main" id="{2FFB89FD-D4AD-3343-93F8-A55BA432321F}"/>
+              </a:ext>
+            </a:extLst>
+          </p:cNvPr>
+          <p:cNvSpPr/>
+          <p:nvPr/>
+        </p:nvSpPr>
+        <p:spPr>
+          <a:xfrm>
+            <a:off x="8647611" y="4410892"/>
+            <a:ext cx="174172" cy="1319348"/>
+          </a:xfrm>
+          <a:prstGeom prst="upArrow">
+            <a:avLst/>
+          </a:prstGeom>
+        </p:spPr>
+        <p:style>
+          <a:lnRef idx="2">
+            <a:schemeClr val="accent1">
+              <a:shade val="50000"/>
+            </a:schemeClr>
+          </a:lnRef>
+          <a:fillRef idx="1">
+            <a:schemeClr val="accent1"/>
+          </a:fillRef>
+          <a:effectRef idx="0">
+            <a:schemeClr val="accent1"/>
+          </a:effectRef>
+          <a:fontRef idx="minor">
+            <a:schemeClr val="lt1"/>
+          </a:fontRef>
+        </p:style>
+        <p:txBody>
+          <a:bodyPr rtlCol="0" anchor="ctr"/>
+          <a:lstStyle/>
+          <a:p>
+            <a:pPr algn="ctr"/>
+            <a:endParaRPr lang="en-US"/>
+          </a:p>
+        </p:txBody>
+      </p:sp>
+      <p:sp>
+        <p:nvSpPr>
+          <p:cNvPr id="8" name="TextBox 7">
+            <a:extLst>
+              <a:ext uri="{FF2B5EF4-FFF2-40B4-BE49-F238E27FC236}">
+                <a16:creationId xmlns:a16="http://schemas.microsoft.com/office/drawing/2014/main" id="{1149C039-D086-7D41-A163-C236D65C681E}"/>
+              </a:ext>
+            </a:extLst>
+          </p:cNvPr>
+          <p:cNvSpPr txBox="1"/>
+          <p:nvPr/>
+        </p:nvSpPr>
+        <p:spPr>
+          <a:xfrm>
+            <a:off x="8917577" y="4650377"/>
+            <a:ext cx="2621280" cy="369332"/>
+          </a:xfrm>
+          <a:prstGeom prst="rect">
+            <a:avLst/>
+          </a:prstGeom>
+          <a:noFill/>
+        </p:spPr>
+        <p:txBody>
+          <a:bodyPr wrap="square" rtlCol="0">
+            <a:spAutoFit/>
+          </a:bodyPr>
+          <a:lstStyle/>
+          <a:p>
+            <a:r>
+              <a:rPr lang="en-US" dirty="0"/>
+              <a:t>Request for Action(s)</a:t>
+            </a:r>
+          </a:p>
+        </p:txBody>
+      </p:sp>
+      <p:sp>
+        <p:nvSpPr>
+          <p:cNvPr id="9" name="Bent Arrow 8">
+            <a:extLst>
+              <a:ext uri="{FF2B5EF4-FFF2-40B4-BE49-F238E27FC236}">
+                <a16:creationId xmlns:a16="http://schemas.microsoft.com/office/drawing/2014/main" id="{061637F5-451A-4342-BF7D-E4508D4A7D4B}"/>
+              </a:ext>
+            </a:extLst>
+          </p:cNvPr>
+          <p:cNvSpPr/>
+          <p:nvPr/>
+        </p:nvSpPr>
+        <p:spPr>
+          <a:xfrm flipH="1">
+            <a:off x="7680960" y="1635034"/>
+            <a:ext cx="966651" cy="1591492"/>
+          </a:xfrm>
+          <a:prstGeom prst="bentArrow">
+            <a:avLst/>
+          </a:prstGeom>
+        </p:spPr>
+        <p:style>
+          <a:lnRef idx="2">
+            <a:schemeClr val="accent1">
+              <a:shade val="50000"/>
+            </a:schemeClr>
+          </a:lnRef>
+          <a:fillRef idx="1">
+            <a:schemeClr val="accent1"/>
+          </a:fillRef>
+          <a:effectRef idx="0">
+            <a:schemeClr val="accent1"/>
+          </a:effectRef>
+          <a:fontRef idx="minor">
+            <a:schemeClr val="lt1"/>
+          </a:fontRef>
+        </p:style>
+        <p:txBody>
+          <a:bodyPr rtlCol="0" anchor="ctr"/>
+          <a:lstStyle/>
+          <a:p>
+            <a:pPr algn="ctr"/>
+            <a:endParaRPr lang="en-US">
+              <a:solidFill>
+                <a:schemeClr val="tx1"/>
+              </a:solidFill>
+            </a:endParaRPr>
+          </a:p>
+        </p:txBody>
+      </p:sp>
+      <p:sp>
+        <p:nvSpPr>
+          <p:cNvPr id="10" name="TextBox 9">
+            <a:extLst>
+              <a:ext uri="{FF2B5EF4-FFF2-40B4-BE49-F238E27FC236}">
+                <a16:creationId xmlns:a16="http://schemas.microsoft.com/office/drawing/2014/main" id="{CA17CFAB-9852-F64C-8DFB-29D6CB708A24}"/>
+              </a:ext>
+            </a:extLst>
+          </p:cNvPr>
+          <p:cNvSpPr txBox="1"/>
+          <p:nvPr/>
+        </p:nvSpPr>
+        <p:spPr>
+          <a:xfrm>
+            <a:off x="8821783" y="1635034"/>
+            <a:ext cx="2516777" cy="646331"/>
+          </a:xfrm>
+          <a:prstGeom prst="rect">
+            <a:avLst/>
+          </a:prstGeom>
+          <a:noFill/>
+        </p:spPr>
+        <p:txBody>
+          <a:bodyPr wrap="square" rtlCol="0">
+            <a:spAutoFit/>
+          </a:bodyPr>
+          <a:lstStyle/>
+          <a:p>
+            <a:r>
+              <a:rPr lang="en-US" dirty="0"/>
+              <a:t>Update the Model based on request</a:t>
+            </a:r>
+          </a:p>
+        </p:txBody>
+      </p:sp>
+      <p:sp>
+        <p:nvSpPr>
+          <p:cNvPr id="11" name="Down Arrow 10">
+            <a:extLst>
+              <a:ext uri="{FF2B5EF4-FFF2-40B4-BE49-F238E27FC236}">
+                <a16:creationId xmlns:a16="http://schemas.microsoft.com/office/drawing/2014/main" id="{E48A1E3C-1CC2-DF43-8733-686A54DE42C8}"/>
+              </a:ext>
+            </a:extLst>
+          </p:cNvPr>
+          <p:cNvSpPr/>
+          <p:nvPr/>
+        </p:nvSpPr>
+        <p:spPr>
+          <a:xfrm>
+            <a:off x="7393577" y="2151017"/>
+            <a:ext cx="330926" cy="1075509"/>
+          </a:xfrm>
+          <a:prstGeom prst="downArrow">
+            <a:avLst/>
+          </a:prstGeom>
+        </p:spPr>
+        <p:style>
+          <a:lnRef idx="2">
+            <a:schemeClr val="accent1">
+              <a:shade val="50000"/>
+            </a:schemeClr>
+          </a:lnRef>
+          <a:fillRef idx="1">
+            <a:schemeClr val="accent1"/>
+          </a:fillRef>
+          <a:effectRef idx="0">
+            <a:schemeClr val="accent1"/>
+          </a:effectRef>
+          <a:fontRef idx="minor">
+            <a:schemeClr val="lt1"/>
+          </a:fontRef>
+        </p:style>
+        <p:txBody>
+          <a:bodyPr rtlCol="0" anchor="ctr"/>
+          <a:lstStyle/>
+          <a:p>
+            <a:pPr algn="ctr"/>
+            <a:endParaRPr lang="en-US"/>
+          </a:p>
+        </p:txBody>
+      </p:sp>
+      <p:sp>
+        <p:nvSpPr>
+          <p:cNvPr id="12" name="TextBox 11">
+            <a:extLst>
+              <a:ext uri="{FF2B5EF4-FFF2-40B4-BE49-F238E27FC236}">
+                <a16:creationId xmlns:a16="http://schemas.microsoft.com/office/drawing/2014/main" id="{DF5E38F7-016F-CF47-A70F-5DAC846A6273}"/>
+              </a:ext>
+            </a:extLst>
+          </p:cNvPr>
+          <p:cNvSpPr txBox="1"/>
+          <p:nvPr/>
+        </p:nvSpPr>
+        <p:spPr>
+          <a:xfrm>
+            <a:off x="5834742" y="2246003"/>
+            <a:ext cx="2778034" cy="646331"/>
+          </a:xfrm>
+          <a:prstGeom prst="rect">
+            <a:avLst/>
+          </a:prstGeom>
+          <a:noFill/>
+        </p:spPr>
+        <p:txBody>
+          <a:bodyPr wrap="square" rtlCol="0">
+            <a:spAutoFit/>
+          </a:bodyPr>
+          <a:lstStyle/>
+          <a:p>
+            <a:r>
+              <a:rPr lang="en-US" dirty="0"/>
+              <a:t>Response with Updated Data</a:t>
+            </a:r>
+          </a:p>
+        </p:txBody>
+      </p:sp>
+      <p:sp>
+        <p:nvSpPr>
+          <p:cNvPr id="13" name="Left Arrow 12">
+            <a:extLst>
+              <a:ext uri="{FF2B5EF4-FFF2-40B4-BE49-F238E27FC236}">
+                <a16:creationId xmlns:a16="http://schemas.microsoft.com/office/drawing/2014/main" id="{9C1B1EB4-BB45-DC4C-B946-DFB70DDD0B14}"/>
+              </a:ext>
+            </a:extLst>
+          </p:cNvPr>
+          <p:cNvSpPr/>
+          <p:nvPr/>
+        </p:nvSpPr>
+        <p:spPr>
+          <a:xfrm>
+            <a:off x="4920344" y="3429000"/>
+            <a:ext cx="2355668" cy="389709"/>
+          </a:xfrm>
+          <a:prstGeom prst="leftArrow">
+            <a:avLst/>
+          </a:prstGeom>
+        </p:spPr>
+        <p:style>
+          <a:lnRef idx="2">
+            <a:schemeClr val="accent1">
+              <a:shade val="50000"/>
+            </a:schemeClr>
+          </a:lnRef>
+          <a:fillRef idx="1">
+            <a:schemeClr val="accent1"/>
+          </a:fillRef>
+          <a:effectRef idx="0">
+            <a:schemeClr val="accent1"/>
+          </a:effectRef>
+          <a:fontRef idx="minor">
+            <a:schemeClr val="lt1"/>
+          </a:fontRef>
+        </p:style>
+        <p:txBody>
+          <a:bodyPr rtlCol="0" anchor="ctr"/>
+          <a:lstStyle/>
+          <a:p>
+            <a:pPr algn="ctr"/>
+            <a:endParaRPr lang="en-US"/>
+          </a:p>
+        </p:txBody>
+      </p:sp>
+      <p:sp>
+        <p:nvSpPr>
+          <p:cNvPr id="14" name="TextBox 13">
+            <a:extLst>
+              <a:ext uri="{FF2B5EF4-FFF2-40B4-BE49-F238E27FC236}">
+                <a16:creationId xmlns:a16="http://schemas.microsoft.com/office/drawing/2014/main" id="{E2B33474-996F-8F4E-95EC-A5105B34AF0F}"/>
+              </a:ext>
+            </a:extLst>
+          </p:cNvPr>
+          <p:cNvSpPr txBox="1"/>
+          <p:nvPr/>
+        </p:nvSpPr>
+        <p:spPr>
+          <a:xfrm>
+            <a:off x="5059680" y="3837495"/>
+            <a:ext cx="2029097" cy="923330"/>
+          </a:xfrm>
+          <a:prstGeom prst="rect">
+            <a:avLst/>
+          </a:prstGeom>
+          <a:noFill/>
+        </p:spPr>
+        <p:txBody>
+          <a:bodyPr wrap="square" rtlCol="0">
+            <a:spAutoFit/>
+          </a:bodyPr>
+          <a:lstStyle/>
+          <a:p>
+            <a:r>
+              <a:rPr lang="en-US" dirty="0"/>
+              <a:t>Controller Decides the view to be responded</a:t>
+            </a:r>
+          </a:p>
+        </p:txBody>
+      </p:sp>
+      <p:sp>
+        <p:nvSpPr>
+          <p:cNvPr id="15" name="Up Arrow 14">
+            <a:extLst>
+              <a:ext uri="{FF2B5EF4-FFF2-40B4-BE49-F238E27FC236}">
+                <a16:creationId xmlns:a16="http://schemas.microsoft.com/office/drawing/2014/main" id="{5DE87EB0-67CB-C24A-B6CF-48EC4A4EB97D}"/>
+              </a:ext>
+            </a:extLst>
+          </p:cNvPr>
+          <p:cNvSpPr/>
+          <p:nvPr/>
+        </p:nvSpPr>
+        <p:spPr>
+          <a:xfrm>
+            <a:off x="4267200" y="2151017"/>
+            <a:ext cx="287383" cy="1075509"/>
+          </a:xfrm>
+          <a:prstGeom prst="upArrow">
+            <a:avLst/>
+          </a:prstGeom>
+        </p:spPr>
+        <p:style>
+          <a:lnRef idx="2">
+            <a:schemeClr val="accent1">
+              <a:shade val="50000"/>
+            </a:schemeClr>
+          </a:lnRef>
+          <a:fillRef idx="1">
+            <a:schemeClr val="accent1"/>
+          </a:fillRef>
+          <a:effectRef idx="0">
+            <a:schemeClr val="accent1"/>
+          </a:effectRef>
+          <a:fontRef idx="minor">
+            <a:schemeClr val="lt1"/>
+          </a:fontRef>
+        </p:style>
+        <p:txBody>
+          <a:bodyPr rtlCol="0" anchor="ctr"/>
+          <a:lstStyle/>
+          <a:p>
+            <a:pPr algn="ctr"/>
+            <a:endParaRPr lang="en-US"/>
+          </a:p>
+        </p:txBody>
+      </p:sp>
+      <p:sp>
+        <p:nvSpPr>
+          <p:cNvPr id="16" name="TextBox 15">
+            <a:extLst>
+              <a:ext uri="{FF2B5EF4-FFF2-40B4-BE49-F238E27FC236}">
+                <a16:creationId xmlns:a16="http://schemas.microsoft.com/office/drawing/2014/main" id="{A701B1A5-9A32-2949-A927-CD3C5222AC72}"/>
+              </a:ext>
+            </a:extLst>
+          </p:cNvPr>
+          <p:cNvSpPr txBox="1"/>
+          <p:nvPr/>
+        </p:nvSpPr>
+        <p:spPr>
+          <a:xfrm>
+            <a:off x="2307767" y="2397034"/>
+            <a:ext cx="3126379" cy="646331"/>
+          </a:xfrm>
+          <a:prstGeom prst="rect">
+            <a:avLst/>
+          </a:prstGeom>
+          <a:noFill/>
+        </p:spPr>
+        <p:txBody>
+          <a:bodyPr wrap="square" rtlCol="0">
+            <a:spAutoFit/>
+          </a:bodyPr>
+          <a:lstStyle/>
+          <a:p>
+            <a:r>
+              <a:rPr lang="en-US" dirty="0"/>
+              <a:t>What Data Acceptance Rules are tested for Validations</a:t>
+            </a:r>
+          </a:p>
+        </p:txBody>
+      </p:sp>
+      <p:sp>
+        <p:nvSpPr>
+          <p:cNvPr id="17" name="Down Arrow 16">
+            <a:extLst>
+              <a:ext uri="{FF2B5EF4-FFF2-40B4-BE49-F238E27FC236}">
+                <a16:creationId xmlns:a16="http://schemas.microsoft.com/office/drawing/2014/main" id="{002AB9E9-C2BA-2E4A-9371-305399099571}"/>
+              </a:ext>
+            </a:extLst>
+          </p:cNvPr>
+          <p:cNvSpPr/>
+          <p:nvPr/>
+        </p:nvSpPr>
+        <p:spPr>
+          <a:xfrm>
+            <a:off x="4066903" y="4410892"/>
+            <a:ext cx="200297" cy="1423851"/>
+          </a:xfrm>
+          <a:prstGeom prst="downArrow">
+            <a:avLst/>
+          </a:prstGeom>
+        </p:spPr>
+        <p:style>
+          <a:lnRef idx="2">
+            <a:schemeClr val="accent1">
+              <a:shade val="50000"/>
+            </a:schemeClr>
+          </a:lnRef>
+          <a:fillRef idx="1">
+            <a:schemeClr val="accent1"/>
+          </a:fillRef>
+          <a:effectRef idx="0">
+            <a:schemeClr val="accent1"/>
+          </a:effectRef>
+          <a:fontRef idx="minor">
+            <a:schemeClr val="lt1"/>
+          </a:fontRef>
+        </p:style>
+        <p:txBody>
+          <a:bodyPr rtlCol="0" anchor="ctr"/>
+          <a:lstStyle/>
+          <a:p>
+            <a:pPr algn="ctr"/>
+            <a:endParaRPr lang="en-US"/>
+          </a:p>
+        </p:txBody>
+      </p:sp>
+      <p:sp>
+        <p:nvSpPr>
+          <p:cNvPr id="18" name="TextBox 17">
+            <a:extLst>
+              <a:ext uri="{FF2B5EF4-FFF2-40B4-BE49-F238E27FC236}">
+                <a16:creationId xmlns:a16="http://schemas.microsoft.com/office/drawing/2014/main" id="{C86FFE2A-FA96-AF49-8275-6F0981CE19E5}"/>
+              </a:ext>
+            </a:extLst>
+          </p:cNvPr>
+          <p:cNvSpPr txBox="1"/>
+          <p:nvPr/>
+        </p:nvSpPr>
+        <p:spPr>
+          <a:xfrm>
+            <a:off x="3544381" y="5019709"/>
+            <a:ext cx="3370222" cy="369332"/>
+          </a:xfrm>
+          <a:prstGeom prst="rect">
+            <a:avLst/>
+          </a:prstGeom>
+          <a:noFill/>
+        </p:spPr>
+        <p:txBody>
+          <a:bodyPr wrap="square" rtlCol="0">
+            <a:spAutoFit/>
+          </a:bodyPr>
+          <a:lstStyle/>
+          <a:p>
+            <a:r>
+              <a:rPr lang="en-US" dirty="0"/>
+              <a:t>Responded View</a:t>
+            </a:r>
+          </a:p>
+        </p:txBody>
+      </p:sp>
+      <p:sp>
+        <p:nvSpPr>
+          <p:cNvPr id="19" name="Oval 18">
+            <a:extLst>
+              <a:ext uri="{FF2B5EF4-FFF2-40B4-BE49-F238E27FC236}">
+                <a16:creationId xmlns:a16="http://schemas.microsoft.com/office/drawing/2014/main" id="{131EF189-9CB3-1B40-BAEB-28A01FE9A819}"/>
+              </a:ext>
+            </a:extLst>
+          </p:cNvPr>
+          <p:cNvSpPr/>
+          <p:nvPr/>
+        </p:nvSpPr>
+        <p:spPr>
+          <a:xfrm>
+            <a:off x="8482149" y="5947954"/>
+            <a:ext cx="583474" cy="522515"/>
+          </a:xfrm>
+          <a:prstGeom prst="ellipse">
+            <a:avLst/>
+          </a:prstGeom>
+        </p:spPr>
+        <p:style>
+          <a:lnRef idx="2">
+            <a:schemeClr val="accent1">
+              <a:shade val="50000"/>
+            </a:schemeClr>
+          </a:lnRef>
+          <a:fillRef idx="1">
+            <a:schemeClr val="accent1"/>
+          </a:fillRef>
+          <a:effectRef idx="0">
+            <a:schemeClr val="accent1"/>
+          </a:effectRef>
+          <a:fontRef idx="minor">
+            <a:schemeClr val="lt1"/>
+          </a:fontRef>
+        </p:style>
+        <p:txBody>
+          <a:bodyPr rtlCol="0" anchor="ctr"/>
+          <a:lstStyle/>
+          <a:p>
+            <a:pPr algn="ctr"/>
+            <a:r>
+              <a:rPr lang="en-US" dirty="0"/>
+              <a:t>1</a:t>
+            </a:r>
+          </a:p>
+        </p:txBody>
+      </p:sp>
+      <p:sp>
+        <p:nvSpPr>
+          <p:cNvPr id="20" name="Oval 19">
+            <a:extLst>
+              <a:ext uri="{FF2B5EF4-FFF2-40B4-BE49-F238E27FC236}">
+                <a16:creationId xmlns:a16="http://schemas.microsoft.com/office/drawing/2014/main" id="{3E84985E-DD64-0C43-B3C6-8241353C767A}"/>
+              </a:ext>
+            </a:extLst>
+          </p:cNvPr>
+          <p:cNvSpPr/>
+          <p:nvPr/>
+        </p:nvSpPr>
+        <p:spPr>
+          <a:xfrm>
+            <a:off x="8665028" y="2298281"/>
+            <a:ext cx="583474" cy="522515"/>
+          </a:xfrm>
+          <a:prstGeom prst="ellipse">
+            <a:avLst/>
+          </a:prstGeom>
+        </p:spPr>
+        <p:style>
+          <a:lnRef idx="2">
+            <a:schemeClr val="accent1">
+              <a:shade val="50000"/>
+            </a:schemeClr>
+          </a:lnRef>
+          <a:fillRef idx="1">
+            <a:schemeClr val="accent1"/>
+          </a:fillRef>
+          <a:effectRef idx="0">
+            <a:schemeClr val="accent1"/>
+          </a:effectRef>
+          <a:fontRef idx="minor">
+            <a:schemeClr val="lt1"/>
+          </a:fontRef>
+        </p:style>
+        <p:txBody>
+          <a:bodyPr rtlCol="0" anchor="ctr"/>
+          <a:lstStyle/>
+          <a:p>
+            <a:pPr algn="ctr"/>
+            <a:r>
+              <a:rPr lang="en-US" dirty="0"/>
+              <a:t>2</a:t>
+            </a:r>
+          </a:p>
+        </p:txBody>
+      </p:sp>
+      <p:sp>
+        <p:nvSpPr>
+          <p:cNvPr id="21" name="Oval 20">
+            <a:extLst>
+              <a:ext uri="{FF2B5EF4-FFF2-40B4-BE49-F238E27FC236}">
+                <a16:creationId xmlns:a16="http://schemas.microsoft.com/office/drawing/2014/main" id="{C803676B-FF0D-2840-A987-55C5FBE09849}"/>
+              </a:ext>
+            </a:extLst>
+          </p:cNvPr>
+          <p:cNvSpPr/>
+          <p:nvPr/>
+        </p:nvSpPr>
+        <p:spPr>
+          <a:xfrm>
+            <a:off x="7276012" y="2511193"/>
+            <a:ext cx="583474" cy="522515"/>
+          </a:xfrm>
+          <a:prstGeom prst="ellipse">
+            <a:avLst/>
+          </a:prstGeom>
+        </p:spPr>
+        <p:style>
+          <a:lnRef idx="2">
+            <a:schemeClr val="accent1">
+              <a:shade val="50000"/>
+            </a:schemeClr>
+          </a:lnRef>
+          <a:fillRef idx="1">
+            <a:schemeClr val="accent1"/>
+          </a:fillRef>
+          <a:effectRef idx="0">
+            <a:schemeClr val="accent1"/>
+          </a:effectRef>
+          <a:fontRef idx="minor">
+            <a:schemeClr val="lt1"/>
+          </a:fontRef>
+        </p:style>
+        <p:txBody>
+          <a:bodyPr rtlCol="0" anchor="ctr"/>
+          <a:lstStyle/>
+          <a:p>
+            <a:pPr algn="ctr"/>
+            <a:r>
+              <a:rPr lang="en-US" dirty="0"/>
+              <a:t>3</a:t>
+            </a:r>
+          </a:p>
+        </p:txBody>
+      </p:sp>
+      <p:sp>
+        <p:nvSpPr>
+          <p:cNvPr id="22" name="Oval 21">
+            <a:extLst>
+              <a:ext uri="{FF2B5EF4-FFF2-40B4-BE49-F238E27FC236}">
+                <a16:creationId xmlns:a16="http://schemas.microsoft.com/office/drawing/2014/main" id="{FB140490-6E91-2048-B5F8-DD4700A666D9}"/>
+              </a:ext>
+            </a:extLst>
+          </p:cNvPr>
+          <p:cNvSpPr/>
+          <p:nvPr/>
+        </p:nvSpPr>
+        <p:spPr>
+          <a:xfrm>
+            <a:off x="6069873" y="3352017"/>
+            <a:ext cx="583474" cy="522515"/>
+          </a:xfrm>
+          <a:prstGeom prst="ellipse">
+            <a:avLst/>
+          </a:prstGeom>
+        </p:spPr>
+        <p:style>
+          <a:lnRef idx="2">
+            <a:schemeClr val="accent1">
+              <a:shade val="50000"/>
+            </a:schemeClr>
+          </a:lnRef>
+          <a:fillRef idx="1">
+            <a:schemeClr val="accent1"/>
+          </a:fillRef>
+          <a:effectRef idx="0">
+            <a:schemeClr val="accent1"/>
+          </a:effectRef>
+          <a:fontRef idx="minor">
+            <a:schemeClr val="lt1"/>
+          </a:fontRef>
+        </p:style>
+        <p:txBody>
+          <a:bodyPr rtlCol="0" anchor="ctr"/>
+          <a:lstStyle/>
+          <a:p>
+            <a:pPr algn="ctr"/>
+            <a:r>
+              <a:rPr lang="en-US" dirty="0"/>
+              <a:t>4a</a:t>
+            </a:r>
+          </a:p>
+        </p:txBody>
+      </p:sp>
+      <p:sp>
+        <p:nvSpPr>
+          <p:cNvPr id="23" name="Oval 22">
+            <a:extLst>
+              <a:ext uri="{FF2B5EF4-FFF2-40B4-BE49-F238E27FC236}">
+                <a16:creationId xmlns:a16="http://schemas.microsoft.com/office/drawing/2014/main" id="{9699CE35-7796-1347-9152-50CDEC1C91B2}"/>
+              </a:ext>
+            </a:extLst>
+          </p:cNvPr>
+          <p:cNvSpPr/>
+          <p:nvPr/>
+        </p:nvSpPr>
+        <p:spPr>
+          <a:xfrm>
+            <a:off x="4147458" y="2825258"/>
+            <a:ext cx="583474" cy="522515"/>
+          </a:xfrm>
+          <a:prstGeom prst="ellipse">
+            <a:avLst/>
+          </a:prstGeom>
+        </p:spPr>
+        <p:style>
+          <a:lnRef idx="2">
+            <a:schemeClr val="accent1">
+              <a:shade val="50000"/>
+            </a:schemeClr>
+          </a:lnRef>
+          <a:fillRef idx="1">
+            <a:schemeClr val="accent1"/>
+          </a:fillRef>
+          <a:effectRef idx="0">
+            <a:schemeClr val="accent1"/>
+          </a:effectRef>
+          <a:fontRef idx="minor">
+            <a:schemeClr val="lt1"/>
+          </a:fontRef>
+        </p:style>
+        <p:txBody>
+          <a:bodyPr rtlCol="0" anchor="ctr"/>
+          <a:lstStyle/>
+          <a:p>
+            <a:pPr algn="ctr"/>
+            <a:r>
+              <a:rPr lang="en-US" dirty="0"/>
+              <a:t>4b</a:t>
+            </a:r>
+          </a:p>
+        </p:txBody>
+      </p:sp>
+      <p:sp>
+        <p:nvSpPr>
+          <p:cNvPr id="24" name="Oval 23">
+            <a:extLst>
+              <a:ext uri="{FF2B5EF4-FFF2-40B4-BE49-F238E27FC236}">
+                <a16:creationId xmlns:a16="http://schemas.microsoft.com/office/drawing/2014/main" id="{D6A78D52-8A7C-404A-A6F6-4A7669E46417}"/>
+              </a:ext>
+            </a:extLst>
+          </p:cNvPr>
+          <p:cNvSpPr/>
+          <p:nvPr/>
+        </p:nvSpPr>
+        <p:spPr>
+          <a:xfrm>
+            <a:off x="3875314" y="5832369"/>
+            <a:ext cx="583474" cy="522515"/>
+          </a:xfrm>
+          <a:prstGeom prst="ellipse">
+            <a:avLst/>
+          </a:prstGeom>
+        </p:spPr>
+        <p:style>
+          <a:lnRef idx="2">
+            <a:schemeClr val="accent1">
+              <a:shade val="50000"/>
+            </a:schemeClr>
+          </a:lnRef>
+          <a:fillRef idx="1">
+            <a:schemeClr val="accent1"/>
+          </a:fillRef>
+          <a:effectRef idx="0">
+            <a:schemeClr val="accent1"/>
+          </a:effectRef>
+          <a:fontRef idx="minor">
+            <a:schemeClr val="lt1"/>
+          </a:fontRef>
+        </p:style>
+        <p:txBody>
+          <a:bodyPr rtlCol="0" anchor="ctr"/>
+          <a:lstStyle/>
+          <a:p>
+            <a:pPr algn="ctr"/>
+            <a:r>
+              <a:rPr lang="en-US" dirty="0"/>
+              <a:t>5</a:t>
+            </a:r>
+          </a:p>
+        </p:txBody>
+      </p:sp>
+    </p:spTree>
+    <p:extLst>
+      <p:ext uri="{BB962C8B-B14F-4D97-AF65-F5344CB8AC3E}">
+        <p14:creationId xmlns:p14="http://schemas.microsoft.com/office/powerpoint/2010/main" val="2453287757"/>
+      </p:ext>
+    </p:extLst>
+  </p:cSld>
+  <p:clrMapOvr>
+    <a:masterClrMapping/>
+  </p:clrMapOvr>
+</p:sld>
+</file>
+
+<file path=ppt/slides/slide8.xml><?xml version="1.0" encoding="utf-8"?>
+<p:sld xmlns:a="http://schemas.openxmlformats.org/drawingml/2006/main" xmlns:r="http://schemas.openxmlformats.org/officeDocument/2006/relationships" xmlns:p="http://schemas.openxmlformats.org/presentationml/2006/main">
+  <p:cSld>
+    <p:spTree>
+      <p:nvGrpSpPr>
+        <p:cNvPr id="1" name=""/>
+        <p:cNvGrpSpPr/>
+        <p:nvPr/>
+      </p:nvGrpSpPr>
+      <p:grpSpPr>
+        <a:xfrm>
+          <a:off x="0" y="0"/>
+          <a:ext cx="0" cy="0"/>
+          <a:chOff x="0" y="0"/>
+          <a:chExt cx="0" cy="0"/>
+        </a:xfrm>
+      </p:grpSpPr>
+      <p:sp>
+        <p:nvSpPr>
+          <p:cNvPr id="2" name="Rectangle 1">
+            <a:extLst>
+              <a:ext uri="{FF2B5EF4-FFF2-40B4-BE49-F238E27FC236}">
+                <a16:creationId xmlns:a16="http://schemas.microsoft.com/office/drawing/2014/main" id="{0A0B11FB-2CE1-0240-A4D2-A00F24E45882}"/>
+              </a:ext>
+            </a:extLst>
+          </p:cNvPr>
+          <p:cNvSpPr/>
+          <p:nvPr/>
+        </p:nvSpPr>
+        <p:spPr>
+          <a:xfrm>
+            <a:off x="209006" y="1454331"/>
+            <a:ext cx="4728754" cy="4423955"/>
+          </a:xfrm>
+          <a:prstGeom prst="rect">
+            <a:avLst/>
+          </a:prstGeom>
+        </p:spPr>
+        <p:style>
+          <a:lnRef idx="2">
+            <a:schemeClr val="accent6"/>
+          </a:lnRef>
+          <a:fillRef idx="1">
+            <a:schemeClr val="lt1"/>
+          </a:fillRef>
+          <a:effectRef idx="0">
+            <a:schemeClr val="accent6"/>
+          </a:effectRef>
+          <a:fontRef idx="minor">
+            <a:schemeClr val="dk1"/>
+          </a:fontRef>
+        </p:style>
+        <p:txBody>
+          <a:bodyPr rtlCol="0" anchor="ctr"/>
+          <a:lstStyle/>
+          <a:p>
+            <a:pPr algn="ctr"/>
+            <a:endParaRPr lang="en-US"/>
+          </a:p>
+        </p:txBody>
+      </p:sp>
+      <p:sp>
+        <p:nvSpPr>
+          <p:cNvPr id="3" name="Rectangle 2">
+            <a:extLst>
+              <a:ext uri="{FF2B5EF4-FFF2-40B4-BE49-F238E27FC236}">
+                <a16:creationId xmlns:a16="http://schemas.microsoft.com/office/drawing/2014/main" id="{39CEB35E-6F74-914F-A4AE-AEC765AE5B4D}"/>
+              </a:ext>
+            </a:extLst>
+          </p:cNvPr>
+          <p:cNvSpPr/>
+          <p:nvPr/>
+        </p:nvSpPr>
+        <p:spPr>
+          <a:xfrm>
+            <a:off x="2246811" y="2098766"/>
+            <a:ext cx="2116183" cy="478971"/>
+          </a:xfrm>
+          <a:prstGeom prst="rect">
+            <a:avLst/>
+          </a:prstGeom>
+        </p:spPr>
+        <p:style>
+          <a:lnRef idx="2">
+            <a:schemeClr val="accent1">
+              <a:shade val="50000"/>
+            </a:schemeClr>
+          </a:lnRef>
+          <a:fillRef idx="1">
+            <a:schemeClr val="accent1"/>
+          </a:fillRef>
+          <a:effectRef idx="0">
+            <a:schemeClr val="accent1"/>
+          </a:effectRef>
+          <a:fontRef idx="minor">
+            <a:schemeClr val="lt1"/>
+          </a:fontRef>
+        </p:style>
+        <p:txBody>
+          <a:bodyPr rtlCol="0" anchor="ctr"/>
+          <a:lstStyle/>
+          <a:p>
+            <a:pPr algn="ctr"/>
+            <a:r>
+              <a:rPr lang="en-US" dirty="0" err="1"/>
+              <a:t>EmpNo</a:t>
+            </a:r>
+            <a:endParaRPr lang="en-US" dirty="0"/>
+          </a:p>
+        </p:txBody>
+      </p:sp>
+      <p:sp>
+        <p:nvSpPr>
+          <p:cNvPr id="4" name="Rectangle 3">
+            <a:extLst>
+              <a:ext uri="{FF2B5EF4-FFF2-40B4-BE49-F238E27FC236}">
+                <a16:creationId xmlns:a16="http://schemas.microsoft.com/office/drawing/2014/main" id="{DCA527A3-EE3F-E64E-BDB1-0AFBE51E2031}"/>
+              </a:ext>
+            </a:extLst>
+          </p:cNvPr>
+          <p:cNvSpPr/>
+          <p:nvPr/>
+        </p:nvSpPr>
+        <p:spPr>
+          <a:xfrm>
+            <a:off x="2246810" y="3043646"/>
+            <a:ext cx="2116183" cy="478971"/>
+          </a:xfrm>
+          <a:prstGeom prst="rect">
+            <a:avLst/>
+          </a:prstGeom>
+        </p:spPr>
+        <p:style>
+          <a:lnRef idx="2">
+            <a:schemeClr val="accent1">
+              <a:shade val="50000"/>
+            </a:schemeClr>
+          </a:lnRef>
+          <a:fillRef idx="1">
+            <a:schemeClr val="accent1"/>
+          </a:fillRef>
+          <a:effectRef idx="0">
+            <a:schemeClr val="accent1"/>
+          </a:effectRef>
+          <a:fontRef idx="minor">
+            <a:schemeClr val="lt1"/>
+          </a:fontRef>
+        </p:style>
+        <p:txBody>
+          <a:bodyPr rtlCol="0" anchor="ctr"/>
+          <a:lstStyle/>
+          <a:p>
+            <a:pPr algn="ctr"/>
+            <a:r>
+              <a:rPr lang="en-US" dirty="0" err="1"/>
+              <a:t>EmpName</a:t>
+            </a:r>
+            <a:endParaRPr lang="en-US" dirty="0"/>
+          </a:p>
+        </p:txBody>
+      </p:sp>
+      <p:sp>
+        <p:nvSpPr>
+          <p:cNvPr id="5" name="Rectangle 4">
+            <a:extLst>
+              <a:ext uri="{FF2B5EF4-FFF2-40B4-BE49-F238E27FC236}">
+                <a16:creationId xmlns:a16="http://schemas.microsoft.com/office/drawing/2014/main" id="{4C6ED5F4-078C-ED4B-A973-B25B8A3A88FB}"/>
+              </a:ext>
+            </a:extLst>
+          </p:cNvPr>
+          <p:cNvSpPr/>
+          <p:nvPr/>
+        </p:nvSpPr>
+        <p:spPr>
+          <a:xfrm>
+            <a:off x="2246810" y="3981995"/>
+            <a:ext cx="2116183" cy="478971"/>
+          </a:xfrm>
+          <a:prstGeom prst="rect">
+            <a:avLst/>
+          </a:prstGeom>
+        </p:spPr>
+        <p:style>
+          <a:lnRef idx="2">
+            <a:schemeClr val="accent1">
+              <a:shade val="50000"/>
+            </a:schemeClr>
+          </a:lnRef>
+          <a:fillRef idx="1">
+            <a:schemeClr val="accent1"/>
+          </a:fillRef>
+          <a:effectRef idx="0">
+            <a:schemeClr val="accent1"/>
+          </a:effectRef>
+          <a:fontRef idx="minor">
+            <a:schemeClr val="lt1"/>
+          </a:fontRef>
+        </p:style>
+        <p:txBody>
+          <a:bodyPr rtlCol="0" anchor="ctr"/>
+          <a:lstStyle/>
+          <a:p>
+            <a:pPr algn="ctr"/>
+            <a:r>
+              <a:rPr lang="en-US" dirty="0"/>
+              <a:t>Salary</a:t>
+            </a:r>
+          </a:p>
+        </p:txBody>
+      </p:sp>
+      <p:sp>
+        <p:nvSpPr>
+          <p:cNvPr id="6" name="Rounded Rectangle 5">
+            <a:extLst>
+              <a:ext uri="{FF2B5EF4-FFF2-40B4-BE49-F238E27FC236}">
+                <a16:creationId xmlns:a16="http://schemas.microsoft.com/office/drawing/2014/main" id="{7ADF362F-559B-A841-8EEF-10691210ABB7}"/>
+              </a:ext>
+            </a:extLst>
+          </p:cNvPr>
+          <p:cNvSpPr/>
+          <p:nvPr/>
+        </p:nvSpPr>
+        <p:spPr>
+          <a:xfrm>
+            <a:off x="1271451" y="5120640"/>
+            <a:ext cx="2603863" cy="435429"/>
+          </a:xfrm>
+          <a:prstGeom prst="roundRect">
+            <a:avLst/>
+          </a:prstGeom>
+        </p:spPr>
+        <p:style>
+          <a:lnRef idx="2">
+            <a:schemeClr val="accent1">
+              <a:shade val="50000"/>
+            </a:schemeClr>
+          </a:lnRef>
+          <a:fillRef idx="1">
+            <a:schemeClr val="accent1"/>
+          </a:fillRef>
+          <a:effectRef idx="0">
+            <a:schemeClr val="accent1"/>
+          </a:effectRef>
+          <a:fontRef idx="minor">
+            <a:schemeClr val="lt1"/>
+          </a:fontRef>
+        </p:style>
+        <p:txBody>
+          <a:bodyPr rtlCol="0" anchor="ctr"/>
+          <a:lstStyle/>
+          <a:p>
+            <a:pPr algn="ctr"/>
+            <a:r>
+              <a:rPr lang="en-US" dirty="0"/>
+              <a:t>Submit</a:t>
+            </a:r>
+          </a:p>
+        </p:txBody>
+      </p:sp>
+      <p:sp>
+        <p:nvSpPr>
+          <p:cNvPr id="7" name="TextBox 6">
+            <a:extLst>
+              <a:ext uri="{FF2B5EF4-FFF2-40B4-BE49-F238E27FC236}">
+                <a16:creationId xmlns:a16="http://schemas.microsoft.com/office/drawing/2014/main" id="{B526BE2E-D15B-B14C-9B18-B4695644E088}"/>
+              </a:ext>
+            </a:extLst>
+          </p:cNvPr>
+          <p:cNvSpPr txBox="1"/>
+          <p:nvPr/>
+        </p:nvSpPr>
+        <p:spPr>
+          <a:xfrm>
+            <a:off x="566057" y="988422"/>
+            <a:ext cx="4066903" cy="369332"/>
+          </a:xfrm>
+          <a:prstGeom prst="rect">
+            <a:avLst/>
+          </a:prstGeom>
+          <a:noFill/>
+        </p:spPr>
+        <p:txBody>
+          <a:bodyPr wrap="square" rtlCol="0">
+            <a:spAutoFit/>
+          </a:bodyPr>
+          <a:lstStyle/>
+          <a:p>
+            <a:r>
+              <a:rPr lang="en-US" dirty="0"/>
+              <a:t>Form</a:t>
+            </a:r>
+          </a:p>
+        </p:txBody>
+      </p:sp>
+      <p:sp>
+        <p:nvSpPr>
+          <p:cNvPr id="8" name="TextBox 7">
+            <a:extLst>
+              <a:ext uri="{FF2B5EF4-FFF2-40B4-BE49-F238E27FC236}">
+                <a16:creationId xmlns:a16="http://schemas.microsoft.com/office/drawing/2014/main" id="{C42109C5-DB7D-704F-9AD0-6D4E58626291}"/>
+              </a:ext>
+            </a:extLst>
+          </p:cNvPr>
+          <p:cNvSpPr txBox="1"/>
+          <p:nvPr/>
+        </p:nvSpPr>
+        <p:spPr>
+          <a:xfrm>
+            <a:off x="6653349" y="1566318"/>
+            <a:ext cx="4589417" cy="1477328"/>
+          </a:xfrm>
+          <a:prstGeom prst="rect">
+            <a:avLst/>
+          </a:prstGeom>
+          <a:noFill/>
+        </p:spPr>
+        <p:txBody>
+          <a:bodyPr wrap="square" rtlCol="0">
+            <a:spAutoFit/>
+          </a:bodyPr>
+          <a:lstStyle/>
+          <a:p>
+            <a:r>
+              <a:rPr lang="en-US" dirty="0"/>
+              <a:t>Class Employee{</a:t>
+            </a:r>
+          </a:p>
+          <a:p>
+            <a:r>
+              <a:rPr lang="en-US" dirty="0"/>
+              <a:t>  </a:t>
+            </a:r>
+            <a:r>
+              <a:rPr lang="en-US" dirty="0" err="1"/>
+              <a:t>EmpNo</a:t>
+            </a:r>
+            <a:r>
+              <a:rPr lang="en-US" dirty="0"/>
+              <a:t>: number,</a:t>
+            </a:r>
+          </a:p>
+          <a:p>
+            <a:r>
+              <a:rPr lang="en-US" dirty="0" err="1"/>
+              <a:t>EmpName:string</a:t>
+            </a:r>
+            <a:r>
+              <a:rPr lang="en-US" dirty="0"/>
+              <a:t>,</a:t>
+            </a:r>
+          </a:p>
+          <a:p>
+            <a:r>
+              <a:rPr lang="en-US" dirty="0" err="1"/>
+              <a:t>Salary:number</a:t>
+            </a:r>
+            <a:endParaRPr lang="en-US" dirty="0"/>
+          </a:p>
+          <a:p>
+            <a:r>
+              <a:rPr lang="en-US" dirty="0"/>
+              <a:t>}</a:t>
+            </a:r>
+          </a:p>
+        </p:txBody>
+      </p:sp>
+      <p:cxnSp>
+        <p:nvCxnSpPr>
+          <p:cNvPr id="10" name="Straight Arrow Connector 9">
+            <a:extLst>
+              <a:ext uri="{FF2B5EF4-FFF2-40B4-BE49-F238E27FC236}">
+                <a16:creationId xmlns:a16="http://schemas.microsoft.com/office/drawing/2014/main" id="{F52101FA-9EEF-A14B-9E24-979F7DEE2F9A}"/>
+              </a:ext>
+            </a:extLst>
+          </p:cNvPr>
+          <p:cNvCxnSpPr/>
+          <p:nvPr/>
+        </p:nvCxnSpPr>
+        <p:spPr>
+          <a:xfrm flipH="1">
+            <a:off x="4362993" y="2037806"/>
+            <a:ext cx="2447110" cy="300445"/>
+          </a:xfrm>
+          <a:prstGeom prst="straightConnector1">
+            <a:avLst/>
+          </a:prstGeom>
+          <a:ln>
+            <a:tailEnd type="triangle"/>
+          </a:ln>
+        </p:spPr>
+        <p:style>
+          <a:lnRef idx="1">
+            <a:schemeClr val="accent1"/>
+          </a:lnRef>
+          <a:fillRef idx="0">
+            <a:schemeClr val="accent1"/>
+          </a:fillRef>
+          <a:effectRef idx="0">
+            <a:schemeClr val="accent1"/>
+          </a:effectRef>
+          <a:fontRef idx="minor">
+            <a:schemeClr val="tx1"/>
+          </a:fontRef>
+        </p:style>
+      </p:cxnSp>
+      <p:cxnSp>
+        <p:nvCxnSpPr>
+          <p:cNvPr id="12" name="Straight Arrow Connector 11">
+            <a:extLst>
+              <a:ext uri="{FF2B5EF4-FFF2-40B4-BE49-F238E27FC236}">
+                <a16:creationId xmlns:a16="http://schemas.microsoft.com/office/drawing/2014/main" id="{1CFE0AA8-5170-9446-9117-557833F5E3F6}"/>
+              </a:ext>
+            </a:extLst>
+          </p:cNvPr>
+          <p:cNvCxnSpPr>
+            <a:stCxn id="8" idx="1"/>
+          </p:cNvCxnSpPr>
+          <p:nvPr/>
+        </p:nvCxnSpPr>
+        <p:spPr>
+          <a:xfrm flipH="1">
+            <a:off x="4362993" y="2304982"/>
+            <a:ext cx="2290356" cy="978149"/>
+          </a:xfrm>
+          <a:prstGeom prst="straightConnector1">
+            <a:avLst/>
+          </a:prstGeom>
+          <a:ln>
+            <a:tailEnd type="triangle"/>
+          </a:ln>
+        </p:spPr>
+        <p:style>
+          <a:lnRef idx="1">
+            <a:schemeClr val="accent1"/>
+          </a:lnRef>
+          <a:fillRef idx="0">
+            <a:schemeClr val="accent1"/>
+          </a:fillRef>
+          <a:effectRef idx="0">
+            <a:schemeClr val="accent1"/>
+          </a:effectRef>
+          <a:fontRef idx="minor">
+            <a:schemeClr val="tx1"/>
+          </a:fontRef>
+        </p:style>
+      </p:cxnSp>
+      <p:cxnSp>
+        <p:nvCxnSpPr>
+          <p:cNvPr id="14" name="Straight Arrow Connector 13">
+            <a:extLst>
+              <a:ext uri="{FF2B5EF4-FFF2-40B4-BE49-F238E27FC236}">
+                <a16:creationId xmlns:a16="http://schemas.microsoft.com/office/drawing/2014/main" id="{4F59847E-43DD-7342-B8C7-A4CC0529B1CF}"/>
+              </a:ext>
+            </a:extLst>
+          </p:cNvPr>
+          <p:cNvCxnSpPr>
+            <a:endCxn id="5" idx="3"/>
+          </p:cNvCxnSpPr>
+          <p:nvPr/>
+        </p:nvCxnSpPr>
+        <p:spPr>
+          <a:xfrm flipH="1">
+            <a:off x="4362993" y="2638697"/>
+            <a:ext cx="2368733" cy="1582784"/>
+          </a:xfrm>
+          <a:prstGeom prst="straightConnector1">
+            <a:avLst/>
+          </a:prstGeom>
+          <a:ln>
+            <a:tailEnd type="triangle"/>
+          </a:ln>
+        </p:spPr>
+        <p:style>
+          <a:lnRef idx="1">
+            <a:schemeClr val="accent1"/>
+          </a:lnRef>
+          <a:fillRef idx="0">
+            <a:schemeClr val="accent1"/>
+          </a:fillRef>
+          <a:effectRef idx="0">
+            <a:schemeClr val="accent1"/>
+          </a:effectRef>
+          <a:fontRef idx="minor">
+            <a:schemeClr val="tx1"/>
+          </a:fontRef>
+        </p:style>
+      </p:cxnSp>
+      <p:sp>
+        <p:nvSpPr>
+          <p:cNvPr id="15" name="TextBox 14">
+            <a:extLst>
+              <a:ext uri="{FF2B5EF4-FFF2-40B4-BE49-F238E27FC236}">
+                <a16:creationId xmlns:a16="http://schemas.microsoft.com/office/drawing/2014/main" id="{808D1969-701A-BE4C-9A2C-4D02C7064E75}"/>
+              </a:ext>
+            </a:extLst>
+          </p:cNvPr>
+          <p:cNvSpPr txBox="1"/>
+          <p:nvPr/>
+        </p:nvSpPr>
+        <p:spPr>
+          <a:xfrm>
+            <a:off x="6096000" y="3666308"/>
+            <a:ext cx="3666309" cy="646331"/>
+          </a:xfrm>
+          <a:prstGeom prst="rect">
+            <a:avLst/>
+          </a:prstGeom>
+          <a:noFill/>
+        </p:spPr>
+        <p:txBody>
+          <a:bodyPr wrap="square" rtlCol="0">
+            <a:spAutoFit/>
+          </a:bodyPr>
+          <a:lstStyle/>
+          <a:p>
+            <a:r>
+              <a:rPr lang="en-US" dirty="0"/>
+              <a:t>Traditional Individual Mapping with </a:t>
+            </a:r>
+            <a:r>
+              <a:rPr lang="en-US" dirty="0" err="1"/>
+              <a:t>ngModel</a:t>
+            </a:r>
+            <a:endParaRPr lang="en-US" dirty="0"/>
+          </a:p>
+        </p:txBody>
+      </p:sp>
+    </p:spTree>
+    <p:extLst>
+      <p:ext uri="{BB962C8B-B14F-4D97-AF65-F5344CB8AC3E}">
+        <p14:creationId xmlns:p14="http://schemas.microsoft.com/office/powerpoint/2010/main" val="3816106565"/>
+      </p:ext>
+    </p:extLst>
+  </p:cSld>
+  <p:clrMapOvr>
+    <a:masterClrMapping/>
+  </p:clrMapOvr>
+</p:sld>
+</file>
+
+<file path=ppt/slides/slide9.xml><?xml version="1.0" encoding="utf-8"?>
+<p:sld xmlns:a="http://schemas.openxmlformats.org/drawingml/2006/main" xmlns:r="http://schemas.openxmlformats.org/officeDocument/2006/relationships" xmlns:p="http://schemas.openxmlformats.org/presentationml/2006/main">
+  <p:cSld>
+    <p:spTree>
+      <p:nvGrpSpPr>
+        <p:cNvPr id="1" name=""/>
+        <p:cNvGrpSpPr/>
+        <p:nvPr/>
+      </p:nvGrpSpPr>
+      <p:grpSpPr>
+        <a:xfrm>
+          <a:off x="0" y="0"/>
+          <a:ext cx="0" cy="0"/>
+          <a:chOff x="0" y="0"/>
+          <a:chExt cx="0" cy="0"/>
+        </a:xfrm>
+      </p:grpSpPr>
+      <p:sp>
+        <p:nvSpPr>
+          <p:cNvPr id="2" name="Rectangle 1">
+            <a:extLst>
+              <a:ext uri="{FF2B5EF4-FFF2-40B4-BE49-F238E27FC236}">
+                <a16:creationId xmlns:a16="http://schemas.microsoft.com/office/drawing/2014/main" id="{0A0B11FB-2CE1-0240-A4D2-A00F24E45882}"/>
+              </a:ext>
+            </a:extLst>
+          </p:cNvPr>
+          <p:cNvSpPr/>
+          <p:nvPr/>
+        </p:nvSpPr>
+        <p:spPr>
+          <a:xfrm>
+            <a:off x="209006" y="1454331"/>
+            <a:ext cx="4728754" cy="4423955"/>
+          </a:xfrm>
+          <a:prstGeom prst="rect">
+            <a:avLst/>
+          </a:prstGeom>
+        </p:spPr>
+        <p:style>
+          <a:lnRef idx="2">
+            <a:schemeClr val="accent6"/>
+          </a:lnRef>
+          <a:fillRef idx="1">
+            <a:schemeClr val="lt1"/>
+          </a:fillRef>
+          <a:effectRef idx="0">
+            <a:schemeClr val="accent6"/>
+          </a:effectRef>
+          <a:fontRef idx="minor">
+            <a:schemeClr val="dk1"/>
+          </a:fontRef>
+        </p:style>
+        <p:txBody>
+          <a:bodyPr rtlCol="0" anchor="ctr"/>
+          <a:lstStyle/>
+          <a:p>
+            <a:pPr algn="ctr"/>
+            <a:endParaRPr lang="en-US"/>
+          </a:p>
+        </p:txBody>
+      </p:sp>
+      <p:sp>
+        <p:nvSpPr>
+          <p:cNvPr id="3" name="Rectangle 2">
+            <a:extLst>
+              <a:ext uri="{FF2B5EF4-FFF2-40B4-BE49-F238E27FC236}">
+                <a16:creationId xmlns:a16="http://schemas.microsoft.com/office/drawing/2014/main" id="{39CEB35E-6F74-914F-A4AE-AEC765AE5B4D}"/>
+              </a:ext>
+            </a:extLst>
+          </p:cNvPr>
+          <p:cNvSpPr/>
+          <p:nvPr/>
+        </p:nvSpPr>
+        <p:spPr>
+          <a:xfrm>
+            <a:off x="2246811" y="2098766"/>
+            <a:ext cx="2116183" cy="478971"/>
+          </a:xfrm>
+          <a:prstGeom prst="rect">
+            <a:avLst/>
+          </a:prstGeom>
+        </p:spPr>
+        <p:style>
+          <a:lnRef idx="2">
+            <a:schemeClr val="accent1">
+              <a:shade val="50000"/>
+            </a:schemeClr>
+          </a:lnRef>
+          <a:fillRef idx="1">
+            <a:schemeClr val="accent1"/>
+          </a:fillRef>
+          <a:effectRef idx="0">
+            <a:schemeClr val="accent1"/>
+          </a:effectRef>
+          <a:fontRef idx="minor">
+            <a:schemeClr val="lt1"/>
+          </a:fontRef>
+        </p:style>
+        <p:txBody>
+          <a:bodyPr rtlCol="0" anchor="ctr"/>
+          <a:lstStyle/>
+          <a:p>
+            <a:pPr algn="ctr"/>
+            <a:r>
+              <a:rPr lang="en-US" dirty="0" err="1"/>
+              <a:t>EmpNo</a:t>
+            </a:r>
+            <a:endParaRPr lang="en-US" dirty="0"/>
+          </a:p>
+        </p:txBody>
+      </p:sp>
+      <p:sp>
+        <p:nvSpPr>
+          <p:cNvPr id="4" name="Rectangle 3">
+            <a:extLst>
+              <a:ext uri="{FF2B5EF4-FFF2-40B4-BE49-F238E27FC236}">
+                <a16:creationId xmlns:a16="http://schemas.microsoft.com/office/drawing/2014/main" id="{DCA527A3-EE3F-E64E-BDB1-0AFBE51E2031}"/>
+              </a:ext>
+            </a:extLst>
+          </p:cNvPr>
+          <p:cNvSpPr/>
+          <p:nvPr/>
+        </p:nvSpPr>
+        <p:spPr>
+          <a:xfrm>
+            <a:off x="2246810" y="3043646"/>
+            <a:ext cx="2116183" cy="478971"/>
+          </a:xfrm>
+          <a:prstGeom prst="rect">
+            <a:avLst/>
+          </a:prstGeom>
+        </p:spPr>
+        <p:style>
+          <a:lnRef idx="2">
+            <a:schemeClr val="accent1">
+              <a:shade val="50000"/>
+            </a:schemeClr>
+          </a:lnRef>
+          <a:fillRef idx="1">
+            <a:schemeClr val="accent1"/>
+          </a:fillRef>
+          <a:effectRef idx="0">
+            <a:schemeClr val="accent1"/>
+          </a:effectRef>
+          <a:fontRef idx="minor">
+            <a:schemeClr val="lt1"/>
+          </a:fontRef>
+        </p:style>
+        <p:txBody>
+          <a:bodyPr rtlCol="0" anchor="ctr"/>
+          <a:lstStyle/>
+          <a:p>
+            <a:pPr algn="ctr"/>
+            <a:r>
+              <a:rPr lang="en-US" dirty="0" err="1"/>
+              <a:t>EmpName</a:t>
+            </a:r>
+            <a:endParaRPr lang="en-US" dirty="0"/>
+          </a:p>
+        </p:txBody>
+      </p:sp>
+      <p:sp>
+        <p:nvSpPr>
+          <p:cNvPr id="5" name="Rectangle 4">
+            <a:extLst>
+              <a:ext uri="{FF2B5EF4-FFF2-40B4-BE49-F238E27FC236}">
+                <a16:creationId xmlns:a16="http://schemas.microsoft.com/office/drawing/2014/main" id="{4C6ED5F4-078C-ED4B-A973-B25B8A3A88FB}"/>
+              </a:ext>
+            </a:extLst>
+          </p:cNvPr>
+          <p:cNvSpPr/>
+          <p:nvPr/>
+        </p:nvSpPr>
+        <p:spPr>
+          <a:xfrm>
+            <a:off x="2246810" y="3981995"/>
+            <a:ext cx="2116183" cy="478971"/>
+          </a:xfrm>
+          <a:prstGeom prst="rect">
+            <a:avLst/>
+          </a:prstGeom>
+        </p:spPr>
+        <p:style>
+          <a:lnRef idx="2">
+            <a:schemeClr val="accent1">
+              <a:shade val="50000"/>
+            </a:schemeClr>
+          </a:lnRef>
+          <a:fillRef idx="1">
+            <a:schemeClr val="accent1"/>
+          </a:fillRef>
+          <a:effectRef idx="0">
+            <a:schemeClr val="accent1"/>
+          </a:effectRef>
+          <a:fontRef idx="minor">
+            <a:schemeClr val="lt1"/>
+          </a:fontRef>
+        </p:style>
+        <p:txBody>
+          <a:bodyPr rtlCol="0" anchor="ctr"/>
+          <a:lstStyle/>
+          <a:p>
+            <a:pPr algn="ctr"/>
+            <a:r>
+              <a:rPr lang="en-US" dirty="0"/>
+              <a:t>Salary</a:t>
+            </a:r>
+          </a:p>
+        </p:txBody>
+      </p:sp>
+      <p:sp>
+        <p:nvSpPr>
+          <p:cNvPr id="6" name="Rounded Rectangle 5">
+            <a:extLst>
+              <a:ext uri="{FF2B5EF4-FFF2-40B4-BE49-F238E27FC236}">
+                <a16:creationId xmlns:a16="http://schemas.microsoft.com/office/drawing/2014/main" id="{7ADF362F-559B-A841-8EEF-10691210ABB7}"/>
+              </a:ext>
+            </a:extLst>
+          </p:cNvPr>
+          <p:cNvSpPr/>
+          <p:nvPr/>
+        </p:nvSpPr>
+        <p:spPr>
+          <a:xfrm>
+            <a:off x="1271451" y="5120640"/>
+            <a:ext cx="2603863" cy="435429"/>
+          </a:xfrm>
+          <a:prstGeom prst="roundRect">
+            <a:avLst/>
+          </a:prstGeom>
+        </p:spPr>
+        <p:style>
+          <a:lnRef idx="2">
+            <a:schemeClr val="accent1">
+              <a:shade val="50000"/>
+            </a:schemeClr>
+          </a:lnRef>
+          <a:fillRef idx="1">
+            <a:schemeClr val="accent1"/>
+          </a:fillRef>
+          <a:effectRef idx="0">
+            <a:schemeClr val="accent1"/>
+          </a:effectRef>
+          <a:fontRef idx="minor">
+            <a:schemeClr val="lt1"/>
+          </a:fontRef>
+        </p:style>
+        <p:txBody>
+          <a:bodyPr rtlCol="0" anchor="ctr"/>
+          <a:lstStyle/>
+          <a:p>
+            <a:pPr algn="ctr"/>
+            <a:r>
+              <a:rPr lang="en-US" dirty="0"/>
+              <a:t>Submit</a:t>
+            </a:r>
+          </a:p>
+        </p:txBody>
+      </p:sp>
+      <p:sp>
+        <p:nvSpPr>
+          <p:cNvPr id="7" name="TextBox 6">
+            <a:extLst>
+              <a:ext uri="{FF2B5EF4-FFF2-40B4-BE49-F238E27FC236}">
+                <a16:creationId xmlns:a16="http://schemas.microsoft.com/office/drawing/2014/main" id="{B526BE2E-D15B-B14C-9B18-B4695644E088}"/>
+              </a:ext>
+            </a:extLst>
+          </p:cNvPr>
+          <p:cNvSpPr txBox="1"/>
+          <p:nvPr/>
+        </p:nvSpPr>
+        <p:spPr>
+          <a:xfrm>
+            <a:off x="566057" y="988422"/>
+            <a:ext cx="4066903" cy="369332"/>
+          </a:xfrm>
+          <a:prstGeom prst="rect">
+            <a:avLst/>
+          </a:prstGeom>
+          <a:noFill/>
+        </p:spPr>
+        <p:txBody>
+          <a:bodyPr wrap="square" rtlCol="0">
+            <a:spAutoFit/>
+          </a:bodyPr>
+          <a:lstStyle/>
+          <a:p>
+            <a:r>
+              <a:rPr lang="en-US" dirty="0"/>
+              <a:t>Form</a:t>
+            </a:r>
+          </a:p>
+        </p:txBody>
+      </p:sp>
+      <p:sp>
+        <p:nvSpPr>
+          <p:cNvPr id="8" name="TextBox 7">
+            <a:extLst>
+              <a:ext uri="{FF2B5EF4-FFF2-40B4-BE49-F238E27FC236}">
+                <a16:creationId xmlns:a16="http://schemas.microsoft.com/office/drawing/2014/main" id="{C42109C5-DB7D-704F-9AD0-6D4E58626291}"/>
+              </a:ext>
+            </a:extLst>
+          </p:cNvPr>
+          <p:cNvSpPr txBox="1"/>
+          <p:nvPr/>
+        </p:nvSpPr>
+        <p:spPr>
+          <a:xfrm>
+            <a:off x="6653349" y="1566318"/>
+            <a:ext cx="4589417" cy="1477328"/>
+          </a:xfrm>
+          <a:prstGeom prst="rect">
+            <a:avLst/>
+          </a:prstGeom>
+          <a:noFill/>
+        </p:spPr>
+        <p:txBody>
+          <a:bodyPr wrap="square" rtlCol="0">
+            <a:spAutoFit/>
+          </a:bodyPr>
+          <a:lstStyle/>
+          <a:p>
+            <a:r>
+              <a:rPr lang="en-US" dirty="0"/>
+              <a:t>Class Employee{</a:t>
+            </a:r>
+          </a:p>
+          <a:p>
+            <a:r>
+              <a:rPr lang="en-US" dirty="0"/>
+              <a:t>  </a:t>
+            </a:r>
+            <a:r>
+              <a:rPr lang="en-US" dirty="0" err="1"/>
+              <a:t>EmpNo</a:t>
+            </a:r>
+            <a:r>
+              <a:rPr lang="en-US" dirty="0"/>
+              <a:t>: number,</a:t>
+            </a:r>
+          </a:p>
+          <a:p>
+            <a:r>
+              <a:rPr lang="en-US" dirty="0" err="1"/>
+              <a:t>EmpName:string</a:t>
+            </a:r>
+            <a:r>
+              <a:rPr lang="en-US" dirty="0"/>
+              <a:t>,</a:t>
+            </a:r>
+          </a:p>
+          <a:p>
+            <a:r>
+              <a:rPr lang="en-US" dirty="0" err="1"/>
+              <a:t>Salary:number</a:t>
+            </a:r>
+            <a:endParaRPr lang="en-US" dirty="0"/>
+          </a:p>
+          <a:p>
+            <a:r>
+              <a:rPr lang="en-US" dirty="0"/>
+              <a:t>}</a:t>
+            </a:r>
+          </a:p>
+        </p:txBody>
+      </p:sp>
+      <p:sp>
+        <p:nvSpPr>
+          <p:cNvPr id="9" name="Left Brace 8">
+            <a:extLst>
+              <a:ext uri="{FF2B5EF4-FFF2-40B4-BE49-F238E27FC236}">
+                <a16:creationId xmlns:a16="http://schemas.microsoft.com/office/drawing/2014/main" id="{35C72A4D-0390-2E48-BCBF-C61FFBAECF90}"/>
+              </a:ext>
+            </a:extLst>
+          </p:cNvPr>
+          <p:cNvSpPr/>
+          <p:nvPr/>
+        </p:nvSpPr>
+        <p:spPr>
+          <a:xfrm>
+            <a:off x="6156960" y="1357754"/>
+            <a:ext cx="252549" cy="1881835"/>
+          </a:xfrm>
+          <a:prstGeom prst="leftBrace">
+            <a:avLst/>
+          </a:prstGeom>
+        </p:spPr>
+        <p:style>
+          <a:lnRef idx="1">
+            <a:schemeClr val="accent1"/>
+          </a:lnRef>
+          <a:fillRef idx="0">
+            <a:schemeClr val="accent1"/>
+          </a:fillRef>
+          <a:effectRef idx="0">
+            <a:schemeClr val="accent1"/>
+          </a:effectRef>
+          <a:fontRef idx="minor">
+            <a:schemeClr val="tx1"/>
+          </a:fontRef>
+        </p:style>
+        <p:txBody>
+          <a:bodyPr rtlCol="0" anchor="ctr"/>
+          <a:lstStyle/>
+          <a:p>
+            <a:pPr algn="ctr"/>
+            <a:endParaRPr lang="en-US"/>
+          </a:p>
+        </p:txBody>
+      </p:sp>
+      <p:cxnSp>
+        <p:nvCxnSpPr>
+          <p:cNvPr id="13" name="Straight Arrow Connector 12">
+            <a:extLst>
+              <a:ext uri="{FF2B5EF4-FFF2-40B4-BE49-F238E27FC236}">
+                <a16:creationId xmlns:a16="http://schemas.microsoft.com/office/drawing/2014/main" id="{738E0AEE-F0FF-0A4B-B56D-0C3B89AE2C1E}"/>
+              </a:ext>
+            </a:extLst>
+          </p:cNvPr>
+          <p:cNvCxnSpPr/>
+          <p:nvPr/>
+        </p:nvCxnSpPr>
+        <p:spPr>
+          <a:xfrm flipH="1">
+            <a:off x="4937760" y="2290354"/>
+            <a:ext cx="1158240" cy="966652"/>
+          </a:xfrm>
+          <a:prstGeom prst="straightConnector1">
+            <a:avLst/>
+          </a:prstGeom>
+          <a:ln>
+            <a:tailEnd type="triangle"/>
+          </a:ln>
+        </p:spPr>
+        <p:style>
+          <a:lnRef idx="1">
+            <a:schemeClr val="accent1"/>
+          </a:lnRef>
+          <a:fillRef idx="0">
+            <a:schemeClr val="accent1"/>
+          </a:fillRef>
+          <a:effectRef idx="0">
+            <a:schemeClr val="accent1"/>
+          </a:effectRef>
+          <a:fontRef idx="minor">
+            <a:schemeClr val="tx1"/>
+          </a:fontRef>
+        </p:style>
+      </p:cxnSp>
+      <p:sp>
+        <p:nvSpPr>
+          <p:cNvPr id="16" name="TextBox 15">
+            <a:extLst>
+              <a:ext uri="{FF2B5EF4-FFF2-40B4-BE49-F238E27FC236}">
+                <a16:creationId xmlns:a16="http://schemas.microsoft.com/office/drawing/2014/main" id="{69D9DBCE-E374-944A-92A0-608D9328A946}"/>
+              </a:ext>
+            </a:extLst>
+          </p:cNvPr>
+          <p:cNvSpPr txBox="1"/>
+          <p:nvPr/>
+        </p:nvSpPr>
+        <p:spPr>
+          <a:xfrm>
+            <a:off x="5251269" y="3522617"/>
+            <a:ext cx="5503817" cy="1754326"/>
+          </a:xfrm>
+          <a:prstGeom prst="rect">
+            <a:avLst/>
+          </a:prstGeom>
+          <a:noFill/>
+        </p:spPr>
+        <p:txBody>
+          <a:bodyPr wrap="square" rtlCol="0">
+            <a:spAutoFit/>
+          </a:bodyPr>
+          <a:lstStyle/>
+          <a:p>
+            <a:r>
+              <a:rPr lang="en-US" dirty="0"/>
+              <a:t>Bind the entire object to the form so that when the form is posted the actual object is used for the processing instead of individual properties of the object.</a:t>
+            </a:r>
+          </a:p>
+          <a:p>
+            <a:endParaRPr lang="en-US" dirty="0"/>
+          </a:p>
+          <a:p>
+            <a:r>
+              <a:rPr lang="en-US" dirty="0"/>
+              <a:t>This include domain specific validations applied on each property of </a:t>
+            </a:r>
+            <a:r>
+              <a:rPr lang="en-US"/>
+              <a:t>the object</a:t>
+            </a:r>
+            <a:endParaRPr lang="en-US" dirty="0"/>
+          </a:p>
+        </p:txBody>
+      </p:sp>
+    </p:spTree>
+    <p:extLst>
+      <p:ext uri="{BB962C8B-B14F-4D97-AF65-F5344CB8AC3E}">
+        <p14:creationId xmlns:p14="http://schemas.microsoft.com/office/powerpoint/2010/main" val="1075856675"/>
+      </p:ext>
+    </p:extLst>
+  </p:cSld>
+  <p:clrMapOvr>
+    <a:masterClrMapping/>
+  </p:clrMapOvr>
+</p:sld>
+</file>
+
 <file path=ppt/theme/theme1.xml><?xml version="1.0" encoding="utf-8"?>
 <a:theme xmlns:a="http://schemas.openxmlformats.org/drawingml/2006/main" name="DividendVTI">
   <a:themeElements>

--- a/Training_Diagrams.pptx
+++ b/Training_Diagrams.pptx
@@ -14,6 +14,9 @@
     <p:sldId id="261" r:id="rId8"/>
     <p:sldId id="263" r:id="rId9"/>
     <p:sldId id="264" r:id="rId10"/>
+    <p:sldId id="265" r:id="rId11"/>
+    <p:sldId id="266" r:id="rId12"/>
+    <p:sldId id="267" r:id="rId13"/>
   </p:sldIdLst>
   <p:sldSz cx="12192000" cy="6858000"/>
   <p:notesSz cx="6858000" cy="9144000"/>
@@ -4042,6 +4045,1550 @@
 </p:sld>
 </file>
 
+<file path=ppt/slides/slide10.xml><?xml version="1.0" encoding="utf-8"?>
+<p:sld xmlns:a="http://schemas.openxmlformats.org/drawingml/2006/main" xmlns:r="http://schemas.openxmlformats.org/officeDocument/2006/relationships" xmlns:p="http://schemas.openxmlformats.org/presentationml/2006/main">
+  <p:cSld>
+    <p:spTree>
+      <p:nvGrpSpPr>
+        <p:cNvPr id="1" name=""/>
+        <p:cNvGrpSpPr/>
+        <p:nvPr/>
+      </p:nvGrpSpPr>
+      <p:grpSpPr>
+        <a:xfrm>
+          <a:off x="0" y="0"/>
+          <a:ext cx="0" cy="0"/>
+          <a:chOff x="0" y="0"/>
+          <a:chExt cx="0" cy="0"/>
+        </a:xfrm>
+      </p:grpSpPr>
+      <p:sp>
+        <p:nvSpPr>
+          <p:cNvPr id="2" name="Rectangle 1">
+            <a:extLst>
+              <a:ext uri="{FF2B5EF4-FFF2-40B4-BE49-F238E27FC236}">
+                <a16:creationId xmlns:a16="http://schemas.microsoft.com/office/drawing/2014/main" id="{FD725A7B-7A4F-4848-B692-460E81F37243}"/>
+              </a:ext>
+            </a:extLst>
+          </p:cNvPr>
+          <p:cNvSpPr/>
+          <p:nvPr/>
+        </p:nvSpPr>
+        <p:spPr>
+          <a:xfrm>
+            <a:off x="557349" y="1062446"/>
+            <a:ext cx="11338560" cy="5538651"/>
+          </a:xfrm>
+          <a:prstGeom prst="rect">
+            <a:avLst/>
+          </a:prstGeom>
+        </p:spPr>
+        <p:style>
+          <a:lnRef idx="2">
+            <a:schemeClr val="accent6"/>
+          </a:lnRef>
+          <a:fillRef idx="1">
+            <a:schemeClr val="lt1"/>
+          </a:fillRef>
+          <a:effectRef idx="0">
+            <a:schemeClr val="accent6"/>
+          </a:effectRef>
+          <a:fontRef idx="minor">
+            <a:schemeClr val="dk1"/>
+          </a:fontRef>
+        </p:style>
+        <p:txBody>
+          <a:bodyPr rtlCol="0" anchor="ctr"/>
+          <a:lstStyle/>
+          <a:p>
+            <a:pPr algn="ctr"/>
+            <a:endParaRPr lang="en-US"/>
+          </a:p>
+        </p:txBody>
+      </p:sp>
+      <p:sp>
+        <p:nvSpPr>
+          <p:cNvPr id="3" name="TextBox 2">
+            <a:extLst>
+              <a:ext uri="{FF2B5EF4-FFF2-40B4-BE49-F238E27FC236}">
+                <a16:creationId xmlns:a16="http://schemas.microsoft.com/office/drawing/2014/main" id="{D723ECEC-B918-F24A-A241-1940785C5CB5}"/>
+              </a:ext>
+            </a:extLst>
+          </p:cNvPr>
+          <p:cNvSpPr txBox="1"/>
+          <p:nvPr/>
+        </p:nvSpPr>
+        <p:spPr>
+          <a:xfrm>
+            <a:off x="5512526" y="1219200"/>
+            <a:ext cx="2090057" cy="369332"/>
+          </a:xfrm>
+          <a:prstGeom prst="rect">
+            <a:avLst/>
+          </a:prstGeom>
+          <a:noFill/>
+        </p:spPr>
+        <p:txBody>
+          <a:bodyPr wrap="square" rtlCol="0">
+            <a:spAutoFit/>
+          </a:bodyPr>
+          <a:lstStyle/>
+          <a:p>
+            <a:r>
+              <a:rPr lang="en-US" dirty="0"/>
+              <a:t>Parent Component</a:t>
+            </a:r>
+          </a:p>
+        </p:txBody>
+      </p:sp>
+      <p:sp>
+        <p:nvSpPr>
+          <p:cNvPr id="4" name="Rounded Rectangle 3">
+            <a:extLst>
+              <a:ext uri="{FF2B5EF4-FFF2-40B4-BE49-F238E27FC236}">
+                <a16:creationId xmlns:a16="http://schemas.microsoft.com/office/drawing/2014/main" id="{21B245EC-55E0-6348-B4FB-484429A2A66F}"/>
+              </a:ext>
+            </a:extLst>
+          </p:cNvPr>
+          <p:cNvSpPr/>
+          <p:nvPr/>
+        </p:nvSpPr>
+        <p:spPr>
+          <a:xfrm>
+            <a:off x="1010194" y="2536762"/>
+            <a:ext cx="3161212" cy="3074126"/>
+          </a:xfrm>
+          <a:prstGeom prst="roundRect">
+            <a:avLst/>
+          </a:prstGeom>
+        </p:spPr>
+        <p:style>
+          <a:lnRef idx="2">
+            <a:schemeClr val="accent1">
+              <a:shade val="50000"/>
+            </a:schemeClr>
+          </a:lnRef>
+          <a:fillRef idx="1">
+            <a:schemeClr val="accent1"/>
+          </a:fillRef>
+          <a:effectRef idx="0">
+            <a:schemeClr val="accent1"/>
+          </a:effectRef>
+          <a:fontRef idx="minor">
+            <a:schemeClr val="lt1"/>
+          </a:fontRef>
+        </p:style>
+        <p:txBody>
+          <a:bodyPr rtlCol="0" anchor="ctr"/>
+          <a:lstStyle/>
+          <a:p>
+            <a:pPr algn="ctr"/>
+            <a:r>
+              <a:rPr lang="en-US" dirty="0"/>
+              <a:t>Child Component 1</a:t>
+            </a:r>
+          </a:p>
+        </p:txBody>
+      </p:sp>
+      <p:sp>
+        <p:nvSpPr>
+          <p:cNvPr id="5" name="Rounded Rectangle 4">
+            <a:extLst>
+              <a:ext uri="{FF2B5EF4-FFF2-40B4-BE49-F238E27FC236}">
+                <a16:creationId xmlns:a16="http://schemas.microsoft.com/office/drawing/2014/main" id="{3BA4F791-DA2F-DD44-9CD8-E5B4F7D7212A}"/>
+              </a:ext>
+            </a:extLst>
+          </p:cNvPr>
+          <p:cNvSpPr/>
+          <p:nvPr/>
+        </p:nvSpPr>
+        <p:spPr>
+          <a:xfrm>
+            <a:off x="8260079" y="2536762"/>
+            <a:ext cx="3161212" cy="3074126"/>
+          </a:xfrm>
+          <a:prstGeom prst="roundRect">
+            <a:avLst/>
+          </a:prstGeom>
+        </p:spPr>
+        <p:style>
+          <a:lnRef idx="2">
+            <a:schemeClr val="accent1">
+              <a:shade val="50000"/>
+            </a:schemeClr>
+          </a:lnRef>
+          <a:fillRef idx="1">
+            <a:schemeClr val="accent1"/>
+          </a:fillRef>
+          <a:effectRef idx="0">
+            <a:schemeClr val="accent1"/>
+          </a:effectRef>
+          <a:fontRef idx="minor">
+            <a:schemeClr val="lt1"/>
+          </a:fontRef>
+        </p:style>
+        <p:txBody>
+          <a:bodyPr rtlCol="0" anchor="ctr"/>
+          <a:lstStyle/>
+          <a:p>
+            <a:pPr algn="ctr"/>
+            <a:r>
+              <a:rPr lang="en-US" dirty="0"/>
+              <a:t>Child Component 2</a:t>
+            </a:r>
+          </a:p>
+        </p:txBody>
+      </p:sp>
+      <p:sp>
+        <p:nvSpPr>
+          <p:cNvPr id="6" name="TextBox 5">
+            <a:extLst>
+              <a:ext uri="{FF2B5EF4-FFF2-40B4-BE49-F238E27FC236}">
+                <a16:creationId xmlns:a16="http://schemas.microsoft.com/office/drawing/2014/main" id="{393681EB-C7FD-7744-AB8D-3460139353FE}"/>
+              </a:ext>
+            </a:extLst>
+          </p:cNvPr>
+          <p:cNvSpPr txBox="1"/>
+          <p:nvPr/>
+        </p:nvSpPr>
+        <p:spPr>
+          <a:xfrm>
+            <a:off x="3082834" y="1588532"/>
+            <a:ext cx="6522720" cy="369332"/>
+          </a:xfrm>
+          <a:prstGeom prst="rect">
+            <a:avLst/>
+          </a:prstGeom>
+          <a:noFill/>
+        </p:spPr>
+        <p:txBody>
+          <a:bodyPr wrap="square" rtlCol="0">
+            <a:spAutoFit/>
+          </a:bodyPr>
+          <a:lstStyle/>
+          <a:p>
+            <a:r>
+              <a:rPr lang="en-US" dirty="0"/>
+              <a:t>Communication Across 2 Components having Same Parent</a:t>
+            </a:r>
+          </a:p>
+        </p:txBody>
+      </p:sp>
+      <p:sp>
+        <p:nvSpPr>
+          <p:cNvPr id="7" name="Rounded Rectangle 6">
+            <a:extLst>
+              <a:ext uri="{FF2B5EF4-FFF2-40B4-BE49-F238E27FC236}">
+                <a16:creationId xmlns:a16="http://schemas.microsoft.com/office/drawing/2014/main" id="{E5495E3B-4721-7241-BF70-6269011B1924}"/>
+              </a:ext>
+            </a:extLst>
+          </p:cNvPr>
+          <p:cNvSpPr/>
+          <p:nvPr/>
+        </p:nvSpPr>
+        <p:spPr>
+          <a:xfrm>
+            <a:off x="5434148" y="2609501"/>
+            <a:ext cx="1820091" cy="807329"/>
+          </a:xfrm>
+          <a:prstGeom prst="roundRect">
+            <a:avLst/>
+          </a:prstGeom>
+        </p:spPr>
+        <p:style>
+          <a:lnRef idx="2">
+            <a:schemeClr val="accent1">
+              <a:shade val="50000"/>
+            </a:schemeClr>
+          </a:lnRef>
+          <a:fillRef idx="1">
+            <a:schemeClr val="accent1"/>
+          </a:fillRef>
+          <a:effectRef idx="0">
+            <a:schemeClr val="accent1"/>
+          </a:effectRef>
+          <a:fontRef idx="minor">
+            <a:schemeClr val="lt1"/>
+          </a:fontRef>
+        </p:style>
+        <p:txBody>
+          <a:bodyPr rtlCol="0" anchor="ctr"/>
+          <a:lstStyle/>
+          <a:p>
+            <a:pPr algn="ctr"/>
+            <a:r>
+              <a:rPr lang="en-US" dirty="0"/>
+              <a:t>Properties</a:t>
+            </a:r>
+          </a:p>
+          <a:p>
+            <a:pPr algn="ctr"/>
+            <a:r>
+              <a:rPr lang="en-US" dirty="0"/>
+              <a:t>Of </a:t>
+            </a:r>
+          </a:p>
+          <a:p>
+            <a:pPr algn="ctr"/>
+            <a:r>
+              <a:rPr lang="en-US" dirty="0"/>
+              <a:t>Parent</a:t>
+            </a:r>
+          </a:p>
+        </p:txBody>
+      </p:sp>
+      <p:sp>
+        <p:nvSpPr>
+          <p:cNvPr id="8" name="Left Arrow 7">
+            <a:extLst>
+              <a:ext uri="{FF2B5EF4-FFF2-40B4-BE49-F238E27FC236}">
+                <a16:creationId xmlns:a16="http://schemas.microsoft.com/office/drawing/2014/main" id="{4B39EEAE-F41C-D444-8FC6-B0240FDEDAAC}"/>
+              </a:ext>
+            </a:extLst>
+          </p:cNvPr>
+          <p:cNvSpPr/>
+          <p:nvPr/>
+        </p:nvSpPr>
+        <p:spPr>
+          <a:xfrm>
+            <a:off x="3962400" y="2795451"/>
+            <a:ext cx="1550126" cy="217715"/>
+          </a:xfrm>
+          <a:prstGeom prst="leftArrow">
+            <a:avLst/>
+          </a:prstGeom>
+          <a:solidFill>
+            <a:srgbClr val="FF0000"/>
+          </a:solidFill>
+        </p:spPr>
+        <p:style>
+          <a:lnRef idx="2">
+            <a:schemeClr val="accent1">
+              <a:shade val="50000"/>
+            </a:schemeClr>
+          </a:lnRef>
+          <a:fillRef idx="1">
+            <a:schemeClr val="accent1"/>
+          </a:fillRef>
+          <a:effectRef idx="0">
+            <a:schemeClr val="accent1"/>
+          </a:effectRef>
+          <a:fontRef idx="minor">
+            <a:schemeClr val="lt1"/>
+          </a:fontRef>
+        </p:style>
+        <p:txBody>
+          <a:bodyPr rtlCol="0" anchor="ctr"/>
+          <a:lstStyle/>
+          <a:p>
+            <a:pPr algn="ctr"/>
+            <a:endParaRPr lang="en-US"/>
+          </a:p>
+        </p:txBody>
+      </p:sp>
+      <p:sp>
+        <p:nvSpPr>
+          <p:cNvPr id="9" name="Right Arrow 8">
+            <a:extLst>
+              <a:ext uri="{FF2B5EF4-FFF2-40B4-BE49-F238E27FC236}">
+                <a16:creationId xmlns:a16="http://schemas.microsoft.com/office/drawing/2014/main" id="{67A64612-26AF-D54D-BA57-19B27CD59FB9}"/>
+              </a:ext>
+            </a:extLst>
+          </p:cNvPr>
+          <p:cNvSpPr/>
+          <p:nvPr/>
+        </p:nvSpPr>
+        <p:spPr>
+          <a:xfrm>
+            <a:off x="4023360" y="3108177"/>
+            <a:ext cx="1489166" cy="235914"/>
+          </a:xfrm>
+          <a:prstGeom prst="rightArrow">
+            <a:avLst/>
+          </a:prstGeom>
+          <a:solidFill>
+            <a:srgbClr val="FF0000"/>
+          </a:solidFill>
+        </p:spPr>
+        <p:style>
+          <a:lnRef idx="2">
+            <a:schemeClr val="accent1">
+              <a:shade val="50000"/>
+            </a:schemeClr>
+          </a:lnRef>
+          <a:fillRef idx="1">
+            <a:schemeClr val="accent1"/>
+          </a:fillRef>
+          <a:effectRef idx="0">
+            <a:schemeClr val="accent1"/>
+          </a:effectRef>
+          <a:fontRef idx="minor">
+            <a:schemeClr val="lt1"/>
+          </a:fontRef>
+        </p:style>
+        <p:txBody>
+          <a:bodyPr rtlCol="0" anchor="ctr"/>
+          <a:lstStyle/>
+          <a:p>
+            <a:pPr algn="ctr"/>
+            <a:endParaRPr lang="en-US"/>
+          </a:p>
+        </p:txBody>
+      </p:sp>
+      <p:sp>
+        <p:nvSpPr>
+          <p:cNvPr id="10" name="Left Arrow 9">
+            <a:extLst>
+              <a:ext uri="{FF2B5EF4-FFF2-40B4-BE49-F238E27FC236}">
+                <a16:creationId xmlns:a16="http://schemas.microsoft.com/office/drawing/2014/main" id="{5E1FA699-D04A-994A-B0C0-58D3061ADB77}"/>
+              </a:ext>
+            </a:extLst>
+          </p:cNvPr>
+          <p:cNvSpPr/>
+          <p:nvPr/>
+        </p:nvSpPr>
+        <p:spPr>
+          <a:xfrm>
+            <a:off x="7123612" y="2795451"/>
+            <a:ext cx="1550126" cy="217715"/>
+          </a:xfrm>
+          <a:prstGeom prst="leftArrow">
+            <a:avLst/>
+          </a:prstGeom>
+          <a:solidFill>
+            <a:srgbClr val="FF0000"/>
+          </a:solidFill>
+        </p:spPr>
+        <p:style>
+          <a:lnRef idx="2">
+            <a:schemeClr val="accent1">
+              <a:shade val="50000"/>
+            </a:schemeClr>
+          </a:lnRef>
+          <a:fillRef idx="1">
+            <a:schemeClr val="accent1"/>
+          </a:fillRef>
+          <a:effectRef idx="0">
+            <a:schemeClr val="accent1"/>
+          </a:effectRef>
+          <a:fontRef idx="minor">
+            <a:schemeClr val="lt1"/>
+          </a:fontRef>
+        </p:style>
+        <p:txBody>
+          <a:bodyPr rtlCol="0" anchor="ctr"/>
+          <a:lstStyle/>
+          <a:p>
+            <a:pPr algn="ctr"/>
+            <a:endParaRPr lang="en-US"/>
+          </a:p>
+        </p:txBody>
+      </p:sp>
+      <p:sp>
+        <p:nvSpPr>
+          <p:cNvPr id="11" name="Right Arrow 10">
+            <a:extLst>
+              <a:ext uri="{FF2B5EF4-FFF2-40B4-BE49-F238E27FC236}">
+                <a16:creationId xmlns:a16="http://schemas.microsoft.com/office/drawing/2014/main" id="{57FA1812-6D0D-8241-8CCD-811358191E6E}"/>
+              </a:ext>
+            </a:extLst>
+          </p:cNvPr>
+          <p:cNvSpPr/>
+          <p:nvPr/>
+        </p:nvSpPr>
+        <p:spPr>
+          <a:xfrm>
+            <a:off x="7184572" y="3108177"/>
+            <a:ext cx="1489166" cy="235914"/>
+          </a:xfrm>
+          <a:prstGeom prst="rightArrow">
+            <a:avLst/>
+          </a:prstGeom>
+          <a:solidFill>
+            <a:srgbClr val="FF0000"/>
+          </a:solidFill>
+        </p:spPr>
+        <p:style>
+          <a:lnRef idx="2">
+            <a:schemeClr val="accent1">
+              <a:shade val="50000"/>
+            </a:schemeClr>
+          </a:lnRef>
+          <a:fillRef idx="1">
+            <a:schemeClr val="accent1"/>
+          </a:fillRef>
+          <a:effectRef idx="0">
+            <a:schemeClr val="accent1"/>
+          </a:effectRef>
+          <a:fontRef idx="minor">
+            <a:schemeClr val="lt1"/>
+          </a:fontRef>
+        </p:style>
+        <p:txBody>
+          <a:bodyPr rtlCol="0" anchor="ctr"/>
+          <a:lstStyle/>
+          <a:p>
+            <a:pPr algn="ctr"/>
+            <a:endParaRPr lang="en-US"/>
+          </a:p>
+        </p:txBody>
+      </p:sp>
+    </p:spTree>
+    <p:extLst>
+      <p:ext uri="{BB962C8B-B14F-4D97-AF65-F5344CB8AC3E}">
+        <p14:creationId xmlns:p14="http://schemas.microsoft.com/office/powerpoint/2010/main" val="3001508019"/>
+      </p:ext>
+    </p:extLst>
+  </p:cSld>
+  <p:clrMapOvr>
+    <a:masterClrMapping/>
+  </p:clrMapOvr>
+</p:sld>
+</file>
+
+<file path=ppt/slides/slide11.xml><?xml version="1.0" encoding="utf-8"?>
+<p:sld xmlns:a="http://schemas.openxmlformats.org/drawingml/2006/main" xmlns:r="http://schemas.openxmlformats.org/officeDocument/2006/relationships" xmlns:p="http://schemas.openxmlformats.org/presentationml/2006/main">
+  <p:cSld>
+    <p:spTree>
+      <p:nvGrpSpPr>
+        <p:cNvPr id="1" name=""/>
+        <p:cNvGrpSpPr/>
+        <p:nvPr/>
+      </p:nvGrpSpPr>
+      <p:grpSpPr>
+        <a:xfrm>
+          <a:off x="0" y="0"/>
+          <a:ext cx="0" cy="0"/>
+          <a:chOff x="0" y="0"/>
+          <a:chExt cx="0" cy="0"/>
+        </a:xfrm>
+      </p:grpSpPr>
+      <p:sp>
+        <p:nvSpPr>
+          <p:cNvPr id="2" name="Rectangle 1">
+            <a:extLst>
+              <a:ext uri="{FF2B5EF4-FFF2-40B4-BE49-F238E27FC236}">
+                <a16:creationId xmlns:a16="http://schemas.microsoft.com/office/drawing/2014/main" id="{DF6794A9-D465-3341-AC63-428BBDF0A5FE}"/>
+              </a:ext>
+            </a:extLst>
+          </p:cNvPr>
+          <p:cNvSpPr/>
+          <p:nvPr/>
+        </p:nvSpPr>
+        <p:spPr>
+          <a:xfrm>
+            <a:off x="714103" y="1942011"/>
+            <a:ext cx="3570514" cy="3605349"/>
+          </a:xfrm>
+          <a:prstGeom prst="rect">
+            <a:avLst/>
+          </a:prstGeom>
+        </p:spPr>
+        <p:style>
+          <a:lnRef idx="2">
+            <a:schemeClr val="accent1">
+              <a:shade val="50000"/>
+            </a:schemeClr>
+          </a:lnRef>
+          <a:fillRef idx="1">
+            <a:schemeClr val="accent1"/>
+          </a:fillRef>
+          <a:effectRef idx="0">
+            <a:schemeClr val="accent1"/>
+          </a:effectRef>
+          <a:fontRef idx="minor">
+            <a:schemeClr val="lt1"/>
+          </a:fontRef>
+        </p:style>
+        <p:txBody>
+          <a:bodyPr rtlCol="0" anchor="ctr"/>
+          <a:lstStyle/>
+          <a:p>
+            <a:pPr algn="ctr"/>
+            <a:r>
+              <a:rPr lang="en-US" dirty="0"/>
+              <a:t>Bootstrap Component 1</a:t>
+            </a:r>
+          </a:p>
+        </p:txBody>
+      </p:sp>
+      <p:sp>
+        <p:nvSpPr>
+          <p:cNvPr id="3" name="Rectangle 2">
+            <a:extLst>
+              <a:ext uri="{FF2B5EF4-FFF2-40B4-BE49-F238E27FC236}">
+                <a16:creationId xmlns:a16="http://schemas.microsoft.com/office/drawing/2014/main" id="{6BFBF58F-41D7-9947-B632-DF476723EDF0}"/>
+              </a:ext>
+            </a:extLst>
+          </p:cNvPr>
+          <p:cNvSpPr/>
+          <p:nvPr/>
+        </p:nvSpPr>
+        <p:spPr>
+          <a:xfrm>
+            <a:off x="7824651" y="1942011"/>
+            <a:ext cx="3570514" cy="3605349"/>
+          </a:xfrm>
+          <a:prstGeom prst="rect">
+            <a:avLst/>
+          </a:prstGeom>
+        </p:spPr>
+        <p:style>
+          <a:lnRef idx="2">
+            <a:schemeClr val="accent1">
+              <a:shade val="50000"/>
+            </a:schemeClr>
+          </a:lnRef>
+          <a:fillRef idx="1">
+            <a:schemeClr val="accent1"/>
+          </a:fillRef>
+          <a:effectRef idx="0">
+            <a:schemeClr val="accent1"/>
+          </a:effectRef>
+          <a:fontRef idx="minor">
+            <a:schemeClr val="lt1"/>
+          </a:fontRef>
+        </p:style>
+        <p:txBody>
+          <a:bodyPr rtlCol="0" anchor="ctr"/>
+          <a:lstStyle/>
+          <a:p>
+            <a:pPr algn="ctr"/>
+            <a:r>
+              <a:rPr lang="en-US" dirty="0"/>
+              <a:t>Bootstrap Component 2</a:t>
+            </a:r>
+          </a:p>
+        </p:txBody>
+      </p:sp>
+      <p:sp>
+        <p:nvSpPr>
+          <p:cNvPr id="4" name="TextBox 3">
+            <a:extLst>
+              <a:ext uri="{FF2B5EF4-FFF2-40B4-BE49-F238E27FC236}">
+                <a16:creationId xmlns:a16="http://schemas.microsoft.com/office/drawing/2014/main" id="{98E7D285-3DF3-524B-8FDD-EC7FBCCB4752}"/>
+              </a:ext>
+            </a:extLst>
+          </p:cNvPr>
+          <p:cNvSpPr txBox="1"/>
+          <p:nvPr/>
+        </p:nvSpPr>
+        <p:spPr>
+          <a:xfrm>
+            <a:off x="3666309" y="836023"/>
+            <a:ext cx="3779520" cy="369332"/>
+          </a:xfrm>
+          <a:prstGeom prst="rect">
+            <a:avLst/>
+          </a:prstGeom>
+          <a:noFill/>
+        </p:spPr>
+        <p:txBody>
+          <a:bodyPr wrap="square" rtlCol="0">
+            <a:spAutoFit/>
+          </a:bodyPr>
+          <a:lstStyle/>
+          <a:p>
+            <a:r>
+              <a:rPr lang="en-US" dirty="0" err="1"/>
+              <a:t>Index.html</a:t>
+            </a:r>
+            <a:endParaRPr lang="en-US" dirty="0"/>
+          </a:p>
+        </p:txBody>
+      </p:sp>
+      <p:sp>
+        <p:nvSpPr>
+          <p:cNvPr id="7" name="Rectangle 6">
+            <a:extLst>
+              <a:ext uri="{FF2B5EF4-FFF2-40B4-BE49-F238E27FC236}">
+                <a16:creationId xmlns:a16="http://schemas.microsoft.com/office/drawing/2014/main" id="{CC8F2BDD-9DE4-4344-BB84-BBB0AFF44456}"/>
+              </a:ext>
+            </a:extLst>
+          </p:cNvPr>
+          <p:cNvSpPr/>
+          <p:nvPr/>
+        </p:nvSpPr>
+        <p:spPr>
+          <a:xfrm>
+            <a:off x="653143" y="5860869"/>
+            <a:ext cx="10903131" cy="818605"/>
+          </a:xfrm>
+          <a:prstGeom prst="rect">
+            <a:avLst/>
+          </a:prstGeom>
+        </p:spPr>
+        <p:style>
+          <a:lnRef idx="2">
+            <a:schemeClr val="accent1">
+              <a:shade val="50000"/>
+            </a:schemeClr>
+          </a:lnRef>
+          <a:fillRef idx="1">
+            <a:schemeClr val="accent1"/>
+          </a:fillRef>
+          <a:effectRef idx="0">
+            <a:schemeClr val="accent1"/>
+          </a:effectRef>
+          <a:fontRef idx="minor">
+            <a:schemeClr val="lt1"/>
+          </a:fontRef>
+        </p:style>
+        <p:txBody>
+          <a:bodyPr rtlCol="0" anchor="ctr"/>
+          <a:lstStyle/>
+          <a:p>
+            <a:pPr algn="ctr"/>
+            <a:r>
+              <a:rPr lang="en-US" dirty="0" err="1"/>
+              <a:t>NgModule</a:t>
+            </a:r>
+            <a:r>
+              <a:rPr lang="en-US" dirty="0"/>
+              <a:t> Container Providers as ‘root’</a:t>
+            </a:r>
+          </a:p>
+        </p:txBody>
+      </p:sp>
+      <p:sp>
+        <p:nvSpPr>
+          <p:cNvPr id="8" name="Up Arrow 7">
+            <a:extLst>
+              <a:ext uri="{FF2B5EF4-FFF2-40B4-BE49-F238E27FC236}">
+                <a16:creationId xmlns:a16="http://schemas.microsoft.com/office/drawing/2014/main" id="{C4D36553-11FF-EE4E-BFEF-F31BAD886722}"/>
+              </a:ext>
+            </a:extLst>
+          </p:cNvPr>
+          <p:cNvSpPr/>
+          <p:nvPr/>
+        </p:nvSpPr>
+        <p:spPr>
+          <a:xfrm>
+            <a:off x="2185851" y="5190309"/>
+            <a:ext cx="461555" cy="1001485"/>
+          </a:xfrm>
+          <a:prstGeom prst="upArrow">
+            <a:avLst/>
+          </a:prstGeom>
+          <a:solidFill>
+            <a:srgbClr val="FF0000"/>
+          </a:solidFill>
+        </p:spPr>
+        <p:style>
+          <a:lnRef idx="2">
+            <a:schemeClr val="accent1">
+              <a:shade val="50000"/>
+            </a:schemeClr>
+          </a:lnRef>
+          <a:fillRef idx="1">
+            <a:schemeClr val="accent1"/>
+          </a:fillRef>
+          <a:effectRef idx="0">
+            <a:schemeClr val="accent1"/>
+          </a:effectRef>
+          <a:fontRef idx="minor">
+            <a:schemeClr val="lt1"/>
+          </a:fontRef>
+        </p:style>
+        <p:txBody>
+          <a:bodyPr rtlCol="0" anchor="ctr"/>
+          <a:lstStyle/>
+          <a:p>
+            <a:pPr algn="ctr"/>
+            <a:endParaRPr lang="en-US"/>
+          </a:p>
+        </p:txBody>
+      </p:sp>
+      <p:sp>
+        <p:nvSpPr>
+          <p:cNvPr id="9" name="Up Arrow 8">
+            <a:extLst>
+              <a:ext uri="{FF2B5EF4-FFF2-40B4-BE49-F238E27FC236}">
+                <a16:creationId xmlns:a16="http://schemas.microsoft.com/office/drawing/2014/main" id="{97BAD9EE-49E0-FF44-84DC-09D62D22AB12}"/>
+              </a:ext>
+            </a:extLst>
+          </p:cNvPr>
+          <p:cNvSpPr/>
+          <p:nvPr/>
+        </p:nvSpPr>
+        <p:spPr>
+          <a:xfrm>
+            <a:off x="9209313" y="5190308"/>
+            <a:ext cx="461555" cy="1001485"/>
+          </a:xfrm>
+          <a:prstGeom prst="upArrow">
+            <a:avLst/>
+          </a:prstGeom>
+          <a:solidFill>
+            <a:srgbClr val="FF0000"/>
+          </a:solidFill>
+        </p:spPr>
+        <p:style>
+          <a:lnRef idx="2">
+            <a:schemeClr val="accent1">
+              <a:shade val="50000"/>
+            </a:schemeClr>
+          </a:lnRef>
+          <a:fillRef idx="1">
+            <a:schemeClr val="accent1"/>
+          </a:fillRef>
+          <a:effectRef idx="0">
+            <a:schemeClr val="accent1"/>
+          </a:effectRef>
+          <a:fontRef idx="minor">
+            <a:schemeClr val="lt1"/>
+          </a:fontRef>
+        </p:style>
+        <p:txBody>
+          <a:bodyPr rtlCol="0" anchor="ctr"/>
+          <a:lstStyle/>
+          <a:p>
+            <a:pPr algn="ctr"/>
+            <a:endParaRPr lang="en-US"/>
+          </a:p>
+        </p:txBody>
+      </p:sp>
+      <p:sp>
+        <p:nvSpPr>
+          <p:cNvPr id="10" name="Rounded Rectangle 9">
+            <a:extLst>
+              <a:ext uri="{FF2B5EF4-FFF2-40B4-BE49-F238E27FC236}">
+                <a16:creationId xmlns:a16="http://schemas.microsoft.com/office/drawing/2014/main" id="{B22D9D36-3C3B-AF48-A5AF-5DC4FA842E18}"/>
+              </a:ext>
+            </a:extLst>
+          </p:cNvPr>
+          <p:cNvSpPr/>
+          <p:nvPr/>
+        </p:nvSpPr>
+        <p:spPr>
+          <a:xfrm>
+            <a:off x="5181600" y="3100251"/>
+            <a:ext cx="1741714" cy="2090057"/>
+          </a:xfrm>
+          <a:prstGeom prst="roundRect">
+            <a:avLst/>
+          </a:prstGeom>
+        </p:spPr>
+        <p:style>
+          <a:lnRef idx="2">
+            <a:schemeClr val="accent1">
+              <a:shade val="50000"/>
+            </a:schemeClr>
+          </a:lnRef>
+          <a:fillRef idx="1">
+            <a:schemeClr val="accent1"/>
+          </a:fillRef>
+          <a:effectRef idx="0">
+            <a:schemeClr val="accent1"/>
+          </a:effectRef>
+          <a:fontRef idx="minor">
+            <a:schemeClr val="lt1"/>
+          </a:fontRef>
+        </p:style>
+        <p:txBody>
+          <a:bodyPr rtlCol="0" anchor="ctr"/>
+          <a:lstStyle/>
+          <a:p>
+            <a:pPr algn="ctr"/>
+            <a:r>
+              <a:rPr lang="en-US" dirty="0"/>
+              <a:t>Angular</a:t>
+            </a:r>
+          </a:p>
+          <a:p>
+            <a:pPr algn="ctr"/>
+            <a:r>
+              <a:rPr lang="en-US" dirty="0"/>
+              <a:t>Service as Singleton</a:t>
+            </a:r>
+          </a:p>
+        </p:txBody>
+      </p:sp>
+      <p:sp>
+        <p:nvSpPr>
+          <p:cNvPr id="11" name="Up Arrow 10">
+            <a:extLst>
+              <a:ext uri="{FF2B5EF4-FFF2-40B4-BE49-F238E27FC236}">
+                <a16:creationId xmlns:a16="http://schemas.microsoft.com/office/drawing/2014/main" id="{41EC2171-3F5A-334B-A036-A3D120ED4966}"/>
+              </a:ext>
+            </a:extLst>
+          </p:cNvPr>
+          <p:cNvSpPr/>
+          <p:nvPr/>
+        </p:nvSpPr>
+        <p:spPr>
+          <a:xfrm>
+            <a:off x="5756365" y="5033555"/>
+            <a:ext cx="461555" cy="1101632"/>
+          </a:xfrm>
+          <a:prstGeom prst="upArrow">
+            <a:avLst/>
+          </a:prstGeom>
+          <a:solidFill>
+            <a:srgbClr val="FF0000"/>
+          </a:solidFill>
+        </p:spPr>
+        <p:style>
+          <a:lnRef idx="2">
+            <a:schemeClr val="accent1">
+              <a:shade val="50000"/>
+            </a:schemeClr>
+          </a:lnRef>
+          <a:fillRef idx="1">
+            <a:schemeClr val="accent1"/>
+          </a:fillRef>
+          <a:effectRef idx="0">
+            <a:schemeClr val="accent1"/>
+          </a:effectRef>
+          <a:fontRef idx="minor">
+            <a:schemeClr val="lt1"/>
+          </a:fontRef>
+        </p:style>
+        <p:txBody>
+          <a:bodyPr rtlCol="0" anchor="ctr"/>
+          <a:lstStyle/>
+          <a:p>
+            <a:pPr algn="ctr"/>
+            <a:endParaRPr lang="en-US"/>
+          </a:p>
+        </p:txBody>
+      </p:sp>
+      <p:sp>
+        <p:nvSpPr>
+          <p:cNvPr id="12" name="Curved Right Arrow 11">
+            <a:extLst>
+              <a:ext uri="{FF2B5EF4-FFF2-40B4-BE49-F238E27FC236}">
+                <a16:creationId xmlns:a16="http://schemas.microsoft.com/office/drawing/2014/main" id="{FDC9A7FF-84FF-054A-81BF-9B8181C506A8}"/>
+              </a:ext>
+            </a:extLst>
+          </p:cNvPr>
+          <p:cNvSpPr/>
+          <p:nvPr/>
+        </p:nvSpPr>
+        <p:spPr>
+          <a:xfrm rot="5400000">
+            <a:off x="4345576" y="2059577"/>
+            <a:ext cx="818605" cy="2002970"/>
+          </a:xfrm>
+          <a:prstGeom prst="curvedRightArrow">
+            <a:avLst/>
+          </a:prstGeom>
+          <a:solidFill>
+            <a:srgbClr val="FF0000"/>
+          </a:solidFill>
+        </p:spPr>
+        <p:style>
+          <a:lnRef idx="2">
+            <a:schemeClr val="accent1">
+              <a:shade val="50000"/>
+            </a:schemeClr>
+          </a:lnRef>
+          <a:fillRef idx="1">
+            <a:schemeClr val="accent1"/>
+          </a:fillRef>
+          <a:effectRef idx="0">
+            <a:schemeClr val="accent1"/>
+          </a:effectRef>
+          <a:fontRef idx="minor">
+            <a:schemeClr val="lt1"/>
+          </a:fontRef>
+        </p:style>
+        <p:txBody>
+          <a:bodyPr rtlCol="0" anchor="ctr"/>
+          <a:lstStyle/>
+          <a:p>
+            <a:pPr algn="ctr"/>
+            <a:endParaRPr lang="en-US">
+              <a:solidFill>
+                <a:schemeClr val="tx1"/>
+              </a:solidFill>
+            </a:endParaRPr>
+          </a:p>
+        </p:txBody>
+      </p:sp>
+      <p:sp>
+        <p:nvSpPr>
+          <p:cNvPr id="13" name="Curved Right Arrow 12">
+            <a:extLst>
+              <a:ext uri="{FF2B5EF4-FFF2-40B4-BE49-F238E27FC236}">
+                <a16:creationId xmlns:a16="http://schemas.microsoft.com/office/drawing/2014/main" id="{45F601B5-FAD6-8746-9B43-3DFD31AC3DE7}"/>
+              </a:ext>
+            </a:extLst>
+          </p:cNvPr>
+          <p:cNvSpPr/>
+          <p:nvPr/>
+        </p:nvSpPr>
+        <p:spPr>
+          <a:xfrm rot="5400000" flipV="1">
+            <a:off x="6945089" y="1989908"/>
+            <a:ext cx="888278" cy="1907179"/>
+          </a:xfrm>
+          <a:prstGeom prst="curvedRightArrow">
+            <a:avLst/>
+          </a:prstGeom>
+          <a:solidFill>
+            <a:srgbClr val="FF0000"/>
+          </a:solidFill>
+        </p:spPr>
+        <p:style>
+          <a:lnRef idx="2">
+            <a:schemeClr val="accent1">
+              <a:shade val="50000"/>
+            </a:schemeClr>
+          </a:lnRef>
+          <a:fillRef idx="1">
+            <a:schemeClr val="accent1"/>
+          </a:fillRef>
+          <a:effectRef idx="0">
+            <a:schemeClr val="accent1"/>
+          </a:effectRef>
+          <a:fontRef idx="minor">
+            <a:schemeClr val="lt1"/>
+          </a:fontRef>
+        </p:style>
+        <p:txBody>
+          <a:bodyPr rtlCol="0" anchor="ctr"/>
+          <a:lstStyle/>
+          <a:p>
+            <a:pPr algn="ctr"/>
+            <a:endParaRPr lang="en-US">
+              <a:solidFill>
+                <a:schemeClr val="tx1"/>
+              </a:solidFill>
+            </a:endParaRPr>
+          </a:p>
+        </p:txBody>
+      </p:sp>
+      <p:sp>
+        <p:nvSpPr>
+          <p:cNvPr id="14" name="TextBox 13">
+            <a:extLst>
+              <a:ext uri="{FF2B5EF4-FFF2-40B4-BE49-F238E27FC236}">
+                <a16:creationId xmlns:a16="http://schemas.microsoft.com/office/drawing/2014/main" id="{3CD266C4-0BBB-6F4B-AC70-656E469AE624}"/>
+              </a:ext>
+            </a:extLst>
+          </p:cNvPr>
+          <p:cNvSpPr txBox="1"/>
+          <p:nvPr/>
+        </p:nvSpPr>
+        <p:spPr>
+          <a:xfrm>
+            <a:off x="4415246" y="1637211"/>
+            <a:ext cx="3309257" cy="646331"/>
+          </a:xfrm>
+          <a:prstGeom prst="rect">
+            <a:avLst/>
+          </a:prstGeom>
+          <a:noFill/>
+        </p:spPr>
+        <p:txBody>
+          <a:bodyPr wrap="square" rtlCol="0">
+            <a:spAutoFit/>
+          </a:bodyPr>
+          <a:lstStyle/>
+          <a:p>
+            <a:r>
+              <a:rPr lang="en-US" dirty="0"/>
+              <a:t>Service will be Injected as constructor Injection </a:t>
+            </a:r>
+          </a:p>
+        </p:txBody>
+      </p:sp>
+    </p:spTree>
+    <p:extLst>
+      <p:ext uri="{BB962C8B-B14F-4D97-AF65-F5344CB8AC3E}">
+        <p14:creationId xmlns:p14="http://schemas.microsoft.com/office/powerpoint/2010/main" val="2559475638"/>
+      </p:ext>
+    </p:extLst>
+  </p:cSld>
+  <p:clrMapOvr>
+    <a:masterClrMapping/>
+  </p:clrMapOvr>
+</p:sld>
+</file>
+
+<file path=ppt/slides/slide12.xml><?xml version="1.0" encoding="utf-8"?>
+<p:sld xmlns:a="http://schemas.openxmlformats.org/drawingml/2006/main" xmlns:r="http://schemas.openxmlformats.org/officeDocument/2006/relationships" xmlns:p="http://schemas.openxmlformats.org/presentationml/2006/main">
+  <p:cSld>
+    <p:spTree>
+      <p:nvGrpSpPr>
+        <p:cNvPr id="1" name=""/>
+        <p:cNvGrpSpPr/>
+        <p:nvPr/>
+      </p:nvGrpSpPr>
+      <p:grpSpPr>
+        <a:xfrm>
+          <a:off x="0" y="0"/>
+          <a:ext cx="0" cy="0"/>
+          <a:chOff x="0" y="0"/>
+          <a:chExt cx="0" cy="0"/>
+        </a:xfrm>
+      </p:grpSpPr>
+      <p:sp>
+        <p:nvSpPr>
+          <p:cNvPr id="2" name="Rectangle 1">
+            <a:extLst>
+              <a:ext uri="{FF2B5EF4-FFF2-40B4-BE49-F238E27FC236}">
+                <a16:creationId xmlns:a16="http://schemas.microsoft.com/office/drawing/2014/main" id="{F6F2267A-9E79-B44B-B148-B37C347AD208}"/>
+              </a:ext>
+            </a:extLst>
+          </p:cNvPr>
+          <p:cNvSpPr/>
+          <p:nvPr/>
+        </p:nvSpPr>
+        <p:spPr>
+          <a:xfrm>
+            <a:off x="531223" y="827314"/>
+            <a:ext cx="11416937" cy="5878286"/>
+          </a:xfrm>
+          <a:prstGeom prst="rect">
+            <a:avLst/>
+          </a:prstGeom>
+        </p:spPr>
+        <p:style>
+          <a:lnRef idx="2">
+            <a:schemeClr val="accent6"/>
+          </a:lnRef>
+          <a:fillRef idx="1">
+            <a:schemeClr val="lt1"/>
+          </a:fillRef>
+          <a:effectRef idx="0">
+            <a:schemeClr val="accent6"/>
+          </a:effectRef>
+          <a:fontRef idx="minor">
+            <a:schemeClr val="dk1"/>
+          </a:fontRef>
+        </p:style>
+        <p:txBody>
+          <a:bodyPr rtlCol="0" anchor="ctr"/>
+          <a:lstStyle/>
+          <a:p>
+            <a:pPr algn="ctr"/>
+            <a:endParaRPr lang="en-US"/>
+          </a:p>
+        </p:txBody>
+      </p:sp>
+      <p:sp>
+        <p:nvSpPr>
+          <p:cNvPr id="3" name="TextBox 2">
+            <a:extLst>
+              <a:ext uri="{FF2B5EF4-FFF2-40B4-BE49-F238E27FC236}">
+                <a16:creationId xmlns:a16="http://schemas.microsoft.com/office/drawing/2014/main" id="{1EB61928-C30F-C84E-B80E-600E13F05AA8}"/>
+              </a:ext>
+            </a:extLst>
+          </p:cNvPr>
+          <p:cNvSpPr txBox="1"/>
+          <p:nvPr/>
+        </p:nvSpPr>
+        <p:spPr>
+          <a:xfrm>
+            <a:off x="4641669" y="896983"/>
+            <a:ext cx="2882537" cy="369332"/>
+          </a:xfrm>
+          <a:prstGeom prst="rect">
+            <a:avLst/>
+          </a:prstGeom>
+          <a:noFill/>
+        </p:spPr>
+        <p:txBody>
+          <a:bodyPr wrap="square" rtlCol="0">
+            <a:spAutoFit/>
+          </a:bodyPr>
+          <a:lstStyle/>
+          <a:p>
+            <a:r>
+              <a:rPr lang="en-US" dirty="0" err="1"/>
+              <a:t>Index.html</a:t>
+            </a:r>
+            <a:endParaRPr lang="en-US" dirty="0"/>
+          </a:p>
+        </p:txBody>
+      </p:sp>
+      <p:sp>
+        <p:nvSpPr>
+          <p:cNvPr id="4" name="Rectangle 3">
+            <a:extLst>
+              <a:ext uri="{FF2B5EF4-FFF2-40B4-BE49-F238E27FC236}">
+                <a16:creationId xmlns:a16="http://schemas.microsoft.com/office/drawing/2014/main" id="{2C892A0C-9675-9545-A5CB-20F17604F1F9}"/>
+              </a:ext>
+            </a:extLst>
+          </p:cNvPr>
+          <p:cNvSpPr/>
+          <p:nvPr/>
+        </p:nvSpPr>
+        <p:spPr>
+          <a:xfrm>
+            <a:off x="722811" y="2055222"/>
+            <a:ext cx="3309258" cy="3335383"/>
+          </a:xfrm>
+          <a:prstGeom prst="rect">
+            <a:avLst/>
+          </a:prstGeom>
+        </p:spPr>
+        <p:style>
+          <a:lnRef idx="2">
+            <a:schemeClr val="accent1">
+              <a:shade val="50000"/>
+            </a:schemeClr>
+          </a:lnRef>
+          <a:fillRef idx="1">
+            <a:schemeClr val="accent1"/>
+          </a:fillRef>
+          <a:effectRef idx="0">
+            <a:schemeClr val="accent1"/>
+          </a:effectRef>
+          <a:fontRef idx="minor">
+            <a:schemeClr val="lt1"/>
+          </a:fontRef>
+        </p:style>
+        <p:txBody>
+          <a:bodyPr rtlCol="0" anchor="ctr"/>
+          <a:lstStyle/>
+          <a:p>
+            <a:pPr algn="ctr"/>
+            <a:r>
+              <a:rPr lang="en-US" dirty="0"/>
+              <a:t>Angular Components’ from Module 1 </a:t>
+            </a:r>
+          </a:p>
+          <a:p>
+            <a:pPr algn="ctr"/>
+            <a:r>
+              <a:rPr lang="en-US" dirty="0"/>
+              <a:t>Team 1</a:t>
+            </a:r>
+          </a:p>
+        </p:txBody>
+      </p:sp>
+      <p:sp>
+        <p:nvSpPr>
+          <p:cNvPr id="5" name="Rectangle 4">
+            <a:extLst>
+              <a:ext uri="{FF2B5EF4-FFF2-40B4-BE49-F238E27FC236}">
+                <a16:creationId xmlns:a16="http://schemas.microsoft.com/office/drawing/2014/main" id="{7B647D3C-17B4-C74B-BAB9-44827F84A9CD}"/>
+              </a:ext>
+            </a:extLst>
+          </p:cNvPr>
+          <p:cNvSpPr/>
+          <p:nvPr/>
+        </p:nvSpPr>
+        <p:spPr>
+          <a:xfrm>
+            <a:off x="4441371" y="2055221"/>
+            <a:ext cx="3309258" cy="3335383"/>
+          </a:xfrm>
+          <a:prstGeom prst="rect">
+            <a:avLst/>
+          </a:prstGeom>
+        </p:spPr>
+        <p:style>
+          <a:lnRef idx="2">
+            <a:schemeClr val="accent1">
+              <a:shade val="50000"/>
+            </a:schemeClr>
+          </a:lnRef>
+          <a:fillRef idx="1">
+            <a:schemeClr val="accent1"/>
+          </a:fillRef>
+          <a:effectRef idx="0">
+            <a:schemeClr val="accent1"/>
+          </a:effectRef>
+          <a:fontRef idx="minor">
+            <a:schemeClr val="lt1"/>
+          </a:fontRef>
+        </p:style>
+        <p:txBody>
+          <a:bodyPr rtlCol="0" anchor="ctr"/>
+          <a:lstStyle/>
+          <a:p>
+            <a:pPr algn="ctr"/>
+            <a:r>
+              <a:rPr lang="en-US" dirty="0"/>
+              <a:t>Angular Components’ from Module 2 </a:t>
+            </a:r>
+          </a:p>
+          <a:p>
+            <a:pPr algn="ctr"/>
+            <a:r>
+              <a:rPr lang="en-US" dirty="0"/>
+              <a:t>Team 2</a:t>
+            </a:r>
+          </a:p>
+        </p:txBody>
+      </p:sp>
+      <p:sp>
+        <p:nvSpPr>
+          <p:cNvPr id="6" name="Rectangle 5">
+            <a:extLst>
+              <a:ext uri="{FF2B5EF4-FFF2-40B4-BE49-F238E27FC236}">
+                <a16:creationId xmlns:a16="http://schemas.microsoft.com/office/drawing/2014/main" id="{73563BC4-E088-2C41-9709-7B495F020BE2}"/>
+              </a:ext>
+            </a:extLst>
+          </p:cNvPr>
+          <p:cNvSpPr/>
+          <p:nvPr/>
+        </p:nvSpPr>
+        <p:spPr>
+          <a:xfrm>
+            <a:off x="8159931" y="2055220"/>
+            <a:ext cx="3309258" cy="3335383"/>
+          </a:xfrm>
+          <a:prstGeom prst="rect">
+            <a:avLst/>
+          </a:prstGeom>
+        </p:spPr>
+        <p:style>
+          <a:lnRef idx="2">
+            <a:schemeClr val="accent1">
+              <a:shade val="50000"/>
+            </a:schemeClr>
+          </a:lnRef>
+          <a:fillRef idx="1">
+            <a:schemeClr val="accent1"/>
+          </a:fillRef>
+          <a:effectRef idx="0">
+            <a:schemeClr val="accent1"/>
+          </a:effectRef>
+          <a:fontRef idx="minor">
+            <a:schemeClr val="lt1"/>
+          </a:fontRef>
+        </p:style>
+        <p:txBody>
+          <a:bodyPr rtlCol="0" anchor="ctr"/>
+          <a:lstStyle/>
+          <a:p>
+            <a:pPr algn="ctr"/>
+            <a:r>
+              <a:rPr lang="en-US" dirty="0"/>
+              <a:t>Angular Components’ from Module 3 </a:t>
+            </a:r>
+          </a:p>
+          <a:p>
+            <a:pPr algn="ctr"/>
+            <a:r>
+              <a:rPr lang="en-US" dirty="0"/>
+              <a:t>Team 3</a:t>
+            </a:r>
+          </a:p>
+        </p:txBody>
+      </p:sp>
+      <p:sp>
+        <p:nvSpPr>
+          <p:cNvPr id="7" name="Rounded Rectangle 6">
+            <a:extLst>
+              <a:ext uri="{FF2B5EF4-FFF2-40B4-BE49-F238E27FC236}">
+                <a16:creationId xmlns:a16="http://schemas.microsoft.com/office/drawing/2014/main" id="{073953D0-1BC6-DB48-9688-802D42565912}"/>
+              </a:ext>
+            </a:extLst>
+          </p:cNvPr>
+          <p:cNvSpPr/>
+          <p:nvPr/>
+        </p:nvSpPr>
+        <p:spPr>
+          <a:xfrm>
+            <a:off x="722811" y="5634446"/>
+            <a:ext cx="10746378" cy="923108"/>
+          </a:xfrm>
+          <a:prstGeom prst="roundRect">
+            <a:avLst/>
+          </a:prstGeom>
+        </p:spPr>
+        <p:style>
+          <a:lnRef idx="2">
+            <a:schemeClr val="accent1">
+              <a:shade val="50000"/>
+            </a:schemeClr>
+          </a:lnRef>
+          <a:fillRef idx="1">
+            <a:schemeClr val="accent1"/>
+          </a:fillRef>
+          <a:effectRef idx="0">
+            <a:schemeClr val="accent1"/>
+          </a:effectRef>
+          <a:fontRef idx="minor">
+            <a:schemeClr val="lt1"/>
+          </a:fontRef>
+        </p:style>
+        <p:txBody>
+          <a:bodyPr rtlCol="0" anchor="ctr"/>
+          <a:lstStyle/>
+          <a:p>
+            <a:pPr algn="ctr"/>
+            <a:r>
+              <a:rPr lang="en-US" dirty="0"/>
+              <a:t>Common Angular Module registering the Angular Service as ‘</a:t>
+            </a:r>
+            <a:r>
+              <a:rPr lang="en-US" dirty="0" err="1"/>
+              <a:t>Platfortm</a:t>
+            </a:r>
+            <a:r>
+              <a:rPr lang="en-US" dirty="0"/>
+              <a:t>’</a:t>
+            </a:r>
+          </a:p>
+        </p:txBody>
+      </p:sp>
+      <p:sp>
+        <p:nvSpPr>
+          <p:cNvPr id="8" name="Up Arrow 7">
+            <a:extLst>
+              <a:ext uri="{FF2B5EF4-FFF2-40B4-BE49-F238E27FC236}">
+                <a16:creationId xmlns:a16="http://schemas.microsoft.com/office/drawing/2014/main" id="{FBB89B84-A455-0544-A967-D74D2DC52410}"/>
+              </a:ext>
+            </a:extLst>
+          </p:cNvPr>
+          <p:cNvSpPr/>
+          <p:nvPr/>
+        </p:nvSpPr>
+        <p:spPr>
+          <a:xfrm>
+            <a:off x="2316480" y="5068389"/>
+            <a:ext cx="583474" cy="827314"/>
+          </a:xfrm>
+          <a:prstGeom prst="upArrow">
+            <a:avLst/>
+          </a:prstGeom>
+          <a:solidFill>
+            <a:srgbClr val="FF0000"/>
+          </a:solidFill>
+        </p:spPr>
+        <p:style>
+          <a:lnRef idx="2">
+            <a:schemeClr val="accent1">
+              <a:shade val="50000"/>
+            </a:schemeClr>
+          </a:lnRef>
+          <a:fillRef idx="1">
+            <a:schemeClr val="accent1"/>
+          </a:fillRef>
+          <a:effectRef idx="0">
+            <a:schemeClr val="accent1"/>
+          </a:effectRef>
+          <a:fontRef idx="minor">
+            <a:schemeClr val="lt1"/>
+          </a:fontRef>
+        </p:style>
+        <p:txBody>
+          <a:bodyPr rtlCol="0" anchor="ctr"/>
+          <a:lstStyle/>
+          <a:p>
+            <a:pPr algn="ctr"/>
+            <a:endParaRPr lang="en-US"/>
+          </a:p>
+        </p:txBody>
+      </p:sp>
+      <p:sp>
+        <p:nvSpPr>
+          <p:cNvPr id="9" name="Up Arrow 8">
+            <a:extLst>
+              <a:ext uri="{FF2B5EF4-FFF2-40B4-BE49-F238E27FC236}">
+                <a16:creationId xmlns:a16="http://schemas.microsoft.com/office/drawing/2014/main" id="{FC2B031E-20EC-7549-A087-8CB839BE5DB6}"/>
+              </a:ext>
+            </a:extLst>
+          </p:cNvPr>
+          <p:cNvSpPr/>
+          <p:nvPr/>
+        </p:nvSpPr>
+        <p:spPr>
+          <a:xfrm>
+            <a:off x="5817326" y="5068389"/>
+            <a:ext cx="583474" cy="827314"/>
+          </a:xfrm>
+          <a:prstGeom prst="upArrow">
+            <a:avLst/>
+          </a:prstGeom>
+          <a:solidFill>
+            <a:srgbClr val="FF0000"/>
+          </a:solidFill>
+        </p:spPr>
+        <p:style>
+          <a:lnRef idx="2">
+            <a:schemeClr val="accent1">
+              <a:shade val="50000"/>
+            </a:schemeClr>
+          </a:lnRef>
+          <a:fillRef idx="1">
+            <a:schemeClr val="accent1"/>
+          </a:fillRef>
+          <a:effectRef idx="0">
+            <a:schemeClr val="accent1"/>
+          </a:effectRef>
+          <a:fontRef idx="minor">
+            <a:schemeClr val="lt1"/>
+          </a:fontRef>
+        </p:style>
+        <p:txBody>
+          <a:bodyPr rtlCol="0" anchor="ctr"/>
+          <a:lstStyle/>
+          <a:p>
+            <a:pPr algn="ctr"/>
+            <a:endParaRPr lang="en-US"/>
+          </a:p>
+        </p:txBody>
+      </p:sp>
+      <p:sp>
+        <p:nvSpPr>
+          <p:cNvPr id="10" name="Up Arrow 9">
+            <a:extLst>
+              <a:ext uri="{FF2B5EF4-FFF2-40B4-BE49-F238E27FC236}">
+                <a16:creationId xmlns:a16="http://schemas.microsoft.com/office/drawing/2014/main" id="{DE421BB9-A622-0644-8C92-3D4436A79556}"/>
+              </a:ext>
+            </a:extLst>
+          </p:cNvPr>
+          <p:cNvSpPr/>
+          <p:nvPr/>
+        </p:nvSpPr>
+        <p:spPr>
+          <a:xfrm>
+            <a:off x="9649098" y="5068389"/>
+            <a:ext cx="583474" cy="827314"/>
+          </a:xfrm>
+          <a:prstGeom prst="upArrow">
+            <a:avLst/>
+          </a:prstGeom>
+          <a:solidFill>
+            <a:srgbClr val="FF0000"/>
+          </a:solidFill>
+        </p:spPr>
+        <p:style>
+          <a:lnRef idx="2">
+            <a:schemeClr val="accent1">
+              <a:shade val="50000"/>
+            </a:schemeClr>
+          </a:lnRef>
+          <a:fillRef idx="1">
+            <a:schemeClr val="accent1"/>
+          </a:fillRef>
+          <a:effectRef idx="0">
+            <a:schemeClr val="accent1"/>
+          </a:effectRef>
+          <a:fontRef idx="minor">
+            <a:schemeClr val="lt1"/>
+          </a:fontRef>
+        </p:style>
+        <p:txBody>
+          <a:bodyPr rtlCol="0" anchor="ctr"/>
+          <a:lstStyle/>
+          <a:p>
+            <a:pPr algn="ctr"/>
+            <a:endParaRPr lang="en-US"/>
+          </a:p>
+        </p:txBody>
+      </p:sp>
+    </p:spTree>
+    <p:extLst>
+      <p:ext uri="{BB962C8B-B14F-4D97-AF65-F5344CB8AC3E}">
+        <p14:creationId xmlns:p14="http://schemas.microsoft.com/office/powerpoint/2010/main" val="759065902"/>
+      </p:ext>
+    </p:extLst>
+  </p:cSld>
+  <p:clrMapOvr>
+    <a:masterClrMapping/>
+  </p:clrMapOvr>
+</p:sld>
+</file>
+
 <file path=ppt/slides/slide2.xml><?xml version="1.0" encoding="utf-8"?>
 <p:sld xmlns:a="http://schemas.openxmlformats.org/drawingml/2006/main" xmlns:r="http://schemas.openxmlformats.org/officeDocument/2006/relationships" xmlns:p="http://schemas.openxmlformats.org/presentationml/2006/main">
   <p:cSld>
@@ -8443,13 +9990,8 @@
           <a:p>
             <a:r>
               <a:rPr lang="en-US" dirty="0"/>
-              <a:t>This include domain specific validations applied on each property of </a:t>
-            </a:r>
-            <a:r>
-              <a:rPr lang="en-US"/>
-              <a:t>the object</a:t>
-            </a:r>
-            <a:endParaRPr lang="en-US" dirty="0"/>
+              <a:t>This include domain specific validations applied on each property of the object</a:t>
+            </a:r>
           </a:p>
         </p:txBody>
       </p:sp>

--- a/Training_Diagrams.pptx
+++ b/Training_Diagrams.pptx
@@ -17,6 +17,7 @@
     <p:sldId id="265" r:id="rId11"/>
     <p:sldId id="266" r:id="rId12"/>
     <p:sldId id="267" r:id="rId13"/>
+    <p:sldId id="268" r:id="rId14"/>
   </p:sldIdLst>
   <p:sldSz cx="12192000" cy="6858000"/>
   <p:notesSz cx="6858000" cy="9144000"/>
@@ -5589,6 +5590,436 @@
 </p:sld>
 </file>
 
+<file path=ppt/slides/slide13.xml><?xml version="1.0" encoding="utf-8"?>
+<p:sld xmlns:a="http://schemas.openxmlformats.org/drawingml/2006/main" xmlns:r="http://schemas.openxmlformats.org/officeDocument/2006/relationships" xmlns:p="http://schemas.openxmlformats.org/presentationml/2006/main">
+  <p:cSld>
+    <p:spTree>
+      <p:nvGrpSpPr>
+        <p:cNvPr id="1" name=""/>
+        <p:cNvGrpSpPr/>
+        <p:nvPr/>
+      </p:nvGrpSpPr>
+      <p:grpSpPr>
+        <a:xfrm>
+          <a:off x="0" y="0"/>
+          <a:ext cx="0" cy="0"/>
+          <a:chOff x="0" y="0"/>
+          <a:chExt cx="0" cy="0"/>
+        </a:xfrm>
+      </p:grpSpPr>
+      <p:sp>
+        <p:nvSpPr>
+          <p:cNvPr id="2" name="Rectangle 1">
+            <a:extLst>
+              <a:ext uri="{FF2B5EF4-FFF2-40B4-BE49-F238E27FC236}">
+                <a16:creationId xmlns:a16="http://schemas.microsoft.com/office/drawing/2014/main" id="{3A9045AC-B983-654A-A080-C48698E68A1F}"/>
+              </a:ext>
+            </a:extLst>
+          </p:cNvPr>
+          <p:cNvSpPr/>
+          <p:nvPr/>
+        </p:nvSpPr>
+        <p:spPr>
+          <a:xfrm>
+            <a:off x="322217" y="2124892"/>
+            <a:ext cx="4075612" cy="3605348"/>
+          </a:xfrm>
+          <a:prstGeom prst="rect">
+            <a:avLst/>
+          </a:prstGeom>
+        </p:spPr>
+        <p:style>
+          <a:lnRef idx="2">
+            <a:schemeClr val="accent1">
+              <a:shade val="50000"/>
+            </a:schemeClr>
+          </a:lnRef>
+          <a:fillRef idx="1">
+            <a:schemeClr val="accent1"/>
+          </a:fillRef>
+          <a:effectRef idx="0">
+            <a:schemeClr val="accent1"/>
+          </a:effectRef>
+          <a:fontRef idx="minor">
+            <a:schemeClr val="lt1"/>
+          </a:fontRef>
+        </p:style>
+        <p:txBody>
+          <a:bodyPr rtlCol="0" anchor="ctr"/>
+          <a:lstStyle/>
+          <a:p>
+            <a:pPr algn="ctr"/>
+            <a:r>
+              <a:rPr lang="en-US" dirty="0"/>
+              <a:t>Angular App</a:t>
+            </a:r>
+          </a:p>
+        </p:txBody>
+      </p:sp>
+      <p:sp>
+        <p:nvSpPr>
+          <p:cNvPr id="3" name="Rectangle 2">
+            <a:extLst>
+              <a:ext uri="{FF2B5EF4-FFF2-40B4-BE49-F238E27FC236}">
+                <a16:creationId xmlns:a16="http://schemas.microsoft.com/office/drawing/2014/main" id="{B226AB87-C323-E94B-AF44-001F4D17F641}"/>
+              </a:ext>
+            </a:extLst>
+          </p:cNvPr>
+          <p:cNvSpPr/>
+          <p:nvPr/>
+        </p:nvSpPr>
+        <p:spPr>
+          <a:xfrm>
+            <a:off x="7493726" y="2124892"/>
+            <a:ext cx="4075612" cy="3605348"/>
+          </a:xfrm>
+          <a:prstGeom prst="rect">
+            <a:avLst/>
+          </a:prstGeom>
+        </p:spPr>
+        <p:style>
+          <a:lnRef idx="2">
+            <a:schemeClr val="accent1">
+              <a:shade val="50000"/>
+            </a:schemeClr>
+          </a:lnRef>
+          <a:fillRef idx="1">
+            <a:schemeClr val="accent1"/>
+          </a:fillRef>
+          <a:effectRef idx="0">
+            <a:schemeClr val="accent1"/>
+          </a:effectRef>
+          <a:fontRef idx="minor">
+            <a:schemeClr val="lt1"/>
+          </a:fontRef>
+        </p:style>
+        <p:txBody>
+          <a:bodyPr rtlCol="0" anchor="ctr"/>
+          <a:lstStyle/>
+          <a:p>
+            <a:pPr algn="ctr"/>
+            <a:r>
+              <a:rPr lang="en-US" dirty="0"/>
+              <a:t>External  REST APIs</a:t>
+            </a:r>
+          </a:p>
+          <a:p>
+            <a:pPr algn="ctr"/>
+            <a:r>
+              <a:rPr lang="en-US" dirty="0"/>
+              <a:t>Open Accessible OR</a:t>
+            </a:r>
+          </a:p>
+          <a:p>
+            <a:pPr algn="ctr"/>
+            <a:r>
+              <a:rPr lang="en-US" dirty="0"/>
+              <a:t>Secure Calls to REST APIs</a:t>
+            </a:r>
+          </a:p>
+          <a:p>
+            <a:pPr algn="ctr"/>
+            <a:r>
+              <a:rPr lang="en-US" dirty="0"/>
+              <a:t>Identity with Credentials OR Credentials + Tokens</a:t>
+            </a:r>
+          </a:p>
+        </p:txBody>
+      </p:sp>
+      <p:sp>
+        <p:nvSpPr>
+          <p:cNvPr id="4" name="Rectangle 3">
+            <a:extLst>
+              <a:ext uri="{FF2B5EF4-FFF2-40B4-BE49-F238E27FC236}">
+                <a16:creationId xmlns:a16="http://schemas.microsoft.com/office/drawing/2014/main" id="{CE85DCCF-EBFF-844E-8DC8-68DB39971F31}"/>
+              </a:ext>
+            </a:extLst>
+          </p:cNvPr>
+          <p:cNvSpPr/>
+          <p:nvPr/>
+        </p:nvSpPr>
+        <p:spPr>
+          <a:xfrm>
+            <a:off x="3875314" y="3317966"/>
+            <a:ext cx="1480457" cy="1628503"/>
+          </a:xfrm>
+          <a:prstGeom prst="rect">
+            <a:avLst/>
+          </a:prstGeom>
+          <a:solidFill>
+            <a:srgbClr val="00B0F0"/>
+          </a:solidFill>
+        </p:spPr>
+        <p:style>
+          <a:lnRef idx="2">
+            <a:schemeClr val="accent1">
+              <a:shade val="50000"/>
+            </a:schemeClr>
+          </a:lnRef>
+          <a:fillRef idx="1">
+            <a:schemeClr val="accent1"/>
+          </a:fillRef>
+          <a:effectRef idx="0">
+            <a:schemeClr val="accent1"/>
+          </a:effectRef>
+          <a:fontRef idx="minor">
+            <a:schemeClr val="lt1"/>
+          </a:fontRef>
+        </p:style>
+        <p:txBody>
+          <a:bodyPr rtlCol="0" anchor="ctr"/>
+          <a:lstStyle/>
+          <a:p>
+            <a:pPr algn="ctr"/>
+            <a:r>
+              <a:rPr lang="en-US" dirty="0"/>
+              <a:t>Angular</a:t>
+            </a:r>
+          </a:p>
+          <a:p>
+            <a:pPr algn="ctr"/>
+            <a:r>
+              <a:rPr lang="en-US" dirty="0"/>
+              <a:t>Service</a:t>
+            </a:r>
+          </a:p>
+        </p:txBody>
+      </p:sp>
+      <p:sp>
+        <p:nvSpPr>
+          <p:cNvPr id="5" name="Curved Right Arrow 4">
+            <a:extLst>
+              <a:ext uri="{FF2B5EF4-FFF2-40B4-BE49-F238E27FC236}">
+                <a16:creationId xmlns:a16="http://schemas.microsoft.com/office/drawing/2014/main" id="{28974553-43CA-0448-A8A1-698B301FEF47}"/>
+              </a:ext>
+            </a:extLst>
+          </p:cNvPr>
+          <p:cNvSpPr/>
+          <p:nvPr/>
+        </p:nvSpPr>
+        <p:spPr>
+          <a:xfrm rot="5400000" flipV="1">
+            <a:off x="5660026" y="990055"/>
+            <a:ext cx="1394461" cy="3483433"/>
+          </a:xfrm>
+          <a:prstGeom prst="curvedRightArrow">
+            <a:avLst/>
+          </a:prstGeom>
+          <a:solidFill>
+            <a:srgbClr val="FF0000"/>
+          </a:solidFill>
+        </p:spPr>
+        <p:style>
+          <a:lnRef idx="2">
+            <a:schemeClr val="accent1">
+              <a:shade val="50000"/>
+            </a:schemeClr>
+          </a:lnRef>
+          <a:fillRef idx="1">
+            <a:schemeClr val="accent1"/>
+          </a:fillRef>
+          <a:effectRef idx="0">
+            <a:schemeClr val="accent1"/>
+          </a:effectRef>
+          <a:fontRef idx="minor">
+            <a:schemeClr val="lt1"/>
+          </a:fontRef>
+        </p:style>
+        <p:txBody>
+          <a:bodyPr rtlCol="0" anchor="ctr"/>
+          <a:lstStyle/>
+          <a:p>
+            <a:pPr algn="ctr"/>
+            <a:endParaRPr lang="en-US">
+              <a:solidFill>
+                <a:schemeClr val="tx1"/>
+              </a:solidFill>
+            </a:endParaRPr>
+          </a:p>
+        </p:txBody>
+      </p:sp>
+      <p:sp>
+        <p:nvSpPr>
+          <p:cNvPr id="6" name="TextBox 5">
+            <a:extLst>
+              <a:ext uri="{FF2B5EF4-FFF2-40B4-BE49-F238E27FC236}">
+                <a16:creationId xmlns:a16="http://schemas.microsoft.com/office/drawing/2014/main" id="{09BD2B30-91AA-954D-989C-85B16077AB8C}"/>
+              </a:ext>
+            </a:extLst>
+          </p:cNvPr>
+          <p:cNvSpPr txBox="1"/>
+          <p:nvPr/>
+        </p:nvSpPr>
+        <p:spPr>
+          <a:xfrm>
+            <a:off x="5878286" y="2769326"/>
+            <a:ext cx="1105988" cy="646331"/>
+          </a:xfrm>
+          <a:prstGeom prst="rect">
+            <a:avLst/>
+          </a:prstGeom>
+          <a:noFill/>
+        </p:spPr>
+        <p:txBody>
+          <a:bodyPr wrap="square" rtlCol="0">
+            <a:spAutoFit/>
+          </a:bodyPr>
+          <a:lstStyle/>
+          <a:p>
+            <a:r>
+              <a:rPr lang="en-US" dirty="0"/>
+              <a:t>Async Request</a:t>
+            </a:r>
+          </a:p>
+        </p:txBody>
+      </p:sp>
+      <p:sp>
+        <p:nvSpPr>
+          <p:cNvPr id="7" name="Curved Right Arrow 6">
+            <a:extLst>
+              <a:ext uri="{FF2B5EF4-FFF2-40B4-BE49-F238E27FC236}">
+                <a16:creationId xmlns:a16="http://schemas.microsoft.com/office/drawing/2014/main" id="{F2B1FB55-52A7-8746-8D14-51A5BF3F969B}"/>
+              </a:ext>
+            </a:extLst>
+          </p:cNvPr>
+          <p:cNvSpPr/>
+          <p:nvPr/>
+        </p:nvSpPr>
+        <p:spPr>
+          <a:xfrm rot="16200000" flipV="1">
+            <a:off x="5727518" y="3450226"/>
+            <a:ext cx="1394461" cy="3483433"/>
+          </a:xfrm>
+          <a:prstGeom prst="curvedRightArrow">
+            <a:avLst/>
+          </a:prstGeom>
+          <a:solidFill>
+            <a:srgbClr val="FF0000"/>
+          </a:solidFill>
+        </p:spPr>
+        <p:style>
+          <a:lnRef idx="2">
+            <a:schemeClr val="accent1">
+              <a:shade val="50000"/>
+            </a:schemeClr>
+          </a:lnRef>
+          <a:fillRef idx="1">
+            <a:schemeClr val="accent1"/>
+          </a:fillRef>
+          <a:effectRef idx="0">
+            <a:schemeClr val="accent1"/>
+          </a:effectRef>
+          <a:fontRef idx="minor">
+            <a:schemeClr val="lt1"/>
+          </a:fontRef>
+        </p:style>
+        <p:txBody>
+          <a:bodyPr rtlCol="0" anchor="ctr"/>
+          <a:lstStyle/>
+          <a:p>
+            <a:pPr algn="ctr"/>
+            <a:endParaRPr lang="en-US">
+              <a:solidFill>
+                <a:schemeClr val="tx1"/>
+              </a:solidFill>
+            </a:endParaRPr>
+          </a:p>
+        </p:txBody>
+      </p:sp>
+      <p:sp>
+        <p:nvSpPr>
+          <p:cNvPr id="8" name="TextBox 7">
+            <a:extLst>
+              <a:ext uri="{FF2B5EF4-FFF2-40B4-BE49-F238E27FC236}">
+                <a16:creationId xmlns:a16="http://schemas.microsoft.com/office/drawing/2014/main" id="{C4D087A5-C729-7F4F-8DD0-58D048299DA9}"/>
+              </a:ext>
+            </a:extLst>
+          </p:cNvPr>
+          <p:cNvSpPr txBox="1"/>
+          <p:nvPr/>
+        </p:nvSpPr>
+        <p:spPr>
+          <a:xfrm>
+            <a:off x="5721531" y="4712427"/>
+            <a:ext cx="1554484" cy="646331"/>
+          </a:xfrm>
+          <a:prstGeom prst="rect">
+            <a:avLst/>
+          </a:prstGeom>
+          <a:noFill/>
+        </p:spPr>
+        <p:txBody>
+          <a:bodyPr wrap="square" rtlCol="0">
+            <a:spAutoFit/>
+          </a:bodyPr>
+          <a:lstStyle/>
+          <a:p>
+            <a:r>
+              <a:rPr lang="en-US" dirty="0"/>
+              <a:t>Async Response</a:t>
+            </a:r>
+          </a:p>
+        </p:txBody>
+      </p:sp>
+      <p:sp>
+        <p:nvSpPr>
+          <p:cNvPr id="9" name="Striped Right Arrow 8">
+            <a:extLst>
+              <a:ext uri="{FF2B5EF4-FFF2-40B4-BE49-F238E27FC236}">
+                <a16:creationId xmlns:a16="http://schemas.microsoft.com/office/drawing/2014/main" id="{28B010E9-C285-E349-8F6F-93E6FDBE7115}"/>
+              </a:ext>
+            </a:extLst>
+          </p:cNvPr>
+          <p:cNvSpPr/>
+          <p:nvPr/>
+        </p:nvSpPr>
+        <p:spPr>
+          <a:xfrm>
+            <a:off x="5495110" y="3840480"/>
+            <a:ext cx="1680754" cy="391886"/>
+          </a:xfrm>
+          <a:prstGeom prst="stripedRightArrow">
+            <a:avLst/>
+          </a:prstGeom>
+        </p:spPr>
+        <p:style>
+          <a:lnRef idx="2">
+            <a:schemeClr val="accent1">
+              <a:shade val="50000"/>
+            </a:schemeClr>
+          </a:lnRef>
+          <a:fillRef idx="1">
+            <a:schemeClr val="accent1"/>
+          </a:fillRef>
+          <a:effectRef idx="0">
+            <a:schemeClr val="accent1"/>
+          </a:effectRef>
+          <a:fontRef idx="minor">
+            <a:schemeClr val="lt1"/>
+          </a:fontRef>
+        </p:style>
+        <p:txBody>
+          <a:bodyPr rtlCol="0" anchor="ctr"/>
+          <a:lstStyle/>
+          <a:p>
+            <a:pPr algn="ctr"/>
+            <a:endParaRPr lang="en-US"/>
+          </a:p>
+        </p:txBody>
+      </p:sp>
+    </p:spTree>
+    <p:extLst>
+      <p:ext uri="{BB962C8B-B14F-4D97-AF65-F5344CB8AC3E}">
+        <p14:creationId xmlns:p14="http://schemas.microsoft.com/office/powerpoint/2010/main" val="1744016824"/>
+      </p:ext>
+    </p:extLst>
+  </p:cSld>
+  <p:clrMapOvr>
+    <a:masterClrMapping/>
+  </p:clrMapOvr>
+</p:sld>
+</file>
+
 <file path=ppt/slides/slide2.xml><?xml version="1.0" encoding="utf-8"?>
 <p:sld xmlns:a="http://schemas.openxmlformats.org/drawingml/2006/main" xmlns:r="http://schemas.openxmlformats.org/officeDocument/2006/relationships" xmlns:p="http://schemas.openxmlformats.org/presentationml/2006/main">
   <p:cSld>

--- a/Training_Diagrams.pptx
+++ b/Training_Diagrams.pptx
@@ -14,10 +14,11 @@
     <p:sldId id="261" r:id="rId8"/>
     <p:sldId id="263" r:id="rId9"/>
     <p:sldId id="264" r:id="rId10"/>
-    <p:sldId id="265" r:id="rId11"/>
-    <p:sldId id="266" r:id="rId12"/>
-    <p:sldId id="267" r:id="rId13"/>
-    <p:sldId id="268" r:id="rId14"/>
+    <p:sldId id="269" r:id="rId11"/>
+    <p:sldId id="265" r:id="rId12"/>
+    <p:sldId id="266" r:id="rId13"/>
+    <p:sldId id="267" r:id="rId14"/>
+    <p:sldId id="268" r:id="rId15"/>
   </p:sldIdLst>
   <p:sldSz cx="12192000" cy="6858000"/>
   <p:notesSz cx="6858000" cy="9144000"/>
@@ -4068,7 +4069,7 @@
           <p:cNvPr id="2" name="Rectangle 1">
             <a:extLst>
               <a:ext uri="{FF2B5EF4-FFF2-40B4-BE49-F238E27FC236}">
-                <a16:creationId xmlns:a16="http://schemas.microsoft.com/office/drawing/2014/main" id="{FD725A7B-7A4F-4848-B692-460E81F37243}"/>
+                <a16:creationId xmlns:a16="http://schemas.microsoft.com/office/drawing/2014/main" id="{BB89B696-E221-364A-9450-B0103182BC1F}"/>
               </a:ext>
             </a:extLst>
           </p:cNvPr>
@@ -4077,8 +4078,8 @@
         </p:nvSpPr>
         <p:spPr>
           <a:xfrm>
-            <a:off x="557349" y="1062446"/>
-            <a:ext cx="11338560" cy="5538651"/>
+            <a:off x="522514" y="1619794"/>
+            <a:ext cx="5155475" cy="3866606"/>
           </a:xfrm>
           <a:prstGeom prst="rect">
             <a:avLst/>
@@ -4112,7 +4113,7 @@
           <p:cNvPr id="3" name="TextBox 2">
             <a:extLst>
               <a:ext uri="{FF2B5EF4-FFF2-40B4-BE49-F238E27FC236}">
-                <a16:creationId xmlns:a16="http://schemas.microsoft.com/office/drawing/2014/main" id="{D723ECEC-B918-F24A-A241-1940785C5CB5}"/>
+                <a16:creationId xmlns:a16="http://schemas.microsoft.com/office/drawing/2014/main" id="{08523417-8ADE-DE42-8FB0-34A20ED1EDB3}"/>
               </a:ext>
             </a:extLst>
           </p:cNvPr>
@@ -4121,8 +4122,8 @@
         </p:nvSpPr>
         <p:spPr>
           <a:xfrm>
-            <a:off x="5512526" y="1219200"/>
-            <a:ext cx="2090057" cy="369332"/>
+            <a:off x="1454331" y="1750423"/>
+            <a:ext cx="3666309" cy="369332"/>
           </a:xfrm>
           <a:prstGeom prst="rect">
             <a:avLst/>
@@ -4136,18 +4137,27 @@
           <a:lstStyle/>
           <a:p>
             <a:r>
+              <a:rPr lang="en-US" dirty="0" err="1"/>
+              <a:t>Index.html</a:t>
+            </a:r>
+            <a:r>
               <a:rPr lang="en-US" dirty="0"/>
-              <a:t>Parent Component</a:t>
-            </a:r>
-          </a:p>
-        </p:txBody>
-      </p:sp>
-      <p:sp>
-        <p:nvSpPr>
-          <p:cNvPr id="4" name="Rounded Rectangle 3">
-            <a:extLst>
-              <a:ext uri="{FF2B5EF4-FFF2-40B4-BE49-F238E27FC236}">
-                <a16:creationId xmlns:a16="http://schemas.microsoft.com/office/drawing/2014/main" id="{21B245EC-55E0-6348-B4FB-484429A2A66F}"/>
+              <a:t> </a:t>
+            </a:r>
+            <a:r>
+              <a:rPr lang="en-US"/>
+              <a:t>(jQuery OM)</a:t>
+            </a:r>
+            <a:endParaRPr lang="en-US" dirty="0"/>
+          </a:p>
+        </p:txBody>
+      </p:sp>
+      <p:sp>
+        <p:nvSpPr>
+          <p:cNvPr id="4" name="Rectangle 3">
+            <a:extLst>
+              <a:ext uri="{FF2B5EF4-FFF2-40B4-BE49-F238E27FC236}">
+                <a16:creationId xmlns:a16="http://schemas.microsoft.com/office/drawing/2014/main" id="{833A6E6D-3EC2-6944-8308-CEB1C3BE5C90}"/>
               </a:ext>
             </a:extLst>
           </p:cNvPr>
@@ -4156,10 +4166,10 @@
         </p:nvSpPr>
         <p:spPr>
           <a:xfrm>
-            <a:off x="1010194" y="2536762"/>
-            <a:ext cx="3161212" cy="3074126"/>
-          </a:xfrm>
-          <a:prstGeom prst="roundRect">
+            <a:off x="661851" y="2952206"/>
+            <a:ext cx="2107475" cy="2116183"/>
+          </a:xfrm>
+          <a:prstGeom prst="rect">
             <a:avLst/>
           </a:prstGeom>
         </p:spPr>
@@ -4186,17 +4196,17 @@
             <a:pPr algn="ctr"/>
             <a:r>
               <a:rPr lang="en-US" dirty="0"/>
-              <a:t>Child Component 1</a:t>
-            </a:r>
-          </a:p>
-        </p:txBody>
-      </p:sp>
-      <p:sp>
-        <p:nvSpPr>
-          <p:cNvPr id="5" name="Rounded Rectangle 4">
-            <a:extLst>
-              <a:ext uri="{FF2B5EF4-FFF2-40B4-BE49-F238E27FC236}">
-                <a16:creationId xmlns:a16="http://schemas.microsoft.com/office/drawing/2014/main" id="{3BA4F791-DA2F-DD44-9CD8-E5B4F7D7212A}"/>
+              <a:t>Angular UI with Object Model</a:t>
+            </a:r>
+          </a:p>
+        </p:txBody>
+      </p:sp>
+      <p:sp>
+        <p:nvSpPr>
+          <p:cNvPr id="5" name="Rectangle 4">
+            <a:extLst>
+              <a:ext uri="{FF2B5EF4-FFF2-40B4-BE49-F238E27FC236}">
+                <a16:creationId xmlns:a16="http://schemas.microsoft.com/office/drawing/2014/main" id="{969B65A0-D2DE-1A48-9092-E9F3C188FE4C}"/>
               </a:ext>
             </a:extLst>
           </p:cNvPr>
@@ -4205,10 +4215,10 @@
         </p:nvSpPr>
         <p:spPr>
           <a:xfrm>
-            <a:off x="8260079" y="2536762"/>
-            <a:ext cx="3161212" cy="3074126"/>
-          </a:xfrm>
-          <a:prstGeom prst="roundRect">
+            <a:off x="3169920" y="2952206"/>
+            <a:ext cx="2107475" cy="2116183"/>
+          </a:xfrm>
+          <a:prstGeom prst="rect">
             <a:avLst/>
           </a:prstGeom>
         </p:spPr>
@@ -4235,64 +4245,29 @@
             <a:pPr algn="ctr"/>
             <a:r>
               <a:rPr lang="en-US" dirty="0"/>
-              <a:t>Child Component 2</a:t>
-            </a:r>
-          </a:p>
-        </p:txBody>
-      </p:sp>
-      <p:sp>
-        <p:nvSpPr>
-          <p:cNvPr id="6" name="TextBox 5">
-            <a:extLst>
-              <a:ext uri="{FF2B5EF4-FFF2-40B4-BE49-F238E27FC236}">
-                <a16:creationId xmlns:a16="http://schemas.microsoft.com/office/drawing/2014/main" id="{393681EB-C7FD-7744-AB8D-3460139353FE}"/>
-              </a:ext>
-            </a:extLst>
-          </p:cNvPr>
-          <p:cNvSpPr txBox="1"/>
-          <p:nvPr/>
-        </p:nvSpPr>
-        <p:spPr>
-          <a:xfrm>
-            <a:off x="3082834" y="1588532"/>
-            <a:ext cx="6522720" cy="369332"/>
+              <a:t>React UI Object Model</a:t>
+            </a:r>
+          </a:p>
+        </p:txBody>
+      </p:sp>
+      <p:sp>
+        <p:nvSpPr>
+          <p:cNvPr id="7" name="Rectangle 6">
+            <a:extLst>
+              <a:ext uri="{FF2B5EF4-FFF2-40B4-BE49-F238E27FC236}">
+                <a16:creationId xmlns:a16="http://schemas.microsoft.com/office/drawing/2014/main" id="{ACA14E7A-D138-054F-B78C-A499BC45BDEF}"/>
+              </a:ext>
+            </a:extLst>
+          </p:cNvPr>
+          <p:cNvSpPr/>
+          <p:nvPr/>
+        </p:nvSpPr>
+        <p:spPr>
+          <a:xfrm>
+            <a:off x="8630193" y="1313710"/>
+            <a:ext cx="2107475" cy="1242758"/>
           </a:xfrm>
           <a:prstGeom prst="rect">
-            <a:avLst/>
-          </a:prstGeom>
-          <a:noFill/>
-        </p:spPr>
-        <p:txBody>
-          <a:bodyPr wrap="square" rtlCol="0">
-            <a:spAutoFit/>
-          </a:bodyPr>
-          <a:lstStyle/>
-          <a:p>
-            <a:r>
-              <a:rPr lang="en-US" dirty="0"/>
-              <a:t>Communication Across 2 Components having Same Parent</a:t>
-            </a:r>
-          </a:p>
-        </p:txBody>
-      </p:sp>
-      <p:sp>
-        <p:nvSpPr>
-          <p:cNvPr id="7" name="Rounded Rectangle 6">
-            <a:extLst>
-              <a:ext uri="{FF2B5EF4-FFF2-40B4-BE49-F238E27FC236}">
-                <a16:creationId xmlns:a16="http://schemas.microsoft.com/office/drawing/2014/main" id="{E5495E3B-4721-7241-BF70-6269011B1924}"/>
-              </a:ext>
-            </a:extLst>
-          </p:cNvPr>
-          <p:cNvSpPr/>
-          <p:nvPr/>
-        </p:nvSpPr>
-        <p:spPr>
-          <a:xfrm>
-            <a:off x="5434148" y="2609501"/>
-            <a:ext cx="1820091" cy="807329"/>
-          </a:xfrm>
-          <a:prstGeom prst="roundRect">
             <a:avLst/>
           </a:prstGeom>
         </p:spPr>
@@ -4319,31 +4294,17 @@
             <a:pPr algn="ctr"/>
             <a:r>
               <a:rPr lang="en-US" dirty="0"/>
-              <a:t>Properties</a:t>
-            </a:r>
-          </a:p>
-          <a:p>
-            <a:pPr algn="ctr"/>
-            <a:r>
-              <a:rPr lang="en-US" dirty="0"/>
-              <a:t>Of </a:t>
-            </a:r>
-          </a:p>
-          <a:p>
-            <a:pPr algn="ctr"/>
-            <a:r>
-              <a:rPr lang="en-US" dirty="0"/>
-              <a:t>Parent</a:t>
-            </a:r>
-          </a:p>
-        </p:txBody>
-      </p:sp>
-      <p:sp>
-        <p:nvSpPr>
-          <p:cNvPr id="8" name="Left Arrow 7">
-            <a:extLst>
-              <a:ext uri="{FF2B5EF4-FFF2-40B4-BE49-F238E27FC236}">
-                <a16:creationId xmlns:a16="http://schemas.microsoft.com/office/drawing/2014/main" id="{4B39EEAE-F41C-D444-8FC6-B0240FDEDAAC}"/>
+              <a:t>Angular App</a:t>
+            </a:r>
+          </a:p>
+        </p:txBody>
+      </p:sp>
+      <p:sp>
+        <p:nvSpPr>
+          <p:cNvPr id="8" name="Rectangle 7">
+            <a:extLst>
+              <a:ext uri="{FF2B5EF4-FFF2-40B4-BE49-F238E27FC236}">
+                <a16:creationId xmlns:a16="http://schemas.microsoft.com/office/drawing/2014/main" id="{285C22C2-BE72-5A46-9E93-1EF6089A7753}"/>
               </a:ext>
             </a:extLst>
           </p:cNvPr>
@@ -4352,15 +4313,12 @@
         </p:nvSpPr>
         <p:spPr>
           <a:xfrm>
-            <a:off x="3962400" y="2795451"/>
-            <a:ext cx="1550126" cy="217715"/>
-          </a:xfrm>
-          <a:prstGeom prst="leftArrow">
-            <a:avLst/>
-          </a:prstGeom>
-          <a:solidFill>
-            <a:srgbClr val="FF0000"/>
-          </a:solidFill>
+            <a:off x="8630193" y="4863739"/>
+            <a:ext cx="2107475" cy="1023256"/>
+          </a:xfrm>
+          <a:prstGeom prst="rect">
+            <a:avLst/>
+          </a:prstGeom>
         </p:spPr>
         <p:style>
           <a:lnRef idx="2">
@@ -4383,161 +4341,135 @@
           <a:lstStyle/>
           <a:p>
             <a:pPr algn="ctr"/>
-            <a:endParaRPr lang="en-US"/>
-          </a:p>
-        </p:txBody>
-      </p:sp>
-      <p:sp>
-        <p:nvSpPr>
-          <p:cNvPr id="9" name="Right Arrow 8">
-            <a:extLst>
-              <a:ext uri="{FF2B5EF4-FFF2-40B4-BE49-F238E27FC236}">
-                <a16:creationId xmlns:a16="http://schemas.microsoft.com/office/drawing/2014/main" id="{67A64612-26AF-D54D-BA57-19B27CD59FB9}"/>
-              </a:ext>
-            </a:extLst>
-          </p:cNvPr>
-          <p:cNvSpPr/>
-          <p:nvPr/>
-        </p:nvSpPr>
-        <p:spPr>
-          <a:xfrm>
-            <a:off x="4023360" y="3108177"/>
-            <a:ext cx="1489166" cy="235914"/>
-          </a:xfrm>
-          <a:prstGeom prst="rightArrow">
-            <a:avLst/>
-          </a:prstGeom>
-          <a:solidFill>
-            <a:srgbClr val="FF0000"/>
-          </a:solidFill>
-        </p:spPr>
-        <p:style>
-          <a:lnRef idx="2">
-            <a:schemeClr val="accent1">
-              <a:shade val="50000"/>
-            </a:schemeClr>
-          </a:lnRef>
-          <a:fillRef idx="1">
-            <a:schemeClr val="accent1"/>
+            <a:r>
+              <a:rPr lang="en-US" dirty="0"/>
+              <a:t>React App</a:t>
+            </a:r>
+          </a:p>
+        </p:txBody>
+      </p:sp>
+      <p:cxnSp>
+        <p:nvCxnSpPr>
+          <p:cNvPr id="10" name="Straight Arrow Connector 9">
+            <a:extLst>
+              <a:ext uri="{FF2B5EF4-FFF2-40B4-BE49-F238E27FC236}">
+                <a16:creationId xmlns:a16="http://schemas.microsoft.com/office/drawing/2014/main" id="{D7CA2F2C-FF62-C648-BD2D-E04A49082899}"/>
+              </a:ext>
+            </a:extLst>
+          </p:cNvPr>
+          <p:cNvCxnSpPr>
+            <a:stCxn id="7" idx="1"/>
+            <a:endCxn id="4" idx="0"/>
+          </p:cNvCxnSpPr>
+          <p:nvPr/>
+        </p:nvCxnSpPr>
+        <p:spPr>
+          <a:xfrm flipH="1">
+            <a:off x="1715589" y="1935089"/>
+            <a:ext cx="6914604" cy="1017117"/>
+          </a:xfrm>
+          <a:prstGeom prst="straightConnector1">
+            <a:avLst/>
+          </a:prstGeom>
+          <a:ln>
+            <a:tailEnd type="triangle"/>
+          </a:ln>
+        </p:spPr>
+        <p:style>
+          <a:lnRef idx="1">
+            <a:schemeClr val="dk1"/>
+          </a:lnRef>
+          <a:fillRef idx="0">
+            <a:schemeClr val="dk1"/>
           </a:fillRef>
           <a:effectRef idx="0">
-            <a:schemeClr val="accent1"/>
-          </a:effectRef>
-          <a:fontRef idx="minor">
-            <a:schemeClr val="lt1"/>
-          </a:fontRef>
-        </p:style>
-        <p:txBody>
-          <a:bodyPr rtlCol="0" anchor="ctr"/>
-          <a:lstStyle/>
-          <a:p>
-            <a:pPr algn="ctr"/>
-            <a:endParaRPr lang="en-US"/>
-          </a:p>
-        </p:txBody>
-      </p:sp>
-      <p:sp>
-        <p:nvSpPr>
-          <p:cNvPr id="10" name="Left Arrow 9">
-            <a:extLst>
-              <a:ext uri="{FF2B5EF4-FFF2-40B4-BE49-F238E27FC236}">
-                <a16:creationId xmlns:a16="http://schemas.microsoft.com/office/drawing/2014/main" id="{5E1FA699-D04A-994A-B0C0-58D3061ADB77}"/>
-              </a:ext>
-            </a:extLst>
-          </p:cNvPr>
-          <p:cNvSpPr/>
-          <p:nvPr/>
-        </p:nvSpPr>
-        <p:spPr>
-          <a:xfrm>
-            <a:off x="7123612" y="2795451"/>
-            <a:ext cx="1550126" cy="217715"/>
-          </a:xfrm>
-          <a:prstGeom prst="leftArrow">
-            <a:avLst/>
-          </a:prstGeom>
-          <a:solidFill>
-            <a:srgbClr val="FF0000"/>
-          </a:solidFill>
-        </p:spPr>
-        <p:style>
-          <a:lnRef idx="2">
-            <a:schemeClr val="accent1">
-              <a:shade val="50000"/>
-            </a:schemeClr>
-          </a:lnRef>
-          <a:fillRef idx="1">
-            <a:schemeClr val="accent1"/>
+            <a:schemeClr val="dk1"/>
+          </a:effectRef>
+          <a:fontRef idx="minor">
+            <a:schemeClr val="tx1"/>
+          </a:fontRef>
+        </p:style>
+      </p:cxnSp>
+      <p:cxnSp>
+        <p:nvCxnSpPr>
+          <p:cNvPr id="12" name="Straight Arrow Connector 11">
+            <a:extLst>
+              <a:ext uri="{FF2B5EF4-FFF2-40B4-BE49-F238E27FC236}">
+                <a16:creationId xmlns:a16="http://schemas.microsoft.com/office/drawing/2014/main" id="{4674BFEE-9FB6-B543-BD80-B0987433383C}"/>
+              </a:ext>
+            </a:extLst>
+          </p:cNvPr>
+          <p:cNvCxnSpPr>
+            <a:stCxn id="8" idx="1"/>
+          </p:cNvCxnSpPr>
+          <p:nvPr/>
+        </p:nvCxnSpPr>
+        <p:spPr>
+          <a:xfrm flipH="1" flipV="1">
+            <a:off x="5277395" y="4010297"/>
+            <a:ext cx="3352798" cy="1365070"/>
+          </a:xfrm>
+          <a:prstGeom prst="straightConnector1">
+            <a:avLst/>
+          </a:prstGeom>
+          <a:ln>
+            <a:tailEnd type="triangle"/>
+          </a:ln>
+        </p:spPr>
+        <p:style>
+          <a:lnRef idx="1">
+            <a:schemeClr val="dk1"/>
+          </a:lnRef>
+          <a:fillRef idx="0">
+            <a:schemeClr val="dk1"/>
           </a:fillRef>
           <a:effectRef idx="0">
-            <a:schemeClr val="accent1"/>
-          </a:effectRef>
-          <a:fontRef idx="minor">
-            <a:schemeClr val="lt1"/>
-          </a:fontRef>
-        </p:style>
-        <p:txBody>
-          <a:bodyPr rtlCol="0" anchor="ctr"/>
-          <a:lstStyle/>
-          <a:p>
-            <a:pPr algn="ctr"/>
-            <a:endParaRPr lang="en-US"/>
-          </a:p>
-        </p:txBody>
-      </p:sp>
-      <p:sp>
-        <p:nvSpPr>
-          <p:cNvPr id="11" name="Right Arrow 10">
-            <a:extLst>
-              <a:ext uri="{FF2B5EF4-FFF2-40B4-BE49-F238E27FC236}">
-                <a16:creationId xmlns:a16="http://schemas.microsoft.com/office/drawing/2014/main" id="{57FA1812-6D0D-8241-8CCD-811358191E6E}"/>
-              </a:ext>
-            </a:extLst>
-          </p:cNvPr>
-          <p:cNvSpPr/>
-          <p:nvPr/>
-        </p:nvSpPr>
-        <p:spPr>
-          <a:xfrm>
-            <a:off x="7184572" y="3108177"/>
-            <a:ext cx="1489166" cy="235914"/>
-          </a:xfrm>
-          <a:prstGeom prst="rightArrow">
-            <a:avLst/>
-          </a:prstGeom>
-          <a:solidFill>
-            <a:srgbClr val="FF0000"/>
-          </a:solidFill>
-        </p:spPr>
-        <p:style>
-          <a:lnRef idx="2">
-            <a:schemeClr val="accent1">
-              <a:shade val="50000"/>
-            </a:schemeClr>
-          </a:lnRef>
-          <a:fillRef idx="1">
-            <a:schemeClr val="accent1"/>
-          </a:fillRef>
-          <a:effectRef idx="0">
-            <a:schemeClr val="accent1"/>
-          </a:effectRef>
-          <a:fontRef idx="minor">
-            <a:schemeClr val="lt1"/>
-          </a:fontRef>
-        </p:style>
-        <p:txBody>
-          <a:bodyPr rtlCol="0" anchor="ctr"/>
-          <a:lstStyle/>
-          <a:p>
-            <a:pPr algn="ctr"/>
-            <a:endParaRPr lang="en-US"/>
+            <a:schemeClr val="dk1"/>
+          </a:effectRef>
+          <a:fontRef idx="minor">
+            <a:schemeClr val="tx1"/>
+          </a:fontRef>
+        </p:style>
+      </p:cxnSp>
+      <p:sp>
+        <p:nvSpPr>
+          <p:cNvPr id="13" name="TextBox 12">
+            <a:extLst>
+              <a:ext uri="{FF2B5EF4-FFF2-40B4-BE49-F238E27FC236}">
+                <a16:creationId xmlns:a16="http://schemas.microsoft.com/office/drawing/2014/main" id="{22B2B322-A284-1748-BB68-12CEC9C72083}"/>
+              </a:ext>
+            </a:extLst>
+          </p:cNvPr>
+          <p:cNvSpPr txBox="1"/>
+          <p:nvPr/>
+        </p:nvSpPr>
+        <p:spPr>
+          <a:xfrm>
+            <a:off x="566057" y="5564777"/>
+            <a:ext cx="5050972" cy="369332"/>
+          </a:xfrm>
+          <a:prstGeom prst="rect">
+            <a:avLst/>
+          </a:prstGeom>
+          <a:noFill/>
+        </p:spPr>
+        <p:txBody>
+          <a:bodyPr wrap="square" rtlCol="0">
+            <a:spAutoFit/>
+          </a:bodyPr>
+          <a:lstStyle/>
+          <a:p>
+            <a:r>
+              <a:rPr lang="en-US" dirty="0"/>
+              <a:t>Angular app / React App / jQuery</a:t>
+            </a:r>
           </a:p>
         </p:txBody>
       </p:sp>
     </p:spTree>
     <p:extLst>
       <p:ext uri="{BB962C8B-B14F-4D97-AF65-F5344CB8AC3E}">
-        <p14:creationId xmlns:p14="http://schemas.microsoft.com/office/powerpoint/2010/main" val="3001508019"/>
+        <p14:creationId xmlns:p14="http://schemas.microsoft.com/office/powerpoint/2010/main" val="2984160896"/>
       </p:ext>
     </p:extLst>
   </p:cSld>
@@ -4569,7 +4501,7 @@
           <p:cNvPr id="2" name="Rectangle 1">
             <a:extLst>
               <a:ext uri="{FF2B5EF4-FFF2-40B4-BE49-F238E27FC236}">
-                <a16:creationId xmlns:a16="http://schemas.microsoft.com/office/drawing/2014/main" id="{DF6794A9-D465-3341-AC63-428BBDF0A5FE}"/>
+                <a16:creationId xmlns:a16="http://schemas.microsoft.com/office/drawing/2014/main" id="{FD725A7B-7A4F-4848-B692-460E81F37243}"/>
               </a:ext>
             </a:extLst>
           </p:cNvPr>
@@ -4578,10 +4510,89 @@
         </p:nvSpPr>
         <p:spPr>
           <a:xfrm>
-            <a:off x="714103" y="1942011"/>
-            <a:ext cx="3570514" cy="3605349"/>
+            <a:off x="557349" y="1062446"/>
+            <a:ext cx="11338560" cy="5538651"/>
           </a:xfrm>
           <a:prstGeom prst="rect">
+            <a:avLst/>
+          </a:prstGeom>
+        </p:spPr>
+        <p:style>
+          <a:lnRef idx="2">
+            <a:schemeClr val="accent6"/>
+          </a:lnRef>
+          <a:fillRef idx="1">
+            <a:schemeClr val="lt1"/>
+          </a:fillRef>
+          <a:effectRef idx="0">
+            <a:schemeClr val="accent6"/>
+          </a:effectRef>
+          <a:fontRef idx="minor">
+            <a:schemeClr val="dk1"/>
+          </a:fontRef>
+        </p:style>
+        <p:txBody>
+          <a:bodyPr rtlCol="0" anchor="ctr"/>
+          <a:lstStyle/>
+          <a:p>
+            <a:pPr algn="ctr"/>
+            <a:endParaRPr lang="en-US"/>
+          </a:p>
+        </p:txBody>
+      </p:sp>
+      <p:sp>
+        <p:nvSpPr>
+          <p:cNvPr id="3" name="TextBox 2">
+            <a:extLst>
+              <a:ext uri="{FF2B5EF4-FFF2-40B4-BE49-F238E27FC236}">
+                <a16:creationId xmlns:a16="http://schemas.microsoft.com/office/drawing/2014/main" id="{D723ECEC-B918-F24A-A241-1940785C5CB5}"/>
+              </a:ext>
+            </a:extLst>
+          </p:cNvPr>
+          <p:cNvSpPr txBox="1"/>
+          <p:nvPr/>
+        </p:nvSpPr>
+        <p:spPr>
+          <a:xfrm>
+            <a:off x="5512526" y="1219200"/>
+            <a:ext cx="2090057" cy="369332"/>
+          </a:xfrm>
+          <a:prstGeom prst="rect">
+            <a:avLst/>
+          </a:prstGeom>
+          <a:noFill/>
+        </p:spPr>
+        <p:txBody>
+          <a:bodyPr wrap="square" rtlCol="0">
+            <a:spAutoFit/>
+          </a:bodyPr>
+          <a:lstStyle/>
+          <a:p>
+            <a:r>
+              <a:rPr lang="en-US" dirty="0"/>
+              <a:t>Parent Component</a:t>
+            </a:r>
+          </a:p>
+        </p:txBody>
+      </p:sp>
+      <p:sp>
+        <p:nvSpPr>
+          <p:cNvPr id="4" name="Rounded Rectangle 3">
+            <a:extLst>
+              <a:ext uri="{FF2B5EF4-FFF2-40B4-BE49-F238E27FC236}">
+                <a16:creationId xmlns:a16="http://schemas.microsoft.com/office/drawing/2014/main" id="{21B245EC-55E0-6348-B4FB-484429A2A66F}"/>
+              </a:ext>
+            </a:extLst>
+          </p:cNvPr>
+          <p:cNvSpPr/>
+          <p:nvPr/>
+        </p:nvSpPr>
+        <p:spPr>
+          <a:xfrm>
+            <a:off x="1010194" y="2536762"/>
+            <a:ext cx="3161212" cy="3074126"/>
+          </a:xfrm>
+          <a:prstGeom prst="roundRect">
             <a:avLst/>
           </a:prstGeom>
         </p:spPr>
@@ -4608,17 +4619,17 @@
             <a:pPr algn="ctr"/>
             <a:r>
               <a:rPr lang="en-US" dirty="0"/>
-              <a:t>Bootstrap Component 1</a:t>
-            </a:r>
-          </a:p>
-        </p:txBody>
-      </p:sp>
-      <p:sp>
-        <p:nvSpPr>
-          <p:cNvPr id="3" name="Rectangle 2">
-            <a:extLst>
-              <a:ext uri="{FF2B5EF4-FFF2-40B4-BE49-F238E27FC236}">
-                <a16:creationId xmlns:a16="http://schemas.microsoft.com/office/drawing/2014/main" id="{6BFBF58F-41D7-9947-B632-DF476723EDF0}"/>
+              <a:t>Child Component 1</a:t>
+            </a:r>
+          </a:p>
+        </p:txBody>
+      </p:sp>
+      <p:sp>
+        <p:nvSpPr>
+          <p:cNvPr id="5" name="Rounded Rectangle 4">
+            <a:extLst>
+              <a:ext uri="{FF2B5EF4-FFF2-40B4-BE49-F238E27FC236}">
+                <a16:creationId xmlns:a16="http://schemas.microsoft.com/office/drawing/2014/main" id="{3BA4F791-DA2F-DD44-9CD8-E5B4F7D7212A}"/>
               </a:ext>
             </a:extLst>
           </p:cNvPr>
@@ -4627,10 +4638,10 @@
         </p:nvSpPr>
         <p:spPr>
           <a:xfrm>
-            <a:off x="7824651" y="1942011"/>
-            <a:ext cx="3570514" cy="3605349"/>
-          </a:xfrm>
-          <a:prstGeom prst="rect">
+            <a:off x="8260079" y="2536762"/>
+            <a:ext cx="3161212" cy="3074126"/>
+          </a:xfrm>
+          <a:prstGeom prst="roundRect">
             <a:avLst/>
           </a:prstGeom>
         </p:spPr>
@@ -4657,17 +4668,17 @@
             <a:pPr algn="ctr"/>
             <a:r>
               <a:rPr lang="en-US" dirty="0"/>
-              <a:t>Bootstrap Component 2</a:t>
-            </a:r>
-          </a:p>
-        </p:txBody>
-      </p:sp>
-      <p:sp>
-        <p:nvSpPr>
-          <p:cNvPr id="4" name="TextBox 3">
-            <a:extLst>
-              <a:ext uri="{FF2B5EF4-FFF2-40B4-BE49-F238E27FC236}">
-                <a16:creationId xmlns:a16="http://schemas.microsoft.com/office/drawing/2014/main" id="{98E7D285-3DF3-524B-8FDD-EC7FBCCB4752}"/>
+              <a:t>Child Component 2</a:t>
+            </a:r>
+          </a:p>
+        </p:txBody>
+      </p:sp>
+      <p:sp>
+        <p:nvSpPr>
+          <p:cNvPr id="6" name="TextBox 5">
+            <a:extLst>
+              <a:ext uri="{FF2B5EF4-FFF2-40B4-BE49-F238E27FC236}">
+                <a16:creationId xmlns:a16="http://schemas.microsoft.com/office/drawing/2014/main" id="{393681EB-C7FD-7744-AB8D-3460139353FE}"/>
               </a:ext>
             </a:extLst>
           </p:cNvPr>
@@ -4676,8 +4687,8 @@
         </p:nvSpPr>
         <p:spPr>
           <a:xfrm>
-            <a:off x="3666309" y="836023"/>
-            <a:ext cx="3779520" cy="369332"/>
+            <a:off x="3082834" y="1588532"/>
+            <a:ext cx="6522720" cy="369332"/>
           </a:xfrm>
           <a:prstGeom prst="rect">
             <a:avLst/>
@@ -4691,19 +4702,18 @@
           <a:lstStyle/>
           <a:p>
             <a:r>
-              <a:rPr lang="en-US" dirty="0" err="1"/>
-              <a:t>Index.html</a:t>
-            </a:r>
-            <a:endParaRPr lang="en-US" dirty="0"/>
-          </a:p>
-        </p:txBody>
-      </p:sp>
-      <p:sp>
-        <p:nvSpPr>
-          <p:cNvPr id="7" name="Rectangle 6">
-            <a:extLst>
-              <a:ext uri="{FF2B5EF4-FFF2-40B4-BE49-F238E27FC236}">
-                <a16:creationId xmlns:a16="http://schemas.microsoft.com/office/drawing/2014/main" id="{CC8F2BDD-9DE4-4344-BB84-BBB0AFF44456}"/>
+              <a:rPr lang="en-US" dirty="0"/>
+              <a:t>Communication Across 2 Components having Same Parent</a:t>
+            </a:r>
+          </a:p>
+        </p:txBody>
+      </p:sp>
+      <p:sp>
+        <p:nvSpPr>
+          <p:cNvPr id="7" name="Rounded Rectangle 6">
+            <a:extLst>
+              <a:ext uri="{FF2B5EF4-FFF2-40B4-BE49-F238E27FC236}">
+                <a16:creationId xmlns:a16="http://schemas.microsoft.com/office/drawing/2014/main" id="{E5495E3B-4721-7241-BF70-6269011B1924}"/>
               </a:ext>
             </a:extLst>
           </p:cNvPr>
@@ -4712,10 +4722,10 @@
         </p:nvSpPr>
         <p:spPr>
           <a:xfrm>
-            <a:off x="653143" y="5860869"/>
-            <a:ext cx="10903131" cy="818605"/>
-          </a:xfrm>
-          <a:prstGeom prst="rect">
+            <a:off x="5434148" y="2609501"/>
+            <a:ext cx="1820091" cy="807329"/>
+          </a:xfrm>
+          <a:prstGeom prst="roundRect">
             <a:avLst/>
           </a:prstGeom>
         </p:spPr>
@@ -4741,22 +4751,32 @@
           <a:p>
             <a:pPr algn="ctr"/>
             <a:r>
-              <a:rPr lang="en-US" dirty="0" err="1"/>
-              <a:t>NgModule</a:t>
-            </a:r>
-            <a:r>
               <a:rPr lang="en-US" dirty="0"/>
-              <a:t> Container Providers as ‘root’</a:t>
-            </a:r>
-          </a:p>
-        </p:txBody>
-      </p:sp>
-      <p:sp>
-        <p:nvSpPr>
-          <p:cNvPr id="8" name="Up Arrow 7">
-            <a:extLst>
-              <a:ext uri="{FF2B5EF4-FFF2-40B4-BE49-F238E27FC236}">
-                <a16:creationId xmlns:a16="http://schemas.microsoft.com/office/drawing/2014/main" id="{C4D36553-11FF-EE4E-BFEF-F31BAD886722}"/>
+              <a:t>Properties</a:t>
+            </a:r>
+          </a:p>
+          <a:p>
+            <a:pPr algn="ctr"/>
+            <a:r>
+              <a:rPr lang="en-US" dirty="0"/>
+              <a:t>Of </a:t>
+            </a:r>
+          </a:p>
+          <a:p>
+            <a:pPr algn="ctr"/>
+            <a:r>
+              <a:rPr lang="en-US" dirty="0"/>
+              <a:t>Parent</a:t>
+            </a:r>
+          </a:p>
+        </p:txBody>
+      </p:sp>
+      <p:sp>
+        <p:nvSpPr>
+          <p:cNvPr id="8" name="Left Arrow 7">
+            <a:extLst>
+              <a:ext uri="{FF2B5EF4-FFF2-40B4-BE49-F238E27FC236}">
+                <a16:creationId xmlns:a16="http://schemas.microsoft.com/office/drawing/2014/main" id="{4B39EEAE-F41C-D444-8FC6-B0240FDEDAAC}"/>
               </a:ext>
             </a:extLst>
           </p:cNvPr>
@@ -4765,10 +4785,10 @@
         </p:nvSpPr>
         <p:spPr>
           <a:xfrm>
-            <a:off x="2185851" y="5190309"/>
-            <a:ext cx="461555" cy="1001485"/>
-          </a:xfrm>
-          <a:prstGeom prst="upArrow">
+            <a:off x="3962400" y="2795451"/>
+            <a:ext cx="1550126" cy="217715"/>
+          </a:xfrm>
+          <a:prstGeom prst="leftArrow">
             <a:avLst/>
           </a:prstGeom>
           <a:solidFill>
@@ -4802,10 +4822,10 @@
       </p:sp>
       <p:sp>
         <p:nvSpPr>
-          <p:cNvPr id="9" name="Up Arrow 8">
-            <a:extLst>
-              <a:ext uri="{FF2B5EF4-FFF2-40B4-BE49-F238E27FC236}">
-                <a16:creationId xmlns:a16="http://schemas.microsoft.com/office/drawing/2014/main" id="{97BAD9EE-49E0-FF44-84DC-09D62D22AB12}"/>
+          <p:cNvPr id="9" name="Right Arrow 8">
+            <a:extLst>
+              <a:ext uri="{FF2B5EF4-FFF2-40B4-BE49-F238E27FC236}">
+                <a16:creationId xmlns:a16="http://schemas.microsoft.com/office/drawing/2014/main" id="{67A64612-26AF-D54D-BA57-19B27CD59FB9}"/>
               </a:ext>
             </a:extLst>
           </p:cNvPr>
@@ -4814,10 +4834,10 @@
         </p:nvSpPr>
         <p:spPr>
           <a:xfrm>
-            <a:off x="9209313" y="5190308"/>
-            <a:ext cx="461555" cy="1001485"/>
-          </a:xfrm>
-          <a:prstGeom prst="upArrow">
+            <a:off x="4023360" y="3108177"/>
+            <a:ext cx="1489166" cy="235914"/>
+          </a:xfrm>
+          <a:prstGeom prst="rightArrow">
             <a:avLst/>
           </a:prstGeom>
           <a:solidFill>
@@ -4851,10 +4871,10 @@
       </p:sp>
       <p:sp>
         <p:nvSpPr>
-          <p:cNvPr id="10" name="Rounded Rectangle 9">
-            <a:extLst>
-              <a:ext uri="{FF2B5EF4-FFF2-40B4-BE49-F238E27FC236}">
-                <a16:creationId xmlns:a16="http://schemas.microsoft.com/office/drawing/2014/main" id="{B22D9D36-3C3B-AF48-A5AF-5DC4FA842E18}"/>
+          <p:cNvPr id="10" name="Left Arrow 9">
+            <a:extLst>
+              <a:ext uri="{FF2B5EF4-FFF2-40B4-BE49-F238E27FC236}">
+                <a16:creationId xmlns:a16="http://schemas.microsoft.com/office/drawing/2014/main" id="{5E1FA699-D04A-994A-B0C0-58D3061ADB77}"/>
               </a:ext>
             </a:extLst>
           </p:cNvPr>
@@ -4863,12 +4883,15 @@
         </p:nvSpPr>
         <p:spPr>
           <a:xfrm>
-            <a:off x="5181600" y="3100251"/>
-            <a:ext cx="1741714" cy="2090057"/>
-          </a:xfrm>
-          <a:prstGeom prst="roundRect">
-            <a:avLst/>
-          </a:prstGeom>
+            <a:off x="7123612" y="2795451"/>
+            <a:ext cx="1550126" cy="217715"/>
+          </a:xfrm>
+          <a:prstGeom prst="leftArrow">
+            <a:avLst/>
+          </a:prstGeom>
+          <a:solidFill>
+            <a:srgbClr val="FF0000"/>
+          </a:solidFill>
         </p:spPr>
         <p:style>
           <a:lnRef idx="2">
@@ -4891,26 +4914,16 @@
           <a:lstStyle/>
           <a:p>
             <a:pPr algn="ctr"/>
-            <a:r>
-              <a:rPr lang="en-US" dirty="0"/>
-              <a:t>Angular</a:t>
-            </a:r>
-          </a:p>
-          <a:p>
-            <a:pPr algn="ctr"/>
-            <a:r>
-              <a:rPr lang="en-US" dirty="0"/>
-              <a:t>Service as Singleton</a:t>
-            </a:r>
-          </a:p>
-        </p:txBody>
-      </p:sp>
-      <p:sp>
-        <p:nvSpPr>
-          <p:cNvPr id="11" name="Up Arrow 10">
-            <a:extLst>
-              <a:ext uri="{FF2B5EF4-FFF2-40B4-BE49-F238E27FC236}">
-                <a16:creationId xmlns:a16="http://schemas.microsoft.com/office/drawing/2014/main" id="{41EC2171-3F5A-334B-A036-A3D120ED4966}"/>
+            <a:endParaRPr lang="en-US"/>
+          </a:p>
+        </p:txBody>
+      </p:sp>
+      <p:sp>
+        <p:nvSpPr>
+          <p:cNvPr id="11" name="Right Arrow 10">
+            <a:extLst>
+              <a:ext uri="{FF2B5EF4-FFF2-40B4-BE49-F238E27FC236}">
+                <a16:creationId xmlns:a16="http://schemas.microsoft.com/office/drawing/2014/main" id="{57FA1812-6D0D-8241-8CCD-811358191E6E}"/>
               </a:ext>
             </a:extLst>
           </p:cNvPr>
@@ -4919,10 +4932,10 @@
         </p:nvSpPr>
         <p:spPr>
           <a:xfrm>
-            <a:off x="5756365" y="5033555"/>
-            <a:ext cx="461555" cy="1101632"/>
-          </a:xfrm>
-          <a:prstGeom prst="upArrow">
+            <a:off x="7184572" y="3108177"/>
+            <a:ext cx="1489166" cy="235914"/>
+          </a:xfrm>
+          <a:prstGeom prst="rightArrow">
             <a:avLst/>
           </a:prstGeom>
           <a:solidFill>
@@ -4954,151 +4967,10 @@
           </a:p>
         </p:txBody>
       </p:sp>
-      <p:sp>
-        <p:nvSpPr>
-          <p:cNvPr id="12" name="Curved Right Arrow 11">
-            <a:extLst>
-              <a:ext uri="{FF2B5EF4-FFF2-40B4-BE49-F238E27FC236}">
-                <a16:creationId xmlns:a16="http://schemas.microsoft.com/office/drawing/2014/main" id="{FDC9A7FF-84FF-054A-81BF-9B8181C506A8}"/>
-              </a:ext>
-            </a:extLst>
-          </p:cNvPr>
-          <p:cNvSpPr/>
-          <p:nvPr/>
-        </p:nvSpPr>
-        <p:spPr>
-          <a:xfrm rot="5400000">
-            <a:off x="4345576" y="2059577"/>
-            <a:ext cx="818605" cy="2002970"/>
-          </a:xfrm>
-          <a:prstGeom prst="curvedRightArrow">
-            <a:avLst/>
-          </a:prstGeom>
-          <a:solidFill>
-            <a:srgbClr val="FF0000"/>
-          </a:solidFill>
-        </p:spPr>
-        <p:style>
-          <a:lnRef idx="2">
-            <a:schemeClr val="accent1">
-              <a:shade val="50000"/>
-            </a:schemeClr>
-          </a:lnRef>
-          <a:fillRef idx="1">
-            <a:schemeClr val="accent1"/>
-          </a:fillRef>
-          <a:effectRef idx="0">
-            <a:schemeClr val="accent1"/>
-          </a:effectRef>
-          <a:fontRef idx="minor">
-            <a:schemeClr val="lt1"/>
-          </a:fontRef>
-        </p:style>
-        <p:txBody>
-          <a:bodyPr rtlCol="0" anchor="ctr"/>
-          <a:lstStyle/>
-          <a:p>
-            <a:pPr algn="ctr"/>
-            <a:endParaRPr lang="en-US">
-              <a:solidFill>
-                <a:schemeClr val="tx1"/>
-              </a:solidFill>
-            </a:endParaRPr>
-          </a:p>
-        </p:txBody>
-      </p:sp>
-      <p:sp>
-        <p:nvSpPr>
-          <p:cNvPr id="13" name="Curved Right Arrow 12">
-            <a:extLst>
-              <a:ext uri="{FF2B5EF4-FFF2-40B4-BE49-F238E27FC236}">
-                <a16:creationId xmlns:a16="http://schemas.microsoft.com/office/drawing/2014/main" id="{45F601B5-FAD6-8746-9B43-3DFD31AC3DE7}"/>
-              </a:ext>
-            </a:extLst>
-          </p:cNvPr>
-          <p:cNvSpPr/>
-          <p:nvPr/>
-        </p:nvSpPr>
-        <p:spPr>
-          <a:xfrm rot="5400000" flipV="1">
-            <a:off x="6945089" y="1989908"/>
-            <a:ext cx="888278" cy="1907179"/>
-          </a:xfrm>
-          <a:prstGeom prst="curvedRightArrow">
-            <a:avLst/>
-          </a:prstGeom>
-          <a:solidFill>
-            <a:srgbClr val="FF0000"/>
-          </a:solidFill>
-        </p:spPr>
-        <p:style>
-          <a:lnRef idx="2">
-            <a:schemeClr val="accent1">
-              <a:shade val="50000"/>
-            </a:schemeClr>
-          </a:lnRef>
-          <a:fillRef idx="1">
-            <a:schemeClr val="accent1"/>
-          </a:fillRef>
-          <a:effectRef idx="0">
-            <a:schemeClr val="accent1"/>
-          </a:effectRef>
-          <a:fontRef idx="minor">
-            <a:schemeClr val="lt1"/>
-          </a:fontRef>
-        </p:style>
-        <p:txBody>
-          <a:bodyPr rtlCol="0" anchor="ctr"/>
-          <a:lstStyle/>
-          <a:p>
-            <a:pPr algn="ctr"/>
-            <a:endParaRPr lang="en-US">
-              <a:solidFill>
-                <a:schemeClr val="tx1"/>
-              </a:solidFill>
-            </a:endParaRPr>
-          </a:p>
-        </p:txBody>
-      </p:sp>
-      <p:sp>
-        <p:nvSpPr>
-          <p:cNvPr id="14" name="TextBox 13">
-            <a:extLst>
-              <a:ext uri="{FF2B5EF4-FFF2-40B4-BE49-F238E27FC236}">
-                <a16:creationId xmlns:a16="http://schemas.microsoft.com/office/drawing/2014/main" id="{3CD266C4-0BBB-6F4B-AC70-656E469AE624}"/>
-              </a:ext>
-            </a:extLst>
-          </p:cNvPr>
-          <p:cNvSpPr txBox="1"/>
-          <p:nvPr/>
-        </p:nvSpPr>
-        <p:spPr>
-          <a:xfrm>
-            <a:off x="4415246" y="1637211"/>
-            <a:ext cx="3309257" cy="646331"/>
-          </a:xfrm>
-          <a:prstGeom prst="rect">
-            <a:avLst/>
-          </a:prstGeom>
-          <a:noFill/>
-        </p:spPr>
-        <p:txBody>
-          <a:bodyPr wrap="square" rtlCol="0">
-            <a:spAutoFit/>
-          </a:bodyPr>
-          <a:lstStyle/>
-          <a:p>
-            <a:r>
-              <a:rPr lang="en-US" dirty="0"/>
-              <a:t>Service will be Injected as constructor Injection </a:t>
-            </a:r>
-          </a:p>
-        </p:txBody>
-      </p:sp>
     </p:spTree>
     <p:extLst>
       <p:ext uri="{BB962C8B-B14F-4D97-AF65-F5344CB8AC3E}">
-        <p14:creationId xmlns:p14="http://schemas.microsoft.com/office/powerpoint/2010/main" val="2559475638"/>
+        <p14:creationId xmlns:p14="http://schemas.microsoft.com/office/powerpoint/2010/main" val="3001508019"/>
       </p:ext>
     </p:extLst>
   </p:cSld>
@@ -5130,7 +5002,7 @@
           <p:cNvPr id="2" name="Rectangle 1">
             <a:extLst>
               <a:ext uri="{FF2B5EF4-FFF2-40B4-BE49-F238E27FC236}">
-                <a16:creationId xmlns:a16="http://schemas.microsoft.com/office/drawing/2014/main" id="{F6F2267A-9E79-B44B-B148-B37C347AD208}"/>
+                <a16:creationId xmlns:a16="http://schemas.microsoft.com/office/drawing/2014/main" id="{DF6794A9-D465-3341-AC63-428BBDF0A5FE}"/>
               </a:ext>
             </a:extLst>
           </p:cNvPr>
@@ -5139,88 +5011,8 @@
         </p:nvSpPr>
         <p:spPr>
           <a:xfrm>
-            <a:off x="531223" y="827314"/>
-            <a:ext cx="11416937" cy="5878286"/>
-          </a:xfrm>
-          <a:prstGeom prst="rect">
-            <a:avLst/>
-          </a:prstGeom>
-        </p:spPr>
-        <p:style>
-          <a:lnRef idx="2">
-            <a:schemeClr val="accent6"/>
-          </a:lnRef>
-          <a:fillRef idx="1">
-            <a:schemeClr val="lt1"/>
-          </a:fillRef>
-          <a:effectRef idx="0">
-            <a:schemeClr val="accent6"/>
-          </a:effectRef>
-          <a:fontRef idx="minor">
-            <a:schemeClr val="dk1"/>
-          </a:fontRef>
-        </p:style>
-        <p:txBody>
-          <a:bodyPr rtlCol="0" anchor="ctr"/>
-          <a:lstStyle/>
-          <a:p>
-            <a:pPr algn="ctr"/>
-            <a:endParaRPr lang="en-US"/>
-          </a:p>
-        </p:txBody>
-      </p:sp>
-      <p:sp>
-        <p:nvSpPr>
-          <p:cNvPr id="3" name="TextBox 2">
-            <a:extLst>
-              <a:ext uri="{FF2B5EF4-FFF2-40B4-BE49-F238E27FC236}">
-                <a16:creationId xmlns:a16="http://schemas.microsoft.com/office/drawing/2014/main" id="{1EB61928-C30F-C84E-B80E-600E13F05AA8}"/>
-              </a:ext>
-            </a:extLst>
-          </p:cNvPr>
-          <p:cNvSpPr txBox="1"/>
-          <p:nvPr/>
-        </p:nvSpPr>
-        <p:spPr>
-          <a:xfrm>
-            <a:off x="4641669" y="896983"/>
-            <a:ext cx="2882537" cy="369332"/>
-          </a:xfrm>
-          <a:prstGeom prst="rect">
-            <a:avLst/>
-          </a:prstGeom>
-          <a:noFill/>
-        </p:spPr>
-        <p:txBody>
-          <a:bodyPr wrap="square" rtlCol="0">
-            <a:spAutoFit/>
-          </a:bodyPr>
-          <a:lstStyle/>
-          <a:p>
-            <a:r>
-              <a:rPr lang="en-US" dirty="0" err="1"/>
-              <a:t>Index.html</a:t>
-            </a:r>
-            <a:endParaRPr lang="en-US" dirty="0"/>
-          </a:p>
-        </p:txBody>
-      </p:sp>
-      <p:sp>
-        <p:nvSpPr>
-          <p:cNvPr id="4" name="Rectangle 3">
-            <a:extLst>
-              <a:ext uri="{FF2B5EF4-FFF2-40B4-BE49-F238E27FC236}">
-                <a16:creationId xmlns:a16="http://schemas.microsoft.com/office/drawing/2014/main" id="{2C892A0C-9675-9545-A5CB-20F17604F1F9}"/>
-              </a:ext>
-            </a:extLst>
-          </p:cNvPr>
-          <p:cNvSpPr/>
-          <p:nvPr/>
-        </p:nvSpPr>
-        <p:spPr>
-          <a:xfrm>
-            <a:off x="722811" y="2055222"/>
-            <a:ext cx="3309258" cy="3335383"/>
+            <a:off x="714103" y="1942011"/>
+            <a:ext cx="3570514" cy="3605349"/>
           </a:xfrm>
           <a:prstGeom prst="rect">
             <a:avLst/>
@@ -5249,24 +5041,17 @@
             <a:pPr algn="ctr"/>
             <a:r>
               <a:rPr lang="en-US" dirty="0"/>
-              <a:t>Angular Components’ from Module 1 </a:t>
-            </a:r>
-          </a:p>
-          <a:p>
-            <a:pPr algn="ctr"/>
-            <a:r>
-              <a:rPr lang="en-US" dirty="0"/>
-              <a:t>Team 1</a:t>
-            </a:r>
-          </a:p>
-        </p:txBody>
-      </p:sp>
-      <p:sp>
-        <p:nvSpPr>
-          <p:cNvPr id="5" name="Rectangle 4">
-            <a:extLst>
-              <a:ext uri="{FF2B5EF4-FFF2-40B4-BE49-F238E27FC236}">
-                <a16:creationId xmlns:a16="http://schemas.microsoft.com/office/drawing/2014/main" id="{7B647D3C-17B4-C74B-BAB9-44827F84A9CD}"/>
+              <a:t>Bootstrap Component 1</a:t>
+            </a:r>
+          </a:p>
+        </p:txBody>
+      </p:sp>
+      <p:sp>
+        <p:nvSpPr>
+          <p:cNvPr id="3" name="Rectangle 2">
+            <a:extLst>
+              <a:ext uri="{FF2B5EF4-FFF2-40B4-BE49-F238E27FC236}">
+                <a16:creationId xmlns:a16="http://schemas.microsoft.com/office/drawing/2014/main" id="{6BFBF58F-41D7-9947-B632-DF476723EDF0}"/>
               </a:ext>
             </a:extLst>
           </p:cNvPr>
@@ -5275,8 +5060,8 @@
         </p:nvSpPr>
         <p:spPr>
           <a:xfrm>
-            <a:off x="4441371" y="2055221"/>
-            <a:ext cx="3309258" cy="3335383"/>
+            <a:off x="7824651" y="1942011"/>
+            <a:ext cx="3570514" cy="3605349"/>
           </a:xfrm>
           <a:prstGeom prst="rect">
             <a:avLst/>
@@ -5305,24 +5090,53 @@
             <a:pPr algn="ctr"/>
             <a:r>
               <a:rPr lang="en-US" dirty="0"/>
-              <a:t>Angular Components’ from Module 2 </a:t>
-            </a:r>
-          </a:p>
-          <a:p>
-            <a:pPr algn="ctr"/>
-            <a:r>
-              <a:rPr lang="en-US" dirty="0"/>
-              <a:t>Team 2</a:t>
-            </a:r>
-          </a:p>
-        </p:txBody>
-      </p:sp>
-      <p:sp>
-        <p:nvSpPr>
-          <p:cNvPr id="6" name="Rectangle 5">
-            <a:extLst>
-              <a:ext uri="{FF2B5EF4-FFF2-40B4-BE49-F238E27FC236}">
-                <a16:creationId xmlns:a16="http://schemas.microsoft.com/office/drawing/2014/main" id="{73563BC4-E088-2C41-9709-7B495F020BE2}"/>
+              <a:t>Bootstrap Component 2</a:t>
+            </a:r>
+          </a:p>
+        </p:txBody>
+      </p:sp>
+      <p:sp>
+        <p:nvSpPr>
+          <p:cNvPr id="4" name="TextBox 3">
+            <a:extLst>
+              <a:ext uri="{FF2B5EF4-FFF2-40B4-BE49-F238E27FC236}">
+                <a16:creationId xmlns:a16="http://schemas.microsoft.com/office/drawing/2014/main" id="{98E7D285-3DF3-524B-8FDD-EC7FBCCB4752}"/>
+              </a:ext>
+            </a:extLst>
+          </p:cNvPr>
+          <p:cNvSpPr txBox="1"/>
+          <p:nvPr/>
+        </p:nvSpPr>
+        <p:spPr>
+          <a:xfrm>
+            <a:off x="3666309" y="836023"/>
+            <a:ext cx="3779520" cy="369332"/>
+          </a:xfrm>
+          <a:prstGeom prst="rect">
+            <a:avLst/>
+          </a:prstGeom>
+          <a:noFill/>
+        </p:spPr>
+        <p:txBody>
+          <a:bodyPr wrap="square" rtlCol="0">
+            <a:spAutoFit/>
+          </a:bodyPr>
+          <a:lstStyle/>
+          <a:p>
+            <a:r>
+              <a:rPr lang="en-US" dirty="0" err="1"/>
+              <a:t>Index.html</a:t>
+            </a:r>
+            <a:endParaRPr lang="en-US" dirty="0"/>
+          </a:p>
+        </p:txBody>
+      </p:sp>
+      <p:sp>
+        <p:nvSpPr>
+          <p:cNvPr id="7" name="Rectangle 6">
+            <a:extLst>
+              <a:ext uri="{FF2B5EF4-FFF2-40B4-BE49-F238E27FC236}">
+                <a16:creationId xmlns:a16="http://schemas.microsoft.com/office/drawing/2014/main" id="{CC8F2BDD-9DE4-4344-BB84-BBB0AFF44456}"/>
               </a:ext>
             </a:extLst>
           </p:cNvPr>
@@ -5331,8 +5145,8 @@
         </p:nvSpPr>
         <p:spPr>
           <a:xfrm>
-            <a:off x="8159931" y="2055220"/>
-            <a:ext cx="3309258" cy="3335383"/>
+            <a:off x="653143" y="5860869"/>
+            <a:ext cx="10903131" cy="818605"/>
           </a:xfrm>
           <a:prstGeom prst="rect">
             <a:avLst/>
@@ -5360,25 +5174,22 @@
           <a:p>
             <a:pPr algn="ctr"/>
             <a:r>
+              <a:rPr lang="en-US" dirty="0" err="1"/>
+              <a:t>NgModule</a:t>
+            </a:r>
+            <a:r>
               <a:rPr lang="en-US" dirty="0"/>
-              <a:t>Angular Components’ from Module 3 </a:t>
-            </a:r>
-          </a:p>
-          <a:p>
-            <a:pPr algn="ctr"/>
-            <a:r>
-              <a:rPr lang="en-US" dirty="0"/>
-              <a:t>Team 3</a:t>
-            </a:r>
-          </a:p>
-        </p:txBody>
-      </p:sp>
-      <p:sp>
-        <p:nvSpPr>
-          <p:cNvPr id="7" name="Rounded Rectangle 6">
-            <a:extLst>
-              <a:ext uri="{FF2B5EF4-FFF2-40B4-BE49-F238E27FC236}">
-                <a16:creationId xmlns:a16="http://schemas.microsoft.com/office/drawing/2014/main" id="{073953D0-1BC6-DB48-9688-802D42565912}"/>
+              <a:t> Container Providers as ‘root’</a:t>
+            </a:r>
+          </a:p>
+        </p:txBody>
+      </p:sp>
+      <p:sp>
+        <p:nvSpPr>
+          <p:cNvPr id="8" name="Up Arrow 7">
+            <a:extLst>
+              <a:ext uri="{FF2B5EF4-FFF2-40B4-BE49-F238E27FC236}">
+                <a16:creationId xmlns:a16="http://schemas.microsoft.com/office/drawing/2014/main" id="{C4D36553-11FF-EE4E-BFEF-F31BAD886722}"/>
               </a:ext>
             </a:extLst>
           </p:cNvPr>
@@ -5387,12 +5198,15 @@
         </p:nvSpPr>
         <p:spPr>
           <a:xfrm>
-            <a:off x="722811" y="5634446"/>
-            <a:ext cx="10746378" cy="923108"/>
-          </a:xfrm>
-          <a:prstGeom prst="roundRect">
-            <a:avLst/>
-          </a:prstGeom>
+            <a:off x="2185851" y="5190309"/>
+            <a:ext cx="461555" cy="1001485"/>
+          </a:xfrm>
+          <a:prstGeom prst="upArrow">
+            <a:avLst/>
+          </a:prstGeom>
+          <a:solidFill>
+            <a:srgbClr val="FF0000"/>
+          </a:solidFill>
         </p:spPr>
         <p:style>
           <a:lnRef idx="2">
@@ -5415,27 +5229,16 @@
           <a:lstStyle/>
           <a:p>
             <a:pPr algn="ctr"/>
-            <a:r>
-              <a:rPr lang="en-US" dirty="0"/>
-              <a:t>Common Angular Module registering the Angular Service as ‘</a:t>
-            </a:r>
-            <a:r>
-              <a:rPr lang="en-US" dirty="0" err="1"/>
-              <a:t>Platfortm</a:t>
-            </a:r>
-            <a:r>
-              <a:rPr lang="en-US" dirty="0"/>
-              <a:t>’</a:t>
-            </a:r>
-          </a:p>
-        </p:txBody>
-      </p:sp>
-      <p:sp>
-        <p:nvSpPr>
-          <p:cNvPr id="8" name="Up Arrow 7">
-            <a:extLst>
-              <a:ext uri="{FF2B5EF4-FFF2-40B4-BE49-F238E27FC236}">
-                <a16:creationId xmlns:a16="http://schemas.microsoft.com/office/drawing/2014/main" id="{FBB89B84-A455-0544-A967-D74D2DC52410}"/>
+            <a:endParaRPr lang="en-US"/>
+          </a:p>
+        </p:txBody>
+      </p:sp>
+      <p:sp>
+        <p:nvSpPr>
+          <p:cNvPr id="9" name="Up Arrow 8">
+            <a:extLst>
+              <a:ext uri="{FF2B5EF4-FFF2-40B4-BE49-F238E27FC236}">
+                <a16:creationId xmlns:a16="http://schemas.microsoft.com/office/drawing/2014/main" id="{97BAD9EE-49E0-FF44-84DC-09D62D22AB12}"/>
               </a:ext>
             </a:extLst>
           </p:cNvPr>
@@ -5444,8 +5247,8 @@
         </p:nvSpPr>
         <p:spPr>
           <a:xfrm>
-            <a:off x="2316480" y="5068389"/>
-            <a:ext cx="583474" cy="827314"/>
+            <a:off x="9209313" y="5190308"/>
+            <a:ext cx="461555" cy="1001485"/>
           </a:xfrm>
           <a:prstGeom prst="upArrow">
             <a:avLst/>
@@ -5481,10 +5284,10 @@
       </p:sp>
       <p:sp>
         <p:nvSpPr>
-          <p:cNvPr id="9" name="Up Arrow 8">
-            <a:extLst>
-              <a:ext uri="{FF2B5EF4-FFF2-40B4-BE49-F238E27FC236}">
-                <a16:creationId xmlns:a16="http://schemas.microsoft.com/office/drawing/2014/main" id="{FC2B031E-20EC-7549-A087-8CB839BE5DB6}"/>
+          <p:cNvPr id="10" name="Rounded Rectangle 9">
+            <a:extLst>
+              <a:ext uri="{FF2B5EF4-FFF2-40B4-BE49-F238E27FC236}">
+                <a16:creationId xmlns:a16="http://schemas.microsoft.com/office/drawing/2014/main" id="{B22D9D36-3C3B-AF48-A5AF-5DC4FA842E18}"/>
               </a:ext>
             </a:extLst>
           </p:cNvPr>
@@ -5493,15 +5296,12 @@
         </p:nvSpPr>
         <p:spPr>
           <a:xfrm>
-            <a:off x="5817326" y="5068389"/>
-            <a:ext cx="583474" cy="827314"/>
-          </a:xfrm>
-          <a:prstGeom prst="upArrow">
-            <a:avLst/>
-          </a:prstGeom>
-          <a:solidFill>
-            <a:srgbClr val="FF0000"/>
-          </a:solidFill>
+            <a:off x="5181600" y="3100251"/>
+            <a:ext cx="1741714" cy="2090057"/>
+          </a:xfrm>
+          <a:prstGeom prst="roundRect">
+            <a:avLst/>
+          </a:prstGeom>
         </p:spPr>
         <p:style>
           <a:lnRef idx="2">
@@ -5524,16 +5324,26 @@
           <a:lstStyle/>
           <a:p>
             <a:pPr algn="ctr"/>
-            <a:endParaRPr lang="en-US"/>
-          </a:p>
-        </p:txBody>
-      </p:sp>
-      <p:sp>
-        <p:nvSpPr>
-          <p:cNvPr id="10" name="Up Arrow 9">
-            <a:extLst>
-              <a:ext uri="{FF2B5EF4-FFF2-40B4-BE49-F238E27FC236}">
-                <a16:creationId xmlns:a16="http://schemas.microsoft.com/office/drawing/2014/main" id="{DE421BB9-A622-0644-8C92-3D4436A79556}"/>
+            <a:r>
+              <a:rPr lang="en-US" dirty="0"/>
+              <a:t>Angular</a:t>
+            </a:r>
+          </a:p>
+          <a:p>
+            <a:pPr algn="ctr"/>
+            <a:r>
+              <a:rPr lang="en-US" dirty="0"/>
+              <a:t>Service as Singleton</a:t>
+            </a:r>
+          </a:p>
+        </p:txBody>
+      </p:sp>
+      <p:sp>
+        <p:nvSpPr>
+          <p:cNvPr id="11" name="Up Arrow 10">
+            <a:extLst>
+              <a:ext uri="{FF2B5EF4-FFF2-40B4-BE49-F238E27FC236}">
+                <a16:creationId xmlns:a16="http://schemas.microsoft.com/office/drawing/2014/main" id="{41EC2171-3F5A-334B-A036-A3D120ED4966}"/>
               </a:ext>
             </a:extLst>
           </p:cNvPr>
@@ -5542,8 +5352,8 @@
         </p:nvSpPr>
         <p:spPr>
           <a:xfrm>
-            <a:off x="9649098" y="5068389"/>
-            <a:ext cx="583474" cy="827314"/>
+            <a:off x="5756365" y="5033555"/>
+            <a:ext cx="461555" cy="1101632"/>
           </a:xfrm>
           <a:prstGeom prst="upArrow">
             <a:avLst/>
@@ -5577,10 +5387,151 @@
           </a:p>
         </p:txBody>
       </p:sp>
+      <p:sp>
+        <p:nvSpPr>
+          <p:cNvPr id="12" name="Curved Right Arrow 11">
+            <a:extLst>
+              <a:ext uri="{FF2B5EF4-FFF2-40B4-BE49-F238E27FC236}">
+                <a16:creationId xmlns:a16="http://schemas.microsoft.com/office/drawing/2014/main" id="{FDC9A7FF-84FF-054A-81BF-9B8181C506A8}"/>
+              </a:ext>
+            </a:extLst>
+          </p:cNvPr>
+          <p:cNvSpPr/>
+          <p:nvPr/>
+        </p:nvSpPr>
+        <p:spPr>
+          <a:xfrm rot="5400000">
+            <a:off x="4345576" y="2059577"/>
+            <a:ext cx="818605" cy="2002970"/>
+          </a:xfrm>
+          <a:prstGeom prst="curvedRightArrow">
+            <a:avLst/>
+          </a:prstGeom>
+          <a:solidFill>
+            <a:srgbClr val="FF0000"/>
+          </a:solidFill>
+        </p:spPr>
+        <p:style>
+          <a:lnRef idx="2">
+            <a:schemeClr val="accent1">
+              <a:shade val="50000"/>
+            </a:schemeClr>
+          </a:lnRef>
+          <a:fillRef idx="1">
+            <a:schemeClr val="accent1"/>
+          </a:fillRef>
+          <a:effectRef idx="0">
+            <a:schemeClr val="accent1"/>
+          </a:effectRef>
+          <a:fontRef idx="minor">
+            <a:schemeClr val="lt1"/>
+          </a:fontRef>
+        </p:style>
+        <p:txBody>
+          <a:bodyPr rtlCol="0" anchor="ctr"/>
+          <a:lstStyle/>
+          <a:p>
+            <a:pPr algn="ctr"/>
+            <a:endParaRPr lang="en-US">
+              <a:solidFill>
+                <a:schemeClr val="tx1"/>
+              </a:solidFill>
+            </a:endParaRPr>
+          </a:p>
+        </p:txBody>
+      </p:sp>
+      <p:sp>
+        <p:nvSpPr>
+          <p:cNvPr id="13" name="Curved Right Arrow 12">
+            <a:extLst>
+              <a:ext uri="{FF2B5EF4-FFF2-40B4-BE49-F238E27FC236}">
+                <a16:creationId xmlns:a16="http://schemas.microsoft.com/office/drawing/2014/main" id="{45F601B5-FAD6-8746-9B43-3DFD31AC3DE7}"/>
+              </a:ext>
+            </a:extLst>
+          </p:cNvPr>
+          <p:cNvSpPr/>
+          <p:nvPr/>
+        </p:nvSpPr>
+        <p:spPr>
+          <a:xfrm rot="5400000" flipV="1">
+            <a:off x="6945089" y="1989908"/>
+            <a:ext cx="888278" cy="1907179"/>
+          </a:xfrm>
+          <a:prstGeom prst="curvedRightArrow">
+            <a:avLst/>
+          </a:prstGeom>
+          <a:solidFill>
+            <a:srgbClr val="FF0000"/>
+          </a:solidFill>
+        </p:spPr>
+        <p:style>
+          <a:lnRef idx="2">
+            <a:schemeClr val="accent1">
+              <a:shade val="50000"/>
+            </a:schemeClr>
+          </a:lnRef>
+          <a:fillRef idx="1">
+            <a:schemeClr val="accent1"/>
+          </a:fillRef>
+          <a:effectRef idx="0">
+            <a:schemeClr val="accent1"/>
+          </a:effectRef>
+          <a:fontRef idx="minor">
+            <a:schemeClr val="lt1"/>
+          </a:fontRef>
+        </p:style>
+        <p:txBody>
+          <a:bodyPr rtlCol="0" anchor="ctr"/>
+          <a:lstStyle/>
+          <a:p>
+            <a:pPr algn="ctr"/>
+            <a:endParaRPr lang="en-US">
+              <a:solidFill>
+                <a:schemeClr val="tx1"/>
+              </a:solidFill>
+            </a:endParaRPr>
+          </a:p>
+        </p:txBody>
+      </p:sp>
+      <p:sp>
+        <p:nvSpPr>
+          <p:cNvPr id="14" name="TextBox 13">
+            <a:extLst>
+              <a:ext uri="{FF2B5EF4-FFF2-40B4-BE49-F238E27FC236}">
+                <a16:creationId xmlns:a16="http://schemas.microsoft.com/office/drawing/2014/main" id="{3CD266C4-0BBB-6F4B-AC70-656E469AE624}"/>
+              </a:ext>
+            </a:extLst>
+          </p:cNvPr>
+          <p:cNvSpPr txBox="1"/>
+          <p:nvPr/>
+        </p:nvSpPr>
+        <p:spPr>
+          <a:xfrm>
+            <a:off x="4415246" y="1637211"/>
+            <a:ext cx="3309257" cy="646331"/>
+          </a:xfrm>
+          <a:prstGeom prst="rect">
+            <a:avLst/>
+          </a:prstGeom>
+          <a:noFill/>
+        </p:spPr>
+        <p:txBody>
+          <a:bodyPr wrap="square" rtlCol="0">
+            <a:spAutoFit/>
+          </a:bodyPr>
+          <a:lstStyle/>
+          <a:p>
+            <a:r>
+              <a:rPr lang="en-US" dirty="0"/>
+              <a:t>Service will be Injected as constructor Injection </a:t>
+            </a:r>
+          </a:p>
+        </p:txBody>
+      </p:sp>
     </p:spTree>
     <p:extLst>
       <p:ext uri="{BB962C8B-B14F-4D97-AF65-F5344CB8AC3E}">
-        <p14:creationId xmlns:p14="http://schemas.microsoft.com/office/powerpoint/2010/main" val="759065902"/>
+        <p14:creationId xmlns:p14="http://schemas.microsoft.com/office/powerpoint/2010/main" val="2559475638"/>
       </p:ext>
     </p:extLst>
   </p:cSld>
@@ -5612,7 +5563,7 @@
           <p:cNvPr id="2" name="Rectangle 1">
             <a:extLst>
               <a:ext uri="{FF2B5EF4-FFF2-40B4-BE49-F238E27FC236}">
-                <a16:creationId xmlns:a16="http://schemas.microsoft.com/office/drawing/2014/main" id="{3A9045AC-B983-654A-A080-C48698E68A1F}"/>
+                <a16:creationId xmlns:a16="http://schemas.microsoft.com/office/drawing/2014/main" id="{F6F2267A-9E79-B44B-B148-B37C347AD208}"/>
               </a:ext>
             </a:extLst>
           </p:cNvPr>
@@ -5621,8 +5572,88 @@
         </p:nvSpPr>
         <p:spPr>
           <a:xfrm>
-            <a:off x="322217" y="2124892"/>
-            <a:ext cx="4075612" cy="3605348"/>
+            <a:off x="531223" y="827314"/>
+            <a:ext cx="11416937" cy="5878286"/>
+          </a:xfrm>
+          <a:prstGeom prst="rect">
+            <a:avLst/>
+          </a:prstGeom>
+        </p:spPr>
+        <p:style>
+          <a:lnRef idx="2">
+            <a:schemeClr val="accent6"/>
+          </a:lnRef>
+          <a:fillRef idx="1">
+            <a:schemeClr val="lt1"/>
+          </a:fillRef>
+          <a:effectRef idx="0">
+            <a:schemeClr val="accent6"/>
+          </a:effectRef>
+          <a:fontRef idx="minor">
+            <a:schemeClr val="dk1"/>
+          </a:fontRef>
+        </p:style>
+        <p:txBody>
+          <a:bodyPr rtlCol="0" anchor="ctr"/>
+          <a:lstStyle/>
+          <a:p>
+            <a:pPr algn="ctr"/>
+            <a:endParaRPr lang="en-US"/>
+          </a:p>
+        </p:txBody>
+      </p:sp>
+      <p:sp>
+        <p:nvSpPr>
+          <p:cNvPr id="3" name="TextBox 2">
+            <a:extLst>
+              <a:ext uri="{FF2B5EF4-FFF2-40B4-BE49-F238E27FC236}">
+                <a16:creationId xmlns:a16="http://schemas.microsoft.com/office/drawing/2014/main" id="{1EB61928-C30F-C84E-B80E-600E13F05AA8}"/>
+              </a:ext>
+            </a:extLst>
+          </p:cNvPr>
+          <p:cNvSpPr txBox="1"/>
+          <p:nvPr/>
+        </p:nvSpPr>
+        <p:spPr>
+          <a:xfrm>
+            <a:off x="4641669" y="896983"/>
+            <a:ext cx="2882537" cy="369332"/>
+          </a:xfrm>
+          <a:prstGeom prst="rect">
+            <a:avLst/>
+          </a:prstGeom>
+          <a:noFill/>
+        </p:spPr>
+        <p:txBody>
+          <a:bodyPr wrap="square" rtlCol="0">
+            <a:spAutoFit/>
+          </a:bodyPr>
+          <a:lstStyle/>
+          <a:p>
+            <a:r>
+              <a:rPr lang="en-US" dirty="0" err="1"/>
+              <a:t>Index.html</a:t>
+            </a:r>
+            <a:endParaRPr lang="en-US" dirty="0"/>
+          </a:p>
+        </p:txBody>
+      </p:sp>
+      <p:sp>
+        <p:nvSpPr>
+          <p:cNvPr id="4" name="Rectangle 3">
+            <a:extLst>
+              <a:ext uri="{FF2B5EF4-FFF2-40B4-BE49-F238E27FC236}">
+                <a16:creationId xmlns:a16="http://schemas.microsoft.com/office/drawing/2014/main" id="{2C892A0C-9675-9545-A5CB-20F17604F1F9}"/>
+              </a:ext>
+            </a:extLst>
+          </p:cNvPr>
+          <p:cNvSpPr/>
+          <p:nvPr/>
+        </p:nvSpPr>
+        <p:spPr>
+          <a:xfrm>
+            <a:off x="722811" y="2055222"/>
+            <a:ext cx="3309258" cy="3335383"/>
           </a:xfrm>
           <a:prstGeom prst="rect">
             <a:avLst/>
@@ -5651,17 +5682,24 @@
             <a:pPr algn="ctr"/>
             <a:r>
               <a:rPr lang="en-US" dirty="0"/>
-              <a:t>Angular App</a:t>
-            </a:r>
-          </a:p>
-        </p:txBody>
-      </p:sp>
-      <p:sp>
-        <p:nvSpPr>
-          <p:cNvPr id="3" name="Rectangle 2">
-            <a:extLst>
-              <a:ext uri="{FF2B5EF4-FFF2-40B4-BE49-F238E27FC236}">
-                <a16:creationId xmlns:a16="http://schemas.microsoft.com/office/drawing/2014/main" id="{B226AB87-C323-E94B-AF44-001F4D17F641}"/>
+              <a:t>Angular Components’ from Module 1 </a:t>
+            </a:r>
+          </a:p>
+          <a:p>
+            <a:pPr algn="ctr"/>
+            <a:r>
+              <a:rPr lang="en-US" dirty="0"/>
+              <a:t>Team 1</a:t>
+            </a:r>
+          </a:p>
+        </p:txBody>
+      </p:sp>
+      <p:sp>
+        <p:nvSpPr>
+          <p:cNvPr id="5" name="Rectangle 4">
+            <a:extLst>
+              <a:ext uri="{FF2B5EF4-FFF2-40B4-BE49-F238E27FC236}">
+                <a16:creationId xmlns:a16="http://schemas.microsoft.com/office/drawing/2014/main" id="{7B647D3C-17B4-C74B-BAB9-44827F84A9CD}"/>
               </a:ext>
             </a:extLst>
           </p:cNvPr>
@@ -5670,8 +5708,8 @@
         </p:nvSpPr>
         <p:spPr>
           <a:xfrm>
-            <a:off x="7493726" y="2124892"/>
-            <a:ext cx="4075612" cy="3605348"/>
+            <a:off x="4441371" y="2055221"/>
+            <a:ext cx="3309258" cy="3335383"/>
           </a:xfrm>
           <a:prstGeom prst="rect">
             <a:avLst/>
@@ -5700,6 +5738,401 @@
             <a:pPr algn="ctr"/>
             <a:r>
               <a:rPr lang="en-US" dirty="0"/>
+              <a:t>Angular Components’ from Module 2 </a:t>
+            </a:r>
+          </a:p>
+          <a:p>
+            <a:pPr algn="ctr"/>
+            <a:r>
+              <a:rPr lang="en-US" dirty="0"/>
+              <a:t>Team 2</a:t>
+            </a:r>
+          </a:p>
+        </p:txBody>
+      </p:sp>
+      <p:sp>
+        <p:nvSpPr>
+          <p:cNvPr id="6" name="Rectangle 5">
+            <a:extLst>
+              <a:ext uri="{FF2B5EF4-FFF2-40B4-BE49-F238E27FC236}">
+                <a16:creationId xmlns:a16="http://schemas.microsoft.com/office/drawing/2014/main" id="{73563BC4-E088-2C41-9709-7B495F020BE2}"/>
+              </a:ext>
+            </a:extLst>
+          </p:cNvPr>
+          <p:cNvSpPr/>
+          <p:nvPr/>
+        </p:nvSpPr>
+        <p:spPr>
+          <a:xfrm>
+            <a:off x="8159931" y="2055220"/>
+            <a:ext cx="3309258" cy="3335383"/>
+          </a:xfrm>
+          <a:prstGeom prst="rect">
+            <a:avLst/>
+          </a:prstGeom>
+        </p:spPr>
+        <p:style>
+          <a:lnRef idx="2">
+            <a:schemeClr val="accent1">
+              <a:shade val="50000"/>
+            </a:schemeClr>
+          </a:lnRef>
+          <a:fillRef idx="1">
+            <a:schemeClr val="accent1"/>
+          </a:fillRef>
+          <a:effectRef idx="0">
+            <a:schemeClr val="accent1"/>
+          </a:effectRef>
+          <a:fontRef idx="minor">
+            <a:schemeClr val="lt1"/>
+          </a:fontRef>
+        </p:style>
+        <p:txBody>
+          <a:bodyPr rtlCol="0" anchor="ctr"/>
+          <a:lstStyle/>
+          <a:p>
+            <a:pPr algn="ctr"/>
+            <a:r>
+              <a:rPr lang="en-US" dirty="0"/>
+              <a:t>Angular Components’ from Module 3 </a:t>
+            </a:r>
+          </a:p>
+          <a:p>
+            <a:pPr algn="ctr"/>
+            <a:r>
+              <a:rPr lang="en-US" dirty="0"/>
+              <a:t>Team 3</a:t>
+            </a:r>
+          </a:p>
+        </p:txBody>
+      </p:sp>
+      <p:sp>
+        <p:nvSpPr>
+          <p:cNvPr id="7" name="Rounded Rectangle 6">
+            <a:extLst>
+              <a:ext uri="{FF2B5EF4-FFF2-40B4-BE49-F238E27FC236}">
+                <a16:creationId xmlns:a16="http://schemas.microsoft.com/office/drawing/2014/main" id="{073953D0-1BC6-DB48-9688-802D42565912}"/>
+              </a:ext>
+            </a:extLst>
+          </p:cNvPr>
+          <p:cNvSpPr/>
+          <p:nvPr/>
+        </p:nvSpPr>
+        <p:spPr>
+          <a:xfrm>
+            <a:off x="722811" y="5634446"/>
+            <a:ext cx="10746378" cy="923108"/>
+          </a:xfrm>
+          <a:prstGeom prst="roundRect">
+            <a:avLst/>
+          </a:prstGeom>
+        </p:spPr>
+        <p:style>
+          <a:lnRef idx="2">
+            <a:schemeClr val="accent1">
+              <a:shade val="50000"/>
+            </a:schemeClr>
+          </a:lnRef>
+          <a:fillRef idx="1">
+            <a:schemeClr val="accent1"/>
+          </a:fillRef>
+          <a:effectRef idx="0">
+            <a:schemeClr val="accent1"/>
+          </a:effectRef>
+          <a:fontRef idx="minor">
+            <a:schemeClr val="lt1"/>
+          </a:fontRef>
+        </p:style>
+        <p:txBody>
+          <a:bodyPr rtlCol="0" anchor="ctr"/>
+          <a:lstStyle/>
+          <a:p>
+            <a:pPr algn="ctr"/>
+            <a:r>
+              <a:rPr lang="en-US" dirty="0"/>
+              <a:t>Common Angular Module registering the Angular Service as ‘</a:t>
+            </a:r>
+            <a:r>
+              <a:rPr lang="en-US" dirty="0" err="1"/>
+              <a:t>Platfortm</a:t>
+            </a:r>
+            <a:r>
+              <a:rPr lang="en-US" dirty="0"/>
+              <a:t>’</a:t>
+            </a:r>
+          </a:p>
+        </p:txBody>
+      </p:sp>
+      <p:sp>
+        <p:nvSpPr>
+          <p:cNvPr id="8" name="Up Arrow 7">
+            <a:extLst>
+              <a:ext uri="{FF2B5EF4-FFF2-40B4-BE49-F238E27FC236}">
+                <a16:creationId xmlns:a16="http://schemas.microsoft.com/office/drawing/2014/main" id="{FBB89B84-A455-0544-A967-D74D2DC52410}"/>
+              </a:ext>
+            </a:extLst>
+          </p:cNvPr>
+          <p:cNvSpPr/>
+          <p:nvPr/>
+        </p:nvSpPr>
+        <p:spPr>
+          <a:xfrm>
+            <a:off x="2316480" y="5068389"/>
+            <a:ext cx="583474" cy="827314"/>
+          </a:xfrm>
+          <a:prstGeom prst="upArrow">
+            <a:avLst/>
+          </a:prstGeom>
+          <a:solidFill>
+            <a:srgbClr val="FF0000"/>
+          </a:solidFill>
+        </p:spPr>
+        <p:style>
+          <a:lnRef idx="2">
+            <a:schemeClr val="accent1">
+              <a:shade val="50000"/>
+            </a:schemeClr>
+          </a:lnRef>
+          <a:fillRef idx="1">
+            <a:schemeClr val="accent1"/>
+          </a:fillRef>
+          <a:effectRef idx="0">
+            <a:schemeClr val="accent1"/>
+          </a:effectRef>
+          <a:fontRef idx="minor">
+            <a:schemeClr val="lt1"/>
+          </a:fontRef>
+        </p:style>
+        <p:txBody>
+          <a:bodyPr rtlCol="0" anchor="ctr"/>
+          <a:lstStyle/>
+          <a:p>
+            <a:pPr algn="ctr"/>
+            <a:endParaRPr lang="en-US"/>
+          </a:p>
+        </p:txBody>
+      </p:sp>
+      <p:sp>
+        <p:nvSpPr>
+          <p:cNvPr id="9" name="Up Arrow 8">
+            <a:extLst>
+              <a:ext uri="{FF2B5EF4-FFF2-40B4-BE49-F238E27FC236}">
+                <a16:creationId xmlns:a16="http://schemas.microsoft.com/office/drawing/2014/main" id="{FC2B031E-20EC-7549-A087-8CB839BE5DB6}"/>
+              </a:ext>
+            </a:extLst>
+          </p:cNvPr>
+          <p:cNvSpPr/>
+          <p:nvPr/>
+        </p:nvSpPr>
+        <p:spPr>
+          <a:xfrm>
+            <a:off x="5817326" y="5068389"/>
+            <a:ext cx="583474" cy="827314"/>
+          </a:xfrm>
+          <a:prstGeom prst="upArrow">
+            <a:avLst/>
+          </a:prstGeom>
+          <a:solidFill>
+            <a:srgbClr val="FF0000"/>
+          </a:solidFill>
+        </p:spPr>
+        <p:style>
+          <a:lnRef idx="2">
+            <a:schemeClr val="accent1">
+              <a:shade val="50000"/>
+            </a:schemeClr>
+          </a:lnRef>
+          <a:fillRef idx="1">
+            <a:schemeClr val="accent1"/>
+          </a:fillRef>
+          <a:effectRef idx="0">
+            <a:schemeClr val="accent1"/>
+          </a:effectRef>
+          <a:fontRef idx="minor">
+            <a:schemeClr val="lt1"/>
+          </a:fontRef>
+        </p:style>
+        <p:txBody>
+          <a:bodyPr rtlCol="0" anchor="ctr"/>
+          <a:lstStyle/>
+          <a:p>
+            <a:pPr algn="ctr"/>
+            <a:endParaRPr lang="en-US"/>
+          </a:p>
+        </p:txBody>
+      </p:sp>
+      <p:sp>
+        <p:nvSpPr>
+          <p:cNvPr id="10" name="Up Arrow 9">
+            <a:extLst>
+              <a:ext uri="{FF2B5EF4-FFF2-40B4-BE49-F238E27FC236}">
+                <a16:creationId xmlns:a16="http://schemas.microsoft.com/office/drawing/2014/main" id="{DE421BB9-A622-0644-8C92-3D4436A79556}"/>
+              </a:ext>
+            </a:extLst>
+          </p:cNvPr>
+          <p:cNvSpPr/>
+          <p:nvPr/>
+        </p:nvSpPr>
+        <p:spPr>
+          <a:xfrm>
+            <a:off x="9649098" y="5068389"/>
+            <a:ext cx="583474" cy="827314"/>
+          </a:xfrm>
+          <a:prstGeom prst="upArrow">
+            <a:avLst/>
+          </a:prstGeom>
+          <a:solidFill>
+            <a:srgbClr val="FF0000"/>
+          </a:solidFill>
+        </p:spPr>
+        <p:style>
+          <a:lnRef idx="2">
+            <a:schemeClr val="accent1">
+              <a:shade val="50000"/>
+            </a:schemeClr>
+          </a:lnRef>
+          <a:fillRef idx="1">
+            <a:schemeClr val="accent1"/>
+          </a:fillRef>
+          <a:effectRef idx="0">
+            <a:schemeClr val="accent1"/>
+          </a:effectRef>
+          <a:fontRef idx="minor">
+            <a:schemeClr val="lt1"/>
+          </a:fontRef>
+        </p:style>
+        <p:txBody>
+          <a:bodyPr rtlCol="0" anchor="ctr"/>
+          <a:lstStyle/>
+          <a:p>
+            <a:pPr algn="ctr"/>
+            <a:endParaRPr lang="en-US"/>
+          </a:p>
+        </p:txBody>
+      </p:sp>
+    </p:spTree>
+    <p:extLst>
+      <p:ext uri="{BB962C8B-B14F-4D97-AF65-F5344CB8AC3E}">
+        <p14:creationId xmlns:p14="http://schemas.microsoft.com/office/powerpoint/2010/main" val="759065902"/>
+      </p:ext>
+    </p:extLst>
+  </p:cSld>
+  <p:clrMapOvr>
+    <a:masterClrMapping/>
+  </p:clrMapOvr>
+</p:sld>
+</file>
+
+<file path=ppt/slides/slide14.xml><?xml version="1.0" encoding="utf-8"?>
+<p:sld xmlns:a="http://schemas.openxmlformats.org/drawingml/2006/main" xmlns:r="http://schemas.openxmlformats.org/officeDocument/2006/relationships" xmlns:p="http://schemas.openxmlformats.org/presentationml/2006/main">
+  <p:cSld>
+    <p:spTree>
+      <p:nvGrpSpPr>
+        <p:cNvPr id="1" name=""/>
+        <p:cNvGrpSpPr/>
+        <p:nvPr/>
+      </p:nvGrpSpPr>
+      <p:grpSpPr>
+        <a:xfrm>
+          <a:off x="0" y="0"/>
+          <a:ext cx="0" cy="0"/>
+          <a:chOff x="0" y="0"/>
+          <a:chExt cx="0" cy="0"/>
+        </a:xfrm>
+      </p:grpSpPr>
+      <p:sp>
+        <p:nvSpPr>
+          <p:cNvPr id="2" name="Rectangle 1">
+            <a:extLst>
+              <a:ext uri="{FF2B5EF4-FFF2-40B4-BE49-F238E27FC236}">
+                <a16:creationId xmlns:a16="http://schemas.microsoft.com/office/drawing/2014/main" id="{3A9045AC-B983-654A-A080-C48698E68A1F}"/>
+              </a:ext>
+            </a:extLst>
+          </p:cNvPr>
+          <p:cNvSpPr/>
+          <p:nvPr/>
+        </p:nvSpPr>
+        <p:spPr>
+          <a:xfrm>
+            <a:off x="322217" y="2124892"/>
+            <a:ext cx="4075612" cy="3605348"/>
+          </a:xfrm>
+          <a:prstGeom prst="rect">
+            <a:avLst/>
+          </a:prstGeom>
+        </p:spPr>
+        <p:style>
+          <a:lnRef idx="2">
+            <a:schemeClr val="accent1">
+              <a:shade val="50000"/>
+            </a:schemeClr>
+          </a:lnRef>
+          <a:fillRef idx="1">
+            <a:schemeClr val="accent1"/>
+          </a:fillRef>
+          <a:effectRef idx="0">
+            <a:schemeClr val="accent1"/>
+          </a:effectRef>
+          <a:fontRef idx="minor">
+            <a:schemeClr val="lt1"/>
+          </a:fontRef>
+        </p:style>
+        <p:txBody>
+          <a:bodyPr rtlCol="0" anchor="ctr"/>
+          <a:lstStyle/>
+          <a:p>
+            <a:pPr algn="ctr"/>
+            <a:r>
+              <a:rPr lang="en-US" dirty="0"/>
+              <a:t>Angular App</a:t>
+            </a:r>
+          </a:p>
+        </p:txBody>
+      </p:sp>
+      <p:sp>
+        <p:nvSpPr>
+          <p:cNvPr id="3" name="Rectangle 2">
+            <a:extLst>
+              <a:ext uri="{FF2B5EF4-FFF2-40B4-BE49-F238E27FC236}">
+                <a16:creationId xmlns:a16="http://schemas.microsoft.com/office/drawing/2014/main" id="{B226AB87-C323-E94B-AF44-001F4D17F641}"/>
+              </a:ext>
+            </a:extLst>
+          </p:cNvPr>
+          <p:cNvSpPr/>
+          <p:nvPr/>
+        </p:nvSpPr>
+        <p:spPr>
+          <a:xfrm>
+            <a:off x="7493726" y="2124892"/>
+            <a:ext cx="4075612" cy="3605348"/>
+          </a:xfrm>
+          <a:prstGeom prst="rect">
+            <a:avLst/>
+          </a:prstGeom>
+        </p:spPr>
+        <p:style>
+          <a:lnRef idx="2">
+            <a:schemeClr val="accent1">
+              <a:shade val="50000"/>
+            </a:schemeClr>
+          </a:lnRef>
+          <a:fillRef idx="1">
+            <a:schemeClr val="accent1"/>
+          </a:fillRef>
+          <a:effectRef idx="0">
+            <a:schemeClr val="accent1"/>
+          </a:effectRef>
+          <a:fontRef idx="minor">
+            <a:schemeClr val="lt1"/>
+          </a:fontRef>
+        </p:style>
+        <p:txBody>
+          <a:bodyPr rtlCol="0" anchor="ctr"/>
+          <a:lstStyle/>
+          <a:p>
+            <a:pPr algn="ctr"/>
+            <a:r>
+              <a:rPr lang="en-US" dirty="0"/>
               <a:t>External  REST APIs</a:t>
             </a:r>
           </a:p>
@@ -5741,7 +6174,7 @@
         <p:spPr>
           <a:xfrm>
             <a:off x="3875314" y="3317966"/>
-            <a:ext cx="1480457" cy="1628503"/>
+            <a:ext cx="1480457" cy="957943"/>
           </a:xfrm>
           <a:prstGeom prst="rect">
             <a:avLst/>
@@ -5887,8 +6320,8 @@
         </p:nvSpPr>
         <p:spPr>
           <a:xfrm rot="16200000" flipV="1">
-            <a:off x="5727518" y="3450226"/>
-            <a:ext cx="1394461" cy="3483433"/>
+            <a:off x="5638801" y="3945963"/>
+            <a:ext cx="1394461" cy="3525881"/>
           </a:xfrm>
           <a:prstGeom prst="curvedRightArrow">
             <a:avLst/>
@@ -5940,7 +6373,7 @@
         </p:nvSpPr>
         <p:spPr>
           <a:xfrm>
-            <a:off x="5721531" y="4712427"/>
+            <a:off x="5956659" y="5237679"/>
             <a:ext cx="1554484" cy="646331"/>
           </a:xfrm>
           <a:prstGeom prst="rect">
@@ -5963,10 +6396,10 @@
       </p:sp>
       <p:sp>
         <p:nvSpPr>
-          <p:cNvPr id="9" name="Striped Right Arrow 8">
-            <a:extLst>
-              <a:ext uri="{FF2B5EF4-FFF2-40B4-BE49-F238E27FC236}">
-                <a16:creationId xmlns:a16="http://schemas.microsoft.com/office/drawing/2014/main" id="{28B010E9-C285-E349-8F6F-93E6FDBE7115}"/>
+          <p:cNvPr id="10" name="Rectangle 9">
+            <a:extLst>
+              <a:ext uri="{FF2B5EF4-FFF2-40B4-BE49-F238E27FC236}">
+                <a16:creationId xmlns:a16="http://schemas.microsoft.com/office/drawing/2014/main" id="{EEEA1E04-E767-9041-8B49-FFA5040C1035}"/>
               </a:ext>
             </a:extLst>
           </p:cNvPr>
@@ -5975,12 +6408,116 @@
         </p:nvSpPr>
         <p:spPr>
           <a:xfrm>
-            <a:off x="5495110" y="3840480"/>
-            <a:ext cx="1680754" cy="391886"/>
-          </a:xfrm>
-          <a:prstGeom prst="stripedRightArrow">
-            <a:avLst/>
-          </a:prstGeom>
+            <a:off x="4047305" y="4401517"/>
+            <a:ext cx="1280160" cy="689064"/>
+          </a:xfrm>
+          <a:prstGeom prst="rect">
+            <a:avLst/>
+          </a:prstGeom>
+          <a:solidFill>
+            <a:srgbClr val="92D050"/>
+          </a:solidFill>
+        </p:spPr>
+        <p:style>
+          <a:lnRef idx="2">
+            <a:schemeClr val="accent1">
+              <a:shade val="50000"/>
+            </a:schemeClr>
+          </a:lnRef>
+          <a:fillRef idx="1">
+            <a:schemeClr val="accent1"/>
+          </a:fillRef>
+          <a:effectRef idx="0">
+            <a:schemeClr val="accent1"/>
+          </a:effectRef>
+          <a:fontRef idx="minor">
+            <a:schemeClr val="lt1"/>
+          </a:fontRef>
+        </p:style>
+        <p:txBody>
+          <a:bodyPr rtlCol="0" anchor="ctr"/>
+          <a:lstStyle/>
+          <a:p>
+            <a:pPr algn="ctr"/>
+            <a:r>
+              <a:rPr lang="en-US" dirty="0"/>
+              <a:t>Observable</a:t>
+            </a:r>
+          </a:p>
+        </p:txBody>
+      </p:sp>
+      <p:sp>
+        <p:nvSpPr>
+          <p:cNvPr id="11" name="Right Arrow 10">
+            <a:extLst>
+              <a:ext uri="{FF2B5EF4-FFF2-40B4-BE49-F238E27FC236}">
+                <a16:creationId xmlns:a16="http://schemas.microsoft.com/office/drawing/2014/main" id="{4A8B7595-859C-3C45-AAE9-C551778429CB}"/>
+              </a:ext>
+            </a:extLst>
+          </p:cNvPr>
+          <p:cNvSpPr/>
+          <p:nvPr/>
+        </p:nvSpPr>
+        <p:spPr>
+          <a:xfrm>
+            <a:off x="3474720" y="4528457"/>
+            <a:ext cx="644434" cy="183970"/>
+          </a:xfrm>
+          <a:prstGeom prst="rightArrow">
+            <a:avLst/>
+          </a:prstGeom>
+          <a:solidFill>
+            <a:srgbClr val="FF0000"/>
+          </a:solidFill>
+        </p:spPr>
+        <p:style>
+          <a:lnRef idx="2">
+            <a:schemeClr val="accent1">
+              <a:shade val="50000"/>
+            </a:schemeClr>
+          </a:lnRef>
+          <a:fillRef idx="1">
+            <a:schemeClr val="accent1"/>
+          </a:fillRef>
+          <a:effectRef idx="0">
+            <a:schemeClr val="accent1"/>
+          </a:effectRef>
+          <a:fontRef idx="minor">
+            <a:schemeClr val="lt1"/>
+          </a:fontRef>
+        </p:style>
+        <p:txBody>
+          <a:bodyPr rtlCol="0" anchor="ctr"/>
+          <a:lstStyle/>
+          <a:p>
+            <a:pPr algn="ctr"/>
+            <a:endParaRPr lang="en-US"/>
+          </a:p>
+        </p:txBody>
+      </p:sp>
+      <p:sp>
+        <p:nvSpPr>
+          <p:cNvPr id="12" name="Left Arrow 11">
+            <a:extLst>
+              <a:ext uri="{FF2B5EF4-FFF2-40B4-BE49-F238E27FC236}">
+                <a16:creationId xmlns:a16="http://schemas.microsoft.com/office/drawing/2014/main" id="{38BB0CF6-56D5-BF4A-A3C4-5F448BFF65AE}"/>
+              </a:ext>
+            </a:extLst>
+          </p:cNvPr>
+          <p:cNvSpPr/>
+          <p:nvPr/>
+        </p:nvSpPr>
+        <p:spPr>
+          <a:xfrm>
+            <a:off x="3470362" y="4841700"/>
+            <a:ext cx="692881" cy="169972"/>
+          </a:xfrm>
+          <a:prstGeom prst="leftArrow">
+            <a:avLst/>
+          </a:prstGeom>
+          <a:solidFill>
+            <a:srgbClr val="FF0000"/>
+          </a:solidFill>
         </p:spPr>
         <p:style>
           <a:lnRef idx="2">

--- a/Training_Diagrams.pptx
+++ b/Training_Diagrams.pptx
@@ -19,6 +19,8 @@
     <p:sldId id="266" r:id="rId13"/>
     <p:sldId id="267" r:id="rId14"/>
     <p:sldId id="268" r:id="rId15"/>
+    <p:sldId id="270" r:id="rId16"/>
+    <p:sldId id="271" r:id="rId17"/>
   </p:sldIdLst>
   <p:sldSz cx="12192000" cy="6858000"/>
   <p:notesSz cx="6858000" cy="9144000"/>
@@ -363,7 +365,7 @@
           <a:p>
             <a:fld id="{ED291B17-9318-49DB-B28B-6E5994AE9581}" type="datetime1">
               <a:rPr lang="en-US" smtClean="0"/>
-              <a:t>2/15/21</a:t>
+              <a:t>2/17/21</a:t>
             </a:fld>
             <a:endParaRPr lang="en-US" dirty="0"/>
           </a:p>
@@ -566,7 +568,7 @@
           <a:p>
             <a:fld id="{2CED4963-E985-44C4-B8C4-FDD613B7C2F8}" type="datetime1">
               <a:rPr lang="en-US" smtClean="0"/>
-              <a:t>2/15/21</a:t>
+              <a:t>2/17/21</a:t>
             </a:fld>
             <a:endParaRPr lang="en-US" dirty="0"/>
           </a:p>
@@ -928,7 +930,7 @@
           <a:p>
             <a:fld id="{ED291B17-9318-49DB-B28B-6E5994AE9581}" type="datetime1">
               <a:rPr lang="en-US" smtClean="0"/>
-              <a:t>2/15/21</a:t>
+              <a:t>2/17/21</a:t>
             </a:fld>
             <a:endParaRPr lang="en-US" dirty="0"/>
           </a:p>
@@ -1126,7 +1128,7 @@
           <a:p>
             <a:fld id="{78DD82B9-B8EE-4375-B6FF-88FA6ABB15D9}" type="datetime1">
               <a:rPr lang="en-US" smtClean="0"/>
-              <a:t>2/15/21</a:t>
+              <a:t>2/17/21</a:t>
             </a:fld>
             <a:endParaRPr lang="en-US" dirty="0"/>
           </a:p>
@@ -1438,7 +1440,7 @@
           <a:p>
             <a:fld id="{B2497495-0637-405E-AE64-5CC7506D51F5}" type="datetime1">
               <a:rPr lang="en-US" smtClean="0"/>
-              <a:t>2/15/21</a:t>
+              <a:t>2/17/21</a:t>
             </a:fld>
             <a:endParaRPr lang="en-US" dirty="0"/>
           </a:p>
@@ -1691,7 +1693,7 @@
           <a:p>
             <a:fld id="{7BFFD690-9426-415D-8B65-26881E07B2D4}" type="datetime1">
               <a:rPr lang="en-US" smtClean="0"/>
-              <a:t>2/15/21</a:t>
+              <a:t>2/17/21</a:t>
             </a:fld>
             <a:endParaRPr lang="en-US" dirty="0"/>
           </a:p>
@@ -2113,7 +2115,7 @@
           <a:p>
             <a:fld id="{04C4989A-474C-40DE-95B9-011C28B71673}" type="datetime1">
               <a:rPr lang="en-US" smtClean="0"/>
-              <a:t>2/15/21</a:t>
+              <a:t>2/17/21</a:t>
             </a:fld>
             <a:endParaRPr lang="en-US" dirty="0"/>
           </a:p>
@@ -2236,7 +2238,7 @@
           <a:p>
             <a:fld id="{5DB4ED54-5B5E-4A04-93D3-5772E3CE3818}" type="datetime1">
               <a:rPr lang="en-US" smtClean="0"/>
-              <a:t>2/15/21</a:t>
+              <a:t>2/17/21</a:t>
             </a:fld>
             <a:endParaRPr lang="en-US" dirty="0"/>
           </a:p>
@@ -2331,7 +2333,7 @@
           <a:p>
             <a:fld id="{4EDE50D6-574B-40AF-946F-D52A04ADE379}" type="datetime1">
               <a:rPr lang="en-US" smtClean="0"/>
-              <a:t>2/15/21</a:t>
+              <a:t>2/17/21</a:t>
             </a:fld>
             <a:endParaRPr lang="en-US" dirty="0"/>
           </a:p>
@@ -2708,7 +2710,7 @@
           <a:p>
             <a:fld id="{D82884F1-FFEA-405F-9602-3DCA865EDA4E}" type="datetime1">
               <a:rPr lang="en-US" smtClean="0"/>
-              <a:t>2/15/21</a:t>
+              <a:t>2/17/21</a:t>
             </a:fld>
             <a:endParaRPr lang="en-US" dirty="0"/>
           </a:p>
@@ -3001,7 +3003,7 @@
           <a:p>
             <a:fld id="{7E18DB4A-8810-4A10-AD5C-D5E2C667F5B3}" type="datetime1">
               <a:rPr lang="en-US" smtClean="0"/>
-              <a:t>2/15/21</a:t>
+              <a:t>2/17/21</a:t>
             </a:fld>
             <a:endParaRPr lang="en-US" dirty="0"/>
           </a:p>
@@ -3216,7 +3218,7 @@
           <a:p>
             <a:fld id="{ED291B17-9318-49DB-B28B-6E5994AE9581}" type="datetime1">
               <a:rPr lang="en-US" smtClean="0"/>
-              <a:t>2/15/21</a:t>
+              <a:t>2/17/21</a:t>
             </a:fld>
             <a:endParaRPr lang="en-US" dirty="0"/>
           </a:p>
@@ -4142,13 +4144,8 @@
             </a:r>
             <a:r>
               <a:rPr lang="en-US" dirty="0"/>
-              <a:t> </a:t>
-            </a:r>
-            <a:r>
-              <a:rPr lang="en-US"/>
-              <a:t>(jQuery OM)</a:t>
-            </a:r>
-            <a:endParaRPr lang="en-US" dirty="0"/>
+              <a:t> (jQuery OM)</a:t>
+            </a:r>
           </a:p>
         </p:txBody>
       </p:sp>
@@ -4466,6 +4463,84 @@
           </a:p>
         </p:txBody>
       </p:sp>
+      <p:cxnSp>
+        <p:nvCxnSpPr>
+          <p:cNvPr id="15" name="Straight Arrow Connector 14">
+            <a:extLst>
+              <a:ext uri="{FF2B5EF4-FFF2-40B4-BE49-F238E27FC236}">
+                <a16:creationId xmlns:a16="http://schemas.microsoft.com/office/drawing/2014/main" id="{FBB94930-4850-DA42-A81E-B6E4C64CD947}"/>
+              </a:ext>
+            </a:extLst>
+          </p:cNvPr>
+          <p:cNvCxnSpPr/>
+          <p:nvPr/>
+        </p:nvCxnSpPr>
+        <p:spPr>
+          <a:xfrm>
+            <a:off x="1950720" y="2198132"/>
+            <a:ext cx="0" cy="658279"/>
+          </a:xfrm>
+          <a:prstGeom prst="straightConnector1">
+            <a:avLst/>
+          </a:prstGeom>
+          <a:ln>
+            <a:tailEnd type="triangle"/>
+          </a:ln>
+        </p:spPr>
+        <p:style>
+          <a:lnRef idx="1">
+            <a:schemeClr val="accent1"/>
+          </a:lnRef>
+          <a:fillRef idx="0">
+            <a:schemeClr val="accent1"/>
+          </a:fillRef>
+          <a:effectRef idx="0">
+            <a:schemeClr val="accent1"/>
+          </a:effectRef>
+          <a:fontRef idx="minor">
+            <a:schemeClr val="tx1"/>
+          </a:fontRef>
+        </p:style>
+      </p:cxnSp>
+      <p:cxnSp>
+        <p:nvCxnSpPr>
+          <p:cNvPr id="17" name="Straight Arrow Connector 16">
+            <a:extLst>
+              <a:ext uri="{FF2B5EF4-FFF2-40B4-BE49-F238E27FC236}">
+                <a16:creationId xmlns:a16="http://schemas.microsoft.com/office/drawing/2014/main" id="{208CAFC1-3CE0-D642-8831-55334F68DC07}"/>
+              </a:ext>
+            </a:extLst>
+          </p:cNvPr>
+          <p:cNvCxnSpPr/>
+          <p:nvPr/>
+        </p:nvCxnSpPr>
+        <p:spPr>
+          <a:xfrm flipV="1">
+            <a:off x="1454331" y="2119755"/>
+            <a:ext cx="0" cy="736656"/>
+          </a:xfrm>
+          <a:prstGeom prst="straightConnector1">
+            <a:avLst/>
+          </a:prstGeom>
+          <a:ln>
+            <a:tailEnd type="triangle"/>
+          </a:ln>
+        </p:spPr>
+        <p:style>
+          <a:lnRef idx="1">
+            <a:schemeClr val="accent1"/>
+          </a:lnRef>
+          <a:fillRef idx="0">
+            <a:schemeClr val="accent1"/>
+          </a:fillRef>
+          <a:effectRef idx="0">
+            <a:schemeClr val="accent1"/>
+          </a:effectRef>
+          <a:fontRef idx="minor">
+            <a:schemeClr val="tx1"/>
+          </a:fontRef>
+        </p:style>
+      </p:cxnSp>
     </p:spTree>
     <p:extLst>
       <p:ext uri="{BB962C8B-B14F-4D97-AF65-F5344CB8AC3E}">
@@ -6548,6 +6623,2168 @@
     <p:extLst>
       <p:ext uri="{BB962C8B-B14F-4D97-AF65-F5344CB8AC3E}">
         <p14:creationId xmlns:p14="http://schemas.microsoft.com/office/powerpoint/2010/main" val="1744016824"/>
+      </p:ext>
+    </p:extLst>
+  </p:cSld>
+  <p:clrMapOvr>
+    <a:masterClrMapping/>
+  </p:clrMapOvr>
+</p:sld>
+</file>
+
+<file path=ppt/slides/slide15.xml><?xml version="1.0" encoding="utf-8"?>
+<p:sld xmlns:a="http://schemas.openxmlformats.org/drawingml/2006/main" xmlns:r="http://schemas.openxmlformats.org/officeDocument/2006/relationships" xmlns:p="http://schemas.openxmlformats.org/presentationml/2006/main">
+  <p:cSld>
+    <p:spTree>
+      <p:nvGrpSpPr>
+        <p:cNvPr id="1" name=""/>
+        <p:cNvGrpSpPr/>
+        <p:nvPr/>
+      </p:nvGrpSpPr>
+      <p:grpSpPr>
+        <a:xfrm>
+          <a:off x="0" y="0"/>
+          <a:ext cx="0" cy="0"/>
+          <a:chOff x="0" y="0"/>
+          <a:chExt cx="0" cy="0"/>
+        </a:xfrm>
+      </p:grpSpPr>
+      <p:sp>
+        <p:nvSpPr>
+          <p:cNvPr id="2" name="Rectangle 1">
+            <a:extLst>
+              <a:ext uri="{FF2B5EF4-FFF2-40B4-BE49-F238E27FC236}">
+                <a16:creationId xmlns:a16="http://schemas.microsoft.com/office/drawing/2014/main" id="{34854BC3-7F0A-524C-999B-2E5E85039A87}"/>
+              </a:ext>
+            </a:extLst>
+          </p:cNvPr>
+          <p:cNvSpPr/>
+          <p:nvPr/>
+        </p:nvSpPr>
+        <p:spPr>
+          <a:xfrm>
+            <a:off x="6096000" y="931817"/>
+            <a:ext cx="5590903" cy="5808617"/>
+          </a:xfrm>
+          <a:prstGeom prst="rect">
+            <a:avLst/>
+          </a:prstGeom>
+        </p:spPr>
+        <p:style>
+          <a:lnRef idx="2">
+            <a:schemeClr val="accent6"/>
+          </a:lnRef>
+          <a:fillRef idx="1">
+            <a:schemeClr val="lt1"/>
+          </a:fillRef>
+          <a:effectRef idx="0">
+            <a:schemeClr val="accent6"/>
+          </a:effectRef>
+          <a:fontRef idx="minor">
+            <a:schemeClr val="dk1"/>
+          </a:fontRef>
+        </p:style>
+        <p:txBody>
+          <a:bodyPr rtlCol="0" anchor="ctr"/>
+          <a:lstStyle/>
+          <a:p>
+            <a:pPr algn="ctr"/>
+            <a:endParaRPr lang="en-US" dirty="0"/>
+          </a:p>
+        </p:txBody>
+      </p:sp>
+      <p:sp>
+        <p:nvSpPr>
+          <p:cNvPr id="3" name="TextBox 2">
+            <a:extLst>
+              <a:ext uri="{FF2B5EF4-FFF2-40B4-BE49-F238E27FC236}">
+                <a16:creationId xmlns:a16="http://schemas.microsoft.com/office/drawing/2014/main" id="{7F1F6491-8F39-0342-9119-1C7FAABDE931}"/>
+              </a:ext>
+            </a:extLst>
+          </p:cNvPr>
+          <p:cNvSpPr txBox="1"/>
+          <p:nvPr/>
+        </p:nvSpPr>
+        <p:spPr>
+          <a:xfrm>
+            <a:off x="6740434" y="1079863"/>
+            <a:ext cx="4833257" cy="646331"/>
+          </a:xfrm>
+          <a:prstGeom prst="rect">
+            <a:avLst/>
+          </a:prstGeom>
+          <a:noFill/>
+        </p:spPr>
+        <p:txBody>
+          <a:bodyPr wrap="square" rtlCol="0">
+            <a:spAutoFit/>
+          </a:bodyPr>
+          <a:lstStyle/>
+          <a:p>
+            <a:pPr algn="ctr"/>
+            <a:r>
+              <a:rPr lang="en-US" dirty="0"/>
+              <a:t>Server-Side App </a:t>
+            </a:r>
+          </a:p>
+          <a:p>
+            <a:pPr algn="ctr"/>
+            <a:r>
+              <a:rPr lang="en-US" dirty="0"/>
+              <a:t>JSP / ASP.NET/MVC /ASP.NET Core / </a:t>
+            </a:r>
+            <a:r>
+              <a:rPr lang="en-US" dirty="0" err="1"/>
+              <a:t>SpringBoot</a:t>
+            </a:r>
+            <a:endParaRPr lang="en-US" dirty="0"/>
+          </a:p>
+        </p:txBody>
+      </p:sp>
+      <p:sp>
+        <p:nvSpPr>
+          <p:cNvPr id="4" name="Rounded Rectangle 3">
+            <a:extLst>
+              <a:ext uri="{FF2B5EF4-FFF2-40B4-BE49-F238E27FC236}">
+                <a16:creationId xmlns:a16="http://schemas.microsoft.com/office/drawing/2014/main" id="{8458DCC9-F39C-5543-B1BC-D72C076E7A0E}"/>
+              </a:ext>
+            </a:extLst>
+          </p:cNvPr>
+          <p:cNvSpPr/>
+          <p:nvPr/>
+        </p:nvSpPr>
+        <p:spPr>
+          <a:xfrm>
+            <a:off x="7630887" y="2386149"/>
+            <a:ext cx="1079863" cy="3540034"/>
+          </a:xfrm>
+          <a:prstGeom prst="roundRect">
+            <a:avLst/>
+          </a:prstGeom>
+        </p:spPr>
+        <p:style>
+          <a:lnRef idx="2">
+            <a:schemeClr val="accent1">
+              <a:shade val="50000"/>
+            </a:schemeClr>
+          </a:lnRef>
+          <a:fillRef idx="1">
+            <a:schemeClr val="accent1"/>
+          </a:fillRef>
+          <a:effectRef idx="0">
+            <a:schemeClr val="accent1"/>
+          </a:effectRef>
+          <a:fontRef idx="minor">
+            <a:schemeClr val="lt1"/>
+          </a:fontRef>
+        </p:style>
+        <p:txBody>
+          <a:bodyPr rtlCol="0" anchor="ctr"/>
+          <a:lstStyle/>
+          <a:p>
+            <a:pPr algn="ctr"/>
+            <a:r>
+              <a:rPr lang="en-US" dirty="0"/>
+              <a:t>Domain</a:t>
+            </a:r>
+          </a:p>
+          <a:p>
+            <a:pPr algn="ctr"/>
+            <a:r>
+              <a:rPr lang="en-US" dirty="0"/>
+              <a:t>Layer</a:t>
+            </a:r>
+          </a:p>
+        </p:txBody>
+      </p:sp>
+      <p:sp>
+        <p:nvSpPr>
+          <p:cNvPr id="5" name="Rounded Rectangle 4">
+            <a:extLst>
+              <a:ext uri="{FF2B5EF4-FFF2-40B4-BE49-F238E27FC236}">
+                <a16:creationId xmlns:a16="http://schemas.microsoft.com/office/drawing/2014/main" id="{8ADA6EFB-11FE-1440-BD35-0CE2D948FD84}"/>
+              </a:ext>
+            </a:extLst>
+          </p:cNvPr>
+          <p:cNvSpPr/>
+          <p:nvPr/>
+        </p:nvSpPr>
+        <p:spPr>
+          <a:xfrm>
+            <a:off x="8847909" y="2386149"/>
+            <a:ext cx="1402081" cy="3540034"/>
+          </a:xfrm>
+          <a:prstGeom prst="roundRect">
+            <a:avLst/>
+          </a:prstGeom>
+        </p:spPr>
+        <p:style>
+          <a:lnRef idx="2">
+            <a:schemeClr val="accent1">
+              <a:shade val="50000"/>
+            </a:schemeClr>
+          </a:lnRef>
+          <a:fillRef idx="1">
+            <a:schemeClr val="accent1"/>
+          </a:fillRef>
+          <a:effectRef idx="0">
+            <a:schemeClr val="accent1"/>
+          </a:effectRef>
+          <a:fontRef idx="minor">
+            <a:schemeClr val="lt1"/>
+          </a:fontRef>
+        </p:style>
+        <p:txBody>
+          <a:bodyPr rtlCol="0" anchor="ctr"/>
+          <a:lstStyle/>
+          <a:p>
+            <a:pPr algn="ctr"/>
+            <a:r>
+              <a:rPr lang="en-US" dirty="0"/>
+              <a:t>Biz. Workflows</a:t>
+            </a:r>
+          </a:p>
+        </p:txBody>
+      </p:sp>
+      <p:sp>
+        <p:nvSpPr>
+          <p:cNvPr id="6" name="Rounded Rectangle 5">
+            <a:extLst>
+              <a:ext uri="{FF2B5EF4-FFF2-40B4-BE49-F238E27FC236}">
+                <a16:creationId xmlns:a16="http://schemas.microsoft.com/office/drawing/2014/main" id="{61648872-2CBA-244C-9522-C21F29B7EB6B}"/>
+              </a:ext>
+            </a:extLst>
+          </p:cNvPr>
+          <p:cNvSpPr/>
+          <p:nvPr/>
+        </p:nvSpPr>
+        <p:spPr>
+          <a:xfrm>
+            <a:off x="10428514" y="2386149"/>
+            <a:ext cx="1079863" cy="3540034"/>
+          </a:xfrm>
+          <a:prstGeom prst="roundRect">
+            <a:avLst/>
+          </a:prstGeom>
+        </p:spPr>
+        <p:style>
+          <a:lnRef idx="2">
+            <a:schemeClr val="accent1">
+              <a:shade val="50000"/>
+            </a:schemeClr>
+          </a:lnRef>
+          <a:fillRef idx="1">
+            <a:schemeClr val="accent1"/>
+          </a:fillRef>
+          <a:effectRef idx="0">
+            <a:schemeClr val="accent1"/>
+          </a:effectRef>
+          <a:fontRef idx="minor">
+            <a:schemeClr val="lt1"/>
+          </a:fontRef>
+        </p:style>
+        <p:txBody>
+          <a:bodyPr rtlCol="0" anchor="ctr"/>
+          <a:lstStyle/>
+          <a:p>
+            <a:pPr algn="ctr"/>
+            <a:r>
+              <a:rPr lang="en-US" dirty="0"/>
+              <a:t>DAL</a:t>
+            </a:r>
+          </a:p>
+        </p:txBody>
+      </p:sp>
+      <p:sp>
+        <p:nvSpPr>
+          <p:cNvPr id="7" name="Rectangle 6">
+            <a:extLst>
+              <a:ext uri="{FF2B5EF4-FFF2-40B4-BE49-F238E27FC236}">
+                <a16:creationId xmlns:a16="http://schemas.microsoft.com/office/drawing/2014/main" id="{AE5BBF15-A475-C746-8855-A484A4973EC5}"/>
+              </a:ext>
+            </a:extLst>
+          </p:cNvPr>
+          <p:cNvSpPr/>
+          <p:nvPr/>
+        </p:nvSpPr>
+        <p:spPr>
+          <a:xfrm>
+            <a:off x="6217920" y="2211977"/>
+            <a:ext cx="1175657" cy="3988526"/>
+          </a:xfrm>
+          <a:prstGeom prst="rect">
+            <a:avLst/>
+          </a:prstGeom>
+        </p:spPr>
+        <p:style>
+          <a:lnRef idx="2">
+            <a:schemeClr val="accent1">
+              <a:shade val="50000"/>
+            </a:schemeClr>
+          </a:lnRef>
+          <a:fillRef idx="1">
+            <a:schemeClr val="accent1"/>
+          </a:fillRef>
+          <a:effectRef idx="0">
+            <a:schemeClr val="accent1"/>
+          </a:effectRef>
+          <a:fontRef idx="minor">
+            <a:schemeClr val="lt1"/>
+          </a:fontRef>
+        </p:style>
+        <p:txBody>
+          <a:bodyPr rtlCol="0" anchor="ctr"/>
+          <a:lstStyle/>
+          <a:p>
+            <a:pPr algn="ctr"/>
+            <a:r>
+              <a:rPr lang="en-US" dirty="0"/>
+              <a:t>Public</a:t>
+            </a:r>
+          </a:p>
+          <a:p>
+            <a:pPr algn="ctr"/>
+            <a:r>
+              <a:rPr lang="en-US" dirty="0"/>
+              <a:t>REST</a:t>
+            </a:r>
+          </a:p>
+          <a:p>
+            <a:pPr algn="ctr"/>
+            <a:r>
+              <a:rPr lang="en-US" dirty="0"/>
+              <a:t>End-</a:t>
+            </a:r>
+          </a:p>
+          <a:p>
+            <a:pPr algn="ctr"/>
+            <a:r>
+              <a:rPr lang="en-US" dirty="0"/>
+              <a:t>Points</a:t>
+            </a:r>
+          </a:p>
+          <a:p>
+            <a:pPr algn="ctr"/>
+            <a:r>
+              <a:rPr lang="en-US" dirty="0"/>
+              <a:t>Register for Guest /</a:t>
+            </a:r>
+          </a:p>
+          <a:p>
+            <a:pPr algn="ctr"/>
+            <a:r>
+              <a:rPr lang="en-US" dirty="0"/>
+              <a:t>Set Access based on Role</a:t>
+            </a:r>
+          </a:p>
+        </p:txBody>
+      </p:sp>
+      <p:sp>
+        <p:nvSpPr>
+          <p:cNvPr id="8" name="Rectangle 7">
+            <a:extLst>
+              <a:ext uri="{FF2B5EF4-FFF2-40B4-BE49-F238E27FC236}">
+                <a16:creationId xmlns:a16="http://schemas.microsoft.com/office/drawing/2014/main" id="{298E543A-F1F6-184B-9994-1EBFF98CA6DD}"/>
+              </a:ext>
+            </a:extLst>
+          </p:cNvPr>
+          <p:cNvSpPr/>
+          <p:nvPr/>
+        </p:nvSpPr>
+        <p:spPr>
+          <a:xfrm>
+            <a:off x="213359" y="2109369"/>
+            <a:ext cx="3422469" cy="4387223"/>
+          </a:xfrm>
+          <a:prstGeom prst="rect">
+            <a:avLst/>
+          </a:prstGeom>
+        </p:spPr>
+        <p:style>
+          <a:lnRef idx="2">
+            <a:schemeClr val="accent1">
+              <a:shade val="50000"/>
+            </a:schemeClr>
+          </a:lnRef>
+          <a:fillRef idx="1">
+            <a:schemeClr val="accent1"/>
+          </a:fillRef>
+          <a:effectRef idx="0">
+            <a:schemeClr val="accent1"/>
+          </a:effectRef>
+          <a:fontRef idx="minor">
+            <a:schemeClr val="lt1"/>
+          </a:fontRef>
+        </p:style>
+        <p:txBody>
+          <a:bodyPr rtlCol="0" anchor="ctr"/>
+          <a:lstStyle/>
+          <a:p>
+            <a:pPr algn="ctr"/>
+            <a:r>
+              <a:rPr lang="en-US" dirty="0"/>
+              <a:t>Angular Client as SPA</a:t>
+            </a:r>
+          </a:p>
+          <a:p>
+            <a:pPr algn="ctr"/>
+            <a:endParaRPr lang="en-US" dirty="0"/>
+          </a:p>
+          <a:p>
+            <a:pPr algn="ctr"/>
+            <a:endParaRPr lang="en-US" dirty="0"/>
+          </a:p>
+          <a:p>
+            <a:pPr algn="ctr"/>
+            <a:endParaRPr lang="en-US" dirty="0"/>
+          </a:p>
+          <a:p>
+            <a:pPr algn="ctr"/>
+            <a:endParaRPr lang="en-US" dirty="0"/>
+          </a:p>
+          <a:p>
+            <a:pPr algn="ctr"/>
+            <a:endParaRPr lang="en-US" dirty="0"/>
+          </a:p>
+          <a:p>
+            <a:pPr algn="ctr"/>
+            <a:endParaRPr lang="en-US" dirty="0"/>
+          </a:p>
+          <a:p>
+            <a:pPr algn="ctr"/>
+            <a:endParaRPr lang="en-US" dirty="0"/>
+          </a:p>
+          <a:p>
+            <a:pPr algn="ctr"/>
+            <a:endParaRPr lang="en-US" dirty="0"/>
+          </a:p>
+          <a:p>
+            <a:pPr algn="ctr"/>
+            <a:endParaRPr lang="en-US" dirty="0"/>
+          </a:p>
+          <a:p>
+            <a:pPr algn="ctr"/>
+            <a:endParaRPr lang="en-US" dirty="0"/>
+          </a:p>
+          <a:p>
+            <a:pPr algn="ctr"/>
+            <a:endParaRPr lang="en-US" dirty="0"/>
+          </a:p>
+        </p:txBody>
+      </p:sp>
+      <p:sp>
+        <p:nvSpPr>
+          <p:cNvPr id="9" name="Can 8">
+            <a:extLst>
+              <a:ext uri="{FF2B5EF4-FFF2-40B4-BE49-F238E27FC236}">
+                <a16:creationId xmlns:a16="http://schemas.microsoft.com/office/drawing/2014/main" id="{ACD7F658-937E-5C4F-8527-11FCBD17BAD4}"/>
+              </a:ext>
+            </a:extLst>
+          </p:cNvPr>
+          <p:cNvSpPr/>
+          <p:nvPr/>
+        </p:nvSpPr>
+        <p:spPr>
+          <a:xfrm rot="16200000">
+            <a:off x="4872446" y="3340685"/>
+            <a:ext cx="766354" cy="1924594"/>
+          </a:xfrm>
+          <a:prstGeom prst="can">
+            <a:avLst/>
+          </a:prstGeom>
+        </p:spPr>
+        <p:style>
+          <a:lnRef idx="2">
+            <a:schemeClr val="accent1">
+              <a:shade val="50000"/>
+            </a:schemeClr>
+          </a:lnRef>
+          <a:fillRef idx="1">
+            <a:schemeClr val="accent1"/>
+          </a:fillRef>
+          <a:effectRef idx="0">
+            <a:schemeClr val="accent1"/>
+          </a:effectRef>
+          <a:fontRef idx="minor">
+            <a:schemeClr val="lt1"/>
+          </a:fontRef>
+        </p:style>
+        <p:txBody>
+          <a:bodyPr rtlCol="0" anchor="ctr"/>
+          <a:lstStyle/>
+          <a:p>
+            <a:pPr algn="ctr"/>
+            <a:endParaRPr lang="en-US"/>
+          </a:p>
+        </p:txBody>
+      </p:sp>
+      <p:sp>
+        <p:nvSpPr>
+          <p:cNvPr id="10" name="TextBox 9">
+            <a:extLst>
+              <a:ext uri="{FF2B5EF4-FFF2-40B4-BE49-F238E27FC236}">
+                <a16:creationId xmlns:a16="http://schemas.microsoft.com/office/drawing/2014/main" id="{22CD3C94-475C-A644-9A09-9DFB6D6D2B15}"/>
+              </a:ext>
+            </a:extLst>
+          </p:cNvPr>
+          <p:cNvSpPr txBox="1"/>
+          <p:nvPr/>
+        </p:nvSpPr>
+        <p:spPr>
+          <a:xfrm>
+            <a:off x="4615543" y="4014651"/>
+            <a:ext cx="1358538" cy="646331"/>
+          </a:xfrm>
+          <a:prstGeom prst="rect">
+            <a:avLst/>
+          </a:prstGeom>
+          <a:noFill/>
+        </p:spPr>
+        <p:txBody>
+          <a:bodyPr wrap="square" rtlCol="0">
+            <a:spAutoFit/>
+          </a:bodyPr>
+          <a:lstStyle/>
+          <a:p>
+            <a:r>
+              <a:rPr lang="en-US" dirty="0"/>
+              <a:t>HTTP Channel</a:t>
+            </a:r>
+          </a:p>
+        </p:txBody>
+      </p:sp>
+      <p:sp>
+        <p:nvSpPr>
+          <p:cNvPr id="11" name="Right Arrow 10">
+            <a:extLst>
+              <a:ext uri="{FF2B5EF4-FFF2-40B4-BE49-F238E27FC236}">
+                <a16:creationId xmlns:a16="http://schemas.microsoft.com/office/drawing/2014/main" id="{1AF52D5D-DC27-0E4A-ABCD-C75333BA96E3}"/>
+              </a:ext>
+            </a:extLst>
+          </p:cNvPr>
+          <p:cNvSpPr/>
+          <p:nvPr/>
+        </p:nvSpPr>
+        <p:spPr>
+          <a:xfrm>
+            <a:off x="3744686" y="4156166"/>
+            <a:ext cx="571500" cy="181650"/>
+          </a:xfrm>
+          <a:prstGeom prst="rightArrow">
+            <a:avLst/>
+          </a:prstGeom>
+          <a:solidFill>
+            <a:srgbClr val="FF0000"/>
+          </a:solidFill>
+        </p:spPr>
+        <p:style>
+          <a:lnRef idx="2">
+            <a:schemeClr val="accent1">
+              <a:shade val="50000"/>
+            </a:schemeClr>
+          </a:lnRef>
+          <a:fillRef idx="1">
+            <a:schemeClr val="accent1"/>
+          </a:fillRef>
+          <a:effectRef idx="0">
+            <a:schemeClr val="accent1"/>
+          </a:effectRef>
+          <a:fontRef idx="minor">
+            <a:schemeClr val="lt1"/>
+          </a:fontRef>
+        </p:style>
+        <p:txBody>
+          <a:bodyPr rtlCol="0" anchor="ctr"/>
+          <a:lstStyle/>
+          <a:p>
+            <a:pPr algn="ctr"/>
+            <a:endParaRPr lang="en-US"/>
+          </a:p>
+        </p:txBody>
+      </p:sp>
+      <p:sp>
+        <p:nvSpPr>
+          <p:cNvPr id="12" name="Left Arrow 11">
+            <a:extLst>
+              <a:ext uri="{FF2B5EF4-FFF2-40B4-BE49-F238E27FC236}">
+                <a16:creationId xmlns:a16="http://schemas.microsoft.com/office/drawing/2014/main" id="{B0EB32BE-AC92-4349-BB5C-20AD9B54CC31}"/>
+              </a:ext>
+            </a:extLst>
+          </p:cNvPr>
+          <p:cNvSpPr/>
+          <p:nvPr/>
+        </p:nvSpPr>
+        <p:spPr>
+          <a:xfrm>
+            <a:off x="3772987" y="4423954"/>
+            <a:ext cx="605246" cy="181650"/>
+          </a:xfrm>
+          <a:prstGeom prst="leftArrow">
+            <a:avLst/>
+          </a:prstGeom>
+          <a:solidFill>
+            <a:srgbClr val="FF0000"/>
+          </a:solidFill>
+        </p:spPr>
+        <p:style>
+          <a:lnRef idx="2">
+            <a:schemeClr val="accent1">
+              <a:shade val="50000"/>
+            </a:schemeClr>
+          </a:lnRef>
+          <a:fillRef idx="1">
+            <a:schemeClr val="accent1"/>
+          </a:fillRef>
+          <a:effectRef idx="0">
+            <a:schemeClr val="accent1"/>
+          </a:effectRef>
+          <a:fontRef idx="minor">
+            <a:schemeClr val="lt1"/>
+          </a:fontRef>
+        </p:style>
+        <p:txBody>
+          <a:bodyPr rtlCol="0" anchor="ctr"/>
+          <a:lstStyle/>
+          <a:p>
+            <a:pPr algn="ctr"/>
+            <a:endParaRPr lang="en-US"/>
+          </a:p>
+        </p:txBody>
+      </p:sp>
+      <p:sp>
+        <p:nvSpPr>
+          <p:cNvPr id="13" name="Right Arrow 12">
+            <a:extLst>
+              <a:ext uri="{FF2B5EF4-FFF2-40B4-BE49-F238E27FC236}">
+                <a16:creationId xmlns:a16="http://schemas.microsoft.com/office/drawing/2014/main" id="{5E436C2A-CBDD-E542-BDE5-6EFB4D764E0D}"/>
+              </a:ext>
+            </a:extLst>
+          </p:cNvPr>
+          <p:cNvSpPr/>
+          <p:nvPr/>
+        </p:nvSpPr>
+        <p:spPr>
+          <a:xfrm>
+            <a:off x="7289074" y="2969623"/>
+            <a:ext cx="452846" cy="235131"/>
+          </a:xfrm>
+          <a:prstGeom prst="rightArrow">
+            <a:avLst/>
+          </a:prstGeom>
+          <a:solidFill>
+            <a:srgbClr val="FF0000"/>
+          </a:solidFill>
+        </p:spPr>
+        <p:style>
+          <a:lnRef idx="2">
+            <a:schemeClr val="accent1">
+              <a:shade val="50000"/>
+            </a:schemeClr>
+          </a:lnRef>
+          <a:fillRef idx="1">
+            <a:schemeClr val="accent1"/>
+          </a:fillRef>
+          <a:effectRef idx="0">
+            <a:schemeClr val="accent1"/>
+          </a:effectRef>
+          <a:fontRef idx="minor">
+            <a:schemeClr val="lt1"/>
+          </a:fontRef>
+        </p:style>
+        <p:txBody>
+          <a:bodyPr rtlCol="0" anchor="ctr"/>
+          <a:lstStyle/>
+          <a:p>
+            <a:pPr algn="ctr"/>
+            <a:endParaRPr lang="en-US"/>
+          </a:p>
+        </p:txBody>
+      </p:sp>
+      <p:sp>
+        <p:nvSpPr>
+          <p:cNvPr id="14" name="Right Arrow 13">
+            <a:extLst>
+              <a:ext uri="{FF2B5EF4-FFF2-40B4-BE49-F238E27FC236}">
+                <a16:creationId xmlns:a16="http://schemas.microsoft.com/office/drawing/2014/main" id="{1D3017A4-90C3-B04E-807C-1572011717F4}"/>
+              </a:ext>
+            </a:extLst>
+          </p:cNvPr>
+          <p:cNvSpPr/>
+          <p:nvPr/>
+        </p:nvSpPr>
+        <p:spPr>
+          <a:xfrm>
+            <a:off x="8519159" y="3087188"/>
+            <a:ext cx="452846" cy="235131"/>
+          </a:xfrm>
+          <a:prstGeom prst="rightArrow">
+            <a:avLst/>
+          </a:prstGeom>
+          <a:solidFill>
+            <a:srgbClr val="FF0000"/>
+          </a:solidFill>
+        </p:spPr>
+        <p:style>
+          <a:lnRef idx="2">
+            <a:schemeClr val="accent1">
+              <a:shade val="50000"/>
+            </a:schemeClr>
+          </a:lnRef>
+          <a:fillRef idx="1">
+            <a:schemeClr val="accent1"/>
+          </a:fillRef>
+          <a:effectRef idx="0">
+            <a:schemeClr val="accent1"/>
+          </a:effectRef>
+          <a:fontRef idx="minor">
+            <a:schemeClr val="lt1"/>
+          </a:fontRef>
+        </p:style>
+        <p:txBody>
+          <a:bodyPr rtlCol="0" anchor="ctr"/>
+          <a:lstStyle/>
+          <a:p>
+            <a:pPr algn="ctr"/>
+            <a:endParaRPr lang="en-US"/>
+          </a:p>
+        </p:txBody>
+      </p:sp>
+      <p:sp>
+        <p:nvSpPr>
+          <p:cNvPr id="15" name="Right Arrow 14">
+            <a:extLst>
+              <a:ext uri="{FF2B5EF4-FFF2-40B4-BE49-F238E27FC236}">
+                <a16:creationId xmlns:a16="http://schemas.microsoft.com/office/drawing/2014/main" id="{41A47096-81CB-9D40-AC88-E5EBFA4AFFD1}"/>
+              </a:ext>
+            </a:extLst>
+          </p:cNvPr>
+          <p:cNvSpPr/>
+          <p:nvPr/>
+        </p:nvSpPr>
+        <p:spPr>
+          <a:xfrm>
+            <a:off x="10112829" y="3204753"/>
+            <a:ext cx="452846" cy="235131"/>
+          </a:xfrm>
+          <a:prstGeom prst="rightArrow">
+            <a:avLst/>
+          </a:prstGeom>
+          <a:solidFill>
+            <a:srgbClr val="FF0000"/>
+          </a:solidFill>
+        </p:spPr>
+        <p:style>
+          <a:lnRef idx="2">
+            <a:schemeClr val="accent1">
+              <a:shade val="50000"/>
+            </a:schemeClr>
+          </a:lnRef>
+          <a:fillRef idx="1">
+            <a:schemeClr val="accent1"/>
+          </a:fillRef>
+          <a:effectRef idx="0">
+            <a:schemeClr val="accent1"/>
+          </a:effectRef>
+          <a:fontRef idx="minor">
+            <a:schemeClr val="lt1"/>
+          </a:fontRef>
+        </p:style>
+        <p:txBody>
+          <a:bodyPr rtlCol="0" anchor="ctr"/>
+          <a:lstStyle/>
+          <a:p>
+            <a:pPr algn="ctr"/>
+            <a:endParaRPr lang="en-US"/>
+          </a:p>
+        </p:txBody>
+      </p:sp>
+      <p:sp>
+        <p:nvSpPr>
+          <p:cNvPr id="16" name="Right Arrow 15">
+            <a:extLst>
+              <a:ext uri="{FF2B5EF4-FFF2-40B4-BE49-F238E27FC236}">
+                <a16:creationId xmlns:a16="http://schemas.microsoft.com/office/drawing/2014/main" id="{09442C16-66DB-0D47-9A8C-F96017FF7C93}"/>
+              </a:ext>
+            </a:extLst>
+          </p:cNvPr>
+          <p:cNvSpPr/>
+          <p:nvPr/>
+        </p:nvSpPr>
+        <p:spPr>
+          <a:xfrm rot="10800000">
+            <a:off x="10047516" y="4425851"/>
+            <a:ext cx="452846" cy="235131"/>
+          </a:xfrm>
+          <a:prstGeom prst="rightArrow">
+            <a:avLst/>
+          </a:prstGeom>
+          <a:solidFill>
+            <a:srgbClr val="FF0000"/>
+          </a:solidFill>
+        </p:spPr>
+        <p:style>
+          <a:lnRef idx="2">
+            <a:schemeClr val="accent1">
+              <a:shade val="50000"/>
+            </a:schemeClr>
+          </a:lnRef>
+          <a:fillRef idx="1">
+            <a:schemeClr val="accent1"/>
+          </a:fillRef>
+          <a:effectRef idx="0">
+            <a:schemeClr val="accent1"/>
+          </a:effectRef>
+          <a:fontRef idx="minor">
+            <a:schemeClr val="lt1"/>
+          </a:fontRef>
+        </p:style>
+        <p:txBody>
+          <a:bodyPr rtlCol="0" anchor="ctr"/>
+          <a:lstStyle/>
+          <a:p>
+            <a:pPr algn="ctr"/>
+            <a:endParaRPr lang="en-US"/>
+          </a:p>
+        </p:txBody>
+      </p:sp>
+      <p:sp>
+        <p:nvSpPr>
+          <p:cNvPr id="17" name="Right Arrow 16">
+            <a:extLst>
+              <a:ext uri="{FF2B5EF4-FFF2-40B4-BE49-F238E27FC236}">
+                <a16:creationId xmlns:a16="http://schemas.microsoft.com/office/drawing/2014/main" id="{2DEB09DE-8D79-BE47-BE66-3F5EC39FB87C}"/>
+              </a:ext>
+            </a:extLst>
+          </p:cNvPr>
+          <p:cNvSpPr/>
+          <p:nvPr/>
+        </p:nvSpPr>
+        <p:spPr>
+          <a:xfrm rot="10800000">
+            <a:off x="8519159" y="4796245"/>
+            <a:ext cx="452846" cy="235131"/>
+          </a:xfrm>
+          <a:prstGeom prst="rightArrow">
+            <a:avLst/>
+          </a:prstGeom>
+          <a:solidFill>
+            <a:srgbClr val="FF0000"/>
+          </a:solidFill>
+        </p:spPr>
+        <p:style>
+          <a:lnRef idx="2">
+            <a:schemeClr val="accent1">
+              <a:shade val="50000"/>
+            </a:schemeClr>
+          </a:lnRef>
+          <a:fillRef idx="1">
+            <a:schemeClr val="accent1"/>
+          </a:fillRef>
+          <a:effectRef idx="0">
+            <a:schemeClr val="accent1"/>
+          </a:effectRef>
+          <a:fontRef idx="minor">
+            <a:schemeClr val="lt1"/>
+          </a:fontRef>
+        </p:style>
+        <p:txBody>
+          <a:bodyPr rtlCol="0" anchor="ctr"/>
+          <a:lstStyle/>
+          <a:p>
+            <a:pPr algn="ctr"/>
+            <a:endParaRPr lang="en-US"/>
+          </a:p>
+        </p:txBody>
+      </p:sp>
+      <p:sp>
+        <p:nvSpPr>
+          <p:cNvPr id="18" name="Right Arrow 17">
+            <a:extLst>
+              <a:ext uri="{FF2B5EF4-FFF2-40B4-BE49-F238E27FC236}">
+                <a16:creationId xmlns:a16="http://schemas.microsoft.com/office/drawing/2014/main" id="{210D1A6D-DFDF-8B49-AF26-0F7762C1BCEF}"/>
+              </a:ext>
+            </a:extLst>
+          </p:cNvPr>
+          <p:cNvSpPr/>
+          <p:nvPr/>
+        </p:nvSpPr>
+        <p:spPr>
+          <a:xfrm rot="10800000">
+            <a:off x="7269479" y="5031377"/>
+            <a:ext cx="452846" cy="235131"/>
+          </a:xfrm>
+          <a:prstGeom prst="rightArrow">
+            <a:avLst/>
+          </a:prstGeom>
+          <a:solidFill>
+            <a:srgbClr val="FF0000"/>
+          </a:solidFill>
+        </p:spPr>
+        <p:style>
+          <a:lnRef idx="2">
+            <a:schemeClr val="accent1">
+              <a:shade val="50000"/>
+            </a:schemeClr>
+          </a:lnRef>
+          <a:fillRef idx="1">
+            <a:schemeClr val="accent1"/>
+          </a:fillRef>
+          <a:effectRef idx="0">
+            <a:schemeClr val="accent1"/>
+          </a:effectRef>
+          <a:fontRef idx="minor">
+            <a:schemeClr val="lt1"/>
+          </a:fontRef>
+        </p:style>
+        <p:txBody>
+          <a:bodyPr rtlCol="0" anchor="ctr"/>
+          <a:lstStyle/>
+          <a:p>
+            <a:pPr algn="ctr"/>
+            <a:endParaRPr lang="en-US"/>
+          </a:p>
+        </p:txBody>
+      </p:sp>
+      <p:sp>
+        <p:nvSpPr>
+          <p:cNvPr id="19" name="TextBox 18">
+            <a:extLst>
+              <a:ext uri="{FF2B5EF4-FFF2-40B4-BE49-F238E27FC236}">
+                <a16:creationId xmlns:a16="http://schemas.microsoft.com/office/drawing/2014/main" id="{7DC8BB75-F088-8F42-8358-E0F0D1C35D0F}"/>
+              </a:ext>
+            </a:extLst>
+          </p:cNvPr>
+          <p:cNvSpPr txBox="1"/>
+          <p:nvPr/>
+        </p:nvSpPr>
+        <p:spPr>
+          <a:xfrm>
+            <a:off x="383177" y="5266509"/>
+            <a:ext cx="3013166" cy="646331"/>
+          </a:xfrm>
+          <a:prstGeom prst="rect">
+            <a:avLst/>
+          </a:prstGeom>
+          <a:noFill/>
+        </p:spPr>
+        <p:txBody>
+          <a:bodyPr wrap="square" rtlCol="0">
+            <a:spAutoFit/>
+          </a:bodyPr>
+          <a:lstStyle/>
+          <a:p>
+            <a:r>
+              <a:rPr lang="en-US" dirty="0" err="1"/>
+              <a:t>Runtime.js</a:t>
+            </a:r>
+            <a:r>
+              <a:rPr lang="en-US" dirty="0"/>
+              <a:t> / </a:t>
+            </a:r>
+            <a:r>
+              <a:rPr lang="en-US" dirty="0" err="1"/>
+              <a:t>polyfills.js</a:t>
+            </a:r>
+            <a:r>
+              <a:rPr lang="en-US" dirty="0"/>
+              <a:t> / </a:t>
+            </a:r>
+            <a:r>
+              <a:rPr lang="en-US" dirty="0" err="1"/>
+              <a:t>Styles.css</a:t>
+            </a:r>
+            <a:r>
+              <a:rPr lang="en-US" dirty="0"/>
+              <a:t> / </a:t>
+            </a:r>
+            <a:r>
+              <a:rPr lang="en-US" dirty="0" err="1"/>
+              <a:t>main.js</a:t>
+            </a:r>
+            <a:endParaRPr lang="en-US" dirty="0"/>
+          </a:p>
+        </p:txBody>
+      </p:sp>
+      <p:sp>
+        <p:nvSpPr>
+          <p:cNvPr id="20" name="Rectangle 19">
+            <a:extLst>
+              <a:ext uri="{FF2B5EF4-FFF2-40B4-BE49-F238E27FC236}">
+                <a16:creationId xmlns:a16="http://schemas.microsoft.com/office/drawing/2014/main" id="{9E17731F-C316-114F-A9F6-04BAFFD2106E}"/>
+              </a:ext>
+            </a:extLst>
+          </p:cNvPr>
+          <p:cNvSpPr/>
+          <p:nvPr/>
+        </p:nvSpPr>
+        <p:spPr>
+          <a:xfrm>
+            <a:off x="1238791" y="3208964"/>
+            <a:ext cx="940526" cy="809898"/>
+          </a:xfrm>
+          <a:prstGeom prst="rect">
+            <a:avLst/>
+          </a:prstGeom>
+          <a:solidFill>
+            <a:srgbClr val="FF0000"/>
+          </a:solidFill>
+        </p:spPr>
+        <p:style>
+          <a:lnRef idx="2">
+            <a:schemeClr val="accent1">
+              <a:shade val="50000"/>
+            </a:schemeClr>
+          </a:lnRef>
+          <a:fillRef idx="1">
+            <a:schemeClr val="accent1"/>
+          </a:fillRef>
+          <a:effectRef idx="0">
+            <a:schemeClr val="accent1"/>
+          </a:effectRef>
+          <a:fontRef idx="minor">
+            <a:schemeClr val="lt1"/>
+          </a:fontRef>
+        </p:style>
+        <p:txBody>
+          <a:bodyPr rtlCol="0" anchor="ctr"/>
+          <a:lstStyle/>
+          <a:p>
+            <a:pPr algn="ctr"/>
+            <a:r>
+              <a:rPr lang="en-US" dirty="0"/>
+              <a:t>Admin</a:t>
+            </a:r>
+          </a:p>
+          <a:p>
+            <a:pPr algn="ctr"/>
+            <a:r>
+              <a:rPr lang="en-US" dirty="0"/>
+              <a:t>Module</a:t>
+            </a:r>
+          </a:p>
+        </p:txBody>
+      </p:sp>
+      <p:sp>
+        <p:nvSpPr>
+          <p:cNvPr id="21" name="Rectangle 20">
+            <a:extLst>
+              <a:ext uri="{FF2B5EF4-FFF2-40B4-BE49-F238E27FC236}">
+                <a16:creationId xmlns:a16="http://schemas.microsoft.com/office/drawing/2014/main" id="{94D1CBA8-3EA1-E742-AF96-1CAFD85D40E8}"/>
+              </a:ext>
+            </a:extLst>
+          </p:cNvPr>
+          <p:cNvSpPr/>
+          <p:nvPr/>
+        </p:nvSpPr>
+        <p:spPr>
+          <a:xfrm>
+            <a:off x="2235924" y="3208964"/>
+            <a:ext cx="1012373" cy="809898"/>
+          </a:xfrm>
+          <a:prstGeom prst="rect">
+            <a:avLst/>
+          </a:prstGeom>
+          <a:solidFill>
+            <a:srgbClr val="FF0000"/>
+          </a:solidFill>
+        </p:spPr>
+        <p:style>
+          <a:lnRef idx="2">
+            <a:schemeClr val="accent1">
+              <a:shade val="50000"/>
+            </a:schemeClr>
+          </a:lnRef>
+          <a:fillRef idx="1">
+            <a:schemeClr val="accent1"/>
+          </a:fillRef>
+          <a:effectRef idx="0">
+            <a:schemeClr val="accent1"/>
+          </a:effectRef>
+          <a:fontRef idx="minor">
+            <a:schemeClr val="lt1"/>
+          </a:fontRef>
+        </p:style>
+        <p:txBody>
+          <a:bodyPr rtlCol="0" anchor="ctr"/>
+          <a:lstStyle/>
+          <a:p>
+            <a:pPr algn="ctr"/>
+            <a:r>
+              <a:rPr lang="en-US" dirty="0"/>
+              <a:t>Manager</a:t>
+            </a:r>
+          </a:p>
+          <a:p>
+            <a:pPr algn="ctr"/>
+            <a:r>
+              <a:rPr lang="en-US" dirty="0"/>
+              <a:t>Module</a:t>
+            </a:r>
+          </a:p>
+        </p:txBody>
+      </p:sp>
+      <p:sp>
+        <p:nvSpPr>
+          <p:cNvPr id="22" name="Rectangle 21">
+            <a:extLst>
+              <a:ext uri="{FF2B5EF4-FFF2-40B4-BE49-F238E27FC236}">
+                <a16:creationId xmlns:a16="http://schemas.microsoft.com/office/drawing/2014/main" id="{A790DE58-CA8C-7E4C-B0CA-433EA247EFF6}"/>
+              </a:ext>
+            </a:extLst>
+          </p:cNvPr>
+          <p:cNvSpPr/>
+          <p:nvPr/>
+        </p:nvSpPr>
+        <p:spPr>
+          <a:xfrm>
+            <a:off x="359227" y="4221479"/>
+            <a:ext cx="1221379" cy="809898"/>
+          </a:xfrm>
+          <a:prstGeom prst="rect">
+            <a:avLst/>
+          </a:prstGeom>
+          <a:solidFill>
+            <a:srgbClr val="FF0000"/>
+          </a:solidFill>
+        </p:spPr>
+        <p:style>
+          <a:lnRef idx="2">
+            <a:schemeClr val="accent1">
+              <a:shade val="50000"/>
+            </a:schemeClr>
+          </a:lnRef>
+          <a:fillRef idx="1">
+            <a:schemeClr val="accent1"/>
+          </a:fillRef>
+          <a:effectRef idx="0">
+            <a:schemeClr val="accent1"/>
+          </a:effectRef>
+          <a:fontRef idx="minor">
+            <a:schemeClr val="lt1"/>
+          </a:fontRef>
+        </p:style>
+        <p:txBody>
+          <a:bodyPr rtlCol="0" anchor="ctr"/>
+          <a:lstStyle/>
+          <a:p>
+            <a:pPr algn="ctr"/>
+            <a:r>
+              <a:rPr lang="en-US" dirty="0"/>
+              <a:t>Operator</a:t>
+            </a:r>
+          </a:p>
+          <a:p>
+            <a:pPr algn="ctr"/>
+            <a:r>
+              <a:rPr lang="en-US" dirty="0"/>
+              <a:t>Module</a:t>
+            </a:r>
+          </a:p>
+        </p:txBody>
+      </p:sp>
+      <p:sp>
+        <p:nvSpPr>
+          <p:cNvPr id="23" name="Rectangle 22">
+            <a:extLst>
+              <a:ext uri="{FF2B5EF4-FFF2-40B4-BE49-F238E27FC236}">
+                <a16:creationId xmlns:a16="http://schemas.microsoft.com/office/drawing/2014/main" id="{058C9128-67A9-8244-8BA6-CA8F4A5420A7}"/>
+              </a:ext>
+            </a:extLst>
+          </p:cNvPr>
+          <p:cNvSpPr/>
+          <p:nvPr/>
+        </p:nvSpPr>
+        <p:spPr>
+          <a:xfrm>
+            <a:off x="1730828" y="4233453"/>
+            <a:ext cx="1221379" cy="809898"/>
+          </a:xfrm>
+          <a:prstGeom prst="rect">
+            <a:avLst/>
+          </a:prstGeom>
+          <a:solidFill>
+            <a:srgbClr val="FF0000"/>
+          </a:solidFill>
+        </p:spPr>
+        <p:style>
+          <a:lnRef idx="2">
+            <a:schemeClr val="accent1">
+              <a:shade val="50000"/>
+            </a:schemeClr>
+          </a:lnRef>
+          <a:fillRef idx="1">
+            <a:schemeClr val="accent1"/>
+          </a:fillRef>
+          <a:effectRef idx="0">
+            <a:schemeClr val="accent1"/>
+          </a:effectRef>
+          <a:fontRef idx="minor">
+            <a:schemeClr val="lt1"/>
+          </a:fontRef>
+        </p:style>
+        <p:txBody>
+          <a:bodyPr rtlCol="0" anchor="ctr"/>
+          <a:lstStyle/>
+          <a:p>
+            <a:pPr algn="ctr"/>
+            <a:r>
+              <a:rPr lang="en-US" dirty="0"/>
+              <a:t>Guest</a:t>
+            </a:r>
+          </a:p>
+          <a:p>
+            <a:pPr algn="ctr"/>
+            <a:r>
+              <a:rPr lang="en-US" dirty="0"/>
+              <a:t>Module</a:t>
+            </a:r>
+          </a:p>
+        </p:txBody>
+      </p:sp>
+      <p:sp>
+        <p:nvSpPr>
+          <p:cNvPr id="24" name="Rectangle 23">
+            <a:extLst>
+              <a:ext uri="{FF2B5EF4-FFF2-40B4-BE49-F238E27FC236}">
+                <a16:creationId xmlns:a16="http://schemas.microsoft.com/office/drawing/2014/main" id="{B7CC743F-189A-4B43-9485-A77BDF8EF3DC}"/>
+              </a:ext>
+            </a:extLst>
+          </p:cNvPr>
+          <p:cNvSpPr/>
+          <p:nvPr/>
+        </p:nvSpPr>
+        <p:spPr>
+          <a:xfrm>
+            <a:off x="269962" y="3195903"/>
+            <a:ext cx="940526" cy="809898"/>
+          </a:xfrm>
+          <a:prstGeom prst="rect">
+            <a:avLst/>
+          </a:prstGeom>
+          <a:solidFill>
+            <a:srgbClr val="FF0000"/>
+          </a:solidFill>
+        </p:spPr>
+        <p:style>
+          <a:lnRef idx="2">
+            <a:schemeClr val="accent1">
+              <a:shade val="50000"/>
+            </a:schemeClr>
+          </a:lnRef>
+          <a:fillRef idx="1">
+            <a:schemeClr val="accent1"/>
+          </a:fillRef>
+          <a:effectRef idx="0">
+            <a:schemeClr val="accent1"/>
+          </a:effectRef>
+          <a:fontRef idx="minor">
+            <a:schemeClr val="lt1"/>
+          </a:fontRef>
+        </p:style>
+        <p:txBody>
+          <a:bodyPr rtlCol="0" anchor="ctr"/>
+          <a:lstStyle/>
+          <a:p>
+            <a:pPr algn="ctr"/>
+            <a:r>
+              <a:rPr lang="en-US" dirty="0"/>
+              <a:t>Auth</a:t>
+            </a:r>
+          </a:p>
+          <a:p>
+            <a:pPr algn="ctr"/>
+            <a:r>
+              <a:rPr lang="en-US" dirty="0"/>
+              <a:t>Module</a:t>
+            </a:r>
+          </a:p>
+        </p:txBody>
+      </p:sp>
+      <p:sp>
+        <p:nvSpPr>
+          <p:cNvPr id="25" name="TextBox 24">
+            <a:extLst>
+              <a:ext uri="{FF2B5EF4-FFF2-40B4-BE49-F238E27FC236}">
+                <a16:creationId xmlns:a16="http://schemas.microsoft.com/office/drawing/2014/main" id="{B3AC269B-6F62-624F-9512-FE03E4D8FFD4}"/>
+              </a:ext>
+            </a:extLst>
+          </p:cNvPr>
+          <p:cNvSpPr txBox="1"/>
+          <p:nvPr/>
+        </p:nvSpPr>
+        <p:spPr>
+          <a:xfrm>
+            <a:off x="359227" y="705394"/>
+            <a:ext cx="4755970" cy="923330"/>
+          </a:xfrm>
+          <a:prstGeom prst="rect">
+            <a:avLst/>
+          </a:prstGeom>
+          <a:noFill/>
+        </p:spPr>
+        <p:txBody>
+          <a:bodyPr wrap="square" rtlCol="0">
+            <a:spAutoFit/>
+          </a:bodyPr>
+          <a:lstStyle/>
+          <a:p>
+            <a:pPr marL="342900" indent="-342900">
+              <a:buAutoNum type="arabicPeriod"/>
+            </a:pPr>
+            <a:r>
+              <a:rPr lang="en-US" dirty="0"/>
+              <a:t>Creating Shared Modules</a:t>
+            </a:r>
+          </a:p>
+          <a:p>
+            <a:pPr marL="342900" indent="-342900">
+              <a:buAutoNum type="arabicPeriod"/>
+            </a:pPr>
+            <a:r>
+              <a:rPr lang="en-US" dirty="0"/>
+              <a:t>Lazy Loading Shared Modules</a:t>
+            </a:r>
+          </a:p>
+          <a:p>
+            <a:pPr marL="342900" indent="-342900">
+              <a:buAutoNum type="arabicPeriod"/>
+            </a:pPr>
+            <a:r>
+              <a:rPr lang="en-US" dirty="0"/>
+              <a:t>Role Base Access to the Route </a:t>
+            </a:r>
+          </a:p>
+        </p:txBody>
+      </p:sp>
+    </p:spTree>
+    <p:extLst>
+      <p:ext uri="{BB962C8B-B14F-4D97-AF65-F5344CB8AC3E}">
+        <p14:creationId xmlns:p14="http://schemas.microsoft.com/office/powerpoint/2010/main" val="1156328136"/>
+      </p:ext>
+    </p:extLst>
+  </p:cSld>
+  <p:clrMapOvr>
+    <a:masterClrMapping/>
+  </p:clrMapOvr>
+</p:sld>
+</file>
+
+<file path=ppt/slides/slide16.xml><?xml version="1.0" encoding="utf-8"?>
+<p:sld xmlns:a="http://schemas.openxmlformats.org/drawingml/2006/main" xmlns:r="http://schemas.openxmlformats.org/officeDocument/2006/relationships" xmlns:p="http://schemas.openxmlformats.org/presentationml/2006/main">
+  <p:cSld>
+    <p:spTree>
+      <p:nvGrpSpPr>
+        <p:cNvPr id="1" name=""/>
+        <p:cNvGrpSpPr/>
+        <p:nvPr/>
+      </p:nvGrpSpPr>
+      <p:grpSpPr>
+        <a:xfrm>
+          <a:off x="0" y="0"/>
+          <a:ext cx="0" cy="0"/>
+          <a:chOff x="0" y="0"/>
+          <a:chExt cx="0" cy="0"/>
+        </a:xfrm>
+      </p:grpSpPr>
+      <p:sp>
+        <p:nvSpPr>
+          <p:cNvPr id="2" name="Rectangle 1">
+            <a:extLst>
+              <a:ext uri="{FF2B5EF4-FFF2-40B4-BE49-F238E27FC236}">
+                <a16:creationId xmlns:a16="http://schemas.microsoft.com/office/drawing/2014/main" id="{3DCF4DED-437F-5449-A324-6F6F98ACA1C6}"/>
+              </a:ext>
+            </a:extLst>
+          </p:cNvPr>
+          <p:cNvSpPr/>
+          <p:nvPr/>
+        </p:nvSpPr>
+        <p:spPr>
+          <a:xfrm>
+            <a:off x="478971" y="1140823"/>
+            <a:ext cx="11530149" cy="5503817"/>
+          </a:xfrm>
+          <a:prstGeom prst="rect">
+            <a:avLst/>
+          </a:prstGeom>
+        </p:spPr>
+        <p:style>
+          <a:lnRef idx="2">
+            <a:schemeClr val="accent6"/>
+          </a:lnRef>
+          <a:fillRef idx="1">
+            <a:schemeClr val="lt1"/>
+          </a:fillRef>
+          <a:effectRef idx="0">
+            <a:schemeClr val="accent6"/>
+          </a:effectRef>
+          <a:fontRef idx="minor">
+            <a:schemeClr val="dk1"/>
+          </a:fontRef>
+        </p:style>
+        <p:txBody>
+          <a:bodyPr rtlCol="0" anchor="ctr"/>
+          <a:lstStyle/>
+          <a:p>
+            <a:pPr algn="ctr"/>
+            <a:endParaRPr lang="en-US"/>
+          </a:p>
+        </p:txBody>
+      </p:sp>
+      <p:sp>
+        <p:nvSpPr>
+          <p:cNvPr id="3" name="TextBox 2">
+            <a:extLst>
+              <a:ext uri="{FF2B5EF4-FFF2-40B4-BE49-F238E27FC236}">
+                <a16:creationId xmlns:a16="http://schemas.microsoft.com/office/drawing/2014/main" id="{162F7F34-2AD5-274B-AB00-8A7B43A6E81F}"/>
+              </a:ext>
+            </a:extLst>
+          </p:cNvPr>
+          <p:cNvSpPr txBox="1"/>
+          <p:nvPr/>
+        </p:nvSpPr>
+        <p:spPr>
+          <a:xfrm>
+            <a:off x="3317966" y="1227909"/>
+            <a:ext cx="6139543" cy="369332"/>
+          </a:xfrm>
+          <a:prstGeom prst="rect">
+            <a:avLst/>
+          </a:prstGeom>
+          <a:noFill/>
+        </p:spPr>
+        <p:txBody>
+          <a:bodyPr wrap="square" rtlCol="0">
+            <a:spAutoFit/>
+          </a:bodyPr>
+          <a:lstStyle/>
+          <a:p>
+            <a:r>
+              <a:rPr lang="en-US" dirty="0"/>
+              <a:t>Angular App with Angular Service for Http calls and Interceptor</a:t>
+            </a:r>
+          </a:p>
+        </p:txBody>
+      </p:sp>
+      <p:sp>
+        <p:nvSpPr>
+          <p:cNvPr id="4" name="Rounded Rectangle 3">
+            <a:extLst>
+              <a:ext uri="{FF2B5EF4-FFF2-40B4-BE49-F238E27FC236}">
+                <a16:creationId xmlns:a16="http://schemas.microsoft.com/office/drawing/2014/main" id="{2E3F69E1-9F5B-8C4F-A170-503814745057}"/>
+              </a:ext>
+            </a:extLst>
+          </p:cNvPr>
+          <p:cNvSpPr/>
+          <p:nvPr/>
+        </p:nvSpPr>
+        <p:spPr>
+          <a:xfrm>
+            <a:off x="566057" y="3004457"/>
+            <a:ext cx="1959429" cy="1349829"/>
+          </a:xfrm>
+          <a:prstGeom prst="roundRect">
+            <a:avLst/>
+          </a:prstGeom>
+        </p:spPr>
+        <p:style>
+          <a:lnRef idx="2">
+            <a:schemeClr val="accent1">
+              <a:shade val="50000"/>
+            </a:schemeClr>
+          </a:lnRef>
+          <a:fillRef idx="1">
+            <a:schemeClr val="accent1"/>
+          </a:fillRef>
+          <a:effectRef idx="0">
+            <a:schemeClr val="accent1"/>
+          </a:effectRef>
+          <a:fontRef idx="minor">
+            <a:schemeClr val="lt1"/>
+          </a:fontRef>
+        </p:style>
+        <p:txBody>
+          <a:bodyPr rtlCol="0" anchor="ctr"/>
+          <a:lstStyle/>
+          <a:p>
+            <a:pPr algn="ctr"/>
+            <a:r>
+              <a:rPr lang="en-US" dirty="0"/>
+              <a:t>Component</a:t>
+            </a:r>
+          </a:p>
+        </p:txBody>
+      </p:sp>
+      <p:sp>
+        <p:nvSpPr>
+          <p:cNvPr id="5" name="Rounded Rectangle 4">
+            <a:extLst>
+              <a:ext uri="{FF2B5EF4-FFF2-40B4-BE49-F238E27FC236}">
+                <a16:creationId xmlns:a16="http://schemas.microsoft.com/office/drawing/2014/main" id="{38FEEC59-874A-EF47-9587-2E406EED0337}"/>
+              </a:ext>
+            </a:extLst>
+          </p:cNvPr>
+          <p:cNvSpPr/>
+          <p:nvPr/>
+        </p:nvSpPr>
+        <p:spPr>
+          <a:xfrm>
+            <a:off x="3487782" y="3019697"/>
+            <a:ext cx="1959429" cy="1349829"/>
+          </a:xfrm>
+          <a:prstGeom prst="roundRect">
+            <a:avLst/>
+          </a:prstGeom>
+        </p:spPr>
+        <p:style>
+          <a:lnRef idx="2">
+            <a:schemeClr val="accent1">
+              <a:shade val="50000"/>
+            </a:schemeClr>
+          </a:lnRef>
+          <a:fillRef idx="1">
+            <a:schemeClr val="accent1"/>
+          </a:fillRef>
+          <a:effectRef idx="0">
+            <a:schemeClr val="accent1"/>
+          </a:effectRef>
+          <a:fontRef idx="minor">
+            <a:schemeClr val="lt1"/>
+          </a:fontRef>
+        </p:style>
+        <p:txBody>
+          <a:bodyPr rtlCol="0" anchor="ctr"/>
+          <a:lstStyle/>
+          <a:p>
+            <a:pPr algn="ctr"/>
+            <a:r>
+              <a:rPr lang="en-US" dirty="0"/>
+              <a:t>Service</a:t>
+            </a:r>
+          </a:p>
+        </p:txBody>
+      </p:sp>
+      <p:sp>
+        <p:nvSpPr>
+          <p:cNvPr id="6" name="Right Arrow 5">
+            <a:extLst>
+              <a:ext uri="{FF2B5EF4-FFF2-40B4-BE49-F238E27FC236}">
+                <a16:creationId xmlns:a16="http://schemas.microsoft.com/office/drawing/2014/main" id="{11823A4B-86DC-224B-80E6-8A26CE0CC9AC}"/>
+              </a:ext>
+            </a:extLst>
+          </p:cNvPr>
+          <p:cNvSpPr/>
+          <p:nvPr/>
+        </p:nvSpPr>
+        <p:spPr>
+          <a:xfrm>
+            <a:off x="2525486" y="3265714"/>
+            <a:ext cx="962296" cy="287383"/>
+          </a:xfrm>
+          <a:prstGeom prst="rightArrow">
+            <a:avLst/>
+          </a:prstGeom>
+          <a:solidFill>
+            <a:srgbClr val="FF0000"/>
+          </a:solidFill>
+        </p:spPr>
+        <p:style>
+          <a:lnRef idx="2">
+            <a:schemeClr val="accent1">
+              <a:shade val="50000"/>
+            </a:schemeClr>
+          </a:lnRef>
+          <a:fillRef idx="1">
+            <a:schemeClr val="accent1"/>
+          </a:fillRef>
+          <a:effectRef idx="0">
+            <a:schemeClr val="accent1"/>
+          </a:effectRef>
+          <a:fontRef idx="minor">
+            <a:schemeClr val="lt1"/>
+          </a:fontRef>
+        </p:style>
+        <p:txBody>
+          <a:bodyPr rtlCol="0" anchor="ctr"/>
+          <a:lstStyle/>
+          <a:p>
+            <a:pPr algn="ctr"/>
+            <a:endParaRPr lang="en-US"/>
+          </a:p>
+        </p:txBody>
+      </p:sp>
+      <p:sp>
+        <p:nvSpPr>
+          <p:cNvPr id="7" name="Rounded Rectangle 6">
+            <a:extLst>
+              <a:ext uri="{FF2B5EF4-FFF2-40B4-BE49-F238E27FC236}">
+                <a16:creationId xmlns:a16="http://schemas.microsoft.com/office/drawing/2014/main" id="{534E0793-89D3-584C-8EA3-FAEA43958748}"/>
+              </a:ext>
+            </a:extLst>
+          </p:cNvPr>
+          <p:cNvSpPr/>
+          <p:nvPr/>
+        </p:nvSpPr>
+        <p:spPr>
+          <a:xfrm>
+            <a:off x="6035040" y="2397034"/>
+            <a:ext cx="1959429" cy="2749731"/>
+          </a:xfrm>
+          <a:prstGeom prst="roundRect">
+            <a:avLst/>
+          </a:prstGeom>
+        </p:spPr>
+        <p:style>
+          <a:lnRef idx="2">
+            <a:schemeClr val="accent1">
+              <a:shade val="50000"/>
+            </a:schemeClr>
+          </a:lnRef>
+          <a:fillRef idx="1">
+            <a:schemeClr val="accent1"/>
+          </a:fillRef>
+          <a:effectRef idx="0">
+            <a:schemeClr val="accent1"/>
+          </a:effectRef>
+          <a:fontRef idx="minor">
+            <a:schemeClr val="lt1"/>
+          </a:fontRef>
+        </p:style>
+        <p:txBody>
+          <a:bodyPr rtlCol="0" anchor="ctr"/>
+          <a:lstStyle/>
+          <a:p>
+            <a:pPr algn="ctr"/>
+            <a:r>
+              <a:rPr lang="en-US" dirty="0" err="1"/>
+              <a:t>HttpInterceptor</a:t>
+            </a:r>
+            <a:endParaRPr lang="en-US" dirty="0"/>
+          </a:p>
+        </p:txBody>
+      </p:sp>
+      <p:sp>
+        <p:nvSpPr>
+          <p:cNvPr id="8" name="Right Arrow 7">
+            <a:extLst>
+              <a:ext uri="{FF2B5EF4-FFF2-40B4-BE49-F238E27FC236}">
+                <a16:creationId xmlns:a16="http://schemas.microsoft.com/office/drawing/2014/main" id="{AF9F4A06-9C70-FB42-87BD-1F09DB234CEE}"/>
+              </a:ext>
+            </a:extLst>
+          </p:cNvPr>
+          <p:cNvSpPr/>
+          <p:nvPr/>
+        </p:nvSpPr>
+        <p:spPr>
+          <a:xfrm>
+            <a:off x="5447211" y="3265714"/>
+            <a:ext cx="570412" cy="287383"/>
+          </a:xfrm>
+          <a:prstGeom prst="rightArrow">
+            <a:avLst/>
+          </a:prstGeom>
+          <a:solidFill>
+            <a:srgbClr val="FF0000"/>
+          </a:solidFill>
+        </p:spPr>
+        <p:style>
+          <a:lnRef idx="2">
+            <a:schemeClr val="accent1">
+              <a:shade val="50000"/>
+            </a:schemeClr>
+          </a:lnRef>
+          <a:fillRef idx="1">
+            <a:schemeClr val="accent1"/>
+          </a:fillRef>
+          <a:effectRef idx="0">
+            <a:schemeClr val="accent1"/>
+          </a:effectRef>
+          <a:fontRef idx="minor">
+            <a:schemeClr val="lt1"/>
+          </a:fontRef>
+        </p:style>
+        <p:txBody>
+          <a:bodyPr rtlCol="0" anchor="ctr"/>
+          <a:lstStyle/>
+          <a:p>
+            <a:pPr algn="ctr"/>
+            <a:endParaRPr lang="en-US"/>
+          </a:p>
+        </p:txBody>
+      </p:sp>
+      <p:sp>
+        <p:nvSpPr>
+          <p:cNvPr id="9" name="Rectangle 8">
+            <a:extLst>
+              <a:ext uri="{FF2B5EF4-FFF2-40B4-BE49-F238E27FC236}">
+                <a16:creationId xmlns:a16="http://schemas.microsoft.com/office/drawing/2014/main" id="{CFE01481-E817-0B42-AD03-4262B4712421}"/>
+              </a:ext>
+            </a:extLst>
+          </p:cNvPr>
+          <p:cNvSpPr/>
+          <p:nvPr/>
+        </p:nvSpPr>
+        <p:spPr>
+          <a:xfrm>
+            <a:off x="6244045" y="3019697"/>
+            <a:ext cx="1602378" cy="533400"/>
+          </a:xfrm>
+          <a:prstGeom prst="rect">
+            <a:avLst/>
+          </a:prstGeom>
+        </p:spPr>
+        <p:style>
+          <a:lnRef idx="2">
+            <a:schemeClr val="dk1">
+              <a:shade val="50000"/>
+            </a:schemeClr>
+          </a:lnRef>
+          <a:fillRef idx="1">
+            <a:schemeClr val="dk1"/>
+          </a:fillRef>
+          <a:effectRef idx="0">
+            <a:schemeClr val="dk1"/>
+          </a:effectRef>
+          <a:fontRef idx="minor">
+            <a:schemeClr val="lt1"/>
+          </a:fontRef>
+        </p:style>
+        <p:txBody>
+          <a:bodyPr rtlCol="0" anchor="ctr"/>
+          <a:lstStyle/>
+          <a:p>
+            <a:pPr algn="ctr"/>
+            <a:r>
+              <a:rPr lang="en-US" dirty="0"/>
+              <a:t>Request</a:t>
+            </a:r>
+          </a:p>
+          <a:p>
+            <a:pPr algn="ctr"/>
+            <a:r>
+              <a:rPr lang="en-US" dirty="0"/>
+              <a:t>Handling</a:t>
+            </a:r>
+          </a:p>
+        </p:txBody>
+      </p:sp>
+      <p:sp>
+        <p:nvSpPr>
+          <p:cNvPr id="10" name="Right Arrow 9">
+            <a:extLst>
+              <a:ext uri="{FF2B5EF4-FFF2-40B4-BE49-F238E27FC236}">
+                <a16:creationId xmlns:a16="http://schemas.microsoft.com/office/drawing/2014/main" id="{4CF45146-EB8B-9A4C-988F-036C19735BA3}"/>
+              </a:ext>
+            </a:extLst>
+          </p:cNvPr>
+          <p:cNvSpPr/>
+          <p:nvPr/>
+        </p:nvSpPr>
+        <p:spPr>
+          <a:xfrm>
+            <a:off x="7846423" y="3141617"/>
+            <a:ext cx="1602378" cy="287383"/>
+          </a:xfrm>
+          <a:prstGeom prst="rightArrow">
+            <a:avLst/>
+          </a:prstGeom>
+          <a:solidFill>
+            <a:srgbClr val="FF0000"/>
+          </a:solidFill>
+        </p:spPr>
+        <p:style>
+          <a:lnRef idx="2">
+            <a:schemeClr val="accent1">
+              <a:shade val="50000"/>
+            </a:schemeClr>
+          </a:lnRef>
+          <a:fillRef idx="1">
+            <a:schemeClr val="accent1"/>
+          </a:fillRef>
+          <a:effectRef idx="0">
+            <a:schemeClr val="accent1"/>
+          </a:effectRef>
+          <a:fontRef idx="minor">
+            <a:schemeClr val="lt1"/>
+          </a:fontRef>
+        </p:style>
+        <p:txBody>
+          <a:bodyPr rtlCol="0" anchor="ctr"/>
+          <a:lstStyle/>
+          <a:p>
+            <a:pPr algn="ctr"/>
+            <a:endParaRPr lang="en-US"/>
+          </a:p>
+        </p:txBody>
+      </p:sp>
+      <p:sp>
+        <p:nvSpPr>
+          <p:cNvPr id="11" name="TextBox 10">
+            <a:extLst>
+              <a:ext uri="{FF2B5EF4-FFF2-40B4-BE49-F238E27FC236}">
+                <a16:creationId xmlns:a16="http://schemas.microsoft.com/office/drawing/2014/main" id="{EC6C2FEA-35D9-CF48-A339-C03315597BD1}"/>
+              </a:ext>
+            </a:extLst>
+          </p:cNvPr>
+          <p:cNvSpPr txBox="1"/>
+          <p:nvPr/>
+        </p:nvSpPr>
+        <p:spPr>
+          <a:xfrm>
+            <a:off x="4781006" y="1959429"/>
+            <a:ext cx="1314993" cy="646331"/>
+          </a:xfrm>
+          <a:prstGeom prst="rect">
+            <a:avLst/>
+          </a:prstGeom>
+          <a:noFill/>
+        </p:spPr>
+        <p:txBody>
+          <a:bodyPr wrap="square" rtlCol="0">
+            <a:spAutoFit/>
+          </a:bodyPr>
+          <a:lstStyle/>
+          <a:p>
+            <a:r>
+              <a:rPr lang="en-US" dirty="0"/>
+              <a:t>Original Http request</a:t>
+            </a:r>
+          </a:p>
+        </p:txBody>
+      </p:sp>
+      <p:cxnSp>
+        <p:nvCxnSpPr>
+          <p:cNvPr id="13" name="Straight Arrow Connector 12">
+            <a:extLst>
+              <a:ext uri="{FF2B5EF4-FFF2-40B4-BE49-F238E27FC236}">
+                <a16:creationId xmlns:a16="http://schemas.microsoft.com/office/drawing/2014/main" id="{435CA9A1-B889-1544-BA47-90AFC45440D5}"/>
+              </a:ext>
+            </a:extLst>
+          </p:cNvPr>
+          <p:cNvCxnSpPr/>
+          <p:nvPr/>
+        </p:nvCxnSpPr>
+        <p:spPr>
+          <a:xfrm>
+            <a:off x="5738949" y="2569029"/>
+            <a:ext cx="0" cy="740229"/>
+          </a:xfrm>
+          <a:prstGeom prst="straightConnector1">
+            <a:avLst/>
+          </a:prstGeom>
+          <a:ln>
+            <a:tailEnd type="triangle"/>
+          </a:ln>
+        </p:spPr>
+        <p:style>
+          <a:lnRef idx="1">
+            <a:schemeClr val="accent1"/>
+          </a:lnRef>
+          <a:fillRef idx="0">
+            <a:schemeClr val="accent1"/>
+          </a:fillRef>
+          <a:effectRef idx="0">
+            <a:schemeClr val="accent1"/>
+          </a:effectRef>
+          <a:fontRef idx="minor">
+            <a:schemeClr val="tx1"/>
+          </a:fontRef>
+        </p:style>
+      </p:cxnSp>
+      <p:sp>
+        <p:nvSpPr>
+          <p:cNvPr id="14" name="TextBox 13">
+            <a:extLst>
+              <a:ext uri="{FF2B5EF4-FFF2-40B4-BE49-F238E27FC236}">
+                <a16:creationId xmlns:a16="http://schemas.microsoft.com/office/drawing/2014/main" id="{76598F11-EDC5-E84C-B61B-BAF2109C8164}"/>
+              </a:ext>
+            </a:extLst>
+          </p:cNvPr>
+          <p:cNvSpPr txBox="1"/>
+          <p:nvPr/>
+        </p:nvSpPr>
+        <p:spPr>
+          <a:xfrm>
+            <a:off x="7994469" y="2238103"/>
+            <a:ext cx="2246811" cy="923330"/>
+          </a:xfrm>
+          <a:prstGeom prst="rect">
+            <a:avLst/>
+          </a:prstGeom>
+          <a:noFill/>
+        </p:spPr>
+        <p:txBody>
+          <a:bodyPr wrap="square" rtlCol="0">
+            <a:spAutoFit/>
+          </a:bodyPr>
+          <a:lstStyle/>
+          <a:p>
+            <a:r>
+              <a:rPr lang="en-US" dirty="0"/>
+              <a:t>Modified Http Request by in receptor</a:t>
+            </a:r>
+          </a:p>
+        </p:txBody>
+      </p:sp>
+      <p:sp>
+        <p:nvSpPr>
+          <p:cNvPr id="15" name="Left Arrow 14">
+            <a:extLst>
+              <a:ext uri="{FF2B5EF4-FFF2-40B4-BE49-F238E27FC236}">
+                <a16:creationId xmlns:a16="http://schemas.microsoft.com/office/drawing/2014/main" id="{6D08FDEF-28E2-A845-9CC9-A8DA7D3B6E42}"/>
+              </a:ext>
+            </a:extLst>
+          </p:cNvPr>
+          <p:cNvSpPr/>
+          <p:nvPr/>
+        </p:nvSpPr>
+        <p:spPr>
+          <a:xfrm>
+            <a:off x="7837715" y="3984171"/>
+            <a:ext cx="1959429" cy="287383"/>
+          </a:xfrm>
+          <a:prstGeom prst="leftArrow">
+            <a:avLst/>
+          </a:prstGeom>
+          <a:solidFill>
+            <a:srgbClr val="FF0000"/>
+          </a:solidFill>
+        </p:spPr>
+        <p:style>
+          <a:lnRef idx="2">
+            <a:schemeClr val="accent1">
+              <a:shade val="50000"/>
+            </a:schemeClr>
+          </a:lnRef>
+          <a:fillRef idx="1">
+            <a:schemeClr val="accent1"/>
+          </a:fillRef>
+          <a:effectRef idx="0">
+            <a:schemeClr val="accent1"/>
+          </a:effectRef>
+          <a:fontRef idx="minor">
+            <a:schemeClr val="lt1"/>
+          </a:fontRef>
+        </p:style>
+        <p:txBody>
+          <a:bodyPr rtlCol="0" anchor="ctr"/>
+          <a:lstStyle/>
+          <a:p>
+            <a:pPr algn="ctr"/>
+            <a:endParaRPr lang="en-US"/>
+          </a:p>
+        </p:txBody>
+      </p:sp>
+      <p:sp>
+        <p:nvSpPr>
+          <p:cNvPr id="16" name="TextBox 15">
+            <a:extLst>
+              <a:ext uri="{FF2B5EF4-FFF2-40B4-BE49-F238E27FC236}">
+                <a16:creationId xmlns:a16="http://schemas.microsoft.com/office/drawing/2014/main" id="{1C2C082B-0B2C-2049-9901-A1E05C8088C7}"/>
+              </a:ext>
+            </a:extLst>
+          </p:cNvPr>
+          <p:cNvSpPr txBox="1"/>
+          <p:nvPr/>
+        </p:nvSpPr>
+        <p:spPr>
+          <a:xfrm>
+            <a:off x="8194766" y="4369526"/>
+            <a:ext cx="2046514" cy="369332"/>
+          </a:xfrm>
+          <a:prstGeom prst="rect">
+            <a:avLst/>
+          </a:prstGeom>
+          <a:noFill/>
+        </p:spPr>
+        <p:txBody>
+          <a:bodyPr wrap="square" rtlCol="0">
+            <a:spAutoFit/>
+          </a:bodyPr>
+          <a:lstStyle/>
+          <a:p>
+            <a:r>
+              <a:rPr lang="en-US" dirty="0"/>
+              <a:t>Response</a:t>
+            </a:r>
+          </a:p>
+        </p:txBody>
+      </p:sp>
+      <p:sp>
+        <p:nvSpPr>
+          <p:cNvPr id="17" name="Left Arrow 16">
+            <a:extLst>
+              <a:ext uri="{FF2B5EF4-FFF2-40B4-BE49-F238E27FC236}">
+                <a16:creationId xmlns:a16="http://schemas.microsoft.com/office/drawing/2014/main" id="{0EC1816A-4E87-6843-B159-9F5FE56D1E6D}"/>
+              </a:ext>
+            </a:extLst>
+          </p:cNvPr>
+          <p:cNvSpPr/>
+          <p:nvPr/>
+        </p:nvSpPr>
+        <p:spPr>
+          <a:xfrm>
+            <a:off x="5429792" y="3803468"/>
+            <a:ext cx="587831" cy="287383"/>
+          </a:xfrm>
+          <a:prstGeom prst="leftArrow">
+            <a:avLst/>
+          </a:prstGeom>
+          <a:solidFill>
+            <a:srgbClr val="FF0000"/>
+          </a:solidFill>
+        </p:spPr>
+        <p:style>
+          <a:lnRef idx="2">
+            <a:schemeClr val="accent1">
+              <a:shade val="50000"/>
+            </a:schemeClr>
+          </a:lnRef>
+          <a:fillRef idx="1">
+            <a:schemeClr val="accent1"/>
+          </a:fillRef>
+          <a:effectRef idx="0">
+            <a:schemeClr val="accent1"/>
+          </a:effectRef>
+          <a:fontRef idx="minor">
+            <a:schemeClr val="lt1"/>
+          </a:fontRef>
+        </p:style>
+        <p:txBody>
+          <a:bodyPr rtlCol="0" anchor="ctr"/>
+          <a:lstStyle/>
+          <a:p>
+            <a:pPr algn="ctr"/>
+            <a:endParaRPr lang="en-US"/>
+          </a:p>
+        </p:txBody>
+      </p:sp>
+      <p:cxnSp>
+        <p:nvCxnSpPr>
+          <p:cNvPr id="19" name="Straight Arrow Connector 18">
+            <a:extLst>
+              <a:ext uri="{FF2B5EF4-FFF2-40B4-BE49-F238E27FC236}">
+                <a16:creationId xmlns:a16="http://schemas.microsoft.com/office/drawing/2014/main" id="{CD1CBEFD-226D-2A43-A0C6-D4E51B5061C4}"/>
+              </a:ext>
+            </a:extLst>
+          </p:cNvPr>
+          <p:cNvCxnSpPr/>
+          <p:nvPr/>
+        </p:nvCxnSpPr>
+        <p:spPr>
+          <a:xfrm>
+            <a:off x="5738949" y="3984171"/>
+            <a:ext cx="0" cy="1162594"/>
+          </a:xfrm>
+          <a:prstGeom prst="straightConnector1">
+            <a:avLst/>
+          </a:prstGeom>
+          <a:ln>
+            <a:tailEnd type="triangle"/>
+          </a:ln>
+        </p:spPr>
+        <p:style>
+          <a:lnRef idx="1">
+            <a:schemeClr val="accent1"/>
+          </a:lnRef>
+          <a:fillRef idx="0">
+            <a:schemeClr val="accent1"/>
+          </a:fillRef>
+          <a:effectRef idx="0">
+            <a:schemeClr val="accent1"/>
+          </a:effectRef>
+          <a:fontRef idx="minor">
+            <a:schemeClr val="tx1"/>
+          </a:fontRef>
+        </p:style>
+      </p:cxnSp>
+      <p:sp>
+        <p:nvSpPr>
+          <p:cNvPr id="20" name="TextBox 19">
+            <a:extLst>
+              <a:ext uri="{FF2B5EF4-FFF2-40B4-BE49-F238E27FC236}">
+                <a16:creationId xmlns:a16="http://schemas.microsoft.com/office/drawing/2014/main" id="{9EA26534-D4A8-664E-979A-77F33E6A9BAA}"/>
+              </a:ext>
+            </a:extLst>
+          </p:cNvPr>
+          <p:cNvSpPr txBox="1"/>
+          <p:nvPr/>
+        </p:nvSpPr>
+        <p:spPr>
+          <a:xfrm>
+            <a:off x="4711337" y="5146765"/>
+            <a:ext cx="2926080" cy="369332"/>
+          </a:xfrm>
+          <a:prstGeom prst="rect">
+            <a:avLst/>
+          </a:prstGeom>
+          <a:noFill/>
+        </p:spPr>
+        <p:txBody>
+          <a:bodyPr wrap="square" rtlCol="0">
+            <a:spAutoFit/>
+          </a:bodyPr>
+          <a:lstStyle/>
+          <a:p>
+            <a:r>
+              <a:rPr lang="en-US" dirty="0"/>
+              <a:t>Response</a:t>
+            </a:r>
+          </a:p>
+        </p:txBody>
+      </p:sp>
+      <p:sp>
+        <p:nvSpPr>
+          <p:cNvPr id="21" name="Left Arrow 20">
+            <a:extLst>
+              <a:ext uri="{FF2B5EF4-FFF2-40B4-BE49-F238E27FC236}">
+                <a16:creationId xmlns:a16="http://schemas.microsoft.com/office/drawing/2014/main" id="{6E90A296-3A5D-2E44-B1A5-575B6F936059}"/>
+              </a:ext>
+            </a:extLst>
+          </p:cNvPr>
+          <p:cNvSpPr/>
+          <p:nvPr/>
+        </p:nvSpPr>
+        <p:spPr>
+          <a:xfrm>
+            <a:off x="2525484" y="3771899"/>
+            <a:ext cx="944881" cy="318952"/>
+          </a:xfrm>
+          <a:prstGeom prst="leftArrow">
+            <a:avLst/>
+          </a:prstGeom>
+          <a:solidFill>
+            <a:srgbClr val="FF0000"/>
+          </a:solidFill>
+        </p:spPr>
+        <p:style>
+          <a:lnRef idx="2">
+            <a:schemeClr val="accent1">
+              <a:shade val="50000"/>
+            </a:schemeClr>
+          </a:lnRef>
+          <a:fillRef idx="1">
+            <a:schemeClr val="accent1"/>
+          </a:fillRef>
+          <a:effectRef idx="0">
+            <a:schemeClr val="accent1"/>
+          </a:effectRef>
+          <a:fontRef idx="minor">
+            <a:schemeClr val="lt1"/>
+          </a:fontRef>
+        </p:style>
+        <p:txBody>
+          <a:bodyPr rtlCol="0" anchor="ctr"/>
+          <a:lstStyle/>
+          <a:p>
+            <a:pPr algn="ctr"/>
+            <a:endParaRPr lang="en-US"/>
+          </a:p>
+        </p:txBody>
+      </p:sp>
+    </p:spTree>
+    <p:extLst>
+      <p:ext uri="{BB962C8B-B14F-4D97-AF65-F5344CB8AC3E}">
+        <p14:creationId xmlns:p14="http://schemas.microsoft.com/office/powerpoint/2010/main" val="4271017112"/>
       </p:ext>
     </p:extLst>
   </p:cSld>
